--- a/Final/Nhom01.pptx
+++ b/Final/Nhom01.pptx
@@ -11,49 +11,47 @@
     <p:sldId id="293" r:id="rId5"/>
     <p:sldId id="281" r:id="rId6"/>
     <p:sldId id="282" r:id="rId7"/>
-    <p:sldId id="296" r:id="rId8"/>
-    <p:sldId id="294" r:id="rId9"/>
-    <p:sldId id="297" r:id="rId10"/>
-    <p:sldId id="298" r:id="rId11"/>
-    <p:sldId id="299" r:id="rId12"/>
-    <p:sldId id="300" r:id="rId13"/>
-    <p:sldId id="301" r:id="rId14"/>
-    <p:sldId id="291" r:id="rId15"/>
-    <p:sldId id="295" r:id="rId16"/>
-    <p:sldId id="292" r:id="rId17"/>
-    <p:sldId id="289" r:id="rId18"/>
+    <p:sldId id="294" r:id="rId8"/>
+    <p:sldId id="298" r:id="rId9"/>
+    <p:sldId id="299" r:id="rId10"/>
+    <p:sldId id="300" r:id="rId11"/>
+    <p:sldId id="301" r:id="rId12"/>
+    <p:sldId id="291" r:id="rId13"/>
+    <p:sldId id="295" r:id="rId14"/>
+    <p:sldId id="292" r:id="rId15"/>
+    <p:sldId id="289" r:id="rId16"/>
   </p:sldIdLst>
   <p:sldSz cx="18288000" cy="10287000"/>
   <p:notesSz cx="6858000" cy="9144000"/>
   <p:embeddedFontLst>
     <p:embeddedFont>
       <p:font typeface="Calibri" panose="020F0502020204030204" pitchFamily="34" charset="0"/>
-      <p:regular r:id="rId19"/>
-      <p:bold r:id="rId20"/>
-      <p:italic r:id="rId21"/>
-      <p:boldItalic r:id="rId22"/>
+      <p:regular r:id="rId17"/>
+      <p:bold r:id="rId18"/>
+      <p:italic r:id="rId19"/>
+      <p:boldItalic r:id="rId20"/>
     </p:embeddedFont>
     <p:embeddedFont>
       <p:font typeface="Montserrat" panose="00000500000000000000" pitchFamily="2" charset="0"/>
-      <p:regular r:id="rId23"/>
-      <p:bold r:id="rId24"/>
-      <p:italic r:id="rId25"/>
-      <p:boldItalic r:id="rId26"/>
+      <p:regular r:id="rId21"/>
+      <p:bold r:id="rId22"/>
+      <p:italic r:id="rId23"/>
+      <p:boldItalic r:id="rId24"/>
     </p:embeddedFont>
     <p:embeddedFont>
       <p:font typeface="Montserrat Bold" panose="00000800000000000000" charset="0"/>
-      <p:regular r:id="rId27"/>
+      <p:regular r:id="rId25"/>
     </p:embeddedFont>
     <p:embeddedFont>
       <p:font typeface="Noto Serif" panose="02020600060500020200" pitchFamily="18" charset="0"/>
-      <p:regular r:id="rId28"/>
-      <p:bold r:id="rId29"/>
-      <p:italic r:id="rId30"/>
-      <p:boldItalic r:id="rId31"/>
+      <p:regular r:id="rId26"/>
+      <p:bold r:id="rId27"/>
+      <p:italic r:id="rId28"/>
+      <p:boldItalic r:id="rId29"/>
     </p:embeddedFont>
     <p:embeddedFont>
       <p:font typeface="Noto Serif Bold" panose="02020800060500020200" charset="0"/>
-      <p:regular r:id="rId32"/>
+      <p:regular r:id="rId30"/>
     </p:embeddedFont>
   </p:embeddedFontLst>
   <p:defaultTextStyle>
@@ -3433,506 +3431,6 @@
               </a:lnSpc>
             </a:pPr>
             <a:r>
-              <a:rPr lang="en-US" sz="4200">
-                <a:solidFill>
-                  <a:srgbClr val="273755"/>
-                </a:solidFill>
-                <a:latin typeface="Noto Serif Bold"/>
-              </a:rPr>
-              <a:t>III. KẾT QUẢ PHÂN TÍCH</a:t>
-            </a:r>
-          </a:p>
-        </p:txBody>
-      </p:sp>
-      <p:grpSp>
-        <p:nvGrpSpPr>
-          <p:cNvPr id="12" name="Group 11">
-            <a:extLst>
-              <a:ext uri="{FF2B5EF4-FFF2-40B4-BE49-F238E27FC236}">
-                <a16:creationId xmlns:a16="http://schemas.microsoft.com/office/drawing/2014/main" id="{56B6320E-F9EC-CA30-EF4D-6284369F3E4E}"/>
-              </a:ext>
-            </a:extLst>
-          </p:cNvPr>
-          <p:cNvGrpSpPr/>
-          <p:nvPr/>
-        </p:nvGrpSpPr>
-        <p:grpSpPr>
-          <a:xfrm>
-            <a:off x="4038600" y="9791700"/>
-            <a:ext cx="11506200" cy="0"/>
-            <a:chOff x="4038600" y="9791700"/>
-            <a:chExt cx="11506200" cy="0"/>
-          </a:xfrm>
-        </p:grpSpPr>
-        <p:cxnSp>
-          <p:nvCxnSpPr>
-            <p:cNvPr id="14" name="Straight Connector 13">
-              <a:extLst>
-                <a:ext uri="{FF2B5EF4-FFF2-40B4-BE49-F238E27FC236}">
-                  <a16:creationId xmlns:a16="http://schemas.microsoft.com/office/drawing/2014/main" id="{6990D522-F9AF-B167-6C52-FC0C2407E7FB}"/>
-                </a:ext>
-              </a:extLst>
-            </p:cNvPr>
-            <p:cNvCxnSpPr>
-              <a:cxnSpLocks/>
-            </p:cNvCxnSpPr>
-            <p:nvPr/>
-          </p:nvCxnSpPr>
-          <p:spPr>
-            <a:xfrm>
-              <a:off x="4038600" y="9791700"/>
-              <a:ext cx="11049000" cy="0"/>
-            </a:xfrm>
-            <a:prstGeom prst="line">
-              <a:avLst/>
-            </a:prstGeom>
-            <a:ln>
-              <a:solidFill>
-                <a:schemeClr val="bg1">
-                  <a:lumMod val="65000"/>
-                </a:schemeClr>
-              </a:solidFill>
-            </a:ln>
-          </p:spPr>
-          <p:style>
-            <a:lnRef idx="1">
-              <a:schemeClr val="accent1"/>
-            </a:lnRef>
-            <a:fillRef idx="0">
-              <a:schemeClr val="accent1"/>
-            </a:fillRef>
-            <a:effectRef idx="0">
-              <a:schemeClr val="accent1"/>
-            </a:effectRef>
-            <a:fontRef idx="minor">
-              <a:schemeClr val="tx1"/>
-            </a:fontRef>
-          </p:style>
-        </p:cxnSp>
-        <p:cxnSp>
-          <p:nvCxnSpPr>
-            <p:cNvPr id="16" name="Straight Connector 15">
-              <a:extLst>
-                <a:ext uri="{FF2B5EF4-FFF2-40B4-BE49-F238E27FC236}">
-                  <a16:creationId xmlns:a16="http://schemas.microsoft.com/office/drawing/2014/main" id="{C08FAB49-1DBA-6D93-5B71-6171AF0FFA38}"/>
-                </a:ext>
-              </a:extLst>
-            </p:cNvPr>
-            <p:cNvCxnSpPr>
-              <a:cxnSpLocks/>
-            </p:cNvCxnSpPr>
-            <p:nvPr/>
-          </p:nvCxnSpPr>
-          <p:spPr>
-            <a:xfrm>
-              <a:off x="15087600" y="9791700"/>
-              <a:ext cx="457200" cy="0"/>
-            </a:xfrm>
-            <a:prstGeom prst="line">
-              <a:avLst/>
-            </a:prstGeom>
-            <a:ln w="38100">
-              <a:solidFill>
-                <a:schemeClr val="bg1">
-                  <a:lumMod val="65000"/>
-                </a:schemeClr>
-              </a:solidFill>
-            </a:ln>
-          </p:spPr>
-          <p:style>
-            <a:lnRef idx="1">
-              <a:schemeClr val="accent1"/>
-            </a:lnRef>
-            <a:fillRef idx="0">
-              <a:schemeClr val="accent1"/>
-            </a:fillRef>
-            <a:effectRef idx="0">
-              <a:schemeClr val="accent1"/>
-            </a:effectRef>
-            <a:fontRef idx="minor">
-              <a:schemeClr val="tx1"/>
-            </a:fontRef>
-          </p:style>
-        </p:cxnSp>
-      </p:grpSp>
-      <p:pic>
-        <p:nvPicPr>
-          <p:cNvPr id="4" name="Picture 3">
-            <a:extLst>
-              <a:ext uri="{FF2B5EF4-FFF2-40B4-BE49-F238E27FC236}">
-                <a16:creationId xmlns:a16="http://schemas.microsoft.com/office/drawing/2014/main" id="{4A0BA639-A675-EBFA-18DA-F21257CCBC32}"/>
-              </a:ext>
-            </a:extLst>
-          </p:cNvPr>
-          <p:cNvPicPr>
-            <a:picLocks noChangeAspect="1"/>
-          </p:cNvPicPr>
-          <p:nvPr/>
-        </p:nvPicPr>
-        <p:blipFill>
-          <a:blip r:embed="rId2"/>
-          <a:stretch>
-            <a:fillRect/>
-          </a:stretch>
-        </p:blipFill>
-        <p:spPr>
-          <a:xfrm>
-            <a:off x="1371600" y="2717860"/>
-            <a:ext cx="4381880" cy="4610500"/>
-          </a:xfrm>
-          <a:prstGeom prst="rect">
-            <a:avLst/>
-          </a:prstGeom>
-        </p:spPr>
-      </p:pic>
-      <p:pic>
-        <p:nvPicPr>
-          <p:cNvPr id="8" name="Picture 7">
-            <a:extLst>
-              <a:ext uri="{FF2B5EF4-FFF2-40B4-BE49-F238E27FC236}">
-                <a16:creationId xmlns:a16="http://schemas.microsoft.com/office/drawing/2014/main" id="{19BBCF9C-DB78-6F56-4BB8-25A51B07CC60}"/>
-              </a:ext>
-            </a:extLst>
-          </p:cNvPr>
-          <p:cNvPicPr>
-            <a:picLocks noChangeAspect="1"/>
-          </p:cNvPicPr>
-          <p:nvPr/>
-        </p:nvPicPr>
-        <p:blipFill>
-          <a:blip r:embed="rId3"/>
-          <a:stretch>
-            <a:fillRect/>
-          </a:stretch>
-        </p:blipFill>
-        <p:spPr>
-          <a:xfrm>
-            <a:off x="6234394" y="2717860"/>
-            <a:ext cx="5619565" cy="4341954"/>
-          </a:xfrm>
-          <a:prstGeom prst="rect">
-            <a:avLst/>
-          </a:prstGeom>
-        </p:spPr>
-      </p:pic>
-      <p:pic>
-        <p:nvPicPr>
-          <p:cNvPr id="10" name="Picture 9">
-            <a:extLst>
-              <a:ext uri="{FF2B5EF4-FFF2-40B4-BE49-F238E27FC236}">
-                <a16:creationId xmlns:a16="http://schemas.microsoft.com/office/drawing/2014/main" id="{FEB37595-6978-4DA4-6F84-BBC2E5DABEDE}"/>
-              </a:ext>
-            </a:extLst>
-          </p:cNvPr>
-          <p:cNvPicPr>
-            <a:picLocks noChangeAspect="1"/>
-          </p:cNvPicPr>
-          <p:nvPr/>
-        </p:nvPicPr>
-        <p:blipFill>
-          <a:blip r:embed="rId4"/>
-          <a:stretch>
-            <a:fillRect/>
-          </a:stretch>
-        </p:blipFill>
-        <p:spPr>
-          <a:xfrm>
-            <a:off x="12115800" y="2859869"/>
-            <a:ext cx="5619565" cy="4326482"/>
-          </a:xfrm>
-          <a:prstGeom prst="rect">
-            <a:avLst/>
-          </a:prstGeom>
-        </p:spPr>
-      </p:pic>
-    </p:spTree>
-    <p:extLst>
-      <p:ext uri="{BB962C8B-B14F-4D97-AF65-F5344CB8AC3E}">
-        <p14:creationId xmlns:p14="http://schemas.microsoft.com/office/powerpoint/2010/main" val="193189352"/>
-      </p:ext>
-    </p:extLst>
-  </p:cSld>
-  <p:clrMapOvr>
-    <a:masterClrMapping/>
-  </p:clrMapOvr>
-</p:sld>
-</file>
-
-<file path=ppt/slides/slide11.xml><?xml version="1.0" encoding="utf-8"?>
-<p:sld xmlns:a="http://schemas.openxmlformats.org/drawingml/2006/main" xmlns:r="http://schemas.openxmlformats.org/officeDocument/2006/relationships" xmlns:p="http://schemas.openxmlformats.org/presentationml/2006/main">
-  <p:cSld>
-    <p:spTree>
-      <p:nvGrpSpPr>
-        <p:cNvPr id="1" name=""/>
-        <p:cNvGrpSpPr/>
-        <p:nvPr/>
-      </p:nvGrpSpPr>
-      <p:grpSpPr>
-        <a:xfrm>
-          <a:off x="0" y="0"/>
-          <a:ext cx="0" cy="0"/>
-          <a:chOff x="0" y="0"/>
-          <a:chExt cx="0" cy="0"/>
-        </a:xfrm>
-      </p:grpSpPr>
-      <p:sp>
-        <p:nvSpPr>
-          <p:cNvPr id="3" name="AutoShape 3"/>
-          <p:cNvSpPr/>
-          <p:nvPr/>
-        </p:nvSpPr>
-        <p:spPr>
-          <a:xfrm>
-            <a:off x="1028700" y="1932613"/>
-            <a:ext cx="4576208" cy="193539"/>
-          </a:xfrm>
-          <a:prstGeom prst="rect">
-            <a:avLst/>
-          </a:prstGeom>
-          <a:solidFill>
-            <a:srgbClr val="8AABCA"/>
-          </a:solidFill>
-        </p:spPr>
-        <p:txBody>
-          <a:bodyPr/>
-          <a:lstStyle/>
-          <a:p>
-            <a:endParaRPr lang="en-US"/>
-          </a:p>
-        </p:txBody>
-      </p:sp>
-      <p:sp>
-        <p:nvSpPr>
-          <p:cNvPr id="5" name="TextBox 5"/>
-          <p:cNvSpPr txBox="1"/>
-          <p:nvPr/>
-        </p:nvSpPr>
-        <p:spPr>
-          <a:xfrm>
-            <a:off x="1028700" y="634365"/>
-            <a:ext cx="12382500" cy="706540"/>
-          </a:xfrm>
-          <a:prstGeom prst="rect">
-            <a:avLst/>
-          </a:prstGeom>
-        </p:spPr>
-        <p:txBody>
-          <a:bodyPr wrap="square" lIns="0" tIns="0" rIns="0" bIns="0" rtlCol="0" anchor="t">
-            <a:spAutoFit/>
-          </a:bodyPr>
-          <a:lstStyle/>
-          <a:p>
-            <a:pPr algn="l">
-              <a:lnSpc>
-                <a:spcPts val="5880"/>
-              </a:lnSpc>
-            </a:pPr>
-            <a:r>
-              <a:rPr lang="en-US" sz="4200" dirty="0">
-                <a:solidFill>
-                  <a:srgbClr val="273755"/>
-                </a:solidFill>
-                <a:latin typeface="Noto Serif Bold"/>
-              </a:rPr>
-              <a:t>IV. MÔ HÌNH</a:t>
-            </a:r>
-          </a:p>
-        </p:txBody>
-      </p:sp>
-      <p:grpSp>
-        <p:nvGrpSpPr>
-          <p:cNvPr id="12" name="Group 11">
-            <a:extLst>
-              <a:ext uri="{FF2B5EF4-FFF2-40B4-BE49-F238E27FC236}">
-                <a16:creationId xmlns:a16="http://schemas.microsoft.com/office/drawing/2014/main" id="{56B6320E-F9EC-CA30-EF4D-6284369F3E4E}"/>
-              </a:ext>
-            </a:extLst>
-          </p:cNvPr>
-          <p:cNvGrpSpPr/>
-          <p:nvPr/>
-        </p:nvGrpSpPr>
-        <p:grpSpPr>
-          <a:xfrm>
-            <a:off x="4038600" y="9791700"/>
-            <a:ext cx="11506200" cy="0"/>
-            <a:chOff x="4038600" y="9791700"/>
-            <a:chExt cx="11506200" cy="0"/>
-          </a:xfrm>
-        </p:grpSpPr>
-        <p:cxnSp>
-          <p:nvCxnSpPr>
-            <p:cNvPr id="14" name="Straight Connector 13">
-              <a:extLst>
-                <a:ext uri="{FF2B5EF4-FFF2-40B4-BE49-F238E27FC236}">
-                  <a16:creationId xmlns:a16="http://schemas.microsoft.com/office/drawing/2014/main" id="{6990D522-F9AF-B167-6C52-FC0C2407E7FB}"/>
-                </a:ext>
-              </a:extLst>
-            </p:cNvPr>
-            <p:cNvCxnSpPr>
-              <a:cxnSpLocks/>
-            </p:cNvCxnSpPr>
-            <p:nvPr/>
-          </p:nvCxnSpPr>
-          <p:spPr>
-            <a:xfrm>
-              <a:off x="4038600" y="9791700"/>
-              <a:ext cx="11049000" cy="0"/>
-            </a:xfrm>
-            <a:prstGeom prst="line">
-              <a:avLst/>
-            </a:prstGeom>
-            <a:ln>
-              <a:solidFill>
-                <a:schemeClr val="bg1">
-                  <a:lumMod val="65000"/>
-                </a:schemeClr>
-              </a:solidFill>
-            </a:ln>
-          </p:spPr>
-          <p:style>
-            <a:lnRef idx="1">
-              <a:schemeClr val="accent1"/>
-            </a:lnRef>
-            <a:fillRef idx="0">
-              <a:schemeClr val="accent1"/>
-            </a:fillRef>
-            <a:effectRef idx="0">
-              <a:schemeClr val="accent1"/>
-            </a:effectRef>
-            <a:fontRef idx="minor">
-              <a:schemeClr val="tx1"/>
-            </a:fontRef>
-          </p:style>
-        </p:cxnSp>
-        <p:cxnSp>
-          <p:nvCxnSpPr>
-            <p:cNvPr id="16" name="Straight Connector 15">
-              <a:extLst>
-                <a:ext uri="{FF2B5EF4-FFF2-40B4-BE49-F238E27FC236}">
-                  <a16:creationId xmlns:a16="http://schemas.microsoft.com/office/drawing/2014/main" id="{C08FAB49-1DBA-6D93-5B71-6171AF0FFA38}"/>
-                </a:ext>
-              </a:extLst>
-            </p:cNvPr>
-            <p:cNvCxnSpPr>
-              <a:cxnSpLocks/>
-            </p:cNvCxnSpPr>
-            <p:nvPr/>
-          </p:nvCxnSpPr>
-          <p:spPr>
-            <a:xfrm>
-              <a:off x="15087600" y="9791700"/>
-              <a:ext cx="457200" cy="0"/>
-            </a:xfrm>
-            <a:prstGeom prst="line">
-              <a:avLst/>
-            </a:prstGeom>
-            <a:ln w="38100">
-              <a:solidFill>
-                <a:schemeClr val="bg1">
-                  <a:lumMod val="65000"/>
-                </a:schemeClr>
-              </a:solidFill>
-            </a:ln>
-          </p:spPr>
-          <p:style>
-            <a:lnRef idx="1">
-              <a:schemeClr val="accent1"/>
-            </a:lnRef>
-            <a:fillRef idx="0">
-              <a:schemeClr val="accent1"/>
-            </a:fillRef>
-            <a:effectRef idx="0">
-              <a:schemeClr val="accent1"/>
-            </a:effectRef>
-            <a:fontRef idx="minor">
-              <a:schemeClr val="tx1"/>
-            </a:fontRef>
-          </p:style>
-        </p:cxnSp>
-      </p:grpSp>
-    </p:spTree>
-    <p:extLst>
-      <p:ext uri="{BB962C8B-B14F-4D97-AF65-F5344CB8AC3E}">
-        <p14:creationId xmlns:p14="http://schemas.microsoft.com/office/powerpoint/2010/main" val="4266985890"/>
-      </p:ext>
-    </p:extLst>
-  </p:cSld>
-  <p:clrMapOvr>
-    <a:masterClrMapping/>
-  </p:clrMapOvr>
-</p:sld>
-</file>
-
-<file path=ppt/slides/slide12.xml><?xml version="1.0" encoding="utf-8"?>
-<p:sld xmlns:a="http://schemas.openxmlformats.org/drawingml/2006/main" xmlns:r="http://schemas.openxmlformats.org/officeDocument/2006/relationships" xmlns:p="http://schemas.openxmlformats.org/presentationml/2006/main">
-  <p:cSld>
-    <p:spTree>
-      <p:nvGrpSpPr>
-        <p:cNvPr id="1" name=""/>
-        <p:cNvGrpSpPr/>
-        <p:nvPr/>
-      </p:nvGrpSpPr>
-      <p:grpSpPr>
-        <a:xfrm>
-          <a:off x="0" y="0"/>
-          <a:ext cx="0" cy="0"/>
-          <a:chOff x="0" y="0"/>
-          <a:chExt cx="0" cy="0"/>
-        </a:xfrm>
-      </p:grpSpPr>
-      <p:sp>
-        <p:nvSpPr>
-          <p:cNvPr id="3" name="AutoShape 3"/>
-          <p:cNvSpPr/>
-          <p:nvPr/>
-        </p:nvSpPr>
-        <p:spPr>
-          <a:xfrm>
-            <a:off x="1028700" y="1932613"/>
-            <a:ext cx="4576208" cy="193539"/>
-          </a:xfrm>
-          <a:prstGeom prst="rect">
-            <a:avLst/>
-          </a:prstGeom>
-          <a:solidFill>
-            <a:srgbClr val="8AABCA"/>
-          </a:solidFill>
-        </p:spPr>
-        <p:txBody>
-          <a:bodyPr/>
-          <a:lstStyle/>
-          <a:p>
-            <a:endParaRPr lang="en-US"/>
-          </a:p>
-        </p:txBody>
-      </p:sp>
-      <p:sp>
-        <p:nvSpPr>
-          <p:cNvPr id="5" name="TextBox 5"/>
-          <p:cNvSpPr txBox="1"/>
-          <p:nvPr/>
-        </p:nvSpPr>
-        <p:spPr>
-          <a:xfrm>
-            <a:off x="1028700" y="634365"/>
-            <a:ext cx="12382500" cy="706540"/>
-          </a:xfrm>
-          <a:prstGeom prst="rect">
-            <a:avLst/>
-          </a:prstGeom>
-        </p:spPr>
-        <p:txBody>
-          <a:bodyPr wrap="square" lIns="0" tIns="0" rIns="0" bIns="0" rtlCol="0" anchor="t">
-            <a:spAutoFit/>
-          </a:bodyPr>
-          <a:lstStyle/>
-          <a:p>
-            <a:pPr algn="l">
-              <a:lnSpc>
-                <a:spcPts val="5880"/>
-              </a:lnSpc>
-            </a:pPr>
-            <a:r>
               <a:rPr lang="en-US" sz="4200" dirty="0">
                 <a:solidFill>
                   <a:srgbClr val="273755"/>
@@ -4068,7 +3566,7 @@
 </p:sld>
 </file>
 
-<file path=ppt/slides/slide13.xml><?xml version="1.0" encoding="utf-8"?>
+<file path=ppt/slides/slide11.xml><?xml version="1.0" encoding="utf-8"?>
 <p:sld xmlns:a="http://schemas.openxmlformats.org/drawingml/2006/main" xmlns:r="http://schemas.openxmlformats.org/officeDocument/2006/relationships" xmlns:p="http://schemas.openxmlformats.org/presentationml/2006/main">
   <p:cSld>
     <p:spTree>
@@ -4273,7 +3771,7 @@
 </p:sld>
 </file>
 
-<file path=ppt/slides/slide14.xml><?xml version="1.0" encoding="utf-8"?>
+<file path=ppt/slides/slide12.xml><?xml version="1.0" encoding="utf-8"?>
 <p:sld xmlns:a="http://schemas.openxmlformats.org/drawingml/2006/main" xmlns:r="http://schemas.openxmlformats.org/officeDocument/2006/relationships" xmlns:p="http://schemas.openxmlformats.org/presentationml/2006/main">
   <p:cSld>
     <p:bg>
@@ -4966,7 +4464,7 @@
 </p:sld>
 </file>
 
-<file path=ppt/slides/slide15.xml><?xml version="1.0" encoding="utf-8"?>
+<file path=ppt/slides/slide13.xml><?xml version="1.0" encoding="utf-8"?>
 <p:sld xmlns:a="http://schemas.openxmlformats.org/drawingml/2006/main" xmlns:r="http://schemas.openxmlformats.org/officeDocument/2006/relationships" xmlns:p="http://schemas.openxmlformats.org/presentationml/2006/main">
   <p:cSld>
     <p:spTree>
@@ -5286,7 +4784,7 @@
 </p:sld>
 </file>
 
-<file path=ppt/slides/slide16.xml><?xml version="1.0" encoding="utf-8"?>
+<file path=ppt/slides/slide14.xml><?xml version="1.0" encoding="utf-8"?>
 <p:sld xmlns:a="http://schemas.openxmlformats.org/drawingml/2006/main" xmlns:r="http://schemas.openxmlformats.org/officeDocument/2006/relationships" xmlns:p="http://schemas.openxmlformats.org/presentationml/2006/main">
   <p:cSld>
     <p:bg>
@@ -5687,7 +5185,7 @@
 </p:sld>
 </file>
 
-<file path=ppt/slides/slide17.xml><?xml version="1.0" encoding="utf-8"?>
+<file path=ppt/slides/slide15.xml><?xml version="1.0" encoding="utf-8"?>
 <p:sld xmlns:a="http://schemas.openxmlformats.org/drawingml/2006/main" xmlns:r="http://schemas.openxmlformats.org/officeDocument/2006/relationships" xmlns:p="http://schemas.openxmlformats.org/presentationml/2006/main">
   <p:cSld>
     <p:bg>
@@ -9587,133 +9085,6 @@
       </p:grpSpPr>
       <p:sp>
         <p:nvSpPr>
-          <p:cNvPr id="2" name="TextBox 2"/>
-          <p:cNvSpPr txBox="1"/>
-          <p:nvPr/>
-        </p:nvSpPr>
-        <p:spPr>
-          <a:xfrm>
-            <a:off x="755942" y="2588047"/>
-            <a:ext cx="7411320" cy="5608651"/>
-          </a:xfrm>
-          <a:prstGeom prst="rect">
-            <a:avLst/>
-          </a:prstGeom>
-        </p:spPr>
-        <p:txBody>
-          <a:bodyPr wrap="square" lIns="0" tIns="0" rIns="0" bIns="0" rtlCol="0" anchor="t">
-            <a:spAutoFit/>
-          </a:bodyPr>
-          <a:lstStyle/>
-          <a:p>
-            <a:pPr marL="615313" lvl="1" indent="-307657">
-              <a:lnSpc>
-                <a:spcPts val="3989"/>
-              </a:lnSpc>
-              <a:buFont typeface="Arial"/>
-              <a:buChar char="•"/>
-            </a:pPr>
-            <a:r>
-              <a:rPr lang="en-US" sz="2849">
-                <a:solidFill>
-                  <a:srgbClr val="273755"/>
-                </a:solidFill>
-                <a:latin typeface="Noto Serif"/>
-              </a:rPr>
-              <a:t>Trực quan hóa một số input để xem mối quan hệ giữa chúng:</a:t>
-            </a:r>
-          </a:p>
-          <a:p>
-            <a:pPr marL="307656" lvl="1">
-              <a:lnSpc>
-                <a:spcPts val="3989"/>
-              </a:lnSpc>
-            </a:pPr>
-            <a:r>
-              <a:rPr lang="en-US" sz="2849">
-                <a:solidFill>
-                  <a:srgbClr val="273755"/>
-                </a:solidFill>
-                <a:latin typeface="Noto Serif"/>
-              </a:rPr>
-              <a:t>    - Giữa AirTime (thời gian bay) và Distance (khoảng cách)</a:t>
-            </a:r>
-          </a:p>
-          <a:p>
-            <a:pPr marL="307656" lvl="1">
-              <a:lnSpc>
-                <a:spcPts val="3989"/>
-              </a:lnSpc>
-            </a:pPr>
-            <a:r>
-              <a:rPr lang="en-US" sz="2849">
-                <a:solidFill>
-                  <a:srgbClr val="273755"/>
-                </a:solidFill>
-                <a:latin typeface="Noto Serif"/>
-              </a:rPr>
-              <a:t>    - Giữa ArrDelay (thời gian đến) và DepDelay (thời gian đi)</a:t>
-            </a:r>
-          </a:p>
-          <a:p>
-            <a:pPr marL="307656" lvl="1">
-              <a:lnSpc>
-                <a:spcPts val="3989"/>
-              </a:lnSpc>
-            </a:pPr>
-            <a:r>
-              <a:rPr lang="en-US" sz="2849">
-                <a:solidFill>
-                  <a:srgbClr val="273755"/>
-                </a:solidFill>
-                <a:latin typeface="Noto Serif"/>
-              </a:rPr>
-              <a:t>    - Tần suất thời gian DepDelay (thời điểm xuất phát)</a:t>
-            </a:r>
-          </a:p>
-          <a:p>
-            <a:pPr marL="307656" lvl="1">
-              <a:lnSpc>
-                <a:spcPts val="3989"/>
-              </a:lnSpc>
-            </a:pPr>
-            <a:endParaRPr lang="en-US" sz="2849">
-              <a:solidFill>
-                <a:srgbClr val="273755"/>
-              </a:solidFill>
-              <a:latin typeface="Noto Serif"/>
-            </a:endParaRPr>
-          </a:p>
-          <a:p>
-            <a:pPr>
-              <a:lnSpc>
-                <a:spcPts val="3989"/>
-              </a:lnSpc>
-            </a:pPr>
-            <a:endParaRPr lang="en-US" sz="2849">
-              <a:solidFill>
-                <a:srgbClr val="273755"/>
-              </a:solidFill>
-              <a:latin typeface="Noto Serif"/>
-            </a:endParaRPr>
-          </a:p>
-          <a:p>
-            <a:pPr algn="l">
-              <a:lnSpc>
-                <a:spcPts val="3989"/>
-              </a:lnSpc>
-            </a:pPr>
-            <a:endParaRPr lang="en-US" sz="2849">
-              <a:solidFill>
-                <a:srgbClr val="273755"/>
-              </a:solidFill>
-              <a:latin typeface="Noto Serif"/>
-            </a:endParaRPr>
-          </a:p>
-        </p:txBody>
-      </p:sp>
-      <p:sp>
-        <p:nvSpPr>
           <p:cNvPr id="3" name="AutoShape 3"/>
           <p:cNvSpPr/>
           <p:nvPr/>
@@ -9889,10 +9260,10 @@
       </p:grpSp>
       <p:pic>
         <p:nvPicPr>
-          <p:cNvPr id="6" name="Picture 5">
+          <p:cNvPr id="4" name="Picture 3">
             <a:extLst>
               <a:ext uri="{FF2B5EF4-FFF2-40B4-BE49-F238E27FC236}">
-                <a16:creationId xmlns:a16="http://schemas.microsoft.com/office/drawing/2014/main" id="{5F273730-1561-1E27-3C5E-B788B4128F16}"/>
+                <a16:creationId xmlns:a16="http://schemas.microsoft.com/office/drawing/2014/main" id="{7BC09273-597D-D656-4B30-ED5EDB9F840B}"/>
               </a:ext>
             </a:extLst>
           </p:cNvPr>
@@ -9909,8 +9280,68 @@
         </p:blipFill>
         <p:spPr>
           <a:xfrm>
-            <a:off x="9144000" y="477981"/>
-            <a:ext cx="6210300" cy="6210300"/>
+            <a:off x="1847660" y="2717860"/>
+            <a:ext cx="4381880" cy="4541914"/>
+          </a:xfrm>
+          <a:prstGeom prst="rect">
+            <a:avLst/>
+          </a:prstGeom>
+        </p:spPr>
+      </p:pic>
+      <p:pic>
+        <p:nvPicPr>
+          <p:cNvPr id="7" name="Picture 6">
+            <a:extLst>
+              <a:ext uri="{FF2B5EF4-FFF2-40B4-BE49-F238E27FC236}">
+                <a16:creationId xmlns:a16="http://schemas.microsoft.com/office/drawing/2014/main" id="{16A5A534-F122-1CEB-EEC7-5BB8A88649F8}"/>
+              </a:ext>
+            </a:extLst>
+          </p:cNvPr>
+          <p:cNvPicPr>
+            <a:picLocks noChangeAspect="1"/>
+          </p:cNvPicPr>
+          <p:nvPr/>
+        </p:nvPicPr>
+        <p:blipFill>
+          <a:blip r:embed="rId3"/>
+          <a:stretch>
+            <a:fillRect/>
+          </a:stretch>
+        </p:blipFill>
+        <p:spPr>
+          <a:xfrm>
+            <a:off x="6683055" y="2717860"/>
+            <a:ext cx="4359018" cy="4610500"/>
+          </a:xfrm>
+          <a:prstGeom prst="rect">
+            <a:avLst/>
+          </a:prstGeom>
+        </p:spPr>
+      </p:pic>
+      <p:pic>
+        <p:nvPicPr>
+          <p:cNvPr id="8" name="Picture 7">
+            <a:extLst>
+              <a:ext uri="{FF2B5EF4-FFF2-40B4-BE49-F238E27FC236}">
+                <a16:creationId xmlns:a16="http://schemas.microsoft.com/office/drawing/2014/main" id="{9A192FAD-2174-8E56-86BC-C07F84B77A11}"/>
+              </a:ext>
+            </a:extLst>
+          </p:cNvPr>
+          <p:cNvPicPr>
+            <a:picLocks noChangeAspect="1"/>
+          </p:cNvPicPr>
+          <p:nvPr/>
+        </p:nvPicPr>
+        <p:blipFill>
+          <a:blip r:embed="rId4"/>
+          <a:stretch>
+            <a:fillRect/>
+          </a:stretch>
+        </p:blipFill>
+        <p:spPr>
+          <a:xfrm>
+            <a:off x="11661842" y="3136996"/>
+            <a:ext cx="4359018" cy="3703641"/>
           </a:xfrm>
           <a:prstGeom prst="rect">
             <a:avLst/>
@@ -9931,126 +9362,6 @@
 </file>
 
 <file path=ppt/slides/slide7.xml><?xml version="1.0" encoding="utf-8"?>
-<p:sld xmlns:a="http://schemas.openxmlformats.org/drawingml/2006/main" xmlns:r="http://schemas.openxmlformats.org/officeDocument/2006/relationships" xmlns:p="http://schemas.openxmlformats.org/presentationml/2006/main">
-  <p:cSld>
-    <p:spTree>
-      <p:nvGrpSpPr>
-        <p:cNvPr id="1" name=""/>
-        <p:cNvGrpSpPr/>
-        <p:nvPr/>
-      </p:nvGrpSpPr>
-      <p:grpSpPr>
-        <a:xfrm>
-          <a:off x="0" y="0"/>
-          <a:ext cx="0" cy="0"/>
-          <a:chOff x="0" y="0"/>
-          <a:chExt cx="0" cy="0"/>
-        </a:xfrm>
-      </p:grpSpPr>
-      <p:pic>
-        <p:nvPicPr>
-          <p:cNvPr id="3" name="Picture 2">
-            <a:extLst>
-              <a:ext uri="{FF2B5EF4-FFF2-40B4-BE49-F238E27FC236}">
-                <a16:creationId xmlns:a16="http://schemas.microsoft.com/office/drawing/2014/main" id="{FDF56D81-88BA-27BE-91EE-95CC6CC4B93C}"/>
-              </a:ext>
-            </a:extLst>
-          </p:cNvPr>
-          <p:cNvPicPr>
-            <a:picLocks noChangeAspect="1"/>
-          </p:cNvPicPr>
-          <p:nvPr/>
-        </p:nvPicPr>
-        <p:blipFill>
-          <a:blip r:embed="rId2"/>
-          <a:stretch>
-            <a:fillRect/>
-          </a:stretch>
-        </p:blipFill>
-        <p:spPr>
-          <a:xfrm>
-            <a:off x="2057400" y="2095500"/>
-            <a:ext cx="4381880" cy="4541914"/>
-          </a:xfrm>
-          <a:prstGeom prst="rect">
-            <a:avLst/>
-          </a:prstGeom>
-        </p:spPr>
-      </p:pic>
-      <p:pic>
-        <p:nvPicPr>
-          <p:cNvPr id="5" name="Picture 4">
-            <a:extLst>
-              <a:ext uri="{FF2B5EF4-FFF2-40B4-BE49-F238E27FC236}">
-                <a16:creationId xmlns:a16="http://schemas.microsoft.com/office/drawing/2014/main" id="{0DCE67C7-7E9C-1C4E-45CF-8FCBB8C1621D}"/>
-              </a:ext>
-            </a:extLst>
-          </p:cNvPr>
-          <p:cNvPicPr>
-            <a:picLocks noChangeAspect="1"/>
-          </p:cNvPicPr>
-          <p:nvPr/>
-        </p:nvPicPr>
-        <p:blipFill>
-          <a:blip r:embed="rId3"/>
-          <a:stretch>
-            <a:fillRect/>
-          </a:stretch>
-        </p:blipFill>
-        <p:spPr>
-          <a:xfrm>
-            <a:off x="6892795" y="2095500"/>
-            <a:ext cx="4359018" cy="4610500"/>
-          </a:xfrm>
-          <a:prstGeom prst="rect">
-            <a:avLst/>
-          </a:prstGeom>
-        </p:spPr>
-      </p:pic>
-      <p:pic>
-        <p:nvPicPr>
-          <p:cNvPr id="7" name="Picture 6">
-            <a:extLst>
-              <a:ext uri="{FF2B5EF4-FFF2-40B4-BE49-F238E27FC236}">
-                <a16:creationId xmlns:a16="http://schemas.microsoft.com/office/drawing/2014/main" id="{2185CDD9-DF7B-65CE-C360-4C71C6EDBE49}"/>
-              </a:ext>
-            </a:extLst>
-          </p:cNvPr>
-          <p:cNvPicPr>
-            <a:picLocks noChangeAspect="1"/>
-          </p:cNvPicPr>
-          <p:nvPr/>
-        </p:nvPicPr>
-        <p:blipFill>
-          <a:blip r:embed="rId4"/>
-          <a:stretch>
-            <a:fillRect/>
-          </a:stretch>
-        </p:blipFill>
-        <p:spPr>
-          <a:xfrm>
-            <a:off x="11871582" y="2514636"/>
-            <a:ext cx="4359018" cy="3703641"/>
-          </a:xfrm>
-          <a:prstGeom prst="rect">
-            <a:avLst/>
-          </a:prstGeom>
-        </p:spPr>
-      </p:pic>
-    </p:spTree>
-    <p:extLst>
-      <p:ext uri="{BB962C8B-B14F-4D97-AF65-F5344CB8AC3E}">
-        <p14:creationId xmlns:p14="http://schemas.microsoft.com/office/powerpoint/2010/main" val="1388920592"/>
-      </p:ext>
-    </p:extLst>
-  </p:cSld>
-  <p:clrMapOvr>
-    <a:masterClrMapping/>
-  </p:clrMapOvr>
-</p:sld>
-</file>
-
-<file path=ppt/slides/slide8.xml><?xml version="1.0" encoding="utf-8"?>
 <p:sld xmlns:a="http://schemas.openxmlformats.org/drawingml/2006/main" xmlns:r="http://schemas.openxmlformats.org/officeDocument/2006/relationships" xmlns:p="http://schemas.openxmlformats.org/presentationml/2006/main">
   <p:cSld>
     <p:spTree>
@@ -10264,8 +9575,8 @@
         </p:blipFill>
         <p:spPr>
           <a:xfrm>
-            <a:off x="1028700" y="3149325"/>
-            <a:ext cx="7910526" cy="5619201"/>
+            <a:off x="838200" y="3147892"/>
+            <a:ext cx="5703672" cy="4051574"/>
           </a:xfrm>
           <a:prstGeom prst="rect">
             <a:avLst/>
@@ -10294,8 +9605,38 @@
         </p:blipFill>
         <p:spPr>
           <a:xfrm>
-            <a:off x="9829800" y="3409654"/>
-            <a:ext cx="5562600" cy="5363597"/>
+            <a:off x="6541872" y="3114554"/>
+            <a:ext cx="4369018" cy="4212716"/>
+          </a:xfrm>
+          <a:prstGeom prst="rect">
+            <a:avLst/>
+          </a:prstGeom>
+        </p:spPr>
+      </p:pic>
+      <p:pic>
+        <p:nvPicPr>
+          <p:cNvPr id="2" name="Picture 1">
+            <a:extLst>
+              <a:ext uri="{FF2B5EF4-FFF2-40B4-BE49-F238E27FC236}">
+                <a16:creationId xmlns:a16="http://schemas.microsoft.com/office/drawing/2014/main" id="{58B6CA80-26B3-5FD8-6028-6BE882EF8EE6}"/>
+              </a:ext>
+            </a:extLst>
+          </p:cNvPr>
+          <p:cNvPicPr>
+            <a:picLocks noChangeAspect="1"/>
+          </p:cNvPicPr>
+          <p:nvPr/>
+        </p:nvPicPr>
+        <p:blipFill>
+          <a:blip r:embed="rId4"/>
+          <a:stretch>
+            <a:fillRect/>
+          </a:stretch>
+        </p:blipFill>
+        <p:spPr>
+          <a:xfrm>
+            <a:off x="11582400" y="3128841"/>
+            <a:ext cx="5724362" cy="4179378"/>
           </a:xfrm>
           <a:prstGeom prst="rect">
             <a:avLst/>
@@ -10315,7 +9656,7 @@
 </p:sld>
 </file>
 
-<file path=ppt/slides/slide9.xml><?xml version="1.0" encoding="utf-8"?>
+<file path=ppt/slides/slide8.xml><?xml version="1.0" encoding="utf-8"?>
 <p:sld xmlns:a="http://schemas.openxmlformats.org/drawingml/2006/main" xmlns:r="http://schemas.openxmlformats.org/officeDocument/2006/relationships" xmlns:p="http://schemas.openxmlformats.org/presentationml/2006/main">
   <p:cSld>
     <p:spTree>
@@ -10509,10 +9850,10 @@
       </p:grpSp>
       <p:pic>
         <p:nvPicPr>
-          <p:cNvPr id="6" name="Picture 5">
+          <p:cNvPr id="8" name="Picture 7">
             <a:extLst>
               <a:ext uri="{FF2B5EF4-FFF2-40B4-BE49-F238E27FC236}">
-                <a16:creationId xmlns:a16="http://schemas.microsoft.com/office/drawing/2014/main" id="{7E2507A2-9D25-834F-574B-B3717F3CBD9A}"/>
+                <a16:creationId xmlns:a16="http://schemas.microsoft.com/office/drawing/2014/main" id="{19BBCF9C-DB78-6F56-4BB8-25A51B07CC60}"/>
               </a:ext>
             </a:extLst>
           </p:cNvPr>
@@ -10529,8 +9870,67 @@
         </p:blipFill>
         <p:spPr>
           <a:xfrm>
-            <a:off x="762000" y="2717860"/>
-            <a:ext cx="7419967" cy="5417346"/>
+            <a:off x="6234394" y="2717860"/>
+            <a:ext cx="5619565" cy="4341954"/>
+          </a:xfrm>
+          <a:prstGeom prst="rect">
+            <a:avLst/>
+          </a:prstGeom>
+        </p:spPr>
+      </p:pic>
+      <p:pic>
+        <p:nvPicPr>
+          <p:cNvPr id="10" name="Picture 9">
+            <a:extLst>
+              <a:ext uri="{FF2B5EF4-FFF2-40B4-BE49-F238E27FC236}">
+                <a16:creationId xmlns:a16="http://schemas.microsoft.com/office/drawing/2014/main" id="{FEB37595-6978-4DA4-6F84-BBC2E5DABEDE}"/>
+              </a:ext>
+            </a:extLst>
+          </p:cNvPr>
+          <p:cNvPicPr>
+            <a:picLocks noChangeAspect="1"/>
+          </p:cNvPicPr>
+          <p:nvPr/>
+        </p:nvPicPr>
+        <p:blipFill>
+          <a:blip r:embed="rId3"/>
+          <a:stretch>
+            <a:fillRect/>
+          </a:stretch>
+        </p:blipFill>
+        <p:spPr>
+          <a:xfrm>
+            <a:off x="12115800" y="2859869"/>
+            <a:ext cx="5619565" cy="4326482"/>
+          </a:xfrm>
+          <a:prstGeom prst="rect">
+            <a:avLst/>
+          </a:prstGeom>
+        </p:spPr>
+      </p:pic>
+      <p:pic>
+        <p:nvPicPr>
+          <p:cNvPr id="6" name="Picture 5">
+            <a:extLst>
+              <a:ext uri="{FF2B5EF4-FFF2-40B4-BE49-F238E27FC236}">
+                <a16:creationId xmlns:a16="http://schemas.microsoft.com/office/drawing/2014/main" id="{AC0CCC1D-F69F-9ACA-0720-8D3C55EC5AC9}"/>
+              </a:ext>
+            </a:extLst>
+          </p:cNvPr>
+          <p:cNvPicPr>
+            <a:picLocks noChangeAspect="1"/>
+          </p:cNvPicPr>
+          <p:nvPr/>
+        </p:nvPicPr>
+        <p:blipFill rotWithShape="1">
+          <a:blip r:embed="rId4"/>
+          <a:srcRect l="1652"/>
+          <a:stretch/>
+        </p:blipFill>
+        <p:spPr>
+          <a:xfrm>
+            <a:off x="1142999" y="2501720"/>
+            <a:ext cx="4421899" cy="5852667"/>
           </a:xfrm>
           <a:prstGeom prst="rect">
             <a:avLst/>
@@ -10540,7 +9940,1054 @@
     </p:spTree>
     <p:extLst>
       <p:ext uri="{BB962C8B-B14F-4D97-AF65-F5344CB8AC3E}">
-        <p14:creationId xmlns:p14="http://schemas.microsoft.com/office/powerpoint/2010/main" val="343722164"/>
+        <p14:creationId xmlns:p14="http://schemas.microsoft.com/office/powerpoint/2010/main" val="193189352"/>
+      </p:ext>
+    </p:extLst>
+  </p:cSld>
+  <p:clrMapOvr>
+    <a:masterClrMapping/>
+  </p:clrMapOvr>
+</p:sld>
+</file>
+
+<file path=ppt/slides/slide9.xml><?xml version="1.0" encoding="utf-8"?>
+<p:sld xmlns:a="http://schemas.openxmlformats.org/drawingml/2006/main" xmlns:r="http://schemas.openxmlformats.org/officeDocument/2006/relationships" xmlns:p="http://schemas.openxmlformats.org/presentationml/2006/main">
+  <p:cSld>
+    <p:spTree>
+      <p:nvGrpSpPr>
+        <p:cNvPr id="1" name=""/>
+        <p:cNvGrpSpPr/>
+        <p:nvPr/>
+      </p:nvGrpSpPr>
+      <p:grpSpPr>
+        <a:xfrm>
+          <a:off x="0" y="0"/>
+          <a:ext cx="0" cy="0"/>
+          <a:chOff x="0" y="0"/>
+          <a:chExt cx="0" cy="0"/>
+        </a:xfrm>
+      </p:grpSpPr>
+      <p:sp>
+        <p:nvSpPr>
+          <p:cNvPr id="3" name="AutoShape 3"/>
+          <p:cNvSpPr/>
+          <p:nvPr/>
+        </p:nvSpPr>
+        <p:spPr>
+          <a:xfrm>
+            <a:off x="1028700" y="1932613"/>
+            <a:ext cx="4576208" cy="193539"/>
+          </a:xfrm>
+          <a:prstGeom prst="rect">
+            <a:avLst/>
+          </a:prstGeom>
+          <a:solidFill>
+            <a:srgbClr val="8AABCA"/>
+          </a:solidFill>
+        </p:spPr>
+        <p:txBody>
+          <a:bodyPr/>
+          <a:lstStyle/>
+          <a:p>
+            <a:endParaRPr lang="en-US"/>
+          </a:p>
+        </p:txBody>
+      </p:sp>
+      <p:sp>
+        <p:nvSpPr>
+          <p:cNvPr id="5" name="TextBox 5"/>
+          <p:cNvSpPr txBox="1"/>
+          <p:nvPr/>
+        </p:nvSpPr>
+        <p:spPr>
+          <a:xfrm>
+            <a:off x="1028700" y="634365"/>
+            <a:ext cx="12382500" cy="706540"/>
+          </a:xfrm>
+          <a:prstGeom prst="rect">
+            <a:avLst/>
+          </a:prstGeom>
+        </p:spPr>
+        <p:txBody>
+          <a:bodyPr wrap="square" lIns="0" tIns="0" rIns="0" bIns="0" rtlCol="0" anchor="t">
+            <a:spAutoFit/>
+          </a:bodyPr>
+          <a:lstStyle/>
+          <a:p>
+            <a:pPr algn="l">
+              <a:lnSpc>
+                <a:spcPts val="5880"/>
+              </a:lnSpc>
+            </a:pPr>
+            <a:r>
+              <a:rPr lang="en-US" sz="4200" dirty="0">
+                <a:solidFill>
+                  <a:srgbClr val="273755"/>
+                </a:solidFill>
+                <a:latin typeface="Noto Serif Bold"/>
+              </a:rPr>
+              <a:t>IV. MÔ HÌNH</a:t>
+            </a:r>
+          </a:p>
+        </p:txBody>
+      </p:sp>
+      <p:grpSp>
+        <p:nvGrpSpPr>
+          <p:cNvPr id="12" name="Group 11">
+            <a:extLst>
+              <a:ext uri="{FF2B5EF4-FFF2-40B4-BE49-F238E27FC236}">
+                <a16:creationId xmlns:a16="http://schemas.microsoft.com/office/drawing/2014/main" id="{56B6320E-F9EC-CA30-EF4D-6284369F3E4E}"/>
+              </a:ext>
+            </a:extLst>
+          </p:cNvPr>
+          <p:cNvGrpSpPr/>
+          <p:nvPr/>
+        </p:nvGrpSpPr>
+        <p:grpSpPr>
+          <a:xfrm>
+            <a:off x="4038600" y="9791700"/>
+            <a:ext cx="11506200" cy="0"/>
+            <a:chOff x="4038600" y="9791700"/>
+            <a:chExt cx="11506200" cy="0"/>
+          </a:xfrm>
+        </p:grpSpPr>
+        <p:cxnSp>
+          <p:nvCxnSpPr>
+            <p:cNvPr id="14" name="Straight Connector 13">
+              <a:extLst>
+                <a:ext uri="{FF2B5EF4-FFF2-40B4-BE49-F238E27FC236}">
+                  <a16:creationId xmlns:a16="http://schemas.microsoft.com/office/drawing/2014/main" id="{6990D522-F9AF-B167-6C52-FC0C2407E7FB}"/>
+                </a:ext>
+              </a:extLst>
+            </p:cNvPr>
+            <p:cNvCxnSpPr>
+              <a:cxnSpLocks/>
+            </p:cNvCxnSpPr>
+            <p:nvPr/>
+          </p:nvCxnSpPr>
+          <p:spPr>
+            <a:xfrm>
+              <a:off x="4038600" y="9791700"/>
+              <a:ext cx="11049000" cy="0"/>
+            </a:xfrm>
+            <a:prstGeom prst="line">
+              <a:avLst/>
+            </a:prstGeom>
+            <a:ln>
+              <a:solidFill>
+                <a:schemeClr val="bg1">
+                  <a:lumMod val="65000"/>
+                </a:schemeClr>
+              </a:solidFill>
+            </a:ln>
+          </p:spPr>
+          <p:style>
+            <a:lnRef idx="1">
+              <a:schemeClr val="accent1"/>
+            </a:lnRef>
+            <a:fillRef idx="0">
+              <a:schemeClr val="accent1"/>
+            </a:fillRef>
+            <a:effectRef idx="0">
+              <a:schemeClr val="accent1"/>
+            </a:effectRef>
+            <a:fontRef idx="minor">
+              <a:schemeClr val="tx1"/>
+            </a:fontRef>
+          </p:style>
+        </p:cxnSp>
+        <p:cxnSp>
+          <p:nvCxnSpPr>
+            <p:cNvPr id="16" name="Straight Connector 15">
+              <a:extLst>
+                <a:ext uri="{FF2B5EF4-FFF2-40B4-BE49-F238E27FC236}">
+                  <a16:creationId xmlns:a16="http://schemas.microsoft.com/office/drawing/2014/main" id="{C08FAB49-1DBA-6D93-5B71-6171AF0FFA38}"/>
+                </a:ext>
+              </a:extLst>
+            </p:cNvPr>
+            <p:cNvCxnSpPr>
+              <a:cxnSpLocks/>
+            </p:cNvCxnSpPr>
+            <p:nvPr/>
+          </p:nvCxnSpPr>
+          <p:spPr>
+            <a:xfrm>
+              <a:off x="15087600" y="9791700"/>
+              <a:ext cx="457200" cy="0"/>
+            </a:xfrm>
+            <a:prstGeom prst="line">
+              <a:avLst/>
+            </a:prstGeom>
+            <a:ln w="38100">
+              <a:solidFill>
+                <a:schemeClr val="bg1">
+                  <a:lumMod val="65000"/>
+                </a:schemeClr>
+              </a:solidFill>
+            </a:ln>
+          </p:spPr>
+          <p:style>
+            <a:lnRef idx="1">
+              <a:schemeClr val="accent1"/>
+            </a:lnRef>
+            <a:fillRef idx="0">
+              <a:schemeClr val="accent1"/>
+            </a:fillRef>
+            <a:effectRef idx="0">
+              <a:schemeClr val="accent1"/>
+            </a:effectRef>
+            <a:fontRef idx="minor">
+              <a:schemeClr val="tx1"/>
+            </a:fontRef>
+          </p:style>
+        </p:cxnSp>
+      </p:grpSp>
+      <p:graphicFrame>
+        <p:nvGraphicFramePr>
+          <p:cNvPr id="2" name="Table 1">
+            <a:extLst>
+              <a:ext uri="{FF2B5EF4-FFF2-40B4-BE49-F238E27FC236}">
+                <a16:creationId xmlns:a16="http://schemas.microsoft.com/office/drawing/2014/main" id="{4E1DAD2C-2703-97A1-8A6E-F30A89212AC3}"/>
+              </a:ext>
+            </a:extLst>
+          </p:cNvPr>
+          <p:cNvGraphicFramePr>
+            <a:graphicFrameLocks noGrp="1"/>
+          </p:cNvGraphicFramePr>
+          <p:nvPr>
+            <p:extLst>
+              <p:ext uri="{D42A27DB-BD31-4B8C-83A1-F6EECF244321}">
+                <p14:modId xmlns:p14="http://schemas.microsoft.com/office/powerpoint/2010/main" val="961511372"/>
+              </p:ext>
+            </p:extLst>
+          </p:nvPr>
+        </p:nvGraphicFramePr>
+        <p:xfrm>
+          <a:off x="3048000" y="2400300"/>
+          <a:ext cx="12192000" cy="6934200"/>
+        </p:xfrm>
+        <a:graphic>
+          <a:graphicData uri="http://schemas.openxmlformats.org/drawingml/2006/table">
+            <a:tbl>
+              <a:tblPr firstRow="1" bandRow="1">
+                <a:tableStyleId>{69012ECD-51FC-41F1-AA8D-1B2483CD663E}</a:tableStyleId>
+              </a:tblPr>
+              <a:tblGrid>
+                <a:gridCol w="6096000">
+                  <a:extLst>
+                    <a:ext uri="{9D8B030D-6E8A-4147-A177-3AD203B41FA5}">
+                      <a16:colId xmlns:a16="http://schemas.microsoft.com/office/drawing/2014/main" val="556238025"/>
+                    </a:ext>
+                  </a:extLst>
+                </a:gridCol>
+                <a:gridCol w="6096000">
+                  <a:extLst>
+                    <a:ext uri="{9D8B030D-6E8A-4147-A177-3AD203B41FA5}">
+                      <a16:colId xmlns:a16="http://schemas.microsoft.com/office/drawing/2014/main" val="2987112441"/>
+                    </a:ext>
+                  </a:extLst>
+                </a:gridCol>
+              </a:tblGrid>
+              <a:tr h="370840">
+                <a:tc>
+                  <a:txBody>
+                    <a:bodyPr/>
+                    <a:lstStyle/>
+                    <a:p>
+                      <a:pPr algn="ctr"/>
+                      <a:r>
+                        <a:rPr lang="en-US" sz="2500" dirty="0">
+                          <a:solidFill>
+                            <a:schemeClr val="tx1"/>
+                          </a:solidFill>
+                          <a:latin typeface="Times New Roman" panose="02020603050405020304" pitchFamily="18" charset="0"/>
+                          <a:cs typeface="Times New Roman" panose="02020603050405020304" pitchFamily="18" charset="0"/>
+                        </a:rPr>
+                        <a:t>THUẬT TOÁN</a:t>
+                      </a:r>
+                    </a:p>
+                  </a:txBody>
+                  <a:tcPr>
+                    <a:lnL w="12700" cap="flat" cmpd="sng" algn="ctr">
+                      <a:solidFill>
+                        <a:schemeClr val="tx1"/>
+                      </a:solidFill>
+                      <a:prstDash val="solid"/>
+                      <a:round/>
+                      <a:headEnd type="none" w="med" len="med"/>
+                      <a:tailEnd type="none" w="med" len="med"/>
+                    </a:lnL>
+                    <a:lnR w="12700" cap="flat" cmpd="sng" algn="ctr">
+                      <a:solidFill>
+                        <a:schemeClr val="tx1"/>
+                      </a:solidFill>
+                      <a:prstDash val="solid"/>
+                      <a:round/>
+                      <a:headEnd type="none" w="med" len="med"/>
+                      <a:tailEnd type="none" w="med" len="med"/>
+                    </a:lnR>
+                    <a:lnT w="12700" cap="flat" cmpd="sng" algn="ctr">
+                      <a:solidFill>
+                        <a:schemeClr val="tx1"/>
+                      </a:solidFill>
+                      <a:prstDash val="solid"/>
+                      <a:round/>
+                      <a:headEnd type="none" w="med" len="med"/>
+                      <a:tailEnd type="none" w="med" len="med"/>
+                    </a:lnT>
+                    <a:lnB w="12700" cap="flat" cmpd="sng" algn="ctr">
+                      <a:solidFill>
+                        <a:schemeClr val="tx1"/>
+                      </a:solidFill>
+                      <a:prstDash val="solid"/>
+                      <a:round/>
+                      <a:headEnd type="none" w="med" len="med"/>
+                      <a:tailEnd type="none" w="med" len="med"/>
+                    </a:lnB>
+                    <a:solidFill>
+                      <a:srgbClr val="8AABCA"/>
+                    </a:solidFill>
+                  </a:tcPr>
+                </a:tc>
+                <a:tc>
+                  <a:txBody>
+                    <a:bodyPr/>
+                    <a:lstStyle/>
+                    <a:p>
+                      <a:pPr algn="ctr"/>
+                      <a:r>
+                        <a:rPr lang="en-US" sz="2500" dirty="0">
+                          <a:solidFill>
+                            <a:schemeClr val="tx1"/>
+                          </a:solidFill>
+                          <a:latin typeface="Times New Roman" panose="02020603050405020304" pitchFamily="18" charset="0"/>
+                          <a:cs typeface="Times New Roman" panose="02020603050405020304" pitchFamily="18" charset="0"/>
+                        </a:rPr>
+                        <a:t>TRƯỚC KHI TỐI ƯU</a:t>
+                      </a:r>
+                    </a:p>
+                  </a:txBody>
+                  <a:tcPr>
+                    <a:lnL w="12700" cap="flat" cmpd="sng" algn="ctr">
+                      <a:solidFill>
+                        <a:schemeClr val="tx1"/>
+                      </a:solidFill>
+                      <a:prstDash val="solid"/>
+                      <a:round/>
+                      <a:headEnd type="none" w="med" len="med"/>
+                      <a:tailEnd type="none" w="med" len="med"/>
+                    </a:lnL>
+                    <a:lnR w="12700" cap="flat" cmpd="sng" algn="ctr">
+                      <a:solidFill>
+                        <a:schemeClr val="tx1"/>
+                      </a:solidFill>
+                      <a:prstDash val="solid"/>
+                      <a:round/>
+                      <a:headEnd type="none" w="med" len="med"/>
+                      <a:tailEnd type="none" w="med" len="med"/>
+                    </a:lnR>
+                    <a:lnT w="12700" cap="flat" cmpd="sng" algn="ctr">
+                      <a:solidFill>
+                        <a:schemeClr val="tx1"/>
+                      </a:solidFill>
+                      <a:prstDash val="solid"/>
+                      <a:round/>
+                      <a:headEnd type="none" w="med" len="med"/>
+                      <a:tailEnd type="none" w="med" len="med"/>
+                    </a:lnT>
+                    <a:lnB w="12700" cap="flat" cmpd="sng" algn="ctr">
+                      <a:solidFill>
+                        <a:schemeClr val="tx1"/>
+                      </a:solidFill>
+                      <a:prstDash val="solid"/>
+                      <a:round/>
+                      <a:headEnd type="none" w="med" len="med"/>
+                      <a:tailEnd type="none" w="med" len="med"/>
+                    </a:lnB>
+                    <a:solidFill>
+                      <a:srgbClr val="8AABCA"/>
+                    </a:solidFill>
+                  </a:tcPr>
+                </a:tc>
+                <a:extLst>
+                  <a:ext uri="{0D108BD9-81ED-4DB2-BD59-A6C34878D82A}">
+                    <a16:rowId xmlns:a16="http://schemas.microsoft.com/office/drawing/2014/main" val="53919774"/>
+                  </a:ext>
+                </a:extLst>
+              </a:tr>
+              <a:tr h="370840">
+                <a:tc>
+                  <a:txBody>
+                    <a:bodyPr/>
+                    <a:lstStyle/>
+                    <a:p>
+                      <a:pPr algn="ctr"/>
+                      <a:r>
+                        <a:rPr lang="en-US" sz="2500" dirty="0" err="1">
+                          <a:latin typeface="Times New Roman" panose="02020603050405020304" pitchFamily="18" charset="0"/>
+                          <a:cs typeface="Times New Roman" panose="02020603050405020304" pitchFamily="18" charset="0"/>
+                        </a:rPr>
+                        <a:t>Cây</a:t>
+                      </a:r>
+                      <a:r>
+                        <a:rPr lang="en-US" sz="2500" dirty="0">
+                          <a:latin typeface="Times New Roman" panose="02020603050405020304" pitchFamily="18" charset="0"/>
+                          <a:cs typeface="Times New Roman" panose="02020603050405020304" pitchFamily="18" charset="0"/>
+                        </a:rPr>
+                        <a:t> </a:t>
+                      </a:r>
+                      <a:r>
+                        <a:rPr lang="en-US" sz="2500" dirty="0" err="1">
+                          <a:latin typeface="Times New Roman" panose="02020603050405020304" pitchFamily="18" charset="0"/>
+                          <a:cs typeface="Times New Roman" panose="02020603050405020304" pitchFamily="18" charset="0"/>
+                        </a:rPr>
+                        <a:t>quyết</a:t>
+                      </a:r>
+                      <a:r>
+                        <a:rPr lang="en-US" sz="2500" dirty="0">
+                          <a:latin typeface="Times New Roman" panose="02020603050405020304" pitchFamily="18" charset="0"/>
+                          <a:cs typeface="Times New Roman" panose="02020603050405020304" pitchFamily="18" charset="0"/>
+                        </a:rPr>
+                        <a:t> </a:t>
+                      </a:r>
+                      <a:r>
+                        <a:rPr lang="en-US" sz="2500" dirty="0" err="1">
+                          <a:latin typeface="Times New Roman" panose="02020603050405020304" pitchFamily="18" charset="0"/>
+                          <a:cs typeface="Times New Roman" panose="02020603050405020304" pitchFamily="18" charset="0"/>
+                        </a:rPr>
+                        <a:t>định</a:t>
+                      </a:r>
+                      <a:endParaRPr lang="en-US" sz="2500" dirty="0">
+                        <a:latin typeface="Times New Roman" panose="02020603050405020304" pitchFamily="18" charset="0"/>
+                        <a:cs typeface="Times New Roman" panose="02020603050405020304" pitchFamily="18" charset="0"/>
+                      </a:endParaRPr>
+                    </a:p>
+                  </a:txBody>
+                  <a:tcPr anchor="ctr">
+                    <a:lnL w="12700" cap="flat" cmpd="sng" algn="ctr">
+                      <a:solidFill>
+                        <a:schemeClr val="tx1"/>
+                      </a:solidFill>
+                      <a:prstDash val="solid"/>
+                      <a:round/>
+                      <a:headEnd type="none" w="med" len="med"/>
+                      <a:tailEnd type="none" w="med" len="med"/>
+                    </a:lnL>
+                    <a:lnR w="12700" cap="flat" cmpd="sng" algn="ctr">
+                      <a:solidFill>
+                        <a:schemeClr val="tx1"/>
+                      </a:solidFill>
+                      <a:prstDash val="solid"/>
+                      <a:round/>
+                      <a:headEnd type="none" w="med" len="med"/>
+                      <a:tailEnd type="none" w="med" len="med"/>
+                    </a:lnR>
+                    <a:lnT w="12700" cap="flat" cmpd="sng" algn="ctr">
+                      <a:solidFill>
+                        <a:schemeClr val="tx1"/>
+                      </a:solidFill>
+                      <a:prstDash val="solid"/>
+                      <a:round/>
+                      <a:headEnd type="none" w="med" len="med"/>
+                      <a:tailEnd type="none" w="med" len="med"/>
+                    </a:lnT>
+                    <a:lnB w="12700" cap="flat" cmpd="sng" algn="ctr">
+                      <a:solidFill>
+                        <a:schemeClr val="tx1"/>
+                      </a:solidFill>
+                      <a:prstDash val="solid"/>
+                      <a:round/>
+                      <a:headEnd type="none" w="med" len="med"/>
+                      <a:tailEnd type="none" w="med" len="med"/>
+                    </a:lnB>
+                  </a:tcPr>
+                </a:tc>
+                <a:tc>
+                  <a:txBody>
+                    <a:bodyPr/>
+                    <a:lstStyle/>
+                    <a:p>
+                      <a:pPr algn="l"/>
+                      <a:r>
+                        <a:rPr lang="en-US" sz="2500" dirty="0">
+                          <a:latin typeface="Times New Roman" panose="02020603050405020304" pitchFamily="18" charset="0"/>
+                          <a:cs typeface="Times New Roman" panose="02020603050405020304" pitchFamily="18" charset="0"/>
+                        </a:rPr>
+                        <a:t>accuracy: 0.6962562307773889</a:t>
+                      </a:r>
+                    </a:p>
+                    <a:p>
+                      <a:pPr algn="l"/>
+                      <a:r>
+                        <a:rPr lang="en-US" sz="2500" dirty="0">
+                          <a:latin typeface="Times New Roman" panose="02020603050405020304" pitchFamily="18" charset="0"/>
+                          <a:cs typeface="Times New Roman" panose="02020603050405020304" pitchFamily="18" charset="0"/>
+                        </a:rPr>
+                        <a:t>f1: 0.5751618196018272</a:t>
+                      </a:r>
+                    </a:p>
+                    <a:p>
+                      <a:pPr algn="l"/>
+                      <a:r>
+                        <a:rPr lang="en-US" sz="2500" dirty="0">
+                          <a:latin typeface="Times New Roman" panose="02020603050405020304" pitchFamily="18" charset="0"/>
+                          <a:cs typeface="Times New Roman" panose="02020603050405020304" pitchFamily="18" charset="0"/>
+                        </a:rPr>
+                        <a:t>precision: 0.5979510596924563</a:t>
+                      </a:r>
+                    </a:p>
+                    <a:p>
+                      <a:pPr algn="l"/>
+                      <a:r>
+                        <a:rPr lang="en-US" sz="2500" dirty="0">
+                          <a:latin typeface="Times New Roman" panose="02020603050405020304" pitchFamily="18" charset="0"/>
+                          <a:cs typeface="Times New Roman" panose="02020603050405020304" pitchFamily="18" charset="0"/>
+                        </a:rPr>
+                        <a:t>recall:  0.696256230777389</a:t>
+                      </a:r>
+                    </a:p>
+                  </a:txBody>
+                  <a:tcPr anchor="ctr">
+                    <a:lnL w="12700" cap="flat" cmpd="sng" algn="ctr">
+                      <a:solidFill>
+                        <a:schemeClr val="tx1"/>
+                      </a:solidFill>
+                      <a:prstDash val="solid"/>
+                      <a:round/>
+                      <a:headEnd type="none" w="med" len="med"/>
+                      <a:tailEnd type="none" w="med" len="med"/>
+                    </a:lnL>
+                    <a:lnR w="12700" cap="flat" cmpd="sng" algn="ctr">
+                      <a:solidFill>
+                        <a:schemeClr val="tx1"/>
+                      </a:solidFill>
+                      <a:prstDash val="solid"/>
+                      <a:round/>
+                      <a:headEnd type="none" w="med" len="med"/>
+                      <a:tailEnd type="none" w="med" len="med"/>
+                    </a:lnR>
+                    <a:lnT w="12700" cap="flat" cmpd="sng" algn="ctr">
+                      <a:solidFill>
+                        <a:schemeClr val="tx1"/>
+                      </a:solidFill>
+                      <a:prstDash val="solid"/>
+                      <a:round/>
+                      <a:headEnd type="none" w="med" len="med"/>
+                      <a:tailEnd type="none" w="med" len="med"/>
+                    </a:lnT>
+                    <a:lnB w="12700" cap="flat" cmpd="sng" algn="ctr">
+                      <a:solidFill>
+                        <a:schemeClr val="tx1"/>
+                      </a:solidFill>
+                      <a:prstDash val="solid"/>
+                      <a:round/>
+                      <a:headEnd type="none" w="med" len="med"/>
+                      <a:tailEnd type="none" w="med" len="med"/>
+                    </a:lnB>
+                  </a:tcPr>
+                </a:tc>
+                <a:extLst>
+                  <a:ext uri="{0D108BD9-81ED-4DB2-BD59-A6C34878D82A}">
+                    <a16:rowId xmlns:a16="http://schemas.microsoft.com/office/drawing/2014/main" val="3288015860"/>
+                  </a:ext>
+                </a:extLst>
+              </a:tr>
+              <a:tr h="370840">
+                <a:tc>
+                  <a:txBody>
+                    <a:bodyPr/>
+                    <a:lstStyle/>
+                    <a:p>
+                      <a:pPr algn="ctr"/>
+                      <a:r>
+                        <a:rPr lang="en-US" sz="2500" dirty="0" err="1">
+                          <a:latin typeface="Times New Roman" panose="02020603050405020304" pitchFamily="18" charset="0"/>
+                          <a:cs typeface="Times New Roman" panose="02020603050405020304" pitchFamily="18" charset="0"/>
+                        </a:rPr>
+                        <a:t>Hồi</a:t>
+                      </a:r>
+                      <a:r>
+                        <a:rPr lang="en-US" sz="2500" dirty="0">
+                          <a:latin typeface="Times New Roman" panose="02020603050405020304" pitchFamily="18" charset="0"/>
+                          <a:cs typeface="Times New Roman" panose="02020603050405020304" pitchFamily="18" charset="0"/>
+                        </a:rPr>
+                        <a:t> </a:t>
+                      </a:r>
+                      <a:r>
+                        <a:rPr lang="en-US" sz="2500" dirty="0" err="1">
+                          <a:latin typeface="Times New Roman" panose="02020603050405020304" pitchFamily="18" charset="0"/>
+                          <a:cs typeface="Times New Roman" panose="02020603050405020304" pitchFamily="18" charset="0"/>
+                        </a:rPr>
+                        <a:t>quy</a:t>
+                      </a:r>
+                      <a:r>
+                        <a:rPr lang="en-US" sz="2500" dirty="0">
+                          <a:latin typeface="Times New Roman" panose="02020603050405020304" pitchFamily="18" charset="0"/>
+                          <a:cs typeface="Times New Roman" panose="02020603050405020304" pitchFamily="18" charset="0"/>
+                        </a:rPr>
+                        <a:t> Logistic</a:t>
+                      </a:r>
+                    </a:p>
+                  </a:txBody>
+                  <a:tcPr anchor="ctr">
+                    <a:lnL w="12700" cap="flat" cmpd="sng" algn="ctr">
+                      <a:solidFill>
+                        <a:schemeClr val="tx1"/>
+                      </a:solidFill>
+                      <a:prstDash val="solid"/>
+                      <a:round/>
+                      <a:headEnd type="none" w="med" len="med"/>
+                      <a:tailEnd type="none" w="med" len="med"/>
+                    </a:lnL>
+                    <a:lnR w="12700" cap="flat" cmpd="sng" algn="ctr">
+                      <a:solidFill>
+                        <a:schemeClr val="tx1"/>
+                      </a:solidFill>
+                      <a:prstDash val="solid"/>
+                      <a:round/>
+                      <a:headEnd type="none" w="med" len="med"/>
+                      <a:tailEnd type="none" w="med" len="med"/>
+                    </a:lnR>
+                    <a:lnT w="12700" cap="flat" cmpd="sng" algn="ctr">
+                      <a:solidFill>
+                        <a:schemeClr val="tx1"/>
+                      </a:solidFill>
+                      <a:prstDash val="solid"/>
+                      <a:round/>
+                      <a:headEnd type="none" w="med" len="med"/>
+                      <a:tailEnd type="none" w="med" len="med"/>
+                    </a:lnT>
+                    <a:lnB w="12700" cap="flat" cmpd="sng" algn="ctr">
+                      <a:solidFill>
+                        <a:schemeClr val="tx1"/>
+                      </a:solidFill>
+                      <a:prstDash val="solid"/>
+                      <a:round/>
+                      <a:headEnd type="none" w="med" len="med"/>
+                      <a:tailEnd type="none" w="med" len="med"/>
+                    </a:lnB>
+                  </a:tcPr>
+                </a:tc>
+                <a:tc>
+                  <a:txBody>
+                    <a:bodyPr/>
+                    <a:lstStyle/>
+                    <a:p>
+                      <a:pPr algn="l"/>
+                      <a:r>
+                        <a:rPr lang="en-US" sz="2500" dirty="0">
+                          <a:latin typeface="Times New Roman" panose="02020603050405020304" pitchFamily="18" charset="0"/>
+                          <a:cs typeface="Times New Roman" panose="02020603050405020304" pitchFamily="18" charset="0"/>
+                        </a:rPr>
+                        <a:t>accuracy: 0.6973167886308198</a:t>
+                      </a:r>
+                    </a:p>
+                    <a:p>
+                      <a:pPr algn="l"/>
+                      <a:r>
+                        <a:rPr lang="en-US" sz="2500" dirty="0">
+                          <a:latin typeface="Times New Roman" panose="02020603050405020304" pitchFamily="18" charset="0"/>
+                          <a:cs typeface="Times New Roman" panose="02020603050405020304" pitchFamily="18" charset="0"/>
+                        </a:rPr>
+                        <a:t>f1: 0.5729639946572906</a:t>
+                      </a:r>
+                    </a:p>
+                    <a:p>
+                      <a:pPr algn="l"/>
+                      <a:r>
+                        <a:rPr lang="en-US" sz="2500" dirty="0">
+                          <a:latin typeface="Times New Roman" panose="02020603050405020304" pitchFamily="18" charset="0"/>
+                          <a:cs typeface="Times New Roman" panose="02020603050405020304" pitchFamily="18" charset="0"/>
+                        </a:rPr>
+                        <a:t>precision: 0.48625070370639945</a:t>
+                      </a:r>
+                    </a:p>
+                    <a:p>
+                      <a:pPr algn="l"/>
+                      <a:r>
+                        <a:rPr lang="en-US" sz="2500" dirty="0">
+                          <a:latin typeface="Times New Roman" panose="02020603050405020304" pitchFamily="18" charset="0"/>
+                          <a:cs typeface="Times New Roman" panose="02020603050405020304" pitchFamily="18" charset="0"/>
+                        </a:rPr>
+                        <a:t>recall: 0.6973167886308198</a:t>
+                      </a:r>
+                    </a:p>
+                  </a:txBody>
+                  <a:tcPr anchor="ctr">
+                    <a:lnL w="12700" cap="flat" cmpd="sng" algn="ctr">
+                      <a:solidFill>
+                        <a:schemeClr val="tx1"/>
+                      </a:solidFill>
+                      <a:prstDash val="solid"/>
+                      <a:round/>
+                      <a:headEnd type="none" w="med" len="med"/>
+                      <a:tailEnd type="none" w="med" len="med"/>
+                    </a:lnL>
+                    <a:lnR w="12700" cap="flat" cmpd="sng" algn="ctr">
+                      <a:solidFill>
+                        <a:schemeClr val="tx1"/>
+                      </a:solidFill>
+                      <a:prstDash val="solid"/>
+                      <a:round/>
+                      <a:headEnd type="none" w="med" len="med"/>
+                      <a:tailEnd type="none" w="med" len="med"/>
+                    </a:lnR>
+                    <a:lnT w="12700" cap="flat" cmpd="sng" algn="ctr">
+                      <a:solidFill>
+                        <a:schemeClr val="tx1"/>
+                      </a:solidFill>
+                      <a:prstDash val="solid"/>
+                      <a:round/>
+                      <a:headEnd type="none" w="med" len="med"/>
+                      <a:tailEnd type="none" w="med" len="med"/>
+                    </a:lnT>
+                    <a:lnB w="12700" cap="flat" cmpd="sng" algn="ctr">
+                      <a:solidFill>
+                        <a:schemeClr val="tx1"/>
+                      </a:solidFill>
+                      <a:prstDash val="solid"/>
+                      <a:round/>
+                      <a:headEnd type="none" w="med" len="med"/>
+                      <a:tailEnd type="none" w="med" len="med"/>
+                    </a:lnB>
+                  </a:tcPr>
+                </a:tc>
+                <a:extLst>
+                  <a:ext uri="{0D108BD9-81ED-4DB2-BD59-A6C34878D82A}">
+                    <a16:rowId xmlns:a16="http://schemas.microsoft.com/office/drawing/2014/main" val="1147293141"/>
+                  </a:ext>
+                </a:extLst>
+              </a:tr>
+              <a:tr h="370840">
+                <a:tc>
+                  <a:txBody>
+                    <a:bodyPr/>
+                    <a:lstStyle/>
+                    <a:p>
+                      <a:pPr algn="ctr"/>
+                      <a:r>
+                        <a:rPr lang="en-US" sz="2500" dirty="0" err="1">
+                          <a:latin typeface="Times New Roman" panose="02020603050405020304" pitchFamily="18" charset="0"/>
+                          <a:cs typeface="Times New Roman" panose="02020603050405020304" pitchFamily="18" charset="0"/>
+                        </a:rPr>
+                        <a:t>Rừng</a:t>
+                      </a:r>
+                      <a:r>
+                        <a:rPr lang="en-US" sz="2500" dirty="0">
+                          <a:latin typeface="Times New Roman" panose="02020603050405020304" pitchFamily="18" charset="0"/>
+                          <a:cs typeface="Times New Roman" panose="02020603050405020304" pitchFamily="18" charset="0"/>
+                        </a:rPr>
+                        <a:t> </a:t>
+                      </a:r>
+                      <a:r>
+                        <a:rPr lang="en-US" sz="2500" dirty="0" err="1">
+                          <a:latin typeface="Times New Roman" panose="02020603050405020304" pitchFamily="18" charset="0"/>
+                          <a:cs typeface="Times New Roman" panose="02020603050405020304" pitchFamily="18" charset="0"/>
+                        </a:rPr>
+                        <a:t>ngẫu</a:t>
+                      </a:r>
+                      <a:r>
+                        <a:rPr lang="en-US" sz="2500" dirty="0">
+                          <a:latin typeface="Times New Roman" panose="02020603050405020304" pitchFamily="18" charset="0"/>
+                          <a:cs typeface="Times New Roman" panose="02020603050405020304" pitchFamily="18" charset="0"/>
+                        </a:rPr>
+                        <a:t> </a:t>
+                      </a:r>
+                      <a:r>
+                        <a:rPr lang="en-US" sz="2500" dirty="0" err="1">
+                          <a:latin typeface="Times New Roman" panose="02020603050405020304" pitchFamily="18" charset="0"/>
+                          <a:cs typeface="Times New Roman" panose="02020603050405020304" pitchFamily="18" charset="0"/>
+                        </a:rPr>
+                        <a:t>nhiên</a:t>
+                      </a:r>
+                      <a:endParaRPr lang="en-US" sz="2500" dirty="0">
+                        <a:latin typeface="Times New Roman" panose="02020603050405020304" pitchFamily="18" charset="0"/>
+                        <a:cs typeface="Times New Roman" panose="02020603050405020304" pitchFamily="18" charset="0"/>
+                      </a:endParaRPr>
+                    </a:p>
+                  </a:txBody>
+                  <a:tcPr anchor="ctr">
+                    <a:lnL w="12700" cap="flat" cmpd="sng" algn="ctr">
+                      <a:solidFill>
+                        <a:schemeClr val="tx1"/>
+                      </a:solidFill>
+                      <a:prstDash val="solid"/>
+                      <a:round/>
+                      <a:headEnd type="none" w="med" len="med"/>
+                      <a:tailEnd type="none" w="med" len="med"/>
+                    </a:lnL>
+                    <a:lnR w="12700" cap="flat" cmpd="sng" algn="ctr">
+                      <a:solidFill>
+                        <a:schemeClr val="tx1"/>
+                      </a:solidFill>
+                      <a:prstDash val="solid"/>
+                      <a:round/>
+                      <a:headEnd type="none" w="med" len="med"/>
+                      <a:tailEnd type="none" w="med" len="med"/>
+                    </a:lnR>
+                    <a:lnT w="12700" cap="flat" cmpd="sng" algn="ctr">
+                      <a:solidFill>
+                        <a:schemeClr val="tx1"/>
+                      </a:solidFill>
+                      <a:prstDash val="solid"/>
+                      <a:round/>
+                      <a:headEnd type="none" w="med" len="med"/>
+                      <a:tailEnd type="none" w="med" len="med"/>
+                    </a:lnT>
+                    <a:lnB w="12700" cap="flat" cmpd="sng" algn="ctr">
+                      <a:solidFill>
+                        <a:schemeClr val="tx1"/>
+                      </a:solidFill>
+                      <a:prstDash val="solid"/>
+                      <a:round/>
+                      <a:headEnd type="none" w="med" len="med"/>
+                      <a:tailEnd type="none" w="med" len="med"/>
+                    </a:lnB>
+                  </a:tcPr>
+                </a:tc>
+                <a:tc>
+                  <a:txBody>
+                    <a:bodyPr/>
+                    <a:lstStyle/>
+                    <a:p>
+                      <a:pPr algn="l"/>
+                      <a:r>
+                        <a:rPr lang="en-US" sz="2500" dirty="0">
+                          <a:latin typeface="Times New Roman" panose="02020603050405020304" pitchFamily="18" charset="0"/>
+                          <a:cs typeface="Times New Roman" panose="02020603050405020304" pitchFamily="18" charset="0"/>
+                        </a:rPr>
+                        <a:t>accuracy: 0.6969986212747905</a:t>
+                      </a:r>
+                    </a:p>
+                    <a:p>
+                      <a:pPr algn="l"/>
+                      <a:r>
+                        <a:rPr lang="en-US" sz="2500" dirty="0">
+                          <a:latin typeface="Times New Roman" panose="02020603050405020304" pitchFamily="18" charset="0"/>
+                          <a:cs typeface="Times New Roman" panose="02020603050405020304" pitchFamily="18" charset="0"/>
+                        </a:rPr>
+                        <a:t>f1: 0.5728099412388911</a:t>
+                      </a:r>
+                    </a:p>
+                    <a:p>
+                      <a:pPr algn="l"/>
+                      <a:r>
+                        <a:rPr lang="en-US" sz="2500" dirty="0">
+                          <a:latin typeface="Times New Roman" panose="02020603050405020304" pitchFamily="18" charset="0"/>
+                          <a:cs typeface="Times New Roman" panose="02020603050405020304" pitchFamily="18" charset="0"/>
+                        </a:rPr>
+                        <a:t>precision: 0.4861835279950932</a:t>
+                      </a:r>
+                    </a:p>
+                    <a:p>
+                      <a:pPr algn="l"/>
+                      <a:r>
+                        <a:rPr lang="en-US" sz="2500" dirty="0">
+                          <a:latin typeface="Times New Roman" panose="02020603050405020304" pitchFamily="18" charset="0"/>
+                          <a:cs typeface="Times New Roman" panose="02020603050405020304" pitchFamily="18" charset="0"/>
+                        </a:rPr>
+                        <a:t>recall: 0.6969986212747905</a:t>
+                      </a:r>
+                    </a:p>
+                  </a:txBody>
+                  <a:tcPr anchor="ctr">
+                    <a:lnL w="12700" cap="flat" cmpd="sng" algn="ctr">
+                      <a:solidFill>
+                        <a:schemeClr val="tx1"/>
+                      </a:solidFill>
+                      <a:prstDash val="solid"/>
+                      <a:round/>
+                      <a:headEnd type="none" w="med" len="med"/>
+                      <a:tailEnd type="none" w="med" len="med"/>
+                    </a:lnL>
+                    <a:lnR w="12700" cap="flat" cmpd="sng" algn="ctr">
+                      <a:solidFill>
+                        <a:schemeClr val="tx1"/>
+                      </a:solidFill>
+                      <a:prstDash val="solid"/>
+                      <a:round/>
+                      <a:headEnd type="none" w="med" len="med"/>
+                      <a:tailEnd type="none" w="med" len="med"/>
+                    </a:lnR>
+                    <a:lnT w="12700" cap="flat" cmpd="sng" algn="ctr">
+                      <a:solidFill>
+                        <a:schemeClr val="tx1"/>
+                      </a:solidFill>
+                      <a:prstDash val="solid"/>
+                      <a:round/>
+                      <a:headEnd type="none" w="med" len="med"/>
+                      <a:tailEnd type="none" w="med" len="med"/>
+                    </a:lnT>
+                    <a:lnB w="12700" cap="flat" cmpd="sng" algn="ctr">
+                      <a:solidFill>
+                        <a:schemeClr val="tx1"/>
+                      </a:solidFill>
+                      <a:prstDash val="solid"/>
+                      <a:round/>
+                      <a:headEnd type="none" w="med" len="med"/>
+                      <a:tailEnd type="none" w="med" len="med"/>
+                    </a:lnB>
+                  </a:tcPr>
+                </a:tc>
+                <a:extLst>
+                  <a:ext uri="{0D108BD9-81ED-4DB2-BD59-A6C34878D82A}">
+                    <a16:rowId xmlns:a16="http://schemas.microsoft.com/office/drawing/2014/main" val="2768637231"/>
+                  </a:ext>
+                </a:extLst>
+              </a:tr>
+              <a:tr h="370840">
+                <a:tc>
+                  <a:txBody>
+                    <a:bodyPr/>
+                    <a:lstStyle/>
+                    <a:p>
+                      <a:pPr algn="ctr"/>
+                      <a:r>
+                        <a:rPr lang="en-US" sz="2500" dirty="0">
+                          <a:latin typeface="Times New Roman" panose="02020603050405020304" pitchFamily="18" charset="0"/>
+                          <a:cs typeface="Times New Roman" panose="02020603050405020304" pitchFamily="18" charset="0"/>
+                        </a:rPr>
+                        <a:t>Naive Bayes</a:t>
+                      </a:r>
+                    </a:p>
+                  </a:txBody>
+                  <a:tcPr anchor="ctr">
+                    <a:lnL w="12700" cap="flat" cmpd="sng" algn="ctr">
+                      <a:solidFill>
+                        <a:schemeClr val="tx1"/>
+                      </a:solidFill>
+                      <a:prstDash val="solid"/>
+                      <a:round/>
+                      <a:headEnd type="none" w="med" len="med"/>
+                      <a:tailEnd type="none" w="med" len="med"/>
+                    </a:lnL>
+                    <a:lnR w="12700" cap="flat" cmpd="sng" algn="ctr">
+                      <a:solidFill>
+                        <a:schemeClr val="tx1"/>
+                      </a:solidFill>
+                      <a:prstDash val="solid"/>
+                      <a:round/>
+                      <a:headEnd type="none" w="med" len="med"/>
+                      <a:tailEnd type="none" w="med" len="med"/>
+                    </a:lnR>
+                    <a:lnT w="12700" cap="flat" cmpd="sng" algn="ctr">
+                      <a:solidFill>
+                        <a:schemeClr val="tx1"/>
+                      </a:solidFill>
+                      <a:prstDash val="solid"/>
+                      <a:round/>
+                      <a:headEnd type="none" w="med" len="med"/>
+                      <a:tailEnd type="none" w="med" len="med"/>
+                    </a:lnT>
+                    <a:lnB w="12700" cap="flat" cmpd="sng" algn="ctr">
+                      <a:solidFill>
+                        <a:schemeClr val="tx1"/>
+                      </a:solidFill>
+                      <a:prstDash val="solid"/>
+                      <a:round/>
+                      <a:headEnd type="none" w="med" len="med"/>
+                      <a:tailEnd type="none" w="med" len="med"/>
+                    </a:lnB>
+                  </a:tcPr>
+                </a:tc>
+                <a:tc>
+                  <a:txBody>
+                    <a:bodyPr/>
+                    <a:lstStyle/>
+                    <a:p>
+                      <a:pPr algn="l"/>
+                      <a:r>
+                        <a:rPr lang="en-US" sz="2500" dirty="0">
+                          <a:latin typeface="Times New Roman" panose="02020603050405020304" pitchFamily="18" charset="0"/>
+                          <a:cs typeface="Times New Roman" panose="02020603050405020304" pitchFamily="18" charset="0"/>
+                        </a:rPr>
+                        <a:t>accuracy: 0.5940184537066497</a:t>
+                      </a:r>
+                    </a:p>
+                    <a:p>
+                      <a:pPr algn="l"/>
+                      <a:r>
+                        <a:rPr lang="en-US" sz="2500" dirty="0">
+                          <a:latin typeface="Times New Roman" panose="02020603050405020304" pitchFamily="18" charset="0"/>
+                          <a:cs typeface="Times New Roman" panose="02020603050405020304" pitchFamily="18" charset="0"/>
+                        </a:rPr>
+                        <a:t>f1: 0.5962549617720538</a:t>
+                      </a:r>
+                    </a:p>
+                    <a:p>
+                      <a:pPr algn="l"/>
+                      <a:r>
+                        <a:rPr lang="en-US" sz="2500" dirty="0">
+                          <a:latin typeface="Times New Roman" panose="02020603050405020304" pitchFamily="18" charset="0"/>
+                          <a:cs typeface="Times New Roman" panose="02020603050405020304" pitchFamily="18" charset="0"/>
+                        </a:rPr>
+                        <a:t>precision: 0.5986518359718374</a:t>
+                      </a:r>
+                    </a:p>
+                    <a:p>
+                      <a:pPr algn="l"/>
+                      <a:r>
+                        <a:rPr lang="en-US" sz="2500" dirty="0">
+                          <a:latin typeface="Times New Roman" panose="02020603050405020304" pitchFamily="18" charset="0"/>
+                          <a:cs typeface="Times New Roman" panose="02020603050405020304" pitchFamily="18" charset="0"/>
+                        </a:rPr>
+                        <a:t>recall: 0.5940184537066497</a:t>
+                      </a:r>
+                    </a:p>
+                  </a:txBody>
+                  <a:tcPr anchor="ctr">
+                    <a:lnL w="12700" cap="flat" cmpd="sng" algn="ctr">
+                      <a:solidFill>
+                        <a:schemeClr val="tx1"/>
+                      </a:solidFill>
+                      <a:prstDash val="solid"/>
+                      <a:round/>
+                      <a:headEnd type="none" w="med" len="med"/>
+                      <a:tailEnd type="none" w="med" len="med"/>
+                    </a:lnL>
+                    <a:lnR w="12700" cap="flat" cmpd="sng" algn="ctr">
+                      <a:solidFill>
+                        <a:schemeClr val="tx1"/>
+                      </a:solidFill>
+                      <a:prstDash val="solid"/>
+                      <a:round/>
+                      <a:headEnd type="none" w="med" len="med"/>
+                      <a:tailEnd type="none" w="med" len="med"/>
+                    </a:lnR>
+                    <a:lnT w="12700" cap="flat" cmpd="sng" algn="ctr">
+                      <a:solidFill>
+                        <a:schemeClr val="tx1"/>
+                      </a:solidFill>
+                      <a:prstDash val="solid"/>
+                      <a:round/>
+                      <a:headEnd type="none" w="med" len="med"/>
+                      <a:tailEnd type="none" w="med" len="med"/>
+                    </a:lnT>
+                    <a:lnB w="12700" cap="flat" cmpd="sng" algn="ctr">
+                      <a:solidFill>
+                        <a:schemeClr val="tx1"/>
+                      </a:solidFill>
+                      <a:prstDash val="solid"/>
+                      <a:round/>
+                      <a:headEnd type="none" w="med" len="med"/>
+                      <a:tailEnd type="none" w="med" len="med"/>
+                    </a:lnB>
+                  </a:tcPr>
+                </a:tc>
+                <a:extLst>
+                  <a:ext uri="{0D108BD9-81ED-4DB2-BD59-A6C34878D82A}">
+                    <a16:rowId xmlns:a16="http://schemas.microsoft.com/office/drawing/2014/main" val="914248606"/>
+                  </a:ext>
+                </a:extLst>
+              </a:tr>
+            </a:tbl>
+          </a:graphicData>
+        </a:graphic>
+      </p:graphicFrame>
+    </p:spTree>
+    <p:extLst>
+      <p:ext uri="{BB962C8B-B14F-4D97-AF65-F5344CB8AC3E}">
+        <p14:creationId xmlns:p14="http://schemas.microsoft.com/office/powerpoint/2010/main" val="4266985890"/>
       </p:ext>
     </p:extLst>
   </p:cSld>

--- a/Final/Nhom01.pptx
+++ b/Final/Nhom01.pptx
@@ -3248,7 +3248,7 @@
         <p:spPr>
           <a:xfrm>
             <a:off x="1028700" y="4088130"/>
-            <a:ext cx="8591797" cy="2063194"/>
+            <a:ext cx="8591797" cy="1357872"/>
           </a:xfrm>
           <a:prstGeom prst="rect">
             <a:avLst/>
@@ -3259,28 +3259,6 @@
             <a:spAutoFit/>
           </a:bodyPr>
           <a:lstStyle/>
-          <a:p>
-            <a:pPr algn="ctr">
-              <a:lnSpc>
-                <a:spcPts val="5459"/>
-              </a:lnSpc>
-            </a:pPr>
-            <a:r>
-              <a:rPr lang="en-US" sz="3899">
-                <a:solidFill>
-                  <a:srgbClr val="000000"/>
-                </a:solidFill>
-                <a:latin typeface="Montserrat Bold"/>
-              </a:rPr>
-              <a:t>MILESTONE</a:t>
-            </a:r>
-            <a:endParaRPr lang="en-US" sz="3899" dirty="0">
-              <a:solidFill>
-                <a:srgbClr val="000000"/>
-              </a:solidFill>
-              <a:latin typeface="Montserrat Bold"/>
-            </a:endParaRPr>
-          </a:p>
           <a:p>
             <a:pPr algn="ctr">
               <a:lnSpc>
@@ -10157,14 +10135,14 @@
           <p:nvPr>
             <p:extLst>
               <p:ext uri="{D42A27DB-BD31-4B8C-83A1-F6EECF244321}">
-                <p14:modId xmlns:p14="http://schemas.microsoft.com/office/powerpoint/2010/main" val="961511372"/>
+                <p14:modId xmlns:p14="http://schemas.microsoft.com/office/powerpoint/2010/main" val="1060367829"/>
               </p:ext>
             </p:extLst>
           </p:nvPr>
         </p:nvGraphicFramePr>
         <p:xfrm>
-          <a:off x="3048000" y="2400300"/>
-          <a:ext cx="12192000" cy="6934200"/>
+          <a:off x="2019300" y="2324100"/>
+          <a:ext cx="14249400" cy="6934200"/>
         </p:xfrm>
         <a:graphic>
           <a:graphicData uri="http://schemas.openxmlformats.org/drawingml/2006/table">
@@ -10173,17 +10151,24 @@
                 <a:tableStyleId>{69012ECD-51FC-41F1-AA8D-1B2483CD663E}</a:tableStyleId>
               </a:tblPr>
               <a:tblGrid>
-                <a:gridCol w="6096000">
+                <a:gridCol w="4064000">
                   <a:extLst>
                     <a:ext uri="{9D8B030D-6E8A-4147-A177-3AD203B41FA5}">
                       <a16:colId xmlns:a16="http://schemas.microsoft.com/office/drawing/2014/main" val="556238025"/>
                     </a:ext>
                   </a:extLst>
                 </a:gridCol>
-                <a:gridCol w="6096000">
+                <a:gridCol w="5156200">
                   <a:extLst>
                     <a:ext uri="{9D8B030D-6E8A-4147-A177-3AD203B41FA5}">
                       <a16:colId xmlns:a16="http://schemas.microsoft.com/office/drawing/2014/main" val="2987112441"/>
+                    </a:ext>
+                  </a:extLst>
+                </a:gridCol>
+                <a:gridCol w="5029200">
+                  <a:extLst>
+                    <a:ext uri="{9D8B030D-6E8A-4147-A177-3AD203B41FA5}">
+                      <a16:colId xmlns:a16="http://schemas.microsoft.com/office/drawing/2014/main" val="3432037616"/>
                     </a:ext>
                   </a:extLst>
                 </a:gridCol>
@@ -10198,7 +10183,7 @@
                       <a:r>
                         <a:rPr lang="en-US" sz="2500" dirty="0">
                           <a:solidFill>
-                            <a:schemeClr val="tx1"/>
+                            <a:schemeClr val="bg1"/>
                           </a:solidFill>
                           <a:latin typeface="Times New Roman" panose="02020603050405020304" pitchFamily="18" charset="0"/>
                           <a:cs typeface="Times New Roman" panose="02020603050405020304" pitchFamily="18" charset="0"/>
@@ -10258,12 +10243,72 @@
                       <a:r>
                         <a:rPr lang="en-US" sz="2500" dirty="0">
                           <a:solidFill>
-                            <a:schemeClr val="tx1"/>
+                            <a:schemeClr val="bg1"/>
                           </a:solidFill>
                           <a:latin typeface="Times New Roman" panose="02020603050405020304" pitchFamily="18" charset="0"/>
                           <a:cs typeface="Times New Roman" panose="02020603050405020304" pitchFamily="18" charset="0"/>
                         </a:rPr>
                         <a:t>TRƯỚC KHI TỐI ƯU</a:t>
+                      </a:r>
+                    </a:p>
+                  </a:txBody>
+                  <a:tcPr>
+                    <a:lnL w="12700" cap="flat" cmpd="sng" algn="ctr">
+                      <a:solidFill>
+                        <a:schemeClr val="tx1"/>
+                      </a:solidFill>
+                      <a:prstDash val="solid"/>
+                      <a:round/>
+                      <a:headEnd type="none" w="med" len="med"/>
+                      <a:tailEnd type="none" w="med" len="med"/>
+                    </a:lnL>
+                    <a:lnR w="12700" cap="flat" cmpd="sng" algn="ctr">
+                      <a:solidFill>
+                        <a:schemeClr val="tx1"/>
+                      </a:solidFill>
+                      <a:prstDash val="solid"/>
+                      <a:round/>
+                      <a:headEnd type="none" w="med" len="med"/>
+                      <a:tailEnd type="none" w="med" len="med"/>
+                    </a:lnR>
+                    <a:lnT w="12700" cap="flat" cmpd="sng" algn="ctr">
+                      <a:solidFill>
+                        <a:schemeClr val="tx1"/>
+                      </a:solidFill>
+                      <a:prstDash val="solid"/>
+                      <a:round/>
+                      <a:headEnd type="none" w="med" len="med"/>
+                      <a:tailEnd type="none" w="med" len="med"/>
+                    </a:lnT>
+                    <a:lnB w="12700" cap="flat" cmpd="sng" algn="ctr">
+                      <a:solidFill>
+                        <a:schemeClr val="tx1"/>
+                      </a:solidFill>
+                      <a:prstDash val="solid"/>
+                      <a:round/>
+                      <a:headEnd type="none" w="med" len="med"/>
+                      <a:tailEnd type="none" w="med" len="med"/>
+                    </a:lnB>
+                    <a:solidFill>
+                      <a:srgbClr val="8AABCA"/>
+                    </a:solidFill>
+                  </a:tcPr>
+                </a:tc>
+                <a:tc>
+                  <a:txBody>
+                    <a:bodyPr/>
+                    <a:lstStyle/>
+                    <a:p>
+                      <a:pPr algn="ctr"/>
+                      <a:r>
+                        <a:rPr lang="en-US" sz="2500" dirty="0">
+                          <a:solidFill>
+                            <a:schemeClr val="bg1"/>
+                          </a:solidFill>
+                          <a:latin typeface="Times New Roman" panose="02020603050405020304" pitchFamily="18" charset="0"/>
+                          <a:cs typeface="Times New Roman" panose="02020603050405020304" pitchFamily="18" charset="0"/>
+                        </a:rPr>
+                        <a:t>SAU KHI TỐI ƯU</a:t>
                       </a:r>
                     </a:p>
                   </a:txBody>
@@ -10486,6 +10531,57 @@
                     </a:lnB>
                   </a:tcPr>
                 </a:tc>
+                <a:tc>
+                  <a:txBody>
+                    <a:bodyPr/>
+                    <a:lstStyle/>
+                    <a:p>
+                      <a:pPr algn="l"/>
+                      <a:endParaRPr lang="en-US" sz="2500" dirty="0">
+                        <a:latin typeface="Times New Roman" panose="02020603050405020304" pitchFamily="18" charset="0"/>
+                        <a:cs typeface="Times New Roman" panose="02020603050405020304" pitchFamily="18" charset="0"/>
+                      </a:endParaRPr>
+                    </a:p>
+                  </a:txBody>
+                  <a:tcPr anchor="ctr">
+                    <a:lnL w="12700" cap="flat" cmpd="sng" algn="ctr">
+                      <a:solidFill>
+                        <a:schemeClr val="tx1"/>
+                      </a:solidFill>
+                      <a:prstDash val="solid"/>
+                      <a:round/>
+                      <a:headEnd type="none" w="med" len="med"/>
+                      <a:tailEnd type="none" w="med" len="med"/>
+                    </a:lnL>
+                    <a:lnR w="12700" cap="flat" cmpd="sng" algn="ctr">
+                      <a:solidFill>
+                        <a:schemeClr val="tx1"/>
+                      </a:solidFill>
+                      <a:prstDash val="solid"/>
+                      <a:round/>
+                      <a:headEnd type="none" w="med" len="med"/>
+                      <a:tailEnd type="none" w="med" len="med"/>
+                    </a:lnR>
+                    <a:lnT w="12700" cap="flat" cmpd="sng" algn="ctr">
+                      <a:solidFill>
+                        <a:schemeClr val="tx1"/>
+                      </a:solidFill>
+                      <a:prstDash val="solid"/>
+                      <a:round/>
+                      <a:headEnd type="none" w="med" len="med"/>
+                      <a:tailEnd type="none" w="med" len="med"/>
+                    </a:lnT>
+                    <a:lnB w="12700" cap="flat" cmpd="sng" algn="ctr">
+                      <a:solidFill>
+                        <a:schemeClr val="tx1"/>
+                      </a:solidFill>
+                      <a:prstDash val="solid"/>
+                      <a:round/>
+                      <a:headEnd type="none" w="med" len="med"/>
+                      <a:tailEnd type="none" w="med" len="med"/>
+                    </a:lnB>
+                  </a:tcPr>
+                </a:tc>
                 <a:extLst>
                   <a:ext uri="{0D108BD9-81ED-4DB2-BD59-A6C34878D82A}">
                     <a16:rowId xmlns:a16="http://schemas.microsoft.com/office/drawing/2014/main" val="3288015860"/>
@@ -10611,6 +10707,57 @@
                         </a:rPr>
                         <a:t>recall: 0.6973167886308198</a:t>
                       </a:r>
+                    </a:p>
+                  </a:txBody>
+                  <a:tcPr anchor="ctr">
+                    <a:lnL w="12700" cap="flat" cmpd="sng" algn="ctr">
+                      <a:solidFill>
+                        <a:schemeClr val="tx1"/>
+                      </a:solidFill>
+                      <a:prstDash val="solid"/>
+                      <a:round/>
+                      <a:headEnd type="none" w="med" len="med"/>
+                      <a:tailEnd type="none" w="med" len="med"/>
+                    </a:lnL>
+                    <a:lnR w="12700" cap="flat" cmpd="sng" algn="ctr">
+                      <a:solidFill>
+                        <a:schemeClr val="tx1"/>
+                      </a:solidFill>
+                      <a:prstDash val="solid"/>
+                      <a:round/>
+                      <a:headEnd type="none" w="med" len="med"/>
+                      <a:tailEnd type="none" w="med" len="med"/>
+                    </a:lnR>
+                    <a:lnT w="12700" cap="flat" cmpd="sng" algn="ctr">
+                      <a:solidFill>
+                        <a:schemeClr val="tx1"/>
+                      </a:solidFill>
+                      <a:prstDash val="solid"/>
+                      <a:round/>
+                      <a:headEnd type="none" w="med" len="med"/>
+                      <a:tailEnd type="none" w="med" len="med"/>
+                    </a:lnT>
+                    <a:lnB w="12700" cap="flat" cmpd="sng" algn="ctr">
+                      <a:solidFill>
+                        <a:schemeClr val="tx1"/>
+                      </a:solidFill>
+                      <a:prstDash val="solid"/>
+                      <a:round/>
+                      <a:headEnd type="none" w="med" len="med"/>
+                      <a:tailEnd type="none" w="med" len="med"/>
+                    </a:lnB>
+                  </a:tcPr>
+                </a:tc>
+                <a:tc>
+                  <a:txBody>
+                    <a:bodyPr/>
+                    <a:lstStyle/>
+                    <a:p>
+                      <a:pPr algn="l"/>
+                      <a:endParaRPr lang="en-US" sz="2500" dirty="0">
+                        <a:latin typeface="Times New Roman" panose="02020603050405020304" pitchFamily="18" charset="0"/>
+                        <a:cs typeface="Times New Roman" panose="02020603050405020304" pitchFamily="18" charset="0"/>
+                      </a:endParaRPr>
                     </a:p>
                   </a:txBody>
                   <a:tcPr anchor="ctr">
@@ -10829,6 +10976,57 @@
                     </a:lnB>
                   </a:tcPr>
                 </a:tc>
+                <a:tc>
+                  <a:txBody>
+                    <a:bodyPr/>
+                    <a:lstStyle/>
+                    <a:p>
+                      <a:pPr algn="l"/>
+                      <a:endParaRPr lang="en-US" sz="2500" dirty="0">
+                        <a:latin typeface="Times New Roman" panose="02020603050405020304" pitchFamily="18" charset="0"/>
+                        <a:cs typeface="Times New Roman" panose="02020603050405020304" pitchFamily="18" charset="0"/>
+                      </a:endParaRPr>
+                    </a:p>
+                  </a:txBody>
+                  <a:tcPr anchor="ctr">
+                    <a:lnL w="12700" cap="flat" cmpd="sng" algn="ctr">
+                      <a:solidFill>
+                        <a:schemeClr val="tx1"/>
+                      </a:solidFill>
+                      <a:prstDash val="solid"/>
+                      <a:round/>
+                      <a:headEnd type="none" w="med" len="med"/>
+                      <a:tailEnd type="none" w="med" len="med"/>
+                    </a:lnL>
+                    <a:lnR w="12700" cap="flat" cmpd="sng" algn="ctr">
+                      <a:solidFill>
+                        <a:schemeClr val="tx1"/>
+                      </a:solidFill>
+                      <a:prstDash val="solid"/>
+                      <a:round/>
+                      <a:headEnd type="none" w="med" len="med"/>
+                      <a:tailEnd type="none" w="med" len="med"/>
+                    </a:lnR>
+                    <a:lnT w="12700" cap="flat" cmpd="sng" algn="ctr">
+                      <a:solidFill>
+                        <a:schemeClr val="tx1"/>
+                      </a:solidFill>
+                      <a:prstDash val="solid"/>
+                      <a:round/>
+                      <a:headEnd type="none" w="med" len="med"/>
+                      <a:tailEnd type="none" w="med" len="med"/>
+                    </a:lnT>
+                    <a:lnB w="12700" cap="flat" cmpd="sng" algn="ctr">
+                      <a:solidFill>
+                        <a:schemeClr val="tx1"/>
+                      </a:solidFill>
+                      <a:prstDash val="solid"/>
+                      <a:round/>
+                      <a:headEnd type="none" w="med" len="med"/>
+                      <a:tailEnd type="none" w="med" len="med"/>
+                    </a:lnB>
+                  </a:tcPr>
+                </a:tc>
                 <a:extLst>
                   <a:ext uri="{0D108BD9-81ED-4DB2-BD59-A6C34878D82A}">
                     <a16:rowId xmlns:a16="http://schemas.microsoft.com/office/drawing/2014/main" val="2768637231"/>
@@ -10933,6 +11131,57 @@
                         </a:rPr>
                         <a:t>recall: 0.5940184537066497</a:t>
                       </a:r>
+                    </a:p>
+                  </a:txBody>
+                  <a:tcPr anchor="ctr">
+                    <a:lnL w="12700" cap="flat" cmpd="sng" algn="ctr">
+                      <a:solidFill>
+                        <a:schemeClr val="tx1"/>
+                      </a:solidFill>
+                      <a:prstDash val="solid"/>
+                      <a:round/>
+                      <a:headEnd type="none" w="med" len="med"/>
+                      <a:tailEnd type="none" w="med" len="med"/>
+                    </a:lnL>
+                    <a:lnR w="12700" cap="flat" cmpd="sng" algn="ctr">
+                      <a:solidFill>
+                        <a:schemeClr val="tx1"/>
+                      </a:solidFill>
+                      <a:prstDash val="solid"/>
+                      <a:round/>
+                      <a:headEnd type="none" w="med" len="med"/>
+                      <a:tailEnd type="none" w="med" len="med"/>
+                    </a:lnR>
+                    <a:lnT w="12700" cap="flat" cmpd="sng" algn="ctr">
+                      <a:solidFill>
+                        <a:schemeClr val="tx1"/>
+                      </a:solidFill>
+                      <a:prstDash val="solid"/>
+                      <a:round/>
+                      <a:headEnd type="none" w="med" len="med"/>
+                      <a:tailEnd type="none" w="med" len="med"/>
+                    </a:lnT>
+                    <a:lnB w="12700" cap="flat" cmpd="sng" algn="ctr">
+                      <a:solidFill>
+                        <a:schemeClr val="tx1"/>
+                      </a:solidFill>
+                      <a:prstDash val="solid"/>
+                      <a:round/>
+                      <a:headEnd type="none" w="med" len="med"/>
+                      <a:tailEnd type="none" w="med" len="med"/>
+                    </a:lnB>
+                  </a:tcPr>
+                </a:tc>
+                <a:tc>
+                  <a:txBody>
+                    <a:bodyPr/>
+                    <a:lstStyle/>
+                    <a:p>
+                      <a:pPr algn="l"/>
+                      <a:endParaRPr lang="en-US" sz="2500" dirty="0">
+                        <a:latin typeface="Times New Roman" panose="02020603050405020304" pitchFamily="18" charset="0"/>
+                        <a:cs typeface="Times New Roman" panose="02020603050405020304" pitchFamily="18" charset="0"/>
+                      </a:endParaRPr>
                     </a:p>
                   </a:txBody>
                   <a:tcPr anchor="ctr">

--- a/Final/Nhom01.pptx
+++ b/Final/Nhom01.pptx
@@ -11,47 +11,49 @@
     <p:sldId id="293" r:id="rId5"/>
     <p:sldId id="281" r:id="rId6"/>
     <p:sldId id="282" r:id="rId7"/>
-    <p:sldId id="294" r:id="rId8"/>
-    <p:sldId id="298" r:id="rId9"/>
-    <p:sldId id="299" r:id="rId10"/>
-    <p:sldId id="300" r:id="rId11"/>
-    <p:sldId id="301" r:id="rId12"/>
-    <p:sldId id="291" r:id="rId13"/>
-    <p:sldId id="295" r:id="rId14"/>
-    <p:sldId id="292" r:id="rId15"/>
-    <p:sldId id="289" r:id="rId16"/>
+    <p:sldId id="296" r:id="rId8"/>
+    <p:sldId id="294" r:id="rId9"/>
+    <p:sldId id="297" r:id="rId10"/>
+    <p:sldId id="298" r:id="rId11"/>
+    <p:sldId id="299" r:id="rId12"/>
+    <p:sldId id="300" r:id="rId13"/>
+    <p:sldId id="301" r:id="rId14"/>
+    <p:sldId id="291" r:id="rId15"/>
+    <p:sldId id="295" r:id="rId16"/>
+    <p:sldId id="292" r:id="rId17"/>
+    <p:sldId id="289" r:id="rId18"/>
   </p:sldIdLst>
   <p:sldSz cx="18288000" cy="10287000"/>
   <p:notesSz cx="6858000" cy="9144000"/>
   <p:embeddedFontLst>
     <p:embeddedFont>
       <p:font typeface="Calibri" panose="020F0502020204030204" pitchFamily="34" charset="0"/>
-      <p:regular r:id="rId17"/>
-      <p:bold r:id="rId18"/>
-      <p:italic r:id="rId19"/>
-      <p:boldItalic r:id="rId20"/>
+      <p:regular r:id="rId19"/>
+      <p:bold r:id="rId20"/>
+      <p:italic r:id="rId21"/>
+      <p:boldItalic r:id="rId22"/>
     </p:embeddedFont>
     <p:embeddedFont>
       <p:font typeface="Montserrat" panose="00000500000000000000" pitchFamily="2" charset="0"/>
-      <p:regular r:id="rId21"/>
-      <p:bold r:id="rId22"/>
-      <p:italic r:id="rId23"/>
-      <p:boldItalic r:id="rId24"/>
+      <p:regular r:id="rId23"/>
+      <p:bold r:id="rId24"/>
+      <p:italic r:id="rId25"/>
+      <p:boldItalic r:id="rId26"/>
     </p:embeddedFont>
     <p:embeddedFont>
       <p:font typeface="Montserrat Bold" panose="00000800000000000000" charset="0"/>
-      <p:regular r:id="rId25"/>
+      <p:regular r:id="rId27"/>
     </p:embeddedFont>
     <p:embeddedFont>
       <p:font typeface="Noto Serif" panose="02020600060500020200" pitchFamily="18" charset="0"/>
-      <p:regular r:id="rId26"/>
-      <p:bold r:id="rId27"/>
-      <p:italic r:id="rId28"/>
-      <p:boldItalic r:id="rId29"/>
+      <p:regular r:id="rId28"/>
+      <p:bold r:id="rId29"/>
+      <p:italic r:id="rId30"/>
+      <p:boldItalic r:id="rId31"/>
     </p:embeddedFont>
     <p:embeddedFont>
       <p:font typeface="Noto Serif Bold" panose="02020800060500020200" charset="0"/>
-      <p:regular r:id="rId30"/>
+      <p:regular r:id="rId32"/>
     </p:embeddedFont>
   </p:embeddedFontLst>
   <p:defaultTextStyle>
@@ -3431,6 +3433,506 @@
               </a:lnSpc>
             </a:pPr>
             <a:r>
+              <a:rPr lang="en-US" sz="4200">
+                <a:solidFill>
+                  <a:srgbClr val="273755"/>
+                </a:solidFill>
+                <a:latin typeface="Noto Serif Bold"/>
+              </a:rPr>
+              <a:t>III. KẾT QUẢ PHÂN TÍCH</a:t>
+            </a:r>
+          </a:p>
+        </p:txBody>
+      </p:sp>
+      <p:grpSp>
+        <p:nvGrpSpPr>
+          <p:cNvPr id="12" name="Group 11">
+            <a:extLst>
+              <a:ext uri="{FF2B5EF4-FFF2-40B4-BE49-F238E27FC236}">
+                <a16:creationId xmlns:a16="http://schemas.microsoft.com/office/drawing/2014/main" id="{56B6320E-F9EC-CA30-EF4D-6284369F3E4E}"/>
+              </a:ext>
+            </a:extLst>
+          </p:cNvPr>
+          <p:cNvGrpSpPr/>
+          <p:nvPr/>
+        </p:nvGrpSpPr>
+        <p:grpSpPr>
+          <a:xfrm>
+            <a:off x="4038600" y="9791700"/>
+            <a:ext cx="11506200" cy="0"/>
+            <a:chOff x="4038600" y="9791700"/>
+            <a:chExt cx="11506200" cy="0"/>
+          </a:xfrm>
+        </p:grpSpPr>
+        <p:cxnSp>
+          <p:nvCxnSpPr>
+            <p:cNvPr id="14" name="Straight Connector 13">
+              <a:extLst>
+                <a:ext uri="{FF2B5EF4-FFF2-40B4-BE49-F238E27FC236}">
+                  <a16:creationId xmlns:a16="http://schemas.microsoft.com/office/drawing/2014/main" id="{6990D522-F9AF-B167-6C52-FC0C2407E7FB}"/>
+                </a:ext>
+              </a:extLst>
+            </p:cNvPr>
+            <p:cNvCxnSpPr>
+              <a:cxnSpLocks/>
+            </p:cNvCxnSpPr>
+            <p:nvPr/>
+          </p:nvCxnSpPr>
+          <p:spPr>
+            <a:xfrm>
+              <a:off x="4038600" y="9791700"/>
+              <a:ext cx="11049000" cy="0"/>
+            </a:xfrm>
+            <a:prstGeom prst="line">
+              <a:avLst/>
+            </a:prstGeom>
+            <a:ln>
+              <a:solidFill>
+                <a:schemeClr val="bg1">
+                  <a:lumMod val="65000"/>
+                </a:schemeClr>
+              </a:solidFill>
+            </a:ln>
+          </p:spPr>
+          <p:style>
+            <a:lnRef idx="1">
+              <a:schemeClr val="accent1"/>
+            </a:lnRef>
+            <a:fillRef idx="0">
+              <a:schemeClr val="accent1"/>
+            </a:fillRef>
+            <a:effectRef idx="0">
+              <a:schemeClr val="accent1"/>
+            </a:effectRef>
+            <a:fontRef idx="minor">
+              <a:schemeClr val="tx1"/>
+            </a:fontRef>
+          </p:style>
+        </p:cxnSp>
+        <p:cxnSp>
+          <p:nvCxnSpPr>
+            <p:cNvPr id="16" name="Straight Connector 15">
+              <a:extLst>
+                <a:ext uri="{FF2B5EF4-FFF2-40B4-BE49-F238E27FC236}">
+                  <a16:creationId xmlns:a16="http://schemas.microsoft.com/office/drawing/2014/main" id="{C08FAB49-1DBA-6D93-5B71-6171AF0FFA38}"/>
+                </a:ext>
+              </a:extLst>
+            </p:cNvPr>
+            <p:cNvCxnSpPr>
+              <a:cxnSpLocks/>
+            </p:cNvCxnSpPr>
+            <p:nvPr/>
+          </p:nvCxnSpPr>
+          <p:spPr>
+            <a:xfrm>
+              <a:off x="15087600" y="9791700"/>
+              <a:ext cx="457200" cy="0"/>
+            </a:xfrm>
+            <a:prstGeom prst="line">
+              <a:avLst/>
+            </a:prstGeom>
+            <a:ln w="38100">
+              <a:solidFill>
+                <a:schemeClr val="bg1">
+                  <a:lumMod val="65000"/>
+                </a:schemeClr>
+              </a:solidFill>
+            </a:ln>
+          </p:spPr>
+          <p:style>
+            <a:lnRef idx="1">
+              <a:schemeClr val="accent1"/>
+            </a:lnRef>
+            <a:fillRef idx="0">
+              <a:schemeClr val="accent1"/>
+            </a:fillRef>
+            <a:effectRef idx="0">
+              <a:schemeClr val="accent1"/>
+            </a:effectRef>
+            <a:fontRef idx="minor">
+              <a:schemeClr val="tx1"/>
+            </a:fontRef>
+          </p:style>
+        </p:cxnSp>
+      </p:grpSp>
+      <p:pic>
+        <p:nvPicPr>
+          <p:cNvPr id="4" name="Picture 3">
+            <a:extLst>
+              <a:ext uri="{FF2B5EF4-FFF2-40B4-BE49-F238E27FC236}">
+                <a16:creationId xmlns:a16="http://schemas.microsoft.com/office/drawing/2014/main" id="{4A0BA639-A675-EBFA-18DA-F21257CCBC32}"/>
+              </a:ext>
+            </a:extLst>
+          </p:cNvPr>
+          <p:cNvPicPr>
+            <a:picLocks noChangeAspect="1"/>
+          </p:cNvPicPr>
+          <p:nvPr/>
+        </p:nvPicPr>
+        <p:blipFill>
+          <a:blip r:embed="rId2"/>
+          <a:stretch>
+            <a:fillRect/>
+          </a:stretch>
+        </p:blipFill>
+        <p:spPr>
+          <a:xfrm>
+            <a:off x="1371600" y="2717860"/>
+            <a:ext cx="4381880" cy="4610500"/>
+          </a:xfrm>
+          <a:prstGeom prst="rect">
+            <a:avLst/>
+          </a:prstGeom>
+        </p:spPr>
+      </p:pic>
+      <p:pic>
+        <p:nvPicPr>
+          <p:cNvPr id="8" name="Picture 7">
+            <a:extLst>
+              <a:ext uri="{FF2B5EF4-FFF2-40B4-BE49-F238E27FC236}">
+                <a16:creationId xmlns:a16="http://schemas.microsoft.com/office/drawing/2014/main" id="{19BBCF9C-DB78-6F56-4BB8-25A51B07CC60}"/>
+              </a:ext>
+            </a:extLst>
+          </p:cNvPr>
+          <p:cNvPicPr>
+            <a:picLocks noChangeAspect="1"/>
+          </p:cNvPicPr>
+          <p:nvPr/>
+        </p:nvPicPr>
+        <p:blipFill>
+          <a:blip r:embed="rId3"/>
+          <a:stretch>
+            <a:fillRect/>
+          </a:stretch>
+        </p:blipFill>
+        <p:spPr>
+          <a:xfrm>
+            <a:off x="6234394" y="2717860"/>
+            <a:ext cx="5619565" cy="4341954"/>
+          </a:xfrm>
+          <a:prstGeom prst="rect">
+            <a:avLst/>
+          </a:prstGeom>
+        </p:spPr>
+      </p:pic>
+      <p:pic>
+        <p:nvPicPr>
+          <p:cNvPr id="10" name="Picture 9">
+            <a:extLst>
+              <a:ext uri="{FF2B5EF4-FFF2-40B4-BE49-F238E27FC236}">
+                <a16:creationId xmlns:a16="http://schemas.microsoft.com/office/drawing/2014/main" id="{FEB37595-6978-4DA4-6F84-BBC2E5DABEDE}"/>
+              </a:ext>
+            </a:extLst>
+          </p:cNvPr>
+          <p:cNvPicPr>
+            <a:picLocks noChangeAspect="1"/>
+          </p:cNvPicPr>
+          <p:nvPr/>
+        </p:nvPicPr>
+        <p:blipFill>
+          <a:blip r:embed="rId4"/>
+          <a:stretch>
+            <a:fillRect/>
+          </a:stretch>
+        </p:blipFill>
+        <p:spPr>
+          <a:xfrm>
+            <a:off x="12115800" y="2859869"/>
+            <a:ext cx="5619565" cy="4326482"/>
+          </a:xfrm>
+          <a:prstGeom prst="rect">
+            <a:avLst/>
+          </a:prstGeom>
+        </p:spPr>
+      </p:pic>
+    </p:spTree>
+    <p:extLst>
+      <p:ext uri="{BB962C8B-B14F-4D97-AF65-F5344CB8AC3E}">
+        <p14:creationId xmlns:p14="http://schemas.microsoft.com/office/powerpoint/2010/main" val="193189352"/>
+      </p:ext>
+    </p:extLst>
+  </p:cSld>
+  <p:clrMapOvr>
+    <a:masterClrMapping/>
+  </p:clrMapOvr>
+</p:sld>
+</file>
+
+<file path=ppt/slides/slide11.xml><?xml version="1.0" encoding="utf-8"?>
+<p:sld xmlns:a="http://schemas.openxmlformats.org/drawingml/2006/main" xmlns:r="http://schemas.openxmlformats.org/officeDocument/2006/relationships" xmlns:p="http://schemas.openxmlformats.org/presentationml/2006/main">
+  <p:cSld>
+    <p:spTree>
+      <p:nvGrpSpPr>
+        <p:cNvPr id="1" name=""/>
+        <p:cNvGrpSpPr/>
+        <p:nvPr/>
+      </p:nvGrpSpPr>
+      <p:grpSpPr>
+        <a:xfrm>
+          <a:off x="0" y="0"/>
+          <a:ext cx="0" cy="0"/>
+          <a:chOff x="0" y="0"/>
+          <a:chExt cx="0" cy="0"/>
+        </a:xfrm>
+      </p:grpSpPr>
+      <p:sp>
+        <p:nvSpPr>
+          <p:cNvPr id="3" name="AutoShape 3"/>
+          <p:cNvSpPr/>
+          <p:nvPr/>
+        </p:nvSpPr>
+        <p:spPr>
+          <a:xfrm>
+            <a:off x="1028700" y="1932613"/>
+            <a:ext cx="4576208" cy="193539"/>
+          </a:xfrm>
+          <a:prstGeom prst="rect">
+            <a:avLst/>
+          </a:prstGeom>
+          <a:solidFill>
+            <a:srgbClr val="8AABCA"/>
+          </a:solidFill>
+        </p:spPr>
+        <p:txBody>
+          <a:bodyPr/>
+          <a:lstStyle/>
+          <a:p>
+            <a:endParaRPr lang="en-US"/>
+          </a:p>
+        </p:txBody>
+      </p:sp>
+      <p:sp>
+        <p:nvSpPr>
+          <p:cNvPr id="5" name="TextBox 5"/>
+          <p:cNvSpPr txBox="1"/>
+          <p:nvPr/>
+        </p:nvSpPr>
+        <p:spPr>
+          <a:xfrm>
+            <a:off x="1028700" y="634365"/>
+            <a:ext cx="12382500" cy="706540"/>
+          </a:xfrm>
+          <a:prstGeom prst="rect">
+            <a:avLst/>
+          </a:prstGeom>
+        </p:spPr>
+        <p:txBody>
+          <a:bodyPr wrap="square" lIns="0" tIns="0" rIns="0" bIns="0" rtlCol="0" anchor="t">
+            <a:spAutoFit/>
+          </a:bodyPr>
+          <a:lstStyle/>
+          <a:p>
+            <a:pPr algn="l">
+              <a:lnSpc>
+                <a:spcPts val="5880"/>
+              </a:lnSpc>
+            </a:pPr>
+            <a:r>
+              <a:rPr lang="en-US" sz="4200" dirty="0">
+                <a:solidFill>
+                  <a:srgbClr val="273755"/>
+                </a:solidFill>
+                <a:latin typeface="Noto Serif Bold"/>
+              </a:rPr>
+              <a:t>IV. MÔ HÌNH</a:t>
+            </a:r>
+          </a:p>
+        </p:txBody>
+      </p:sp>
+      <p:grpSp>
+        <p:nvGrpSpPr>
+          <p:cNvPr id="12" name="Group 11">
+            <a:extLst>
+              <a:ext uri="{FF2B5EF4-FFF2-40B4-BE49-F238E27FC236}">
+                <a16:creationId xmlns:a16="http://schemas.microsoft.com/office/drawing/2014/main" id="{56B6320E-F9EC-CA30-EF4D-6284369F3E4E}"/>
+              </a:ext>
+            </a:extLst>
+          </p:cNvPr>
+          <p:cNvGrpSpPr/>
+          <p:nvPr/>
+        </p:nvGrpSpPr>
+        <p:grpSpPr>
+          <a:xfrm>
+            <a:off x="4038600" y="9791700"/>
+            <a:ext cx="11506200" cy="0"/>
+            <a:chOff x="4038600" y="9791700"/>
+            <a:chExt cx="11506200" cy="0"/>
+          </a:xfrm>
+        </p:grpSpPr>
+        <p:cxnSp>
+          <p:nvCxnSpPr>
+            <p:cNvPr id="14" name="Straight Connector 13">
+              <a:extLst>
+                <a:ext uri="{FF2B5EF4-FFF2-40B4-BE49-F238E27FC236}">
+                  <a16:creationId xmlns:a16="http://schemas.microsoft.com/office/drawing/2014/main" id="{6990D522-F9AF-B167-6C52-FC0C2407E7FB}"/>
+                </a:ext>
+              </a:extLst>
+            </p:cNvPr>
+            <p:cNvCxnSpPr>
+              <a:cxnSpLocks/>
+            </p:cNvCxnSpPr>
+            <p:nvPr/>
+          </p:nvCxnSpPr>
+          <p:spPr>
+            <a:xfrm>
+              <a:off x="4038600" y="9791700"/>
+              <a:ext cx="11049000" cy="0"/>
+            </a:xfrm>
+            <a:prstGeom prst="line">
+              <a:avLst/>
+            </a:prstGeom>
+            <a:ln>
+              <a:solidFill>
+                <a:schemeClr val="bg1">
+                  <a:lumMod val="65000"/>
+                </a:schemeClr>
+              </a:solidFill>
+            </a:ln>
+          </p:spPr>
+          <p:style>
+            <a:lnRef idx="1">
+              <a:schemeClr val="accent1"/>
+            </a:lnRef>
+            <a:fillRef idx="0">
+              <a:schemeClr val="accent1"/>
+            </a:fillRef>
+            <a:effectRef idx="0">
+              <a:schemeClr val="accent1"/>
+            </a:effectRef>
+            <a:fontRef idx="minor">
+              <a:schemeClr val="tx1"/>
+            </a:fontRef>
+          </p:style>
+        </p:cxnSp>
+        <p:cxnSp>
+          <p:nvCxnSpPr>
+            <p:cNvPr id="16" name="Straight Connector 15">
+              <a:extLst>
+                <a:ext uri="{FF2B5EF4-FFF2-40B4-BE49-F238E27FC236}">
+                  <a16:creationId xmlns:a16="http://schemas.microsoft.com/office/drawing/2014/main" id="{C08FAB49-1DBA-6D93-5B71-6171AF0FFA38}"/>
+                </a:ext>
+              </a:extLst>
+            </p:cNvPr>
+            <p:cNvCxnSpPr>
+              <a:cxnSpLocks/>
+            </p:cNvCxnSpPr>
+            <p:nvPr/>
+          </p:nvCxnSpPr>
+          <p:spPr>
+            <a:xfrm>
+              <a:off x="15087600" y="9791700"/>
+              <a:ext cx="457200" cy="0"/>
+            </a:xfrm>
+            <a:prstGeom prst="line">
+              <a:avLst/>
+            </a:prstGeom>
+            <a:ln w="38100">
+              <a:solidFill>
+                <a:schemeClr val="bg1">
+                  <a:lumMod val="65000"/>
+                </a:schemeClr>
+              </a:solidFill>
+            </a:ln>
+          </p:spPr>
+          <p:style>
+            <a:lnRef idx="1">
+              <a:schemeClr val="accent1"/>
+            </a:lnRef>
+            <a:fillRef idx="0">
+              <a:schemeClr val="accent1"/>
+            </a:fillRef>
+            <a:effectRef idx="0">
+              <a:schemeClr val="accent1"/>
+            </a:effectRef>
+            <a:fontRef idx="minor">
+              <a:schemeClr val="tx1"/>
+            </a:fontRef>
+          </p:style>
+        </p:cxnSp>
+      </p:grpSp>
+    </p:spTree>
+    <p:extLst>
+      <p:ext uri="{BB962C8B-B14F-4D97-AF65-F5344CB8AC3E}">
+        <p14:creationId xmlns:p14="http://schemas.microsoft.com/office/powerpoint/2010/main" val="4266985890"/>
+      </p:ext>
+    </p:extLst>
+  </p:cSld>
+  <p:clrMapOvr>
+    <a:masterClrMapping/>
+  </p:clrMapOvr>
+</p:sld>
+</file>
+
+<file path=ppt/slides/slide12.xml><?xml version="1.0" encoding="utf-8"?>
+<p:sld xmlns:a="http://schemas.openxmlformats.org/drawingml/2006/main" xmlns:r="http://schemas.openxmlformats.org/officeDocument/2006/relationships" xmlns:p="http://schemas.openxmlformats.org/presentationml/2006/main">
+  <p:cSld>
+    <p:spTree>
+      <p:nvGrpSpPr>
+        <p:cNvPr id="1" name=""/>
+        <p:cNvGrpSpPr/>
+        <p:nvPr/>
+      </p:nvGrpSpPr>
+      <p:grpSpPr>
+        <a:xfrm>
+          <a:off x="0" y="0"/>
+          <a:ext cx="0" cy="0"/>
+          <a:chOff x="0" y="0"/>
+          <a:chExt cx="0" cy="0"/>
+        </a:xfrm>
+      </p:grpSpPr>
+      <p:sp>
+        <p:nvSpPr>
+          <p:cNvPr id="3" name="AutoShape 3"/>
+          <p:cNvSpPr/>
+          <p:nvPr/>
+        </p:nvSpPr>
+        <p:spPr>
+          <a:xfrm>
+            <a:off x="1028700" y="1932613"/>
+            <a:ext cx="4576208" cy="193539"/>
+          </a:xfrm>
+          <a:prstGeom prst="rect">
+            <a:avLst/>
+          </a:prstGeom>
+          <a:solidFill>
+            <a:srgbClr val="8AABCA"/>
+          </a:solidFill>
+        </p:spPr>
+        <p:txBody>
+          <a:bodyPr/>
+          <a:lstStyle/>
+          <a:p>
+            <a:endParaRPr lang="en-US"/>
+          </a:p>
+        </p:txBody>
+      </p:sp>
+      <p:sp>
+        <p:nvSpPr>
+          <p:cNvPr id="5" name="TextBox 5"/>
+          <p:cNvSpPr txBox="1"/>
+          <p:nvPr/>
+        </p:nvSpPr>
+        <p:spPr>
+          <a:xfrm>
+            <a:off x="1028700" y="634365"/>
+            <a:ext cx="12382500" cy="706540"/>
+          </a:xfrm>
+          <a:prstGeom prst="rect">
+            <a:avLst/>
+          </a:prstGeom>
+        </p:spPr>
+        <p:txBody>
+          <a:bodyPr wrap="square" lIns="0" tIns="0" rIns="0" bIns="0" rtlCol="0" anchor="t">
+            <a:spAutoFit/>
+          </a:bodyPr>
+          <a:lstStyle/>
+          <a:p>
+            <a:pPr algn="l">
+              <a:lnSpc>
+                <a:spcPts val="5880"/>
+              </a:lnSpc>
+            </a:pPr>
+            <a:r>
               <a:rPr lang="en-US" sz="4200" dirty="0">
                 <a:solidFill>
                   <a:srgbClr val="273755"/>
@@ -3566,7 +4068,7 @@
 </p:sld>
 </file>
 
-<file path=ppt/slides/slide11.xml><?xml version="1.0" encoding="utf-8"?>
+<file path=ppt/slides/slide13.xml><?xml version="1.0" encoding="utf-8"?>
 <p:sld xmlns:a="http://schemas.openxmlformats.org/drawingml/2006/main" xmlns:r="http://schemas.openxmlformats.org/officeDocument/2006/relationships" xmlns:p="http://schemas.openxmlformats.org/presentationml/2006/main">
   <p:cSld>
     <p:spTree>
@@ -3771,7 +4273,7 @@
 </p:sld>
 </file>
 
-<file path=ppt/slides/slide12.xml><?xml version="1.0" encoding="utf-8"?>
+<file path=ppt/slides/slide14.xml><?xml version="1.0" encoding="utf-8"?>
 <p:sld xmlns:a="http://schemas.openxmlformats.org/drawingml/2006/main" xmlns:r="http://schemas.openxmlformats.org/officeDocument/2006/relationships" xmlns:p="http://schemas.openxmlformats.org/presentationml/2006/main">
   <p:cSld>
     <p:bg>
@@ -4464,7 +4966,7 @@
 </p:sld>
 </file>
 
-<file path=ppt/slides/slide13.xml><?xml version="1.0" encoding="utf-8"?>
+<file path=ppt/slides/slide15.xml><?xml version="1.0" encoding="utf-8"?>
 <p:sld xmlns:a="http://schemas.openxmlformats.org/drawingml/2006/main" xmlns:r="http://schemas.openxmlformats.org/officeDocument/2006/relationships" xmlns:p="http://schemas.openxmlformats.org/presentationml/2006/main">
   <p:cSld>
     <p:spTree>
@@ -4784,7 +5286,7 @@
 </p:sld>
 </file>
 
-<file path=ppt/slides/slide14.xml><?xml version="1.0" encoding="utf-8"?>
+<file path=ppt/slides/slide16.xml><?xml version="1.0" encoding="utf-8"?>
 <p:sld xmlns:a="http://schemas.openxmlformats.org/drawingml/2006/main" xmlns:r="http://schemas.openxmlformats.org/officeDocument/2006/relationships" xmlns:p="http://schemas.openxmlformats.org/presentationml/2006/main">
   <p:cSld>
     <p:bg>
@@ -5185,7 +5687,7 @@
 </p:sld>
 </file>
 
-<file path=ppt/slides/slide15.xml><?xml version="1.0" encoding="utf-8"?>
+<file path=ppt/slides/slide17.xml><?xml version="1.0" encoding="utf-8"?>
 <p:sld xmlns:a="http://schemas.openxmlformats.org/drawingml/2006/main" xmlns:r="http://schemas.openxmlformats.org/officeDocument/2006/relationships" xmlns:p="http://schemas.openxmlformats.org/presentationml/2006/main">
   <p:cSld>
     <p:bg>
@@ -9085,6 +9587,133 @@
       </p:grpSpPr>
       <p:sp>
         <p:nvSpPr>
+          <p:cNvPr id="2" name="TextBox 2"/>
+          <p:cNvSpPr txBox="1"/>
+          <p:nvPr/>
+        </p:nvSpPr>
+        <p:spPr>
+          <a:xfrm>
+            <a:off x="755942" y="2588047"/>
+            <a:ext cx="7411320" cy="5608651"/>
+          </a:xfrm>
+          <a:prstGeom prst="rect">
+            <a:avLst/>
+          </a:prstGeom>
+        </p:spPr>
+        <p:txBody>
+          <a:bodyPr wrap="square" lIns="0" tIns="0" rIns="0" bIns="0" rtlCol="0" anchor="t">
+            <a:spAutoFit/>
+          </a:bodyPr>
+          <a:lstStyle/>
+          <a:p>
+            <a:pPr marL="615313" lvl="1" indent="-307657">
+              <a:lnSpc>
+                <a:spcPts val="3989"/>
+              </a:lnSpc>
+              <a:buFont typeface="Arial"/>
+              <a:buChar char="•"/>
+            </a:pPr>
+            <a:r>
+              <a:rPr lang="en-US" sz="2849">
+                <a:solidFill>
+                  <a:srgbClr val="273755"/>
+                </a:solidFill>
+                <a:latin typeface="Noto Serif"/>
+              </a:rPr>
+              <a:t>Trực quan hóa một số input để xem mối quan hệ giữa chúng:</a:t>
+            </a:r>
+          </a:p>
+          <a:p>
+            <a:pPr marL="307656" lvl="1">
+              <a:lnSpc>
+                <a:spcPts val="3989"/>
+              </a:lnSpc>
+            </a:pPr>
+            <a:r>
+              <a:rPr lang="en-US" sz="2849">
+                <a:solidFill>
+                  <a:srgbClr val="273755"/>
+                </a:solidFill>
+                <a:latin typeface="Noto Serif"/>
+              </a:rPr>
+              <a:t>    - Giữa AirTime (thời gian bay) và Distance (khoảng cách)</a:t>
+            </a:r>
+          </a:p>
+          <a:p>
+            <a:pPr marL="307656" lvl="1">
+              <a:lnSpc>
+                <a:spcPts val="3989"/>
+              </a:lnSpc>
+            </a:pPr>
+            <a:r>
+              <a:rPr lang="en-US" sz="2849">
+                <a:solidFill>
+                  <a:srgbClr val="273755"/>
+                </a:solidFill>
+                <a:latin typeface="Noto Serif"/>
+              </a:rPr>
+              <a:t>    - Giữa ArrDelay (thời gian đến) và DepDelay (thời gian đi)</a:t>
+            </a:r>
+          </a:p>
+          <a:p>
+            <a:pPr marL="307656" lvl="1">
+              <a:lnSpc>
+                <a:spcPts val="3989"/>
+              </a:lnSpc>
+            </a:pPr>
+            <a:r>
+              <a:rPr lang="en-US" sz="2849">
+                <a:solidFill>
+                  <a:srgbClr val="273755"/>
+                </a:solidFill>
+                <a:latin typeface="Noto Serif"/>
+              </a:rPr>
+              <a:t>    - Tần suất thời gian DepDelay (thời điểm xuất phát)</a:t>
+            </a:r>
+          </a:p>
+          <a:p>
+            <a:pPr marL="307656" lvl="1">
+              <a:lnSpc>
+                <a:spcPts val="3989"/>
+              </a:lnSpc>
+            </a:pPr>
+            <a:endParaRPr lang="en-US" sz="2849">
+              <a:solidFill>
+                <a:srgbClr val="273755"/>
+              </a:solidFill>
+              <a:latin typeface="Noto Serif"/>
+            </a:endParaRPr>
+          </a:p>
+          <a:p>
+            <a:pPr>
+              <a:lnSpc>
+                <a:spcPts val="3989"/>
+              </a:lnSpc>
+            </a:pPr>
+            <a:endParaRPr lang="en-US" sz="2849">
+              <a:solidFill>
+                <a:srgbClr val="273755"/>
+              </a:solidFill>
+              <a:latin typeface="Noto Serif"/>
+            </a:endParaRPr>
+          </a:p>
+          <a:p>
+            <a:pPr algn="l">
+              <a:lnSpc>
+                <a:spcPts val="3989"/>
+              </a:lnSpc>
+            </a:pPr>
+            <a:endParaRPr lang="en-US" sz="2849">
+              <a:solidFill>
+                <a:srgbClr val="273755"/>
+              </a:solidFill>
+              <a:latin typeface="Noto Serif"/>
+            </a:endParaRPr>
+          </a:p>
+        </p:txBody>
+      </p:sp>
+      <p:sp>
+        <p:nvSpPr>
           <p:cNvPr id="3" name="AutoShape 3"/>
           <p:cNvSpPr/>
           <p:nvPr/>
@@ -9260,10 +9889,10 @@
       </p:grpSp>
       <p:pic>
         <p:nvPicPr>
-          <p:cNvPr id="4" name="Picture 3">
+          <p:cNvPr id="6" name="Picture 5">
             <a:extLst>
               <a:ext uri="{FF2B5EF4-FFF2-40B4-BE49-F238E27FC236}">
-                <a16:creationId xmlns:a16="http://schemas.microsoft.com/office/drawing/2014/main" id="{7BC09273-597D-D656-4B30-ED5EDB9F840B}"/>
+                <a16:creationId xmlns:a16="http://schemas.microsoft.com/office/drawing/2014/main" id="{5F273730-1561-1E27-3C5E-B788B4128F16}"/>
               </a:ext>
             </a:extLst>
           </p:cNvPr>
@@ -9280,68 +9909,8 @@
         </p:blipFill>
         <p:spPr>
           <a:xfrm>
-            <a:off x="1847660" y="2717860"/>
-            <a:ext cx="4381880" cy="4541914"/>
-          </a:xfrm>
-          <a:prstGeom prst="rect">
-            <a:avLst/>
-          </a:prstGeom>
-        </p:spPr>
-      </p:pic>
-      <p:pic>
-        <p:nvPicPr>
-          <p:cNvPr id="7" name="Picture 6">
-            <a:extLst>
-              <a:ext uri="{FF2B5EF4-FFF2-40B4-BE49-F238E27FC236}">
-                <a16:creationId xmlns:a16="http://schemas.microsoft.com/office/drawing/2014/main" id="{16A5A534-F122-1CEB-EEC7-5BB8A88649F8}"/>
-              </a:ext>
-            </a:extLst>
-          </p:cNvPr>
-          <p:cNvPicPr>
-            <a:picLocks noChangeAspect="1"/>
-          </p:cNvPicPr>
-          <p:nvPr/>
-        </p:nvPicPr>
-        <p:blipFill>
-          <a:blip r:embed="rId3"/>
-          <a:stretch>
-            <a:fillRect/>
-          </a:stretch>
-        </p:blipFill>
-        <p:spPr>
-          <a:xfrm>
-            <a:off x="6683055" y="2717860"/>
-            <a:ext cx="4359018" cy="4610500"/>
-          </a:xfrm>
-          <a:prstGeom prst="rect">
-            <a:avLst/>
-          </a:prstGeom>
-        </p:spPr>
-      </p:pic>
-      <p:pic>
-        <p:nvPicPr>
-          <p:cNvPr id="8" name="Picture 7">
-            <a:extLst>
-              <a:ext uri="{FF2B5EF4-FFF2-40B4-BE49-F238E27FC236}">
-                <a16:creationId xmlns:a16="http://schemas.microsoft.com/office/drawing/2014/main" id="{9A192FAD-2174-8E56-86BC-C07F84B77A11}"/>
-              </a:ext>
-            </a:extLst>
-          </p:cNvPr>
-          <p:cNvPicPr>
-            <a:picLocks noChangeAspect="1"/>
-          </p:cNvPicPr>
-          <p:nvPr/>
-        </p:nvPicPr>
-        <p:blipFill>
-          <a:blip r:embed="rId4"/>
-          <a:stretch>
-            <a:fillRect/>
-          </a:stretch>
-        </p:blipFill>
-        <p:spPr>
-          <a:xfrm>
-            <a:off x="11661842" y="3136996"/>
-            <a:ext cx="4359018" cy="3703641"/>
+            <a:off x="9144000" y="477981"/>
+            <a:ext cx="6210300" cy="6210300"/>
           </a:xfrm>
           <a:prstGeom prst="rect">
             <a:avLst/>
@@ -9362,6 +9931,126 @@
 </file>
 
 <file path=ppt/slides/slide7.xml><?xml version="1.0" encoding="utf-8"?>
+<p:sld xmlns:a="http://schemas.openxmlformats.org/drawingml/2006/main" xmlns:r="http://schemas.openxmlformats.org/officeDocument/2006/relationships" xmlns:p="http://schemas.openxmlformats.org/presentationml/2006/main">
+  <p:cSld>
+    <p:spTree>
+      <p:nvGrpSpPr>
+        <p:cNvPr id="1" name=""/>
+        <p:cNvGrpSpPr/>
+        <p:nvPr/>
+      </p:nvGrpSpPr>
+      <p:grpSpPr>
+        <a:xfrm>
+          <a:off x="0" y="0"/>
+          <a:ext cx="0" cy="0"/>
+          <a:chOff x="0" y="0"/>
+          <a:chExt cx="0" cy="0"/>
+        </a:xfrm>
+      </p:grpSpPr>
+      <p:pic>
+        <p:nvPicPr>
+          <p:cNvPr id="3" name="Picture 2">
+            <a:extLst>
+              <a:ext uri="{FF2B5EF4-FFF2-40B4-BE49-F238E27FC236}">
+                <a16:creationId xmlns:a16="http://schemas.microsoft.com/office/drawing/2014/main" id="{FDF56D81-88BA-27BE-91EE-95CC6CC4B93C}"/>
+              </a:ext>
+            </a:extLst>
+          </p:cNvPr>
+          <p:cNvPicPr>
+            <a:picLocks noChangeAspect="1"/>
+          </p:cNvPicPr>
+          <p:nvPr/>
+        </p:nvPicPr>
+        <p:blipFill>
+          <a:blip r:embed="rId2"/>
+          <a:stretch>
+            <a:fillRect/>
+          </a:stretch>
+        </p:blipFill>
+        <p:spPr>
+          <a:xfrm>
+            <a:off x="2057400" y="2095500"/>
+            <a:ext cx="4381880" cy="4541914"/>
+          </a:xfrm>
+          <a:prstGeom prst="rect">
+            <a:avLst/>
+          </a:prstGeom>
+        </p:spPr>
+      </p:pic>
+      <p:pic>
+        <p:nvPicPr>
+          <p:cNvPr id="5" name="Picture 4">
+            <a:extLst>
+              <a:ext uri="{FF2B5EF4-FFF2-40B4-BE49-F238E27FC236}">
+                <a16:creationId xmlns:a16="http://schemas.microsoft.com/office/drawing/2014/main" id="{0DCE67C7-7E9C-1C4E-45CF-8FCBB8C1621D}"/>
+              </a:ext>
+            </a:extLst>
+          </p:cNvPr>
+          <p:cNvPicPr>
+            <a:picLocks noChangeAspect="1"/>
+          </p:cNvPicPr>
+          <p:nvPr/>
+        </p:nvPicPr>
+        <p:blipFill>
+          <a:blip r:embed="rId3"/>
+          <a:stretch>
+            <a:fillRect/>
+          </a:stretch>
+        </p:blipFill>
+        <p:spPr>
+          <a:xfrm>
+            <a:off x="6892795" y="2095500"/>
+            <a:ext cx="4359018" cy="4610500"/>
+          </a:xfrm>
+          <a:prstGeom prst="rect">
+            <a:avLst/>
+          </a:prstGeom>
+        </p:spPr>
+      </p:pic>
+      <p:pic>
+        <p:nvPicPr>
+          <p:cNvPr id="7" name="Picture 6">
+            <a:extLst>
+              <a:ext uri="{FF2B5EF4-FFF2-40B4-BE49-F238E27FC236}">
+                <a16:creationId xmlns:a16="http://schemas.microsoft.com/office/drawing/2014/main" id="{2185CDD9-DF7B-65CE-C360-4C71C6EDBE49}"/>
+              </a:ext>
+            </a:extLst>
+          </p:cNvPr>
+          <p:cNvPicPr>
+            <a:picLocks noChangeAspect="1"/>
+          </p:cNvPicPr>
+          <p:nvPr/>
+        </p:nvPicPr>
+        <p:blipFill>
+          <a:blip r:embed="rId4"/>
+          <a:stretch>
+            <a:fillRect/>
+          </a:stretch>
+        </p:blipFill>
+        <p:spPr>
+          <a:xfrm>
+            <a:off x="11871582" y="2514636"/>
+            <a:ext cx="4359018" cy="3703641"/>
+          </a:xfrm>
+          <a:prstGeom prst="rect">
+            <a:avLst/>
+          </a:prstGeom>
+        </p:spPr>
+      </p:pic>
+    </p:spTree>
+    <p:extLst>
+      <p:ext uri="{BB962C8B-B14F-4D97-AF65-F5344CB8AC3E}">
+        <p14:creationId xmlns:p14="http://schemas.microsoft.com/office/powerpoint/2010/main" val="1388920592"/>
+      </p:ext>
+    </p:extLst>
+  </p:cSld>
+  <p:clrMapOvr>
+    <a:masterClrMapping/>
+  </p:clrMapOvr>
+</p:sld>
+</file>
+
+<file path=ppt/slides/slide8.xml><?xml version="1.0" encoding="utf-8"?>
 <p:sld xmlns:a="http://schemas.openxmlformats.org/drawingml/2006/main" xmlns:r="http://schemas.openxmlformats.org/officeDocument/2006/relationships" xmlns:p="http://schemas.openxmlformats.org/presentationml/2006/main">
   <p:cSld>
     <p:spTree>
@@ -9575,8 +10264,8 @@
         </p:blipFill>
         <p:spPr>
           <a:xfrm>
-            <a:off x="838200" y="3147892"/>
-            <a:ext cx="5703672" cy="4051574"/>
+            <a:off x="1028700" y="3149325"/>
+            <a:ext cx="7910526" cy="5619201"/>
           </a:xfrm>
           <a:prstGeom prst="rect">
             <a:avLst/>
@@ -9605,38 +10294,8 @@
         </p:blipFill>
         <p:spPr>
           <a:xfrm>
-            <a:off x="6541872" y="3114554"/>
-            <a:ext cx="4369018" cy="4212716"/>
-          </a:xfrm>
-          <a:prstGeom prst="rect">
-            <a:avLst/>
-          </a:prstGeom>
-        </p:spPr>
-      </p:pic>
-      <p:pic>
-        <p:nvPicPr>
-          <p:cNvPr id="2" name="Picture 1">
-            <a:extLst>
-              <a:ext uri="{FF2B5EF4-FFF2-40B4-BE49-F238E27FC236}">
-                <a16:creationId xmlns:a16="http://schemas.microsoft.com/office/drawing/2014/main" id="{58B6CA80-26B3-5FD8-6028-6BE882EF8EE6}"/>
-              </a:ext>
-            </a:extLst>
-          </p:cNvPr>
-          <p:cNvPicPr>
-            <a:picLocks noChangeAspect="1"/>
-          </p:cNvPicPr>
-          <p:nvPr/>
-        </p:nvPicPr>
-        <p:blipFill>
-          <a:blip r:embed="rId4"/>
-          <a:stretch>
-            <a:fillRect/>
-          </a:stretch>
-        </p:blipFill>
-        <p:spPr>
-          <a:xfrm>
-            <a:off x="11582400" y="3128841"/>
-            <a:ext cx="5724362" cy="4179378"/>
+            <a:off x="9829800" y="3409654"/>
+            <a:ext cx="5562600" cy="5363597"/>
           </a:xfrm>
           <a:prstGeom prst="rect">
             <a:avLst/>
@@ -9656,7 +10315,7 @@
 </p:sld>
 </file>
 
-<file path=ppt/slides/slide8.xml><?xml version="1.0" encoding="utf-8"?>
+<file path=ppt/slides/slide9.xml><?xml version="1.0" encoding="utf-8"?>
 <p:sld xmlns:a="http://schemas.openxmlformats.org/drawingml/2006/main" xmlns:r="http://schemas.openxmlformats.org/officeDocument/2006/relationships" xmlns:p="http://schemas.openxmlformats.org/presentationml/2006/main">
   <p:cSld>
     <p:spTree>
@@ -9850,10 +10509,10 @@
       </p:grpSp>
       <p:pic>
         <p:nvPicPr>
-          <p:cNvPr id="8" name="Picture 7">
+          <p:cNvPr id="6" name="Picture 5">
             <a:extLst>
               <a:ext uri="{FF2B5EF4-FFF2-40B4-BE49-F238E27FC236}">
-                <a16:creationId xmlns:a16="http://schemas.microsoft.com/office/drawing/2014/main" id="{19BBCF9C-DB78-6F56-4BB8-25A51B07CC60}"/>
+                <a16:creationId xmlns:a16="http://schemas.microsoft.com/office/drawing/2014/main" id="{7E2507A2-9D25-834F-574B-B3717F3CBD9A}"/>
               </a:ext>
             </a:extLst>
           </p:cNvPr>
@@ -9870,67 +10529,8 @@
         </p:blipFill>
         <p:spPr>
           <a:xfrm>
-            <a:off x="6234394" y="2717860"/>
-            <a:ext cx="5619565" cy="4341954"/>
-          </a:xfrm>
-          <a:prstGeom prst="rect">
-            <a:avLst/>
-          </a:prstGeom>
-        </p:spPr>
-      </p:pic>
-      <p:pic>
-        <p:nvPicPr>
-          <p:cNvPr id="10" name="Picture 9">
-            <a:extLst>
-              <a:ext uri="{FF2B5EF4-FFF2-40B4-BE49-F238E27FC236}">
-                <a16:creationId xmlns:a16="http://schemas.microsoft.com/office/drawing/2014/main" id="{FEB37595-6978-4DA4-6F84-BBC2E5DABEDE}"/>
-              </a:ext>
-            </a:extLst>
-          </p:cNvPr>
-          <p:cNvPicPr>
-            <a:picLocks noChangeAspect="1"/>
-          </p:cNvPicPr>
-          <p:nvPr/>
-        </p:nvPicPr>
-        <p:blipFill>
-          <a:blip r:embed="rId3"/>
-          <a:stretch>
-            <a:fillRect/>
-          </a:stretch>
-        </p:blipFill>
-        <p:spPr>
-          <a:xfrm>
-            <a:off x="12115800" y="2859869"/>
-            <a:ext cx="5619565" cy="4326482"/>
-          </a:xfrm>
-          <a:prstGeom prst="rect">
-            <a:avLst/>
-          </a:prstGeom>
-        </p:spPr>
-      </p:pic>
-      <p:pic>
-        <p:nvPicPr>
-          <p:cNvPr id="6" name="Picture 5">
-            <a:extLst>
-              <a:ext uri="{FF2B5EF4-FFF2-40B4-BE49-F238E27FC236}">
-                <a16:creationId xmlns:a16="http://schemas.microsoft.com/office/drawing/2014/main" id="{AC0CCC1D-F69F-9ACA-0720-8D3C55EC5AC9}"/>
-              </a:ext>
-            </a:extLst>
-          </p:cNvPr>
-          <p:cNvPicPr>
-            <a:picLocks noChangeAspect="1"/>
-          </p:cNvPicPr>
-          <p:nvPr/>
-        </p:nvPicPr>
-        <p:blipFill rotWithShape="1">
-          <a:blip r:embed="rId4"/>
-          <a:srcRect l="1652"/>
-          <a:stretch/>
-        </p:blipFill>
-        <p:spPr>
-          <a:xfrm>
-            <a:off x="1142999" y="2501720"/>
-            <a:ext cx="4421899" cy="5852667"/>
+            <a:off x="762000" y="2717860"/>
+            <a:ext cx="7419967" cy="5417346"/>
           </a:xfrm>
           <a:prstGeom prst="rect">
             <a:avLst/>
@@ -9940,1054 +10540,7 @@
     </p:spTree>
     <p:extLst>
       <p:ext uri="{BB962C8B-B14F-4D97-AF65-F5344CB8AC3E}">
-        <p14:creationId xmlns:p14="http://schemas.microsoft.com/office/powerpoint/2010/main" val="193189352"/>
-      </p:ext>
-    </p:extLst>
-  </p:cSld>
-  <p:clrMapOvr>
-    <a:masterClrMapping/>
-  </p:clrMapOvr>
-</p:sld>
-</file>
-
-<file path=ppt/slides/slide9.xml><?xml version="1.0" encoding="utf-8"?>
-<p:sld xmlns:a="http://schemas.openxmlformats.org/drawingml/2006/main" xmlns:r="http://schemas.openxmlformats.org/officeDocument/2006/relationships" xmlns:p="http://schemas.openxmlformats.org/presentationml/2006/main">
-  <p:cSld>
-    <p:spTree>
-      <p:nvGrpSpPr>
-        <p:cNvPr id="1" name=""/>
-        <p:cNvGrpSpPr/>
-        <p:nvPr/>
-      </p:nvGrpSpPr>
-      <p:grpSpPr>
-        <a:xfrm>
-          <a:off x="0" y="0"/>
-          <a:ext cx="0" cy="0"/>
-          <a:chOff x="0" y="0"/>
-          <a:chExt cx="0" cy="0"/>
-        </a:xfrm>
-      </p:grpSpPr>
-      <p:sp>
-        <p:nvSpPr>
-          <p:cNvPr id="3" name="AutoShape 3"/>
-          <p:cNvSpPr/>
-          <p:nvPr/>
-        </p:nvSpPr>
-        <p:spPr>
-          <a:xfrm>
-            <a:off x="1028700" y="1932613"/>
-            <a:ext cx="4576208" cy="193539"/>
-          </a:xfrm>
-          <a:prstGeom prst="rect">
-            <a:avLst/>
-          </a:prstGeom>
-          <a:solidFill>
-            <a:srgbClr val="8AABCA"/>
-          </a:solidFill>
-        </p:spPr>
-        <p:txBody>
-          <a:bodyPr/>
-          <a:lstStyle/>
-          <a:p>
-            <a:endParaRPr lang="en-US"/>
-          </a:p>
-        </p:txBody>
-      </p:sp>
-      <p:sp>
-        <p:nvSpPr>
-          <p:cNvPr id="5" name="TextBox 5"/>
-          <p:cNvSpPr txBox="1"/>
-          <p:nvPr/>
-        </p:nvSpPr>
-        <p:spPr>
-          <a:xfrm>
-            <a:off x="1028700" y="634365"/>
-            <a:ext cx="12382500" cy="706540"/>
-          </a:xfrm>
-          <a:prstGeom prst="rect">
-            <a:avLst/>
-          </a:prstGeom>
-        </p:spPr>
-        <p:txBody>
-          <a:bodyPr wrap="square" lIns="0" tIns="0" rIns="0" bIns="0" rtlCol="0" anchor="t">
-            <a:spAutoFit/>
-          </a:bodyPr>
-          <a:lstStyle/>
-          <a:p>
-            <a:pPr algn="l">
-              <a:lnSpc>
-                <a:spcPts val="5880"/>
-              </a:lnSpc>
-            </a:pPr>
-            <a:r>
-              <a:rPr lang="en-US" sz="4200" dirty="0">
-                <a:solidFill>
-                  <a:srgbClr val="273755"/>
-                </a:solidFill>
-                <a:latin typeface="Noto Serif Bold"/>
-              </a:rPr>
-              <a:t>IV. MÔ HÌNH</a:t>
-            </a:r>
-          </a:p>
-        </p:txBody>
-      </p:sp>
-      <p:grpSp>
-        <p:nvGrpSpPr>
-          <p:cNvPr id="12" name="Group 11">
-            <a:extLst>
-              <a:ext uri="{FF2B5EF4-FFF2-40B4-BE49-F238E27FC236}">
-                <a16:creationId xmlns:a16="http://schemas.microsoft.com/office/drawing/2014/main" id="{56B6320E-F9EC-CA30-EF4D-6284369F3E4E}"/>
-              </a:ext>
-            </a:extLst>
-          </p:cNvPr>
-          <p:cNvGrpSpPr/>
-          <p:nvPr/>
-        </p:nvGrpSpPr>
-        <p:grpSpPr>
-          <a:xfrm>
-            <a:off x="4038600" y="9791700"/>
-            <a:ext cx="11506200" cy="0"/>
-            <a:chOff x="4038600" y="9791700"/>
-            <a:chExt cx="11506200" cy="0"/>
-          </a:xfrm>
-        </p:grpSpPr>
-        <p:cxnSp>
-          <p:nvCxnSpPr>
-            <p:cNvPr id="14" name="Straight Connector 13">
-              <a:extLst>
-                <a:ext uri="{FF2B5EF4-FFF2-40B4-BE49-F238E27FC236}">
-                  <a16:creationId xmlns:a16="http://schemas.microsoft.com/office/drawing/2014/main" id="{6990D522-F9AF-B167-6C52-FC0C2407E7FB}"/>
-                </a:ext>
-              </a:extLst>
-            </p:cNvPr>
-            <p:cNvCxnSpPr>
-              <a:cxnSpLocks/>
-            </p:cNvCxnSpPr>
-            <p:nvPr/>
-          </p:nvCxnSpPr>
-          <p:spPr>
-            <a:xfrm>
-              <a:off x="4038600" y="9791700"/>
-              <a:ext cx="11049000" cy="0"/>
-            </a:xfrm>
-            <a:prstGeom prst="line">
-              <a:avLst/>
-            </a:prstGeom>
-            <a:ln>
-              <a:solidFill>
-                <a:schemeClr val="bg1">
-                  <a:lumMod val="65000"/>
-                </a:schemeClr>
-              </a:solidFill>
-            </a:ln>
-          </p:spPr>
-          <p:style>
-            <a:lnRef idx="1">
-              <a:schemeClr val="accent1"/>
-            </a:lnRef>
-            <a:fillRef idx="0">
-              <a:schemeClr val="accent1"/>
-            </a:fillRef>
-            <a:effectRef idx="0">
-              <a:schemeClr val="accent1"/>
-            </a:effectRef>
-            <a:fontRef idx="minor">
-              <a:schemeClr val="tx1"/>
-            </a:fontRef>
-          </p:style>
-        </p:cxnSp>
-        <p:cxnSp>
-          <p:nvCxnSpPr>
-            <p:cNvPr id="16" name="Straight Connector 15">
-              <a:extLst>
-                <a:ext uri="{FF2B5EF4-FFF2-40B4-BE49-F238E27FC236}">
-                  <a16:creationId xmlns:a16="http://schemas.microsoft.com/office/drawing/2014/main" id="{C08FAB49-1DBA-6D93-5B71-6171AF0FFA38}"/>
-                </a:ext>
-              </a:extLst>
-            </p:cNvPr>
-            <p:cNvCxnSpPr>
-              <a:cxnSpLocks/>
-            </p:cNvCxnSpPr>
-            <p:nvPr/>
-          </p:nvCxnSpPr>
-          <p:spPr>
-            <a:xfrm>
-              <a:off x="15087600" y="9791700"/>
-              <a:ext cx="457200" cy="0"/>
-            </a:xfrm>
-            <a:prstGeom prst="line">
-              <a:avLst/>
-            </a:prstGeom>
-            <a:ln w="38100">
-              <a:solidFill>
-                <a:schemeClr val="bg1">
-                  <a:lumMod val="65000"/>
-                </a:schemeClr>
-              </a:solidFill>
-            </a:ln>
-          </p:spPr>
-          <p:style>
-            <a:lnRef idx="1">
-              <a:schemeClr val="accent1"/>
-            </a:lnRef>
-            <a:fillRef idx="0">
-              <a:schemeClr val="accent1"/>
-            </a:fillRef>
-            <a:effectRef idx="0">
-              <a:schemeClr val="accent1"/>
-            </a:effectRef>
-            <a:fontRef idx="minor">
-              <a:schemeClr val="tx1"/>
-            </a:fontRef>
-          </p:style>
-        </p:cxnSp>
-      </p:grpSp>
-      <p:graphicFrame>
-        <p:nvGraphicFramePr>
-          <p:cNvPr id="2" name="Table 1">
-            <a:extLst>
-              <a:ext uri="{FF2B5EF4-FFF2-40B4-BE49-F238E27FC236}">
-                <a16:creationId xmlns:a16="http://schemas.microsoft.com/office/drawing/2014/main" id="{4E1DAD2C-2703-97A1-8A6E-F30A89212AC3}"/>
-              </a:ext>
-            </a:extLst>
-          </p:cNvPr>
-          <p:cNvGraphicFramePr>
-            <a:graphicFrameLocks noGrp="1"/>
-          </p:cNvGraphicFramePr>
-          <p:nvPr>
-            <p:extLst>
-              <p:ext uri="{D42A27DB-BD31-4B8C-83A1-F6EECF244321}">
-                <p14:modId xmlns:p14="http://schemas.microsoft.com/office/powerpoint/2010/main" val="961511372"/>
-              </p:ext>
-            </p:extLst>
-          </p:nvPr>
-        </p:nvGraphicFramePr>
-        <p:xfrm>
-          <a:off x="3048000" y="2400300"/>
-          <a:ext cx="12192000" cy="6934200"/>
-        </p:xfrm>
-        <a:graphic>
-          <a:graphicData uri="http://schemas.openxmlformats.org/drawingml/2006/table">
-            <a:tbl>
-              <a:tblPr firstRow="1" bandRow="1">
-                <a:tableStyleId>{69012ECD-51FC-41F1-AA8D-1B2483CD663E}</a:tableStyleId>
-              </a:tblPr>
-              <a:tblGrid>
-                <a:gridCol w="6096000">
-                  <a:extLst>
-                    <a:ext uri="{9D8B030D-6E8A-4147-A177-3AD203B41FA5}">
-                      <a16:colId xmlns:a16="http://schemas.microsoft.com/office/drawing/2014/main" val="556238025"/>
-                    </a:ext>
-                  </a:extLst>
-                </a:gridCol>
-                <a:gridCol w="6096000">
-                  <a:extLst>
-                    <a:ext uri="{9D8B030D-6E8A-4147-A177-3AD203B41FA5}">
-                      <a16:colId xmlns:a16="http://schemas.microsoft.com/office/drawing/2014/main" val="2987112441"/>
-                    </a:ext>
-                  </a:extLst>
-                </a:gridCol>
-              </a:tblGrid>
-              <a:tr h="370840">
-                <a:tc>
-                  <a:txBody>
-                    <a:bodyPr/>
-                    <a:lstStyle/>
-                    <a:p>
-                      <a:pPr algn="ctr"/>
-                      <a:r>
-                        <a:rPr lang="en-US" sz="2500" dirty="0">
-                          <a:solidFill>
-                            <a:schemeClr val="tx1"/>
-                          </a:solidFill>
-                          <a:latin typeface="Times New Roman" panose="02020603050405020304" pitchFamily="18" charset="0"/>
-                          <a:cs typeface="Times New Roman" panose="02020603050405020304" pitchFamily="18" charset="0"/>
-                        </a:rPr>
-                        <a:t>THUẬT TOÁN</a:t>
-                      </a:r>
-                    </a:p>
-                  </a:txBody>
-                  <a:tcPr>
-                    <a:lnL w="12700" cap="flat" cmpd="sng" algn="ctr">
-                      <a:solidFill>
-                        <a:schemeClr val="tx1"/>
-                      </a:solidFill>
-                      <a:prstDash val="solid"/>
-                      <a:round/>
-                      <a:headEnd type="none" w="med" len="med"/>
-                      <a:tailEnd type="none" w="med" len="med"/>
-                    </a:lnL>
-                    <a:lnR w="12700" cap="flat" cmpd="sng" algn="ctr">
-                      <a:solidFill>
-                        <a:schemeClr val="tx1"/>
-                      </a:solidFill>
-                      <a:prstDash val="solid"/>
-                      <a:round/>
-                      <a:headEnd type="none" w="med" len="med"/>
-                      <a:tailEnd type="none" w="med" len="med"/>
-                    </a:lnR>
-                    <a:lnT w="12700" cap="flat" cmpd="sng" algn="ctr">
-                      <a:solidFill>
-                        <a:schemeClr val="tx1"/>
-                      </a:solidFill>
-                      <a:prstDash val="solid"/>
-                      <a:round/>
-                      <a:headEnd type="none" w="med" len="med"/>
-                      <a:tailEnd type="none" w="med" len="med"/>
-                    </a:lnT>
-                    <a:lnB w="12700" cap="flat" cmpd="sng" algn="ctr">
-                      <a:solidFill>
-                        <a:schemeClr val="tx1"/>
-                      </a:solidFill>
-                      <a:prstDash val="solid"/>
-                      <a:round/>
-                      <a:headEnd type="none" w="med" len="med"/>
-                      <a:tailEnd type="none" w="med" len="med"/>
-                    </a:lnB>
-                    <a:solidFill>
-                      <a:srgbClr val="8AABCA"/>
-                    </a:solidFill>
-                  </a:tcPr>
-                </a:tc>
-                <a:tc>
-                  <a:txBody>
-                    <a:bodyPr/>
-                    <a:lstStyle/>
-                    <a:p>
-                      <a:pPr algn="ctr"/>
-                      <a:r>
-                        <a:rPr lang="en-US" sz="2500" dirty="0">
-                          <a:solidFill>
-                            <a:schemeClr val="tx1"/>
-                          </a:solidFill>
-                          <a:latin typeface="Times New Roman" panose="02020603050405020304" pitchFamily="18" charset="0"/>
-                          <a:cs typeface="Times New Roman" panose="02020603050405020304" pitchFamily="18" charset="0"/>
-                        </a:rPr>
-                        <a:t>TRƯỚC KHI TỐI ƯU</a:t>
-                      </a:r>
-                    </a:p>
-                  </a:txBody>
-                  <a:tcPr>
-                    <a:lnL w="12700" cap="flat" cmpd="sng" algn="ctr">
-                      <a:solidFill>
-                        <a:schemeClr val="tx1"/>
-                      </a:solidFill>
-                      <a:prstDash val="solid"/>
-                      <a:round/>
-                      <a:headEnd type="none" w="med" len="med"/>
-                      <a:tailEnd type="none" w="med" len="med"/>
-                    </a:lnL>
-                    <a:lnR w="12700" cap="flat" cmpd="sng" algn="ctr">
-                      <a:solidFill>
-                        <a:schemeClr val="tx1"/>
-                      </a:solidFill>
-                      <a:prstDash val="solid"/>
-                      <a:round/>
-                      <a:headEnd type="none" w="med" len="med"/>
-                      <a:tailEnd type="none" w="med" len="med"/>
-                    </a:lnR>
-                    <a:lnT w="12700" cap="flat" cmpd="sng" algn="ctr">
-                      <a:solidFill>
-                        <a:schemeClr val="tx1"/>
-                      </a:solidFill>
-                      <a:prstDash val="solid"/>
-                      <a:round/>
-                      <a:headEnd type="none" w="med" len="med"/>
-                      <a:tailEnd type="none" w="med" len="med"/>
-                    </a:lnT>
-                    <a:lnB w="12700" cap="flat" cmpd="sng" algn="ctr">
-                      <a:solidFill>
-                        <a:schemeClr val="tx1"/>
-                      </a:solidFill>
-                      <a:prstDash val="solid"/>
-                      <a:round/>
-                      <a:headEnd type="none" w="med" len="med"/>
-                      <a:tailEnd type="none" w="med" len="med"/>
-                    </a:lnB>
-                    <a:solidFill>
-                      <a:srgbClr val="8AABCA"/>
-                    </a:solidFill>
-                  </a:tcPr>
-                </a:tc>
-                <a:extLst>
-                  <a:ext uri="{0D108BD9-81ED-4DB2-BD59-A6C34878D82A}">
-                    <a16:rowId xmlns:a16="http://schemas.microsoft.com/office/drawing/2014/main" val="53919774"/>
-                  </a:ext>
-                </a:extLst>
-              </a:tr>
-              <a:tr h="370840">
-                <a:tc>
-                  <a:txBody>
-                    <a:bodyPr/>
-                    <a:lstStyle/>
-                    <a:p>
-                      <a:pPr algn="ctr"/>
-                      <a:r>
-                        <a:rPr lang="en-US" sz="2500" dirty="0" err="1">
-                          <a:latin typeface="Times New Roman" panose="02020603050405020304" pitchFamily="18" charset="0"/>
-                          <a:cs typeface="Times New Roman" panose="02020603050405020304" pitchFamily="18" charset="0"/>
-                        </a:rPr>
-                        <a:t>Cây</a:t>
-                      </a:r>
-                      <a:r>
-                        <a:rPr lang="en-US" sz="2500" dirty="0">
-                          <a:latin typeface="Times New Roman" panose="02020603050405020304" pitchFamily="18" charset="0"/>
-                          <a:cs typeface="Times New Roman" panose="02020603050405020304" pitchFamily="18" charset="0"/>
-                        </a:rPr>
-                        <a:t> </a:t>
-                      </a:r>
-                      <a:r>
-                        <a:rPr lang="en-US" sz="2500" dirty="0" err="1">
-                          <a:latin typeface="Times New Roman" panose="02020603050405020304" pitchFamily="18" charset="0"/>
-                          <a:cs typeface="Times New Roman" panose="02020603050405020304" pitchFamily="18" charset="0"/>
-                        </a:rPr>
-                        <a:t>quyết</a:t>
-                      </a:r>
-                      <a:r>
-                        <a:rPr lang="en-US" sz="2500" dirty="0">
-                          <a:latin typeface="Times New Roman" panose="02020603050405020304" pitchFamily="18" charset="0"/>
-                          <a:cs typeface="Times New Roman" panose="02020603050405020304" pitchFamily="18" charset="0"/>
-                        </a:rPr>
-                        <a:t> </a:t>
-                      </a:r>
-                      <a:r>
-                        <a:rPr lang="en-US" sz="2500" dirty="0" err="1">
-                          <a:latin typeface="Times New Roman" panose="02020603050405020304" pitchFamily="18" charset="0"/>
-                          <a:cs typeface="Times New Roman" panose="02020603050405020304" pitchFamily="18" charset="0"/>
-                        </a:rPr>
-                        <a:t>định</a:t>
-                      </a:r>
-                      <a:endParaRPr lang="en-US" sz="2500" dirty="0">
-                        <a:latin typeface="Times New Roman" panose="02020603050405020304" pitchFamily="18" charset="0"/>
-                        <a:cs typeface="Times New Roman" panose="02020603050405020304" pitchFamily="18" charset="0"/>
-                      </a:endParaRPr>
-                    </a:p>
-                  </a:txBody>
-                  <a:tcPr anchor="ctr">
-                    <a:lnL w="12700" cap="flat" cmpd="sng" algn="ctr">
-                      <a:solidFill>
-                        <a:schemeClr val="tx1"/>
-                      </a:solidFill>
-                      <a:prstDash val="solid"/>
-                      <a:round/>
-                      <a:headEnd type="none" w="med" len="med"/>
-                      <a:tailEnd type="none" w="med" len="med"/>
-                    </a:lnL>
-                    <a:lnR w="12700" cap="flat" cmpd="sng" algn="ctr">
-                      <a:solidFill>
-                        <a:schemeClr val="tx1"/>
-                      </a:solidFill>
-                      <a:prstDash val="solid"/>
-                      <a:round/>
-                      <a:headEnd type="none" w="med" len="med"/>
-                      <a:tailEnd type="none" w="med" len="med"/>
-                    </a:lnR>
-                    <a:lnT w="12700" cap="flat" cmpd="sng" algn="ctr">
-                      <a:solidFill>
-                        <a:schemeClr val="tx1"/>
-                      </a:solidFill>
-                      <a:prstDash val="solid"/>
-                      <a:round/>
-                      <a:headEnd type="none" w="med" len="med"/>
-                      <a:tailEnd type="none" w="med" len="med"/>
-                    </a:lnT>
-                    <a:lnB w="12700" cap="flat" cmpd="sng" algn="ctr">
-                      <a:solidFill>
-                        <a:schemeClr val="tx1"/>
-                      </a:solidFill>
-                      <a:prstDash val="solid"/>
-                      <a:round/>
-                      <a:headEnd type="none" w="med" len="med"/>
-                      <a:tailEnd type="none" w="med" len="med"/>
-                    </a:lnB>
-                  </a:tcPr>
-                </a:tc>
-                <a:tc>
-                  <a:txBody>
-                    <a:bodyPr/>
-                    <a:lstStyle/>
-                    <a:p>
-                      <a:pPr algn="l"/>
-                      <a:r>
-                        <a:rPr lang="en-US" sz="2500" dirty="0">
-                          <a:latin typeface="Times New Roman" panose="02020603050405020304" pitchFamily="18" charset="0"/>
-                          <a:cs typeface="Times New Roman" panose="02020603050405020304" pitchFamily="18" charset="0"/>
-                        </a:rPr>
-                        <a:t>accuracy: 0.6962562307773889</a:t>
-                      </a:r>
-                    </a:p>
-                    <a:p>
-                      <a:pPr algn="l"/>
-                      <a:r>
-                        <a:rPr lang="en-US" sz="2500" dirty="0">
-                          <a:latin typeface="Times New Roman" panose="02020603050405020304" pitchFamily="18" charset="0"/>
-                          <a:cs typeface="Times New Roman" panose="02020603050405020304" pitchFamily="18" charset="0"/>
-                        </a:rPr>
-                        <a:t>f1: 0.5751618196018272</a:t>
-                      </a:r>
-                    </a:p>
-                    <a:p>
-                      <a:pPr algn="l"/>
-                      <a:r>
-                        <a:rPr lang="en-US" sz="2500" dirty="0">
-                          <a:latin typeface="Times New Roman" panose="02020603050405020304" pitchFamily="18" charset="0"/>
-                          <a:cs typeface="Times New Roman" panose="02020603050405020304" pitchFamily="18" charset="0"/>
-                        </a:rPr>
-                        <a:t>precision: 0.5979510596924563</a:t>
-                      </a:r>
-                    </a:p>
-                    <a:p>
-                      <a:pPr algn="l"/>
-                      <a:r>
-                        <a:rPr lang="en-US" sz="2500" dirty="0">
-                          <a:latin typeface="Times New Roman" panose="02020603050405020304" pitchFamily="18" charset="0"/>
-                          <a:cs typeface="Times New Roman" panose="02020603050405020304" pitchFamily="18" charset="0"/>
-                        </a:rPr>
-                        <a:t>recall:  0.696256230777389</a:t>
-                      </a:r>
-                    </a:p>
-                  </a:txBody>
-                  <a:tcPr anchor="ctr">
-                    <a:lnL w="12700" cap="flat" cmpd="sng" algn="ctr">
-                      <a:solidFill>
-                        <a:schemeClr val="tx1"/>
-                      </a:solidFill>
-                      <a:prstDash val="solid"/>
-                      <a:round/>
-                      <a:headEnd type="none" w="med" len="med"/>
-                      <a:tailEnd type="none" w="med" len="med"/>
-                    </a:lnL>
-                    <a:lnR w="12700" cap="flat" cmpd="sng" algn="ctr">
-                      <a:solidFill>
-                        <a:schemeClr val="tx1"/>
-                      </a:solidFill>
-                      <a:prstDash val="solid"/>
-                      <a:round/>
-                      <a:headEnd type="none" w="med" len="med"/>
-                      <a:tailEnd type="none" w="med" len="med"/>
-                    </a:lnR>
-                    <a:lnT w="12700" cap="flat" cmpd="sng" algn="ctr">
-                      <a:solidFill>
-                        <a:schemeClr val="tx1"/>
-                      </a:solidFill>
-                      <a:prstDash val="solid"/>
-                      <a:round/>
-                      <a:headEnd type="none" w="med" len="med"/>
-                      <a:tailEnd type="none" w="med" len="med"/>
-                    </a:lnT>
-                    <a:lnB w="12700" cap="flat" cmpd="sng" algn="ctr">
-                      <a:solidFill>
-                        <a:schemeClr val="tx1"/>
-                      </a:solidFill>
-                      <a:prstDash val="solid"/>
-                      <a:round/>
-                      <a:headEnd type="none" w="med" len="med"/>
-                      <a:tailEnd type="none" w="med" len="med"/>
-                    </a:lnB>
-                  </a:tcPr>
-                </a:tc>
-                <a:extLst>
-                  <a:ext uri="{0D108BD9-81ED-4DB2-BD59-A6C34878D82A}">
-                    <a16:rowId xmlns:a16="http://schemas.microsoft.com/office/drawing/2014/main" val="3288015860"/>
-                  </a:ext>
-                </a:extLst>
-              </a:tr>
-              <a:tr h="370840">
-                <a:tc>
-                  <a:txBody>
-                    <a:bodyPr/>
-                    <a:lstStyle/>
-                    <a:p>
-                      <a:pPr algn="ctr"/>
-                      <a:r>
-                        <a:rPr lang="en-US" sz="2500" dirty="0" err="1">
-                          <a:latin typeface="Times New Roman" panose="02020603050405020304" pitchFamily="18" charset="0"/>
-                          <a:cs typeface="Times New Roman" panose="02020603050405020304" pitchFamily="18" charset="0"/>
-                        </a:rPr>
-                        <a:t>Hồi</a:t>
-                      </a:r>
-                      <a:r>
-                        <a:rPr lang="en-US" sz="2500" dirty="0">
-                          <a:latin typeface="Times New Roman" panose="02020603050405020304" pitchFamily="18" charset="0"/>
-                          <a:cs typeface="Times New Roman" panose="02020603050405020304" pitchFamily="18" charset="0"/>
-                        </a:rPr>
-                        <a:t> </a:t>
-                      </a:r>
-                      <a:r>
-                        <a:rPr lang="en-US" sz="2500" dirty="0" err="1">
-                          <a:latin typeface="Times New Roman" panose="02020603050405020304" pitchFamily="18" charset="0"/>
-                          <a:cs typeface="Times New Roman" panose="02020603050405020304" pitchFamily="18" charset="0"/>
-                        </a:rPr>
-                        <a:t>quy</a:t>
-                      </a:r>
-                      <a:r>
-                        <a:rPr lang="en-US" sz="2500" dirty="0">
-                          <a:latin typeface="Times New Roman" panose="02020603050405020304" pitchFamily="18" charset="0"/>
-                          <a:cs typeface="Times New Roman" panose="02020603050405020304" pitchFamily="18" charset="0"/>
-                        </a:rPr>
-                        <a:t> Logistic</a:t>
-                      </a:r>
-                    </a:p>
-                  </a:txBody>
-                  <a:tcPr anchor="ctr">
-                    <a:lnL w="12700" cap="flat" cmpd="sng" algn="ctr">
-                      <a:solidFill>
-                        <a:schemeClr val="tx1"/>
-                      </a:solidFill>
-                      <a:prstDash val="solid"/>
-                      <a:round/>
-                      <a:headEnd type="none" w="med" len="med"/>
-                      <a:tailEnd type="none" w="med" len="med"/>
-                    </a:lnL>
-                    <a:lnR w="12700" cap="flat" cmpd="sng" algn="ctr">
-                      <a:solidFill>
-                        <a:schemeClr val="tx1"/>
-                      </a:solidFill>
-                      <a:prstDash val="solid"/>
-                      <a:round/>
-                      <a:headEnd type="none" w="med" len="med"/>
-                      <a:tailEnd type="none" w="med" len="med"/>
-                    </a:lnR>
-                    <a:lnT w="12700" cap="flat" cmpd="sng" algn="ctr">
-                      <a:solidFill>
-                        <a:schemeClr val="tx1"/>
-                      </a:solidFill>
-                      <a:prstDash val="solid"/>
-                      <a:round/>
-                      <a:headEnd type="none" w="med" len="med"/>
-                      <a:tailEnd type="none" w="med" len="med"/>
-                    </a:lnT>
-                    <a:lnB w="12700" cap="flat" cmpd="sng" algn="ctr">
-                      <a:solidFill>
-                        <a:schemeClr val="tx1"/>
-                      </a:solidFill>
-                      <a:prstDash val="solid"/>
-                      <a:round/>
-                      <a:headEnd type="none" w="med" len="med"/>
-                      <a:tailEnd type="none" w="med" len="med"/>
-                    </a:lnB>
-                  </a:tcPr>
-                </a:tc>
-                <a:tc>
-                  <a:txBody>
-                    <a:bodyPr/>
-                    <a:lstStyle/>
-                    <a:p>
-                      <a:pPr algn="l"/>
-                      <a:r>
-                        <a:rPr lang="en-US" sz="2500" dirty="0">
-                          <a:latin typeface="Times New Roman" panose="02020603050405020304" pitchFamily="18" charset="0"/>
-                          <a:cs typeface="Times New Roman" panose="02020603050405020304" pitchFamily="18" charset="0"/>
-                        </a:rPr>
-                        <a:t>accuracy: 0.6973167886308198</a:t>
-                      </a:r>
-                    </a:p>
-                    <a:p>
-                      <a:pPr algn="l"/>
-                      <a:r>
-                        <a:rPr lang="en-US" sz="2500" dirty="0">
-                          <a:latin typeface="Times New Roman" panose="02020603050405020304" pitchFamily="18" charset="0"/>
-                          <a:cs typeface="Times New Roman" panose="02020603050405020304" pitchFamily="18" charset="0"/>
-                        </a:rPr>
-                        <a:t>f1: 0.5729639946572906</a:t>
-                      </a:r>
-                    </a:p>
-                    <a:p>
-                      <a:pPr algn="l"/>
-                      <a:r>
-                        <a:rPr lang="en-US" sz="2500" dirty="0">
-                          <a:latin typeface="Times New Roman" panose="02020603050405020304" pitchFamily="18" charset="0"/>
-                          <a:cs typeface="Times New Roman" panose="02020603050405020304" pitchFamily="18" charset="0"/>
-                        </a:rPr>
-                        <a:t>precision: 0.48625070370639945</a:t>
-                      </a:r>
-                    </a:p>
-                    <a:p>
-                      <a:pPr algn="l"/>
-                      <a:r>
-                        <a:rPr lang="en-US" sz="2500" dirty="0">
-                          <a:latin typeface="Times New Roman" panose="02020603050405020304" pitchFamily="18" charset="0"/>
-                          <a:cs typeface="Times New Roman" panose="02020603050405020304" pitchFamily="18" charset="0"/>
-                        </a:rPr>
-                        <a:t>recall: 0.6973167886308198</a:t>
-                      </a:r>
-                    </a:p>
-                  </a:txBody>
-                  <a:tcPr anchor="ctr">
-                    <a:lnL w="12700" cap="flat" cmpd="sng" algn="ctr">
-                      <a:solidFill>
-                        <a:schemeClr val="tx1"/>
-                      </a:solidFill>
-                      <a:prstDash val="solid"/>
-                      <a:round/>
-                      <a:headEnd type="none" w="med" len="med"/>
-                      <a:tailEnd type="none" w="med" len="med"/>
-                    </a:lnL>
-                    <a:lnR w="12700" cap="flat" cmpd="sng" algn="ctr">
-                      <a:solidFill>
-                        <a:schemeClr val="tx1"/>
-                      </a:solidFill>
-                      <a:prstDash val="solid"/>
-                      <a:round/>
-                      <a:headEnd type="none" w="med" len="med"/>
-                      <a:tailEnd type="none" w="med" len="med"/>
-                    </a:lnR>
-                    <a:lnT w="12700" cap="flat" cmpd="sng" algn="ctr">
-                      <a:solidFill>
-                        <a:schemeClr val="tx1"/>
-                      </a:solidFill>
-                      <a:prstDash val="solid"/>
-                      <a:round/>
-                      <a:headEnd type="none" w="med" len="med"/>
-                      <a:tailEnd type="none" w="med" len="med"/>
-                    </a:lnT>
-                    <a:lnB w="12700" cap="flat" cmpd="sng" algn="ctr">
-                      <a:solidFill>
-                        <a:schemeClr val="tx1"/>
-                      </a:solidFill>
-                      <a:prstDash val="solid"/>
-                      <a:round/>
-                      <a:headEnd type="none" w="med" len="med"/>
-                      <a:tailEnd type="none" w="med" len="med"/>
-                    </a:lnB>
-                  </a:tcPr>
-                </a:tc>
-                <a:extLst>
-                  <a:ext uri="{0D108BD9-81ED-4DB2-BD59-A6C34878D82A}">
-                    <a16:rowId xmlns:a16="http://schemas.microsoft.com/office/drawing/2014/main" val="1147293141"/>
-                  </a:ext>
-                </a:extLst>
-              </a:tr>
-              <a:tr h="370840">
-                <a:tc>
-                  <a:txBody>
-                    <a:bodyPr/>
-                    <a:lstStyle/>
-                    <a:p>
-                      <a:pPr algn="ctr"/>
-                      <a:r>
-                        <a:rPr lang="en-US" sz="2500" dirty="0" err="1">
-                          <a:latin typeface="Times New Roman" panose="02020603050405020304" pitchFamily="18" charset="0"/>
-                          <a:cs typeface="Times New Roman" panose="02020603050405020304" pitchFamily="18" charset="0"/>
-                        </a:rPr>
-                        <a:t>Rừng</a:t>
-                      </a:r>
-                      <a:r>
-                        <a:rPr lang="en-US" sz="2500" dirty="0">
-                          <a:latin typeface="Times New Roman" panose="02020603050405020304" pitchFamily="18" charset="0"/>
-                          <a:cs typeface="Times New Roman" panose="02020603050405020304" pitchFamily="18" charset="0"/>
-                        </a:rPr>
-                        <a:t> </a:t>
-                      </a:r>
-                      <a:r>
-                        <a:rPr lang="en-US" sz="2500" dirty="0" err="1">
-                          <a:latin typeface="Times New Roman" panose="02020603050405020304" pitchFamily="18" charset="0"/>
-                          <a:cs typeface="Times New Roman" panose="02020603050405020304" pitchFamily="18" charset="0"/>
-                        </a:rPr>
-                        <a:t>ngẫu</a:t>
-                      </a:r>
-                      <a:r>
-                        <a:rPr lang="en-US" sz="2500" dirty="0">
-                          <a:latin typeface="Times New Roman" panose="02020603050405020304" pitchFamily="18" charset="0"/>
-                          <a:cs typeface="Times New Roman" panose="02020603050405020304" pitchFamily="18" charset="0"/>
-                        </a:rPr>
-                        <a:t> </a:t>
-                      </a:r>
-                      <a:r>
-                        <a:rPr lang="en-US" sz="2500" dirty="0" err="1">
-                          <a:latin typeface="Times New Roman" panose="02020603050405020304" pitchFamily="18" charset="0"/>
-                          <a:cs typeface="Times New Roman" panose="02020603050405020304" pitchFamily="18" charset="0"/>
-                        </a:rPr>
-                        <a:t>nhiên</a:t>
-                      </a:r>
-                      <a:endParaRPr lang="en-US" sz="2500" dirty="0">
-                        <a:latin typeface="Times New Roman" panose="02020603050405020304" pitchFamily="18" charset="0"/>
-                        <a:cs typeface="Times New Roman" panose="02020603050405020304" pitchFamily="18" charset="0"/>
-                      </a:endParaRPr>
-                    </a:p>
-                  </a:txBody>
-                  <a:tcPr anchor="ctr">
-                    <a:lnL w="12700" cap="flat" cmpd="sng" algn="ctr">
-                      <a:solidFill>
-                        <a:schemeClr val="tx1"/>
-                      </a:solidFill>
-                      <a:prstDash val="solid"/>
-                      <a:round/>
-                      <a:headEnd type="none" w="med" len="med"/>
-                      <a:tailEnd type="none" w="med" len="med"/>
-                    </a:lnL>
-                    <a:lnR w="12700" cap="flat" cmpd="sng" algn="ctr">
-                      <a:solidFill>
-                        <a:schemeClr val="tx1"/>
-                      </a:solidFill>
-                      <a:prstDash val="solid"/>
-                      <a:round/>
-                      <a:headEnd type="none" w="med" len="med"/>
-                      <a:tailEnd type="none" w="med" len="med"/>
-                    </a:lnR>
-                    <a:lnT w="12700" cap="flat" cmpd="sng" algn="ctr">
-                      <a:solidFill>
-                        <a:schemeClr val="tx1"/>
-                      </a:solidFill>
-                      <a:prstDash val="solid"/>
-                      <a:round/>
-                      <a:headEnd type="none" w="med" len="med"/>
-                      <a:tailEnd type="none" w="med" len="med"/>
-                    </a:lnT>
-                    <a:lnB w="12700" cap="flat" cmpd="sng" algn="ctr">
-                      <a:solidFill>
-                        <a:schemeClr val="tx1"/>
-                      </a:solidFill>
-                      <a:prstDash val="solid"/>
-                      <a:round/>
-                      <a:headEnd type="none" w="med" len="med"/>
-                      <a:tailEnd type="none" w="med" len="med"/>
-                    </a:lnB>
-                  </a:tcPr>
-                </a:tc>
-                <a:tc>
-                  <a:txBody>
-                    <a:bodyPr/>
-                    <a:lstStyle/>
-                    <a:p>
-                      <a:pPr algn="l"/>
-                      <a:r>
-                        <a:rPr lang="en-US" sz="2500" dirty="0">
-                          <a:latin typeface="Times New Roman" panose="02020603050405020304" pitchFamily="18" charset="0"/>
-                          <a:cs typeface="Times New Roman" panose="02020603050405020304" pitchFamily="18" charset="0"/>
-                        </a:rPr>
-                        <a:t>accuracy: 0.6969986212747905</a:t>
-                      </a:r>
-                    </a:p>
-                    <a:p>
-                      <a:pPr algn="l"/>
-                      <a:r>
-                        <a:rPr lang="en-US" sz="2500" dirty="0">
-                          <a:latin typeface="Times New Roman" panose="02020603050405020304" pitchFamily="18" charset="0"/>
-                          <a:cs typeface="Times New Roman" panose="02020603050405020304" pitchFamily="18" charset="0"/>
-                        </a:rPr>
-                        <a:t>f1: 0.5728099412388911</a:t>
-                      </a:r>
-                    </a:p>
-                    <a:p>
-                      <a:pPr algn="l"/>
-                      <a:r>
-                        <a:rPr lang="en-US" sz="2500" dirty="0">
-                          <a:latin typeface="Times New Roman" panose="02020603050405020304" pitchFamily="18" charset="0"/>
-                          <a:cs typeface="Times New Roman" panose="02020603050405020304" pitchFamily="18" charset="0"/>
-                        </a:rPr>
-                        <a:t>precision: 0.4861835279950932</a:t>
-                      </a:r>
-                    </a:p>
-                    <a:p>
-                      <a:pPr algn="l"/>
-                      <a:r>
-                        <a:rPr lang="en-US" sz="2500" dirty="0">
-                          <a:latin typeface="Times New Roman" panose="02020603050405020304" pitchFamily="18" charset="0"/>
-                          <a:cs typeface="Times New Roman" panose="02020603050405020304" pitchFamily="18" charset="0"/>
-                        </a:rPr>
-                        <a:t>recall: 0.6969986212747905</a:t>
-                      </a:r>
-                    </a:p>
-                  </a:txBody>
-                  <a:tcPr anchor="ctr">
-                    <a:lnL w="12700" cap="flat" cmpd="sng" algn="ctr">
-                      <a:solidFill>
-                        <a:schemeClr val="tx1"/>
-                      </a:solidFill>
-                      <a:prstDash val="solid"/>
-                      <a:round/>
-                      <a:headEnd type="none" w="med" len="med"/>
-                      <a:tailEnd type="none" w="med" len="med"/>
-                    </a:lnL>
-                    <a:lnR w="12700" cap="flat" cmpd="sng" algn="ctr">
-                      <a:solidFill>
-                        <a:schemeClr val="tx1"/>
-                      </a:solidFill>
-                      <a:prstDash val="solid"/>
-                      <a:round/>
-                      <a:headEnd type="none" w="med" len="med"/>
-                      <a:tailEnd type="none" w="med" len="med"/>
-                    </a:lnR>
-                    <a:lnT w="12700" cap="flat" cmpd="sng" algn="ctr">
-                      <a:solidFill>
-                        <a:schemeClr val="tx1"/>
-                      </a:solidFill>
-                      <a:prstDash val="solid"/>
-                      <a:round/>
-                      <a:headEnd type="none" w="med" len="med"/>
-                      <a:tailEnd type="none" w="med" len="med"/>
-                    </a:lnT>
-                    <a:lnB w="12700" cap="flat" cmpd="sng" algn="ctr">
-                      <a:solidFill>
-                        <a:schemeClr val="tx1"/>
-                      </a:solidFill>
-                      <a:prstDash val="solid"/>
-                      <a:round/>
-                      <a:headEnd type="none" w="med" len="med"/>
-                      <a:tailEnd type="none" w="med" len="med"/>
-                    </a:lnB>
-                  </a:tcPr>
-                </a:tc>
-                <a:extLst>
-                  <a:ext uri="{0D108BD9-81ED-4DB2-BD59-A6C34878D82A}">
-                    <a16:rowId xmlns:a16="http://schemas.microsoft.com/office/drawing/2014/main" val="2768637231"/>
-                  </a:ext>
-                </a:extLst>
-              </a:tr>
-              <a:tr h="370840">
-                <a:tc>
-                  <a:txBody>
-                    <a:bodyPr/>
-                    <a:lstStyle/>
-                    <a:p>
-                      <a:pPr algn="ctr"/>
-                      <a:r>
-                        <a:rPr lang="en-US" sz="2500" dirty="0">
-                          <a:latin typeface="Times New Roman" panose="02020603050405020304" pitchFamily="18" charset="0"/>
-                          <a:cs typeface="Times New Roman" panose="02020603050405020304" pitchFamily="18" charset="0"/>
-                        </a:rPr>
-                        <a:t>Naive Bayes</a:t>
-                      </a:r>
-                    </a:p>
-                  </a:txBody>
-                  <a:tcPr anchor="ctr">
-                    <a:lnL w="12700" cap="flat" cmpd="sng" algn="ctr">
-                      <a:solidFill>
-                        <a:schemeClr val="tx1"/>
-                      </a:solidFill>
-                      <a:prstDash val="solid"/>
-                      <a:round/>
-                      <a:headEnd type="none" w="med" len="med"/>
-                      <a:tailEnd type="none" w="med" len="med"/>
-                    </a:lnL>
-                    <a:lnR w="12700" cap="flat" cmpd="sng" algn="ctr">
-                      <a:solidFill>
-                        <a:schemeClr val="tx1"/>
-                      </a:solidFill>
-                      <a:prstDash val="solid"/>
-                      <a:round/>
-                      <a:headEnd type="none" w="med" len="med"/>
-                      <a:tailEnd type="none" w="med" len="med"/>
-                    </a:lnR>
-                    <a:lnT w="12700" cap="flat" cmpd="sng" algn="ctr">
-                      <a:solidFill>
-                        <a:schemeClr val="tx1"/>
-                      </a:solidFill>
-                      <a:prstDash val="solid"/>
-                      <a:round/>
-                      <a:headEnd type="none" w="med" len="med"/>
-                      <a:tailEnd type="none" w="med" len="med"/>
-                    </a:lnT>
-                    <a:lnB w="12700" cap="flat" cmpd="sng" algn="ctr">
-                      <a:solidFill>
-                        <a:schemeClr val="tx1"/>
-                      </a:solidFill>
-                      <a:prstDash val="solid"/>
-                      <a:round/>
-                      <a:headEnd type="none" w="med" len="med"/>
-                      <a:tailEnd type="none" w="med" len="med"/>
-                    </a:lnB>
-                  </a:tcPr>
-                </a:tc>
-                <a:tc>
-                  <a:txBody>
-                    <a:bodyPr/>
-                    <a:lstStyle/>
-                    <a:p>
-                      <a:pPr algn="l"/>
-                      <a:r>
-                        <a:rPr lang="en-US" sz="2500" dirty="0">
-                          <a:latin typeface="Times New Roman" panose="02020603050405020304" pitchFamily="18" charset="0"/>
-                          <a:cs typeface="Times New Roman" panose="02020603050405020304" pitchFamily="18" charset="0"/>
-                        </a:rPr>
-                        <a:t>accuracy: 0.5940184537066497</a:t>
-                      </a:r>
-                    </a:p>
-                    <a:p>
-                      <a:pPr algn="l"/>
-                      <a:r>
-                        <a:rPr lang="en-US" sz="2500" dirty="0">
-                          <a:latin typeface="Times New Roman" panose="02020603050405020304" pitchFamily="18" charset="0"/>
-                          <a:cs typeface="Times New Roman" panose="02020603050405020304" pitchFamily="18" charset="0"/>
-                        </a:rPr>
-                        <a:t>f1: 0.5962549617720538</a:t>
-                      </a:r>
-                    </a:p>
-                    <a:p>
-                      <a:pPr algn="l"/>
-                      <a:r>
-                        <a:rPr lang="en-US" sz="2500" dirty="0">
-                          <a:latin typeface="Times New Roman" panose="02020603050405020304" pitchFamily="18" charset="0"/>
-                          <a:cs typeface="Times New Roman" panose="02020603050405020304" pitchFamily="18" charset="0"/>
-                        </a:rPr>
-                        <a:t>precision: 0.5986518359718374</a:t>
-                      </a:r>
-                    </a:p>
-                    <a:p>
-                      <a:pPr algn="l"/>
-                      <a:r>
-                        <a:rPr lang="en-US" sz="2500" dirty="0">
-                          <a:latin typeface="Times New Roman" panose="02020603050405020304" pitchFamily="18" charset="0"/>
-                          <a:cs typeface="Times New Roman" panose="02020603050405020304" pitchFamily="18" charset="0"/>
-                        </a:rPr>
-                        <a:t>recall: 0.5940184537066497</a:t>
-                      </a:r>
-                    </a:p>
-                  </a:txBody>
-                  <a:tcPr anchor="ctr">
-                    <a:lnL w="12700" cap="flat" cmpd="sng" algn="ctr">
-                      <a:solidFill>
-                        <a:schemeClr val="tx1"/>
-                      </a:solidFill>
-                      <a:prstDash val="solid"/>
-                      <a:round/>
-                      <a:headEnd type="none" w="med" len="med"/>
-                      <a:tailEnd type="none" w="med" len="med"/>
-                    </a:lnL>
-                    <a:lnR w="12700" cap="flat" cmpd="sng" algn="ctr">
-                      <a:solidFill>
-                        <a:schemeClr val="tx1"/>
-                      </a:solidFill>
-                      <a:prstDash val="solid"/>
-                      <a:round/>
-                      <a:headEnd type="none" w="med" len="med"/>
-                      <a:tailEnd type="none" w="med" len="med"/>
-                    </a:lnR>
-                    <a:lnT w="12700" cap="flat" cmpd="sng" algn="ctr">
-                      <a:solidFill>
-                        <a:schemeClr val="tx1"/>
-                      </a:solidFill>
-                      <a:prstDash val="solid"/>
-                      <a:round/>
-                      <a:headEnd type="none" w="med" len="med"/>
-                      <a:tailEnd type="none" w="med" len="med"/>
-                    </a:lnT>
-                    <a:lnB w="12700" cap="flat" cmpd="sng" algn="ctr">
-                      <a:solidFill>
-                        <a:schemeClr val="tx1"/>
-                      </a:solidFill>
-                      <a:prstDash val="solid"/>
-                      <a:round/>
-                      <a:headEnd type="none" w="med" len="med"/>
-                      <a:tailEnd type="none" w="med" len="med"/>
-                    </a:lnB>
-                  </a:tcPr>
-                </a:tc>
-                <a:extLst>
-                  <a:ext uri="{0D108BD9-81ED-4DB2-BD59-A6C34878D82A}">
-                    <a16:rowId xmlns:a16="http://schemas.microsoft.com/office/drawing/2014/main" val="914248606"/>
-                  </a:ext>
-                </a:extLst>
-              </a:tr>
-            </a:tbl>
-          </a:graphicData>
-        </a:graphic>
-      </p:graphicFrame>
-    </p:spTree>
-    <p:extLst>
-      <p:ext uri="{BB962C8B-B14F-4D97-AF65-F5344CB8AC3E}">
-        <p14:creationId xmlns:p14="http://schemas.microsoft.com/office/powerpoint/2010/main" val="4266985890"/>
+        <p14:creationId xmlns:p14="http://schemas.microsoft.com/office/powerpoint/2010/main" val="343722164"/>
       </p:ext>
     </p:extLst>
   </p:cSld>

--- a/Final/Nhom01.pptx
+++ b/Final/Nhom01.pptx
@@ -3614,13 +3614,22 @@
               </a:lnSpc>
             </a:pPr>
             <a:r>
+              <a:rPr lang="en-US" sz="4200">
+                <a:solidFill>
+                  <a:srgbClr val="273755"/>
+                </a:solidFill>
+                <a:latin typeface="Noto Serif Bold"/>
+              </a:rPr>
+              <a:t>VI. </a:t>
+            </a:r>
+            <a:r>
               <a:rPr lang="en-US" sz="4200" dirty="0">
                 <a:solidFill>
                   <a:srgbClr val="273755"/>
                 </a:solidFill>
                 <a:latin typeface="Noto Serif Bold"/>
               </a:rPr>
-              <a:t>V. KẾT LUẬN VÀ HƯỚNG PHÁT TRIỂN</a:t>
+              <a:t>KẾT LUẬN VÀ HƯỚNG PHÁT TRIỂN</a:t>
             </a:r>
           </a:p>
         </p:txBody>
@@ -10135,7 +10144,7 @@
           <p:nvPr>
             <p:extLst>
               <p:ext uri="{D42A27DB-BD31-4B8C-83A1-F6EECF244321}">
-                <p14:modId xmlns:p14="http://schemas.microsoft.com/office/powerpoint/2010/main" val="1060367829"/>
+                <p14:modId xmlns:p14="http://schemas.microsoft.com/office/powerpoint/2010/main" val="3948466551"/>
               </p:ext>
             </p:extLst>
           </p:nvPr>
@@ -10537,10 +10546,43 @@
                     <a:lstStyle/>
                     <a:p>
                       <a:pPr algn="l"/>
-                      <a:endParaRPr lang="en-US" sz="2500" dirty="0">
-                        <a:latin typeface="Times New Roman" panose="02020603050405020304" pitchFamily="18" charset="0"/>
-                        <a:cs typeface="Times New Roman" panose="02020603050405020304" pitchFamily="18" charset="0"/>
-                      </a:endParaRPr>
+                      <a:r>
+                        <a:rPr lang="en-US" sz="2500" dirty="0">
+                          <a:latin typeface="Times New Roman" panose="02020603050405020304" pitchFamily="18" charset="0"/>
+                          <a:cs typeface="Times New Roman" panose="02020603050405020304" pitchFamily="18" charset="0"/>
+                        </a:rPr>
+                        <a:t>accuracy: 0.6864990985258246</a:t>
+                      </a:r>
+                    </a:p>
+                    <a:p>
+                      <a:pPr algn="l"/>
+                      <a:r>
+                        <a:rPr lang="en-US" sz="2500" dirty="0">
+                          <a:latin typeface="Times New Roman" panose="02020603050405020304" pitchFamily="18" charset="0"/>
+                          <a:cs typeface="Times New Roman" panose="02020603050405020304" pitchFamily="18" charset="0"/>
+                        </a:rPr>
+                        <a:t>f1: 0.5802294658485619</a:t>
+                      </a:r>
+                    </a:p>
+                    <a:p>
+                      <a:pPr algn="l"/>
+                      <a:r>
+                        <a:rPr lang="en-US" sz="2500" dirty="0">
+                          <a:latin typeface="Times New Roman" panose="02020603050405020304" pitchFamily="18" charset="0"/>
+                          <a:cs typeface="Times New Roman" panose="02020603050405020304" pitchFamily="18" charset="0"/>
+                        </a:rPr>
+                        <a:t>precision: 0.5735570657330947</a:t>
+                      </a:r>
+                    </a:p>
+                    <a:p>
+                      <a:pPr algn="l"/>
+                      <a:r>
+                        <a:rPr lang="en-US" sz="2500" dirty="0">
+                          <a:latin typeface="Times New Roman" panose="02020603050405020304" pitchFamily="18" charset="0"/>
+                          <a:cs typeface="Times New Roman" panose="02020603050405020304" pitchFamily="18" charset="0"/>
+                        </a:rPr>
+                        <a:t>recall:  0.6864990985258246</a:t>
+                      </a:r>
                     </a:p>
                   </a:txBody>
                   <a:tcPr anchor="ctr">
@@ -10754,10 +10796,43 @@
                     <a:lstStyle/>
                     <a:p>
                       <a:pPr algn="l"/>
-                      <a:endParaRPr lang="en-US" sz="2500" dirty="0">
-                        <a:latin typeface="Times New Roman" panose="02020603050405020304" pitchFamily="18" charset="0"/>
-                        <a:cs typeface="Times New Roman" panose="02020603050405020304" pitchFamily="18" charset="0"/>
-                      </a:endParaRPr>
+                      <a:r>
+                        <a:rPr lang="en-US" sz="2500" dirty="0">
+                          <a:latin typeface="Times New Roman" panose="02020603050405020304" pitchFamily="18" charset="0"/>
+                          <a:cs typeface="Times New Roman" panose="02020603050405020304" pitchFamily="18" charset="0"/>
+                        </a:rPr>
+                        <a:t>accuracy: 0.6973167886308198</a:t>
+                      </a:r>
+                    </a:p>
+                    <a:p>
+                      <a:pPr algn="l"/>
+                      <a:r>
+                        <a:rPr lang="en-US" sz="2500" dirty="0">
+                          <a:latin typeface="Times New Roman" panose="02020603050405020304" pitchFamily="18" charset="0"/>
+                          <a:cs typeface="Times New Roman" panose="02020603050405020304" pitchFamily="18" charset="0"/>
+                        </a:rPr>
+                        <a:t>f1: 0.5729639946572906</a:t>
+                      </a:r>
+                    </a:p>
+                    <a:p>
+                      <a:pPr algn="l"/>
+                      <a:r>
+                        <a:rPr lang="en-US" sz="2500" dirty="0">
+                          <a:latin typeface="Times New Roman" panose="02020603050405020304" pitchFamily="18" charset="0"/>
+                          <a:cs typeface="Times New Roman" panose="02020603050405020304" pitchFamily="18" charset="0"/>
+                        </a:rPr>
+                        <a:t>precision: 0.48625070370639945</a:t>
+                      </a:r>
+                    </a:p>
+                    <a:p>
+                      <a:pPr algn="l"/>
+                      <a:r>
+                        <a:rPr lang="en-US" sz="2500" dirty="0">
+                          <a:latin typeface="Times New Roman" panose="02020603050405020304" pitchFamily="18" charset="0"/>
+                          <a:cs typeface="Times New Roman" panose="02020603050405020304" pitchFamily="18" charset="0"/>
+                        </a:rPr>
+                        <a:t>recall: 0.6973167886308198</a:t>
+                      </a:r>
                     </a:p>
                   </a:txBody>
                   <a:tcPr anchor="ctr">
@@ -10982,10 +11057,43 @@
                     <a:lstStyle/>
                     <a:p>
                       <a:pPr algn="l"/>
-                      <a:endParaRPr lang="en-US" sz="2500" dirty="0">
-                        <a:latin typeface="Times New Roman" panose="02020603050405020304" pitchFamily="18" charset="0"/>
-                        <a:cs typeface="Times New Roman" panose="02020603050405020304" pitchFamily="18" charset="0"/>
-                      </a:endParaRPr>
+                      <a:r>
+                        <a:rPr lang="en-US" sz="2500" dirty="0">
+                          <a:latin typeface="Times New Roman" panose="02020603050405020304" pitchFamily="18" charset="0"/>
+                          <a:cs typeface="Times New Roman" panose="02020603050405020304" pitchFamily="18" charset="0"/>
+                        </a:rPr>
+                        <a:t>accuracy: 0.6958320076360165</a:t>
+                      </a:r>
+                    </a:p>
+                    <a:p>
+                      <a:pPr algn="l"/>
+                      <a:r>
+                        <a:rPr lang="en-US" sz="2500" dirty="0">
+                          <a:latin typeface="Times New Roman" panose="02020603050405020304" pitchFamily="18" charset="0"/>
+                          <a:cs typeface="Times New Roman" panose="02020603050405020304" pitchFamily="18" charset="0"/>
+                        </a:rPr>
+                        <a:t>f1: 0.5762838227720252</a:t>
+                      </a:r>
+                    </a:p>
+                    <a:p>
+                      <a:pPr algn="l"/>
+                      <a:r>
+                        <a:rPr lang="en-US" sz="2500" dirty="0">
+                          <a:latin typeface="Times New Roman" panose="02020603050405020304" pitchFamily="18" charset="0"/>
+                          <a:cs typeface="Times New Roman" panose="02020603050405020304" pitchFamily="18" charset="0"/>
+                        </a:rPr>
+                        <a:t>precision: 0.6000581937700639</a:t>
+                      </a:r>
+                    </a:p>
+                    <a:p>
+                      <a:pPr algn="l"/>
+                      <a:r>
+                        <a:rPr lang="en-US" sz="2500" dirty="0">
+                          <a:latin typeface="Times New Roman" panose="02020603050405020304" pitchFamily="18" charset="0"/>
+                          <a:cs typeface="Times New Roman" panose="02020603050405020304" pitchFamily="18" charset="0"/>
+                        </a:rPr>
+                        <a:t>recall: 0.6958320076360165</a:t>
+                      </a:r>
                     </a:p>
                   </a:txBody>
                   <a:tcPr anchor="ctr">
@@ -11178,10 +11286,43 @@
                     <a:lstStyle/>
                     <a:p>
                       <a:pPr algn="l"/>
-                      <a:endParaRPr lang="en-US" sz="2500" dirty="0">
-                        <a:latin typeface="Times New Roman" panose="02020603050405020304" pitchFamily="18" charset="0"/>
-                        <a:cs typeface="Times New Roman" panose="02020603050405020304" pitchFamily="18" charset="0"/>
-                      </a:endParaRPr>
+                      <a:r>
+                        <a:rPr lang="en-US" sz="2500" dirty="0">
+                          <a:latin typeface="Times New Roman" panose="02020603050405020304" pitchFamily="18" charset="0"/>
+                          <a:cs typeface="Times New Roman" panose="02020603050405020304" pitchFamily="18" charset="0"/>
+                        </a:rPr>
+                        <a:t>accuracy: 0.5955032347014529</a:t>
+                      </a:r>
+                    </a:p>
+                    <a:p>
+                      <a:pPr algn="l"/>
+                      <a:r>
+                        <a:rPr lang="en-US" sz="2500" dirty="0">
+                          <a:latin typeface="Times New Roman" panose="02020603050405020304" pitchFamily="18" charset="0"/>
+                          <a:cs typeface="Times New Roman" panose="02020603050405020304" pitchFamily="18" charset="0"/>
+                        </a:rPr>
+                        <a:t>f1: 0.5979146592650929</a:t>
+                      </a:r>
+                    </a:p>
+                    <a:p>
+                      <a:pPr algn="l"/>
+                      <a:r>
+                        <a:rPr lang="en-US" sz="2500" dirty="0">
+                          <a:latin typeface="Times New Roman" panose="02020603050405020304" pitchFamily="18" charset="0"/>
+                          <a:cs typeface="Times New Roman" panose="02020603050405020304" pitchFamily="18" charset="0"/>
+                        </a:rPr>
+                        <a:t>precision: 0.6005162149442512</a:t>
+                      </a:r>
+                    </a:p>
+                    <a:p>
+                      <a:pPr algn="l"/>
+                      <a:r>
+                        <a:rPr lang="en-US" sz="2500" dirty="0">
+                          <a:latin typeface="Times New Roman" panose="02020603050405020304" pitchFamily="18" charset="0"/>
+                          <a:cs typeface="Times New Roman" panose="02020603050405020304" pitchFamily="18" charset="0"/>
+                        </a:rPr>
+                        <a:t>recall: 0.5955032347014529</a:t>
+                      </a:r>
                     </a:p>
                   </a:txBody>
                   <a:tcPr anchor="ctr">

--- a/Final/Nhom01.pptx
+++ b/Final/Nhom01.pptx
@@ -10144,14 +10144,14 @@
           <p:nvPr>
             <p:extLst>
               <p:ext uri="{D42A27DB-BD31-4B8C-83A1-F6EECF244321}">
-                <p14:modId xmlns:p14="http://schemas.microsoft.com/office/powerpoint/2010/main" val="3948466551"/>
+                <p14:modId xmlns:p14="http://schemas.microsoft.com/office/powerpoint/2010/main" val="2568647230"/>
               </p:ext>
             </p:extLst>
           </p:nvPr>
         </p:nvGraphicFramePr>
         <p:xfrm>
-          <a:off x="2019300" y="2324100"/>
-          <a:ext cx="14249400" cy="6934200"/>
+          <a:off x="1028700" y="1715073"/>
+          <a:ext cx="15011398" cy="8076627"/>
         </p:xfrm>
         <a:graphic>
           <a:graphicData uri="http://schemas.openxmlformats.org/drawingml/2006/table">
@@ -10160,21 +10160,28 @@
                 <a:tableStyleId>{69012ECD-51FC-41F1-AA8D-1B2483CD663E}</a:tableStyleId>
               </a:tblPr>
               <a:tblGrid>
-                <a:gridCol w="4064000">
+                <a:gridCol w="2819574">
                   <a:extLst>
                     <a:ext uri="{9D8B030D-6E8A-4147-A177-3AD203B41FA5}">
                       <a16:colId xmlns:a16="http://schemas.microsoft.com/office/drawing/2014/main" val="556238025"/>
                     </a:ext>
                   </a:extLst>
                 </a:gridCol>
-                <a:gridCol w="5156200">
+                <a:gridCol w="4228926">
                   <a:extLst>
                     <a:ext uri="{9D8B030D-6E8A-4147-A177-3AD203B41FA5}">
                       <a16:colId xmlns:a16="http://schemas.microsoft.com/office/drawing/2014/main" val="2987112441"/>
                     </a:ext>
                   </a:extLst>
                 </a:gridCol>
-                <a:gridCol w="5029200">
+                <a:gridCol w="3200400">
+                  <a:extLst>
+                    <a:ext uri="{9D8B030D-6E8A-4147-A177-3AD203B41FA5}">
+                      <a16:colId xmlns:a16="http://schemas.microsoft.com/office/drawing/2014/main" val="1428620214"/>
+                    </a:ext>
+                  </a:extLst>
+                </a:gridCol>
+                <a:gridCol w="4762498">
                   <a:extLst>
                     <a:ext uri="{9D8B030D-6E8A-4147-A177-3AD203B41FA5}">
                       <a16:colId xmlns:a16="http://schemas.microsoft.com/office/drawing/2014/main" val="3432037616"/>
@@ -10182,7 +10189,7 @@
                   </a:extLst>
                 </a:gridCol>
               </a:tblGrid>
-              <a:tr h="370840">
+              <a:tr h="361445">
                 <a:tc>
                   <a:txBody>
                     <a:bodyPr/>
@@ -10190,7 +10197,7 @@
                     <a:p>
                       <a:pPr algn="ctr"/>
                       <a:r>
-                        <a:rPr lang="en-US" sz="2500" dirty="0">
+                        <a:rPr lang="en-US" sz="2000" dirty="0">
                           <a:solidFill>
                             <a:schemeClr val="bg1"/>
                           </a:solidFill>
@@ -10250,7 +10257,7 @@
                     <a:p>
                       <a:pPr algn="ctr"/>
                       <a:r>
-                        <a:rPr lang="en-US" sz="2500" dirty="0">
+                        <a:rPr lang="en-US" sz="2000" dirty="0">
                           <a:solidFill>
                             <a:schemeClr val="bg1"/>
                           </a:solidFill>
@@ -10310,7 +10317,67 @@
                     <a:p>
                       <a:pPr algn="ctr"/>
                       <a:r>
-                        <a:rPr lang="en-US" sz="2500" dirty="0">
+                        <a:rPr lang="en-US" sz="2000" dirty="0">
+                          <a:solidFill>
+                            <a:schemeClr val="bg1"/>
+                          </a:solidFill>
+                          <a:latin typeface="Times New Roman" panose="02020603050405020304" pitchFamily="18" charset="0"/>
+                          <a:cs typeface="Times New Roman" panose="02020603050405020304" pitchFamily="18" charset="0"/>
+                        </a:rPr>
+                        <a:t>SIÊU THAM SỐ</a:t>
+                      </a:r>
+                    </a:p>
+                  </a:txBody>
+                  <a:tcPr>
+                    <a:lnL w="12700" cap="flat" cmpd="sng" algn="ctr">
+                      <a:solidFill>
+                        <a:schemeClr val="tx1"/>
+                      </a:solidFill>
+                      <a:prstDash val="solid"/>
+                      <a:round/>
+                      <a:headEnd type="none" w="med" len="med"/>
+                      <a:tailEnd type="none" w="med" len="med"/>
+                    </a:lnL>
+                    <a:lnR w="12700" cap="flat" cmpd="sng" algn="ctr">
+                      <a:solidFill>
+                        <a:schemeClr val="tx1"/>
+                      </a:solidFill>
+                      <a:prstDash val="solid"/>
+                      <a:round/>
+                      <a:headEnd type="none" w="med" len="med"/>
+                      <a:tailEnd type="none" w="med" len="med"/>
+                    </a:lnR>
+                    <a:lnT w="12700" cap="flat" cmpd="sng" algn="ctr">
+                      <a:solidFill>
+                        <a:schemeClr val="tx1"/>
+                      </a:solidFill>
+                      <a:prstDash val="solid"/>
+                      <a:round/>
+                      <a:headEnd type="none" w="med" len="med"/>
+                      <a:tailEnd type="none" w="med" len="med"/>
+                    </a:lnT>
+                    <a:lnB w="12700" cap="flat" cmpd="sng" algn="ctr">
+                      <a:solidFill>
+                        <a:schemeClr val="tx1"/>
+                      </a:solidFill>
+                      <a:prstDash val="solid"/>
+                      <a:round/>
+                      <a:headEnd type="none" w="med" len="med"/>
+                      <a:tailEnd type="none" w="med" len="med"/>
+                    </a:lnB>
+                    <a:solidFill>
+                      <a:srgbClr val="8AABCA"/>
+                    </a:solidFill>
+                  </a:tcPr>
+                </a:tc>
+                <a:tc>
+                  <a:txBody>
+                    <a:bodyPr/>
+                    <a:lstStyle/>
+                    <a:p>
+                      <a:pPr algn="ctr"/>
+                      <a:r>
+                        <a:rPr lang="en-US" sz="2000" dirty="0">
                           <a:solidFill>
                             <a:schemeClr val="bg1"/>
                           </a:solidFill>
@@ -10369,7 +10436,7 @@
                   </a:ext>
                 </a:extLst>
               </a:tr>
-              <a:tr h="370840">
+              <a:tr h="1785498">
                 <a:tc>
                   <a:txBody>
                     <a:bodyPr/>
@@ -10377,41 +10444,41 @@
                     <a:p>
                       <a:pPr algn="ctr"/>
                       <a:r>
-                        <a:rPr lang="en-US" sz="2500" dirty="0" err="1">
+                        <a:rPr lang="en-US" sz="2000" dirty="0" err="1">
                           <a:latin typeface="Times New Roman" panose="02020603050405020304" pitchFamily="18" charset="0"/>
                           <a:cs typeface="Times New Roman" panose="02020603050405020304" pitchFamily="18" charset="0"/>
                         </a:rPr>
                         <a:t>Cây</a:t>
                       </a:r>
                       <a:r>
-                        <a:rPr lang="en-US" sz="2500" dirty="0">
+                        <a:rPr lang="en-US" sz="2000" dirty="0">
                           <a:latin typeface="Times New Roman" panose="02020603050405020304" pitchFamily="18" charset="0"/>
                           <a:cs typeface="Times New Roman" panose="02020603050405020304" pitchFamily="18" charset="0"/>
                         </a:rPr>
                         <a:t> </a:t>
                       </a:r>
                       <a:r>
-                        <a:rPr lang="en-US" sz="2500" dirty="0" err="1">
+                        <a:rPr lang="en-US" sz="2000" dirty="0" err="1">
                           <a:latin typeface="Times New Roman" panose="02020603050405020304" pitchFamily="18" charset="0"/>
                           <a:cs typeface="Times New Roman" panose="02020603050405020304" pitchFamily="18" charset="0"/>
                         </a:rPr>
                         <a:t>quyết</a:t>
                       </a:r>
                       <a:r>
-                        <a:rPr lang="en-US" sz="2500" dirty="0">
+                        <a:rPr lang="en-US" sz="2000" dirty="0">
                           <a:latin typeface="Times New Roman" panose="02020603050405020304" pitchFamily="18" charset="0"/>
                           <a:cs typeface="Times New Roman" panose="02020603050405020304" pitchFamily="18" charset="0"/>
                         </a:rPr>
                         <a:t> </a:t>
                       </a:r>
                       <a:r>
-                        <a:rPr lang="en-US" sz="2500" dirty="0" err="1">
+                        <a:rPr lang="en-US" sz="2000" dirty="0" err="1">
                           <a:latin typeface="Times New Roman" panose="02020603050405020304" pitchFamily="18" charset="0"/>
                           <a:cs typeface="Times New Roman" panose="02020603050405020304" pitchFamily="18" charset="0"/>
                         </a:rPr>
                         <a:t>định</a:t>
                       </a:r>
-                      <a:endParaRPr lang="en-US" sz="2500" dirty="0">
+                      <a:endParaRPr lang="en-US" sz="2000" dirty="0">
                         <a:latin typeface="Times New Roman" panose="02020603050405020304" pitchFamily="18" charset="0"/>
                         <a:cs typeface="Times New Roman" panose="02020603050405020304" pitchFamily="18" charset="0"/>
                       </a:endParaRPr>
@@ -10463,7 +10530,7 @@
                     <a:p>
                       <a:pPr algn="l"/>
                       <a:r>
-                        <a:rPr lang="en-US" sz="2500" dirty="0">
+                        <a:rPr lang="en-US" sz="2000" dirty="0">
                           <a:latin typeface="Times New Roman" panose="02020603050405020304" pitchFamily="18" charset="0"/>
                           <a:cs typeface="Times New Roman" panose="02020603050405020304" pitchFamily="18" charset="0"/>
                         </a:rPr>
@@ -10473,7 +10540,7 @@
                     <a:p>
                       <a:pPr algn="l"/>
                       <a:r>
-                        <a:rPr lang="en-US" sz="2500" dirty="0">
+                        <a:rPr lang="en-US" sz="2000" dirty="0">
                           <a:latin typeface="Times New Roman" panose="02020603050405020304" pitchFamily="18" charset="0"/>
                           <a:cs typeface="Times New Roman" panose="02020603050405020304" pitchFamily="18" charset="0"/>
                         </a:rPr>
@@ -10483,7 +10550,7 @@
                     <a:p>
                       <a:pPr algn="l"/>
                       <a:r>
-                        <a:rPr lang="en-US" sz="2500" dirty="0">
+                        <a:rPr lang="en-US" sz="2000" dirty="0">
                           <a:latin typeface="Times New Roman" panose="02020603050405020304" pitchFamily="18" charset="0"/>
                           <a:cs typeface="Times New Roman" panose="02020603050405020304" pitchFamily="18" charset="0"/>
                         </a:rPr>
@@ -10493,7 +10560,7 @@
                     <a:p>
                       <a:pPr algn="l"/>
                       <a:r>
-                        <a:rPr lang="en-US" sz="2500" dirty="0">
+                        <a:rPr lang="en-US" sz="2000" dirty="0">
                           <a:latin typeface="Times New Roman" panose="02020603050405020304" pitchFamily="18" charset="0"/>
                           <a:cs typeface="Times New Roman" panose="02020603050405020304" pitchFamily="18" charset="0"/>
                         </a:rPr>
@@ -10547,7 +10614,102 @@
                     <a:p>
                       <a:pPr algn="l"/>
                       <a:r>
-                        <a:rPr lang="en-US" sz="2500" dirty="0">
+                        <a:rPr lang="en-US" sz="2000" dirty="0" err="1">
+                          <a:latin typeface="Times New Roman" panose="02020603050405020304" pitchFamily="18" charset="0"/>
+                          <a:cs typeface="Times New Roman" panose="02020603050405020304" pitchFamily="18" charset="0"/>
+                        </a:rPr>
+                        <a:t>maxDepth</a:t>
+                      </a:r>
+                      <a:r>
+                        <a:rPr lang="en-US" sz="2000" dirty="0">
+                          <a:latin typeface="Times New Roman" panose="02020603050405020304" pitchFamily="18" charset="0"/>
+                          <a:cs typeface="Times New Roman" panose="02020603050405020304" pitchFamily="18" charset="0"/>
+                        </a:rPr>
+                        <a:t>:  12</a:t>
+                      </a:r>
+                    </a:p>
+                    <a:p>
+                      <a:pPr algn="l"/>
+                      <a:r>
+                        <a:rPr lang="en-US" sz="2000" dirty="0" err="1">
+                          <a:latin typeface="Times New Roman" panose="02020603050405020304" pitchFamily="18" charset="0"/>
+                          <a:cs typeface="Times New Roman" panose="02020603050405020304" pitchFamily="18" charset="0"/>
+                        </a:rPr>
+                        <a:t>minInstancesPerNode</a:t>
+                      </a:r>
+                      <a:r>
+                        <a:rPr lang="en-US" sz="2000" dirty="0">
+                          <a:latin typeface="Times New Roman" panose="02020603050405020304" pitchFamily="18" charset="0"/>
+                          <a:cs typeface="Times New Roman" panose="02020603050405020304" pitchFamily="18" charset="0"/>
+                        </a:rPr>
+                        <a:t>:  5</a:t>
+                      </a:r>
+                    </a:p>
+                    <a:p>
+                      <a:pPr algn="l"/>
+                      <a:r>
+                        <a:rPr lang="en-US" sz="2000" dirty="0" err="1">
+                          <a:latin typeface="Times New Roman" panose="02020603050405020304" pitchFamily="18" charset="0"/>
+                          <a:cs typeface="Times New Roman" panose="02020603050405020304" pitchFamily="18" charset="0"/>
+                        </a:rPr>
+                        <a:t>maxBin</a:t>
+                      </a:r>
+                      <a:r>
+                        <a:rPr lang="en-US" sz="2000" dirty="0">
+                          <a:latin typeface="Times New Roman" panose="02020603050405020304" pitchFamily="18" charset="0"/>
+                          <a:cs typeface="Times New Roman" panose="02020603050405020304" pitchFamily="18" charset="0"/>
+                        </a:rPr>
+                        <a:t>:  400</a:t>
+                      </a:r>
+                    </a:p>
+                  </a:txBody>
+                  <a:tcPr anchor="ctr">
+                    <a:lnL w="12700" cap="flat" cmpd="sng" algn="ctr">
+                      <a:solidFill>
+                        <a:schemeClr val="tx1"/>
+                      </a:solidFill>
+                      <a:prstDash val="solid"/>
+                      <a:round/>
+                      <a:headEnd type="none" w="med" len="med"/>
+                      <a:tailEnd type="none" w="med" len="med"/>
+                    </a:lnL>
+                    <a:lnR w="12700" cap="flat" cmpd="sng" algn="ctr">
+                      <a:solidFill>
+                        <a:schemeClr val="tx1"/>
+                      </a:solidFill>
+                      <a:prstDash val="solid"/>
+                      <a:round/>
+                      <a:headEnd type="none" w="med" len="med"/>
+                      <a:tailEnd type="none" w="med" len="med"/>
+                    </a:lnR>
+                    <a:lnT w="12700" cap="flat" cmpd="sng" algn="ctr">
+                      <a:solidFill>
+                        <a:schemeClr val="tx1"/>
+                      </a:solidFill>
+                      <a:prstDash val="solid"/>
+                      <a:round/>
+                      <a:headEnd type="none" w="med" len="med"/>
+                      <a:tailEnd type="none" w="med" len="med"/>
+                    </a:lnT>
+                    <a:lnB w="12700" cap="flat" cmpd="sng" algn="ctr">
+                      <a:solidFill>
+                        <a:schemeClr val="tx1"/>
+                      </a:solidFill>
+                      <a:prstDash val="solid"/>
+                      <a:round/>
+                      <a:headEnd type="none" w="med" len="med"/>
+                      <a:tailEnd type="none" w="med" len="med"/>
+                    </a:lnB>
+                  </a:tcPr>
+                </a:tc>
+                <a:tc>
+                  <a:txBody>
+                    <a:bodyPr/>
+                    <a:lstStyle/>
+                    <a:p>
+                      <a:pPr algn="l"/>
+                      <a:r>
+                        <a:rPr lang="en-US" sz="2000" dirty="0">
                           <a:latin typeface="Times New Roman" panose="02020603050405020304" pitchFamily="18" charset="0"/>
                           <a:cs typeface="Times New Roman" panose="02020603050405020304" pitchFamily="18" charset="0"/>
                         </a:rPr>
@@ -10557,7 +10719,7 @@
                     <a:p>
                       <a:pPr algn="l"/>
                       <a:r>
-                        <a:rPr lang="en-US" sz="2500" dirty="0">
+                        <a:rPr lang="en-US" sz="2000" dirty="0">
                           <a:latin typeface="Times New Roman" panose="02020603050405020304" pitchFamily="18" charset="0"/>
                           <a:cs typeface="Times New Roman" panose="02020603050405020304" pitchFamily="18" charset="0"/>
                         </a:rPr>
@@ -10567,7 +10729,7 @@
                     <a:p>
                       <a:pPr algn="l"/>
                       <a:r>
-                        <a:rPr lang="en-US" sz="2500" dirty="0">
+                        <a:rPr lang="en-US" sz="2000" dirty="0">
                           <a:latin typeface="Times New Roman" panose="02020603050405020304" pitchFamily="18" charset="0"/>
                           <a:cs typeface="Times New Roman" panose="02020603050405020304" pitchFamily="18" charset="0"/>
                         </a:rPr>
@@ -10577,7 +10739,7 @@
                     <a:p>
                       <a:pPr algn="l"/>
                       <a:r>
-                        <a:rPr lang="en-US" sz="2500" dirty="0">
+                        <a:rPr lang="en-US" sz="2000" dirty="0">
                           <a:latin typeface="Times New Roman" panose="02020603050405020304" pitchFamily="18" charset="0"/>
                           <a:cs typeface="Times New Roman" panose="02020603050405020304" pitchFamily="18" charset="0"/>
                         </a:rPr>
@@ -10630,7 +10792,7 @@
                   </a:ext>
                 </a:extLst>
               </a:tr>
-              <a:tr h="370840">
+              <a:tr h="2071635">
                 <a:tc>
                   <a:txBody>
                     <a:bodyPr/>
@@ -10638,28 +10800,28 @@
                     <a:p>
                       <a:pPr algn="ctr"/>
                       <a:r>
-                        <a:rPr lang="en-US" sz="2500" dirty="0" err="1">
+                        <a:rPr lang="en-US" sz="2000" dirty="0" err="1">
                           <a:latin typeface="Times New Roman" panose="02020603050405020304" pitchFamily="18" charset="0"/>
                           <a:cs typeface="Times New Roman" panose="02020603050405020304" pitchFamily="18" charset="0"/>
                         </a:rPr>
                         <a:t>Hồi</a:t>
                       </a:r>
                       <a:r>
-                        <a:rPr lang="en-US" sz="2500" dirty="0">
+                        <a:rPr lang="en-US" sz="2000" dirty="0">
                           <a:latin typeface="Times New Roman" panose="02020603050405020304" pitchFamily="18" charset="0"/>
                           <a:cs typeface="Times New Roman" panose="02020603050405020304" pitchFamily="18" charset="0"/>
                         </a:rPr>
                         <a:t> </a:t>
                       </a:r>
                       <a:r>
-                        <a:rPr lang="en-US" sz="2500" dirty="0" err="1">
+                        <a:rPr lang="en-US" sz="2000" dirty="0" err="1">
                           <a:latin typeface="Times New Roman" panose="02020603050405020304" pitchFamily="18" charset="0"/>
                           <a:cs typeface="Times New Roman" panose="02020603050405020304" pitchFamily="18" charset="0"/>
                         </a:rPr>
                         <a:t>quy</a:t>
                       </a:r>
                       <a:r>
-                        <a:rPr lang="en-US" sz="2500" dirty="0">
+                        <a:rPr lang="en-US" sz="2000" dirty="0">
                           <a:latin typeface="Times New Roman" panose="02020603050405020304" pitchFamily="18" charset="0"/>
                           <a:cs typeface="Times New Roman" panose="02020603050405020304" pitchFamily="18" charset="0"/>
                         </a:rPr>
@@ -10713,7 +10875,7 @@
                     <a:p>
                       <a:pPr algn="l"/>
                       <a:r>
-                        <a:rPr lang="en-US" sz="2500" dirty="0">
+                        <a:rPr lang="en-US" sz="2000" dirty="0">
                           <a:latin typeface="Times New Roman" panose="02020603050405020304" pitchFamily="18" charset="0"/>
                           <a:cs typeface="Times New Roman" panose="02020603050405020304" pitchFamily="18" charset="0"/>
                         </a:rPr>
@@ -10723,7 +10885,7 @@
                     <a:p>
                       <a:pPr algn="l"/>
                       <a:r>
-                        <a:rPr lang="en-US" sz="2500" dirty="0">
+                        <a:rPr lang="en-US" sz="2000" dirty="0">
                           <a:latin typeface="Times New Roman" panose="02020603050405020304" pitchFamily="18" charset="0"/>
                           <a:cs typeface="Times New Roman" panose="02020603050405020304" pitchFamily="18" charset="0"/>
                         </a:rPr>
@@ -10733,7 +10895,7 @@
                     <a:p>
                       <a:pPr algn="l"/>
                       <a:r>
-                        <a:rPr lang="en-US" sz="2500" dirty="0">
+                        <a:rPr lang="en-US" sz="2000" dirty="0">
                           <a:latin typeface="Times New Roman" panose="02020603050405020304" pitchFamily="18" charset="0"/>
                           <a:cs typeface="Times New Roman" panose="02020603050405020304" pitchFamily="18" charset="0"/>
                         </a:rPr>
@@ -10743,7 +10905,7 @@
                     <a:p>
                       <a:pPr algn="l"/>
                       <a:r>
-                        <a:rPr lang="en-US" sz="2500" dirty="0">
+                        <a:rPr lang="en-US" sz="2000" dirty="0">
                           <a:latin typeface="Times New Roman" panose="02020603050405020304" pitchFamily="18" charset="0"/>
                           <a:cs typeface="Times New Roman" panose="02020603050405020304" pitchFamily="18" charset="0"/>
                         </a:rPr>
@@ -10797,7 +10959,85 @@
                     <a:p>
                       <a:pPr algn="l"/>
                       <a:r>
-                        <a:rPr lang="en-US" sz="2500" dirty="0">
+                        <a:rPr lang="en-US" sz="2000" dirty="0" err="1">
+                          <a:latin typeface="Times New Roman" panose="02020603050405020304" pitchFamily="18" charset="0"/>
+                          <a:cs typeface="Times New Roman" panose="02020603050405020304" pitchFamily="18" charset="0"/>
+                        </a:rPr>
+                        <a:t>regParam</a:t>
+                      </a:r>
+                      <a:r>
+                        <a:rPr lang="en-US" sz="2000" dirty="0">
+                          <a:latin typeface="Times New Roman" panose="02020603050405020304" pitchFamily="18" charset="0"/>
+                          <a:cs typeface="Times New Roman" panose="02020603050405020304" pitchFamily="18" charset="0"/>
+                        </a:rPr>
+                        <a:t>:  0.1</a:t>
+                      </a:r>
+                    </a:p>
+                    <a:p>
+                      <a:pPr algn="l"/>
+                      <a:r>
+                        <a:rPr lang="en-US" sz="2000" dirty="0" err="1">
+                          <a:latin typeface="Times New Roman" panose="02020603050405020304" pitchFamily="18" charset="0"/>
+                          <a:cs typeface="Times New Roman" panose="02020603050405020304" pitchFamily="18" charset="0"/>
+                        </a:rPr>
+                        <a:t>elasticNetParam</a:t>
+                      </a:r>
+                      <a:r>
+                        <a:rPr lang="en-US" sz="2000" dirty="0">
+                          <a:latin typeface="Times New Roman" panose="02020603050405020304" pitchFamily="18" charset="0"/>
+                          <a:cs typeface="Times New Roman" panose="02020603050405020304" pitchFamily="18" charset="0"/>
+                        </a:rPr>
+                        <a:t>:  0.1</a:t>
+                      </a:r>
+                    </a:p>
+                  </a:txBody>
+                  <a:tcPr anchor="ctr">
+                    <a:lnL w="12700" cap="flat" cmpd="sng" algn="ctr">
+                      <a:solidFill>
+                        <a:schemeClr val="tx1"/>
+                      </a:solidFill>
+                      <a:prstDash val="solid"/>
+                      <a:round/>
+                      <a:headEnd type="none" w="med" len="med"/>
+                      <a:tailEnd type="none" w="med" len="med"/>
+                    </a:lnL>
+                    <a:lnR w="12700" cap="flat" cmpd="sng" algn="ctr">
+                      <a:solidFill>
+                        <a:schemeClr val="tx1"/>
+                      </a:solidFill>
+                      <a:prstDash val="solid"/>
+                      <a:round/>
+                      <a:headEnd type="none" w="med" len="med"/>
+                      <a:tailEnd type="none" w="med" len="med"/>
+                    </a:lnR>
+                    <a:lnT w="12700" cap="flat" cmpd="sng" algn="ctr">
+                      <a:solidFill>
+                        <a:schemeClr val="tx1"/>
+                      </a:solidFill>
+                      <a:prstDash val="solid"/>
+                      <a:round/>
+                      <a:headEnd type="none" w="med" len="med"/>
+                      <a:tailEnd type="none" w="med" len="med"/>
+                    </a:lnT>
+                    <a:lnB w="12700" cap="flat" cmpd="sng" algn="ctr">
+                      <a:solidFill>
+                        <a:schemeClr val="tx1"/>
+                      </a:solidFill>
+                      <a:prstDash val="solid"/>
+                      <a:round/>
+                      <a:headEnd type="none" w="med" len="med"/>
+                      <a:tailEnd type="none" w="med" len="med"/>
+                    </a:lnB>
+                  </a:tcPr>
+                </a:tc>
+                <a:tc>
+                  <a:txBody>
+                    <a:bodyPr/>
+                    <a:lstStyle/>
+                    <a:p>
+                      <a:pPr algn="l"/>
+                      <a:r>
+                        <a:rPr lang="en-US" sz="2000" dirty="0">
                           <a:latin typeface="Times New Roman" panose="02020603050405020304" pitchFamily="18" charset="0"/>
                           <a:cs typeface="Times New Roman" panose="02020603050405020304" pitchFamily="18" charset="0"/>
                         </a:rPr>
@@ -10807,7 +11047,7 @@
                     <a:p>
                       <a:pPr algn="l"/>
                       <a:r>
-                        <a:rPr lang="en-US" sz="2500" dirty="0">
+                        <a:rPr lang="en-US" sz="2000" dirty="0">
                           <a:latin typeface="Times New Roman" panose="02020603050405020304" pitchFamily="18" charset="0"/>
                           <a:cs typeface="Times New Roman" panose="02020603050405020304" pitchFamily="18" charset="0"/>
                         </a:rPr>
@@ -10817,7 +11057,7 @@
                     <a:p>
                       <a:pPr algn="l"/>
                       <a:r>
-                        <a:rPr lang="en-US" sz="2500" dirty="0">
+                        <a:rPr lang="en-US" sz="2000" dirty="0">
                           <a:latin typeface="Times New Roman" panose="02020603050405020304" pitchFamily="18" charset="0"/>
                           <a:cs typeface="Times New Roman" panose="02020603050405020304" pitchFamily="18" charset="0"/>
                         </a:rPr>
@@ -10827,7 +11067,7 @@
                     <a:p>
                       <a:pPr algn="l"/>
                       <a:r>
-                        <a:rPr lang="en-US" sz="2500" dirty="0">
+                        <a:rPr lang="en-US" sz="2000" dirty="0">
                           <a:latin typeface="Times New Roman" panose="02020603050405020304" pitchFamily="18" charset="0"/>
                           <a:cs typeface="Times New Roman" panose="02020603050405020304" pitchFamily="18" charset="0"/>
                         </a:rPr>
@@ -10880,7 +11120,7 @@
                   </a:ext>
                 </a:extLst>
               </a:tr>
-              <a:tr h="370840">
+              <a:tr h="1751619">
                 <a:tc>
                   <a:txBody>
                     <a:bodyPr/>
@@ -10888,41 +11128,41 @@
                     <a:p>
                       <a:pPr algn="ctr"/>
                       <a:r>
-                        <a:rPr lang="en-US" sz="2500" dirty="0" err="1">
+                        <a:rPr lang="en-US" sz="2000" dirty="0" err="1">
                           <a:latin typeface="Times New Roman" panose="02020603050405020304" pitchFamily="18" charset="0"/>
                           <a:cs typeface="Times New Roman" panose="02020603050405020304" pitchFamily="18" charset="0"/>
                         </a:rPr>
                         <a:t>Rừng</a:t>
                       </a:r>
                       <a:r>
-                        <a:rPr lang="en-US" sz="2500" dirty="0">
+                        <a:rPr lang="en-US" sz="2000" dirty="0">
                           <a:latin typeface="Times New Roman" panose="02020603050405020304" pitchFamily="18" charset="0"/>
                           <a:cs typeface="Times New Roman" panose="02020603050405020304" pitchFamily="18" charset="0"/>
                         </a:rPr>
                         <a:t> </a:t>
                       </a:r>
                       <a:r>
-                        <a:rPr lang="en-US" sz="2500" dirty="0" err="1">
+                        <a:rPr lang="en-US" sz="2000" dirty="0" err="1">
                           <a:latin typeface="Times New Roman" panose="02020603050405020304" pitchFamily="18" charset="0"/>
                           <a:cs typeface="Times New Roman" panose="02020603050405020304" pitchFamily="18" charset="0"/>
                         </a:rPr>
                         <a:t>ngẫu</a:t>
                       </a:r>
                       <a:r>
-                        <a:rPr lang="en-US" sz="2500" dirty="0">
+                        <a:rPr lang="en-US" sz="2000" dirty="0">
                           <a:latin typeface="Times New Roman" panose="02020603050405020304" pitchFamily="18" charset="0"/>
                           <a:cs typeface="Times New Roman" panose="02020603050405020304" pitchFamily="18" charset="0"/>
                         </a:rPr>
                         <a:t> </a:t>
                       </a:r>
                       <a:r>
-                        <a:rPr lang="en-US" sz="2500" dirty="0" err="1">
+                        <a:rPr lang="en-US" sz="2000" dirty="0" err="1">
                           <a:latin typeface="Times New Roman" panose="02020603050405020304" pitchFamily="18" charset="0"/>
                           <a:cs typeface="Times New Roman" panose="02020603050405020304" pitchFamily="18" charset="0"/>
                         </a:rPr>
                         <a:t>nhiên</a:t>
                       </a:r>
-                      <a:endParaRPr lang="en-US" sz="2500" dirty="0">
+                      <a:endParaRPr lang="en-US" sz="2000" dirty="0">
                         <a:latin typeface="Times New Roman" panose="02020603050405020304" pitchFamily="18" charset="0"/>
                         <a:cs typeface="Times New Roman" panose="02020603050405020304" pitchFamily="18" charset="0"/>
                       </a:endParaRPr>
@@ -10974,7 +11214,7 @@
                     <a:p>
                       <a:pPr algn="l"/>
                       <a:r>
-                        <a:rPr lang="en-US" sz="2500" dirty="0">
+                        <a:rPr lang="en-US" sz="2000" dirty="0">
                           <a:latin typeface="Times New Roman" panose="02020603050405020304" pitchFamily="18" charset="0"/>
                           <a:cs typeface="Times New Roman" panose="02020603050405020304" pitchFamily="18" charset="0"/>
                         </a:rPr>
@@ -10984,7 +11224,7 @@
                     <a:p>
                       <a:pPr algn="l"/>
                       <a:r>
-                        <a:rPr lang="en-US" sz="2500" dirty="0">
+                        <a:rPr lang="en-US" sz="2000" dirty="0">
                           <a:latin typeface="Times New Roman" panose="02020603050405020304" pitchFamily="18" charset="0"/>
                           <a:cs typeface="Times New Roman" panose="02020603050405020304" pitchFamily="18" charset="0"/>
                         </a:rPr>
@@ -10994,7 +11234,7 @@
                     <a:p>
                       <a:pPr algn="l"/>
                       <a:r>
-                        <a:rPr lang="en-US" sz="2500" dirty="0">
+                        <a:rPr lang="en-US" sz="2000" dirty="0">
                           <a:latin typeface="Times New Roman" panose="02020603050405020304" pitchFamily="18" charset="0"/>
                           <a:cs typeface="Times New Roman" panose="02020603050405020304" pitchFamily="18" charset="0"/>
                         </a:rPr>
@@ -11004,7 +11244,7 @@
                     <a:p>
                       <a:pPr algn="l"/>
                       <a:r>
-                        <a:rPr lang="en-US" sz="2500" dirty="0">
+                        <a:rPr lang="en-US" sz="2000" dirty="0">
                           <a:latin typeface="Times New Roman" panose="02020603050405020304" pitchFamily="18" charset="0"/>
                           <a:cs typeface="Times New Roman" panose="02020603050405020304" pitchFamily="18" charset="0"/>
                         </a:rPr>
@@ -11058,7 +11298,85 @@
                     <a:p>
                       <a:pPr algn="l"/>
                       <a:r>
-                        <a:rPr lang="en-US" sz="2500" dirty="0">
+                        <a:rPr lang="en-US" sz="2000" dirty="0" err="1">
+                          <a:latin typeface="Times New Roman" panose="02020603050405020304" pitchFamily="18" charset="0"/>
+                          <a:cs typeface="Times New Roman" panose="02020603050405020304" pitchFamily="18" charset="0"/>
+                        </a:rPr>
+                        <a:t>maxDepth</a:t>
+                      </a:r>
+                      <a:r>
+                        <a:rPr lang="en-US" sz="2000" dirty="0">
+                          <a:latin typeface="Times New Roman" panose="02020603050405020304" pitchFamily="18" charset="0"/>
+                          <a:cs typeface="Times New Roman" panose="02020603050405020304" pitchFamily="18" charset="0"/>
+                        </a:rPr>
+                        <a:t>:  15</a:t>
+                      </a:r>
+                    </a:p>
+                    <a:p>
+                      <a:pPr algn="l"/>
+                      <a:r>
+                        <a:rPr lang="en-US" sz="2000" dirty="0" err="1">
+                          <a:latin typeface="Times New Roman" panose="02020603050405020304" pitchFamily="18" charset="0"/>
+                          <a:cs typeface="Times New Roman" panose="02020603050405020304" pitchFamily="18" charset="0"/>
+                        </a:rPr>
+                        <a:t>numTrees</a:t>
+                      </a:r>
+                      <a:r>
+                        <a:rPr lang="en-US" sz="2000" dirty="0">
+                          <a:latin typeface="Times New Roman" panose="02020603050405020304" pitchFamily="18" charset="0"/>
+                          <a:cs typeface="Times New Roman" panose="02020603050405020304" pitchFamily="18" charset="0"/>
+                        </a:rPr>
+                        <a:t>:  5</a:t>
+                      </a:r>
+                    </a:p>
+                  </a:txBody>
+                  <a:tcPr anchor="ctr">
+                    <a:lnL w="12700" cap="flat" cmpd="sng" algn="ctr">
+                      <a:solidFill>
+                        <a:schemeClr val="tx1"/>
+                      </a:solidFill>
+                      <a:prstDash val="solid"/>
+                      <a:round/>
+                      <a:headEnd type="none" w="med" len="med"/>
+                      <a:tailEnd type="none" w="med" len="med"/>
+                    </a:lnL>
+                    <a:lnR w="12700" cap="flat" cmpd="sng" algn="ctr">
+                      <a:solidFill>
+                        <a:schemeClr val="tx1"/>
+                      </a:solidFill>
+                      <a:prstDash val="solid"/>
+                      <a:round/>
+                      <a:headEnd type="none" w="med" len="med"/>
+                      <a:tailEnd type="none" w="med" len="med"/>
+                    </a:lnR>
+                    <a:lnT w="12700" cap="flat" cmpd="sng" algn="ctr">
+                      <a:solidFill>
+                        <a:schemeClr val="tx1"/>
+                      </a:solidFill>
+                      <a:prstDash val="solid"/>
+                      <a:round/>
+                      <a:headEnd type="none" w="med" len="med"/>
+                      <a:tailEnd type="none" w="med" len="med"/>
+                    </a:lnT>
+                    <a:lnB w="12700" cap="flat" cmpd="sng" algn="ctr">
+                      <a:solidFill>
+                        <a:schemeClr val="tx1"/>
+                      </a:solidFill>
+                      <a:prstDash val="solid"/>
+                      <a:round/>
+                      <a:headEnd type="none" w="med" len="med"/>
+                      <a:tailEnd type="none" w="med" len="med"/>
+                    </a:lnB>
+                  </a:tcPr>
+                </a:tc>
+                <a:tc>
+                  <a:txBody>
+                    <a:bodyPr/>
+                    <a:lstStyle/>
+                    <a:p>
+                      <a:pPr algn="l"/>
+                      <a:r>
+                        <a:rPr lang="en-US" sz="2000" dirty="0">
                           <a:latin typeface="Times New Roman" panose="02020603050405020304" pitchFamily="18" charset="0"/>
                           <a:cs typeface="Times New Roman" panose="02020603050405020304" pitchFamily="18" charset="0"/>
                         </a:rPr>
@@ -11068,7 +11386,7 @@
                     <a:p>
                       <a:pPr algn="l"/>
                       <a:r>
-                        <a:rPr lang="en-US" sz="2500" dirty="0">
+                        <a:rPr lang="en-US" sz="2000" dirty="0">
                           <a:latin typeface="Times New Roman" panose="02020603050405020304" pitchFamily="18" charset="0"/>
                           <a:cs typeface="Times New Roman" panose="02020603050405020304" pitchFamily="18" charset="0"/>
                         </a:rPr>
@@ -11078,7 +11396,7 @@
                     <a:p>
                       <a:pPr algn="l"/>
                       <a:r>
-                        <a:rPr lang="en-US" sz="2500" dirty="0">
+                        <a:rPr lang="en-US" sz="2000" dirty="0">
                           <a:latin typeface="Times New Roman" panose="02020603050405020304" pitchFamily="18" charset="0"/>
                           <a:cs typeface="Times New Roman" panose="02020603050405020304" pitchFamily="18" charset="0"/>
                         </a:rPr>
@@ -11088,7 +11406,7 @@
                     <a:p>
                       <a:pPr algn="l"/>
                       <a:r>
-                        <a:rPr lang="en-US" sz="2500" dirty="0">
+                        <a:rPr lang="en-US" sz="2000" dirty="0">
                           <a:latin typeface="Times New Roman" panose="02020603050405020304" pitchFamily="18" charset="0"/>
                           <a:cs typeface="Times New Roman" panose="02020603050405020304" pitchFamily="18" charset="0"/>
                         </a:rPr>
@@ -11141,7 +11459,7 @@
                   </a:ext>
                 </a:extLst>
               </a:tr>
-              <a:tr h="370840">
+              <a:tr h="2071635">
                 <a:tc>
                   <a:txBody>
                     <a:bodyPr/>
@@ -11149,7 +11467,7 @@
                     <a:p>
                       <a:pPr algn="ctr"/>
                       <a:r>
-                        <a:rPr lang="en-US" sz="2500" dirty="0">
+                        <a:rPr lang="en-US" sz="2000" dirty="0">
                           <a:latin typeface="Times New Roman" panose="02020603050405020304" pitchFamily="18" charset="0"/>
                           <a:cs typeface="Times New Roman" panose="02020603050405020304" pitchFamily="18" charset="0"/>
                         </a:rPr>
@@ -11203,7 +11521,7 @@
                     <a:p>
                       <a:pPr algn="l"/>
                       <a:r>
-                        <a:rPr lang="en-US" sz="2500" dirty="0">
+                        <a:rPr lang="en-US" sz="2000" dirty="0">
                           <a:latin typeface="Times New Roman" panose="02020603050405020304" pitchFamily="18" charset="0"/>
                           <a:cs typeface="Times New Roman" panose="02020603050405020304" pitchFamily="18" charset="0"/>
                         </a:rPr>
@@ -11213,7 +11531,7 @@
                     <a:p>
                       <a:pPr algn="l"/>
                       <a:r>
-                        <a:rPr lang="en-US" sz="2500" dirty="0">
+                        <a:rPr lang="en-US" sz="2000" dirty="0">
                           <a:latin typeface="Times New Roman" panose="02020603050405020304" pitchFamily="18" charset="0"/>
                           <a:cs typeface="Times New Roman" panose="02020603050405020304" pitchFamily="18" charset="0"/>
                         </a:rPr>
@@ -11223,7 +11541,7 @@
                     <a:p>
                       <a:pPr algn="l"/>
                       <a:r>
-                        <a:rPr lang="en-US" sz="2500" dirty="0">
+                        <a:rPr lang="en-US" sz="2000" dirty="0">
                           <a:latin typeface="Times New Roman" panose="02020603050405020304" pitchFamily="18" charset="0"/>
                           <a:cs typeface="Times New Roman" panose="02020603050405020304" pitchFamily="18" charset="0"/>
                         </a:rPr>
@@ -11233,7 +11551,7 @@
                     <a:p>
                       <a:pPr algn="l"/>
                       <a:r>
-                        <a:rPr lang="en-US" sz="2500" dirty="0">
+                        <a:rPr lang="en-US" sz="2000" dirty="0">
                           <a:latin typeface="Times New Roman" panose="02020603050405020304" pitchFamily="18" charset="0"/>
                           <a:cs typeface="Times New Roman" panose="02020603050405020304" pitchFamily="18" charset="0"/>
                         </a:rPr>
@@ -11287,7 +11605,61 @@
                     <a:p>
                       <a:pPr algn="l"/>
                       <a:r>
-                        <a:rPr lang="en-US" sz="2500" dirty="0">
+                        <a:rPr lang="en-US" sz="2000" dirty="0">
+                          <a:latin typeface="Times New Roman" panose="02020603050405020304" pitchFamily="18" charset="0"/>
+                          <a:cs typeface="Times New Roman" panose="02020603050405020304" pitchFamily="18" charset="0"/>
+                        </a:rPr>
+                        <a:t>smoothing:  0.1</a:t>
+                      </a:r>
+                    </a:p>
+                  </a:txBody>
+                  <a:tcPr anchor="ctr">
+                    <a:lnL w="12700" cap="flat" cmpd="sng" algn="ctr">
+                      <a:solidFill>
+                        <a:schemeClr val="tx1"/>
+                      </a:solidFill>
+                      <a:prstDash val="solid"/>
+                      <a:round/>
+                      <a:headEnd type="none" w="med" len="med"/>
+                      <a:tailEnd type="none" w="med" len="med"/>
+                    </a:lnL>
+                    <a:lnR w="12700" cap="flat" cmpd="sng" algn="ctr">
+                      <a:solidFill>
+                        <a:schemeClr val="tx1"/>
+                      </a:solidFill>
+                      <a:prstDash val="solid"/>
+                      <a:round/>
+                      <a:headEnd type="none" w="med" len="med"/>
+                      <a:tailEnd type="none" w="med" len="med"/>
+                    </a:lnR>
+                    <a:lnT w="12700" cap="flat" cmpd="sng" algn="ctr">
+                      <a:solidFill>
+                        <a:schemeClr val="tx1"/>
+                      </a:solidFill>
+                      <a:prstDash val="solid"/>
+                      <a:round/>
+                      <a:headEnd type="none" w="med" len="med"/>
+                      <a:tailEnd type="none" w="med" len="med"/>
+                    </a:lnT>
+                    <a:lnB w="12700" cap="flat" cmpd="sng" algn="ctr">
+                      <a:solidFill>
+                        <a:schemeClr val="tx1"/>
+                      </a:solidFill>
+                      <a:prstDash val="solid"/>
+                      <a:round/>
+                      <a:headEnd type="none" w="med" len="med"/>
+                      <a:tailEnd type="none" w="med" len="med"/>
+                    </a:lnB>
+                  </a:tcPr>
+                </a:tc>
+                <a:tc>
+                  <a:txBody>
+                    <a:bodyPr/>
+                    <a:lstStyle/>
+                    <a:p>
+                      <a:pPr algn="l"/>
+                      <a:r>
+                        <a:rPr lang="en-US" sz="2000" dirty="0">
                           <a:latin typeface="Times New Roman" panose="02020603050405020304" pitchFamily="18" charset="0"/>
                           <a:cs typeface="Times New Roman" panose="02020603050405020304" pitchFamily="18" charset="0"/>
                         </a:rPr>
@@ -11297,7 +11669,7 @@
                     <a:p>
                       <a:pPr algn="l"/>
                       <a:r>
-                        <a:rPr lang="en-US" sz="2500" dirty="0">
+                        <a:rPr lang="en-US" sz="2000" dirty="0">
                           <a:latin typeface="Times New Roman" panose="02020603050405020304" pitchFamily="18" charset="0"/>
                           <a:cs typeface="Times New Roman" panose="02020603050405020304" pitchFamily="18" charset="0"/>
                         </a:rPr>
@@ -11307,7 +11679,7 @@
                     <a:p>
                       <a:pPr algn="l"/>
                       <a:r>
-                        <a:rPr lang="en-US" sz="2500" dirty="0">
+                        <a:rPr lang="en-US" sz="2000" dirty="0">
                           <a:latin typeface="Times New Roman" panose="02020603050405020304" pitchFamily="18" charset="0"/>
                           <a:cs typeface="Times New Roman" panose="02020603050405020304" pitchFamily="18" charset="0"/>
                         </a:rPr>
@@ -11317,7 +11689,7 @@
                     <a:p>
                       <a:pPr algn="l"/>
                       <a:r>
-                        <a:rPr lang="en-US" sz="2500" dirty="0">
+                        <a:rPr lang="en-US" sz="2000" dirty="0">
                           <a:latin typeface="Times New Roman" panose="02020603050405020304" pitchFamily="18" charset="0"/>
                           <a:cs typeface="Times New Roman" panose="02020603050405020304" pitchFamily="18" charset="0"/>
                         </a:rPr>

--- a/Final/Nhom01.pptx
+++ b/Final/Nhom01.pptx
@@ -3973,14 +3973,14 @@
           <p:nvPr>
             <p:extLst>
               <p:ext uri="{D42A27DB-BD31-4B8C-83A1-F6EECF244321}">
-                <p14:modId xmlns:p14="http://schemas.microsoft.com/office/powerpoint/2010/main" val="3187007838"/>
+                <p14:modId xmlns:p14="http://schemas.microsoft.com/office/powerpoint/2010/main" val="3236666697"/>
               </p:ext>
             </p:extLst>
           </p:nvPr>
         </p:nvGraphicFramePr>
         <p:xfrm>
           <a:off x="3048000" y="3238500"/>
-          <a:ext cx="12192000" cy="3960185"/>
+          <a:ext cx="12192000" cy="16152185"/>
         </p:xfrm>
         <a:graphic>
           <a:graphicData uri="http://schemas.openxmlformats.org/drawingml/2006/table">
@@ -4108,25 +4108,690 @@
                         <a:defRPr/>
                       </a:pPr>
                       <a:r>
-                        <a:rPr kumimoji="0" lang="en-US" sz="3200" b="0" i="0" u="none" strike="noStrike" kern="1200" cap="none" spc="0" normalizeH="0" baseline="0" noProof="0">
-                          <a:ln>
-                            <a:noFill/>
-                          </a:ln>
-                          <a:solidFill>
-                            <a:prstClr val="black"/>
-                          </a:solidFill>
-                          <a:effectLst/>
-                          <a:uLnTx/>
-                          <a:uFillTx/>
-                          <a:latin typeface="Noto Serif" panose="02020600060500020200" pitchFamily="18" charset="0"/>
-                          <a:ea typeface="Noto Serif" panose="02020600060500020200" pitchFamily="18" charset="0"/>
-                          <a:cs typeface="Noto Serif" panose="02020600060500020200" pitchFamily="18" charset="0"/>
-                        </a:rPr>
-                        <a:t>Chuẩn bị, làm sạch data</a:t>
+                        <a:rPr kumimoji="0" lang="en-US" sz="3200" b="0" i="0" u="none" strike="noStrike" kern="1200" cap="none" spc="0" normalizeH="0" baseline="0" noProof="0" dirty="0" err="1">
+                          <a:ln>
+                            <a:noFill/>
+                          </a:ln>
+                          <a:solidFill>
+                            <a:prstClr val="black"/>
+                          </a:solidFill>
+                          <a:effectLst/>
+                          <a:uLnTx/>
+                          <a:uFillTx/>
+                          <a:latin typeface="Noto Serif" panose="02020600060500020200" pitchFamily="18" charset="0"/>
+                          <a:ea typeface="Noto Serif" panose="02020600060500020200" pitchFamily="18" charset="0"/>
+                          <a:cs typeface="Noto Serif" panose="02020600060500020200" pitchFamily="18" charset="0"/>
+                        </a:rPr>
+                        <a:t>Chuẩn</a:t>
+                      </a:r>
+                      <a:r>
+                        <a:rPr kumimoji="0" lang="en-US" sz="3200" b="0" i="0" u="none" strike="noStrike" kern="1200" cap="none" spc="0" normalizeH="0" baseline="0" noProof="0" dirty="0">
+                          <a:ln>
+                            <a:noFill/>
+                          </a:ln>
+                          <a:solidFill>
+                            <a:prstClr val="black"/>
+                          </a:solidFill>
+                          <a:effectLst/>
+                          <a:uLnTx/>
+                          <a:uFillTx/>
+                          <a:latin typeface="Noto Serif" panose="02020600060500020200" pitchFamily="18" charset="0"/>
+                          <a:ea typeface="Noto Serif" panose="02020600060500020200" pitchFamily="18" charset="0"/>
+                          <a:cs typeface="Noto Serif" panose="02020600060500020200" pitchFamily="18" charset="0"/>
+                        </a:rPr>
+                        <a:t> </a:t>
+                      </a:r>
+                      <a:r>
+                        <a:rPr kumimoji="0" lang="en-US" sz="3200" b="0" i="0" u="none" strike="noStrike" kern="1200" cap="none" spc="0" normalizeH="0" baseline="0" noProof="0" dirty="0" err="1">
+                          <a:ln>
+                            <a:noFill/>
+                          </a:ln>
+                          <a:solidFill>
+                            <a:prstClr val="black"/>
+                          </a:solidFill>
+                          <a:effectLst/>
+                          <a:uLnTx/>
+                          <a:uFillTx/>
+                          <a:latin typeface="Noto Serif" panose="02020600060500020200" pitchFamily="18" charset="0"/>
+                          <a:ea typeface="Noto Serif" panose="02020600060500020200" pitchFamily="18" charset="0"/>
+                          <a:cs typeface="Noto Serif" panose="02020600060500020200" pitchFamily="18" charset="0"/>
+                        </a:rPr>
+                        <a:t>bị</a:t>
+                      </a:r>
+                      <a:r>
+                        <a:rPr kumimoji="0" lang="en-US" sz="3200" b="0" i="0" u="none" strike="noStrike" kern="1200" cap="none" spc="0" normalizeH="0" baseline="0" noProof="0" dirty="0">
+                          <a:ln>
+                            <a:noFill/>
+                          </a:ln>
+                          <a:solidFill>
+                            <a:prstClr val="black"/>
+                          </a:solidFill>
+                          <a:effectLst/>
+                          <a:uLnTx/>
+                          <a:uFillTx/>
+                          <a:latin typeface="Noto Serif" panose="02020600060500020200" pitchFamily="18" charset="0"/>
+                          <a:ea typeface="Noto Serif" panose="02020600060500020200" pitchFamily="18" charset="0"/>
+                          <a:cs typeface="Noto Serif" panose="02020600060500020200" pitchFamily="18" charset="0"/>
+                        </a:rPr>
+                        <a:t>, </a:t>
+                      </a:r>
+                      <a:r>
+                        <a:rPr kumimoji="0" lang="en-US" sz="3200" b="0" i="0" u="none" strike="noStrike" kern="1200" cap="none" spc="0" normalizeH="0" baseline="0" noProof="0" dirty="0" err="1">
+                          <a:ln>
+                            <a:noFill/>
+                          </a:ln>
+                          <a:solidFill>
+                            <a:prstClr val="black"/>
+                          </a:solidFill>
+                          <a:effectLst/>
+                          <a:uLnTx/>
+                          <a:uFillTx/>
+                          <a:latin typeface="Noto Serif" panose="02020600060500020200" pitchFamily="18" charset="0"/>
+                          <a:ea typeface="Noto Serif" panose="02020600060500020200" pitchFamily="18" charset="0"/>
+                          <a:cs typeface="Noto Serif" panose="02020600060500020200" pitchFamily="18" charset="0"/>
+                        </a:rPr>
+                        <a:t>làm</a:t>
+                      </a:r>
+                      <a:r>
+                        <a:rPr kumimoji="0" lang="en-US" sz="3200" b="0" i="0" u="none" strike="noStrike" kern="1200" cap="none" spc="0" normalizeH="0" baseline="0" noProof="0" dirty="0">
+                          <a:ln>
+                            <a:noFill/>
+                          </a:ln>
+                          <a:solidFill>
+                            <a:prstClr val="black"/>
+                          </a:solidFill>
+                          <a:effectLst/>
+                          <a:uLnTx/>
+                          <a:uFillTx/>
+                          <a:latin typeface="Noto Serif" panose="02020600060500020200" pitchFamily="18" charset="0"/>
+                          <a:ea typeface="Noto Serif" panose="02020600060500020200" pitchFamily="18" charset="0"/>
+                          <a:cs typeface="Noto Serif" panose="02020600060500020200" pitchFamily="18" charset="0"/>
+                        </a:rPr>
+                        <a:t> </a:t>
+                      </a:r>
+                      <a:r>
+                        <a:rPr kumimoji="0" lang="en-US" sz="3200" b="0" i="0" u="none" strike="noStrike" kern="1200" cap="none" spc="0" normalizeH="0" baseline="0" noProof="0" dirty="0" err="1">
+                          <a:ln>
+                            <a:noFill/>
+                          </a:ln>
+                          <a:solidFill>
+                            <a:prstClr val="black"/>
+                          </a:solidFill>
+                          <a:effectLst/>
+                          <a:uLnTx/>
+                          <a:uFillTx/>
+                          <a:latin typeface="Noto Serif" panose="02020600060500020200" pitchFamily="18" charset="0"/>
+                          <a:ea typeface="Noto Serif" panose="02020600060500020200" pitchFamily="18" charset="0"/>
+                          <a:cs typeface="Noto Serif" panose="02020600060500020200" pitchFamily="18" charset="0"/>
+                        </a:rPr>
+                        <a:t>sạch</a:t>
+                      </a:r>
+                      <a:r>
+                        <a:rPr kumimoji="0" lang="en-US" sz="3200" b="0" i="0" u="none" strike="noStrike" kern="1200" cap="none" spc="0" normalizeH="0" baseline="0" noProof="0" dirty="0">
+                          <a:ln>
+                            <a:noFill/>
+                          </a:ln>
+                          <a:solidFill>
+                            <a:prstClr val="black"/>
+                          </a:solidFill>
+                          <a:effectLst/>
+                          <a:uLnTx/>
+                          <a:uFillTx/>
+                          <a:latin typeface="Noto Serif" panose="02020600060500020200" pitchFamily="18" charset="0"/>
+                          <a:ea typeface="Noto Serif" panose="02020600060500020200" pitchFamily="18" charset="0"/>
+                          <a:cs typeface="Noto Serif" panose="02020600060500020200" pitchFamily="18" charset="0"/>
+                        </a:rPr>
+                        <a:t> data.</a:t>
                       </a:r>
                     </a:p>
                     <a:p>
-                      <a:endParaRPr lang="en-US"/>
+                      <a:pPr marL="0" marR="0" lvl="0" indent="0" algn="l" defTabSz="914400" rtl="0" eaLnBrk="1" fontAlgn="auto" latinLnBrk="0" hangingPunct="1">
+                        <a:lnSpc>
+                          <a:spcPct val="100000"/>
+                        </a:lnSpc>
+                        <a:spcBef>
+                          <a:spcPts val="0"/>
+                        </a:spcBef>
+                        <a:spcAft>
+                          <a:spcPts val="0"/>
+                        </a:spcAft>
+                        <a:buClrTx/>
+                        <a:buSzTx/>
+                        <a:buFontTx/>
+                        <a:buNone/>
+                        <a:tabLst/>
+                        <a:defRPr/>
+                      </a:pPr>
+                      <a:r>
+                        <a:rPr kumimoji="0" lang="en-US" sz="3200" b="0" i="0" u="none" strike="noStrike" kern="1200" cap="none" spc="0" normalizeH="0" baseline="0" noProof="0" dirty="0" err="1">
+                          <a:ln>
+                            <a:noFill/>
+                          </a:ln>
+                          <a:solidFill>
+                            <a:prstClr val="black"/>
+                          </a:solidFill>
+                          <a:effectLst/>
+                          <a:uLnTx/>
+                          <a:uFillTx/>
+                          <a:latin typeface="Noto Serif" panose="02020600060500020200" pitchFamily="18" charset="0"/>
+                          <a:ea typeface="Noto Serif" panose="02020600060500020200" pitchFamily="18" charset="0"/>
+                          <a:cs typeface="Noto Serif" panose="02020600060500020200" pitchFamily="18" charset="0"/>
+                        </a:rPr>
+                        <a:t>Thực</a:t>
+                      </a:r>
+                      <a:r>
+                        <a:rPr kumimoji="0" lang="en-US" sz="3200" b="0" i="0" u="none" strike="noStrike" kern="1200" cap="none" spc="0" normalizeH="0" baseline="0" noProof="0" dirty="0">
+                          <a:ln>
+                            <a:noFill/>
+                          </a:ln>
+                          <a:solidFill>
+                            <a:prstClr val="black"/>
+                          </a:solidFill>
+                          <a:effectLst/>
+                          <a:uLnTx/>
+                          <a:uFillTx/>
+                          <a:latin typeface="Noto Serif" panose="02020600060500020200" pitchFamily="18" charset="0"/>
+                          <a:ea typeface="Noto Serif" panose="02020600060500020200" pitchFamily="18" charset="0"/>
+                          <a:cs typeface="Noto Serif" panose="02020600060500020200" pitchFamily="18" charset="0"/>
+                        </a:rPr>
+                        <a:t> </a:t>
+                      </a:r>
+                      <a:r>
+                        <a:rPr kumimoji="0" lang="en-US" sz="3200" b="0" i="0" u="none" strike="noStrike" kern="1200" cap="none" spc="0" normalizeH="0" baseline="0" noProof="0" dirty="0" err="1">
+                          <a:ln>
+                            <a:noFill/>
+                          </a:ln>
+                          <a:solidFill>
+                            <a:prstClr val="black"/>
+                          </a:solidFill>
+                          <a:effectLst/>
+                          <a:uLnTx/>
+                          <a:uFillTx/>
+                          <a:latin typeface="Noto Serif" panose="02020600060500020200" pitchFamily="18" charset="0"/>
+                          <a:ea typeface="Noto Serif" panose="02020600060500020200" pitchFamily="18" charset="0"/>
+                          <a:cs typeface="Noto Serif" panose="02020600060500020200" pitchFamily="18" charset="0"/>
+                        </a:rPr>
+                        <a:t>nghiệm</a:t>
+                      </a:r>
+                      <a:r>
+                        <a:rPr kumimoji="0" lang="en-US" sz="3200" b="0" i="0" u="none" strike="noStrike" kern="1200" cap="none" spc="0" normalizeH="0" baseline="0" noProof="0" dirty="0">
+                          <a:ln>
+                            <a:noFill/>
+                          </a:ln>
+                          <a:solidFill>
+                            <a:prstClr val="black"/>
+                          </a:solidFill>
+                          <a:effectLst/>
+                          <a:uLnTx/>
+                          <a:uFillTx/>
+                          <a:latin typeface="Noto Serif" panose="02020600060500020200" pitchFamily="18" charset="0"/>
+                          <a:ea typeface="Noto Serif" panose="02020600060500020200" pitchFamily="18" charset="0"/>
+                          <a:cs typeface="Noto Serif" panose="02020600060500020200" pitchFamily="18" charset="0"/>
+                        </a:rPr>
+                        <a:t> </a:t>
+                      </a:r>
+                      <a:r>
+                        <a:rPr kumimoji="0" lang="en-US" sz="3200" b="0" i="0" u="none" strike="noStrike" kern="1200" cap="none" spc="0" normalizeH="0" baseline="0" noProof="0" dirty="0" err="1">
+                          <a:ln>
+                            <a:noFill/>
+                          </a:ln>
+                          <a:solidFill>
+                            <a:prstClr val="black"/>
+                          </a:solidFill>
+                          <a:effectLst/>
+                          <a:uLnTx/>
+                          <a:uFillTx/>
+                          <a:latin typeface="Noto Serif" panose="02020600060500020200" pitchFamily="18" charset="0"/>
+                          <a:ea typeface="Noto Serif" panose="02020600060500020200" pitchFamily="18" charset="0"/>
+                          <a:cs typeface="Noto Serif" panose="02020600060500020200" pitchFamily="18" charset="0"/>
+                        </a:rPr>
+                        <a:t>và</a:t>
+                      </a:r>
+                      <a:r>
+                        <a:rPr kumimoji="0" lang="en-US" sz="3200" b="0" i="0" u="none" strike="noStrike" kern="1200" cap="none" spc="0" normalizeH="0" baseline="0" noProof="0" dirty="0">
+                          <a:ln>
+                            <a:noFill/>
+                          </a:ln>
+                          <a:solidFill>
+                            <a:prstClr val="black"/>
+                          </a:solidFill>
+                          <a:effectLst/>
+                          <a:uLnTx/>
+                          <a:uFillTx/>
+                          <a:latin typeface="Noto Serif" panose="02020600060500020200" pitchFamily="18" charset="0"/>
+                          <a:ea typeface="Noto Serif" panose="02020600060500020200" pitchFamily="18" charset="0"/>
+                          <a:cs typeface="Noto Serif" panose="02020600060500020200" pitchFamily="18" charset="0"/>
+                        </a:rPr>
+                        <a:t> </a:t>
+                      </a:r>
+                      <a:r>
+                        <a:rPr kumimoji="0" lang="en-US" sz="3200" b="0" i="0" u="none" strike="noStrike" kern="1200" cap="none" spc="0" normalizeH="0" baseline="0" noProof="0" dirty="0" err="1">
+                          <a:ln>
+                            <a:noFill/>
+                          </a:ln>
+                          <a:solidFill>
+                            <a:prstClr val="black"/>
+                          </a:solidFill>
+                          <a:effectLst/>
+                          <a:uLnTx/>
+                          <a:uFillTx/>
+                          <a:latin typeface="Noto Serif" panose="02020600060500020200" pitchFamily="18" charset="0"/>
+                          <a:ea typeface="Noto Serif" panose="02020600060500020200" pitchFamily="18" charset="0"/>
+                          <a:cs typeface="Noto Serif" panose="02020600060500020200" pitchFamily="18" charset="0"/>
+                        </a:rPr>
+                        <a:t>đánh</a:t>
+                      </a:r>
+                      <a:r>
+                        <a:rPr kumimoji="0" lang="en-US" sz="3200" b="0" i="0" u="none" strike="noStrike" kern="1200" cap="none" spc="0" normalizeH="0" baseline="0" noProof="0" dirty="0">
+                          <a:ln>
+                            <a:noFill/>
+                          </a:ln>
+                          <a:solidFill>
+                            <a:prstClr val="black"/>
+                          </a:solidFill>
+                          <a:effectLst/>
+                          <a:uLnTx/>
+                          <a:uFillTx/>
+                          <a:latin typeface="Noto Serif" panose="02020600060500020200" pitchFamily="18" charset="0"/>
+                          <a:ea typeface="Noto Serif" panose="02020600060500020200" pitchFamily="18" charset="0"/>
+                          <a:cs typeface="Noto Serif" panose="02020600060500020200" pitchFamily="18" charset="0"/>
+                        </a:rPr>
+                        <a:t> </a:t>
+                      </a:r>
+                      <a:r>
+                        <a:rPr kumimoji="0" lang="en-US" sz="3200" b="0" i="0" u="none" strike="noStrike" kern="1200" cap="none" spc="0" normalizeH="0" baseline="0" noProof="0" dirty="0" err="1">
+                          <a:ln>
+                            <a:noFill/>
+                          </a:ln>
+                          <a:solidFill>
+                            <a:prstClr val="black"/>
+                          </a:solidFill>
+                          <a:effectLst/>
+                          <a:uLnTx/>
+                          <a:uFillTx/>
+                          <a:latin typeface="Noto Serif" panose="02020600060500020200" pitchFamily="18" charset="0"/>
+                          <a:ea typeface="Noto Serif" panose="02020600060500020200" pitchFamily="18" charset="0"/>
+                          <a:cs typeface="Noto Serif" panose="02020600060500020200" pitchFamily="18" charset="0"/>
+                        </a:rPr>
+                        <a:t>giá</a:t>
+                      </a:r>
+                      <a:r>
+                        <a:rPr kumimoji="0" lang="en-US" sz="3200" b="0" i="0" u="none" strike="noStrike" kern="1200" cap="none" spc="0" normalizeH="0" baseline="0" noProof="0" dirty="0">
+                          <a:ln>
+                            <a:noFill/>
+                          </a:ln>
+                          <a:solidFill>
+                            <a:prstClr val="black"/>
+                          </a:solidFill>
+                          <a:effectLst/>
+                          <a:uLnTx/>
+                          <a:uFillTx/>
+                          <a:latin typeface="Noto Serif" panose="02020600060500020200" pitchFamily="18" charset="0"/>
+                          <a:ea typeface="Noto Serif" panose="02020600060500020200" pitchFamily="18" charset="0"/>
+                          <a:cs typeface="Noto Serif" panose="02020600060500020200" pitchFamily="18" charset="0"/>
+                        </a:rPr>
+                        <a:t> </a:t>
+                      </a:r>
+                      <a:r>
+                        <a:rPr kumimoji="0" lang="en-US" sz="3200" b="0" i="0" u="none" strike="noStrike" kern="1200" cap="none" spc="0" normalizeH="0" baseline="0" noProof="0" dirty="0" err="1">
+                          <a:ln>
+                            <a:noFill/>
+                          </a:ln>
+                          <a:solidFill>
+                            <a:prstClr val="black"/>
+                          </a:solidFill>
+                          <a:effectLst/>
+                          <a:uLnTx/>
+                          <a:uFillTx/>
+                          <a:latin typeface="Noto Serif" panose="02020600060500020200" pitchFamily="18" charset="0"/>
+                          <a:ea typeface="Noto Serif" panose="02020600060500020200" pitchFamily="18" charset="0"/>
+                          <a:cs typeface="Noto Serif" panose="02020600060500020200" pitchFamily="18" charset="0"/>
+                        </a:rPr>
+                        <a:t>mô</a:t>
+                      </a:r>
+                      <a:r>
+                        <a:rPr kumimoji="0" lang="en-US" sz="3200" b="0" i="0" u="none" strike="noStrike" kern="1200" cap="none" spc="0" normalizeH="0" baseline="0" noProof="0" dirty="0">
+                          <a:ln>
+                            <a:noFill/>
+                          </a:ln>
+                          <a:solidFill>
+                            <a:prstClr val="black"/>
+                          </a:solidFill>
+                          <a:effectLst/>
+                          <a:uLnTx/>
+                          <a:uFillTx/>
+                          <a:latin typeface="Noto Serif" panose="02020600060500020200" pitchFamily="18" charset="0"/>
+                          <a:ea typeface="Noto Serif" panose="02020600060500020200" pitchFamily="18" charset="0"/>
+                          <a:cs typeface="Noto Serif" panose="02020600060500020200" pitchFamily="18" charset="0"/>
+                        </a:rPr>
+                        <a:t> </a:t>
+                      </a:r>
+                      <a:r>
+                        <a:rPr kumimoji="0" lang="en-US" sz="3200" b="0" i="0" u="none" strike="noStrike" kern="1200" cap="none" spc="0" normalizeH="0" baseline="0" noProof="0" dirty="0" err="1">
+                          <a:ln>
+                            <a:noFill/>
+                          </a:ln>
+                          <a:solidFill>
+                            <a:prstClr val="black"/>
+                          </a:solidFill>
+                          <a:effectLst/>
+                          <a:uLnTx/>
+                          <a:uFillTx/>
+                          <a:latin typeface="Noto Serif" panose="02020600060500020200" pitchFamily="18" charset="0"/>
+                          <a:ea typeface="Noto Serif" panose="02020600060500020200" pitchFamily="18" charset="0"/>
+                          <a:cs typeface="Noto Serif" panose="02020600060500020200" pitchFamily="18" charset="0"/>
+                        </a:rPr>
+                        <a:t>hình</a:t>
+                      </a:r>
+                      <a:r>
+                        <a:rPr kumimoji="0" lang="en-US" sz="3200" b="0" i="0" u="none" strike="noStrike" kern="1200" cap="none" spc="0" normalizeH="0" baseline="0" noProof="0" dirty="0">
+                          <a:ln>
+                            <a:noFill/>
+                          </a:ln>
+                          <a:solidFill>
+                            <a:prstClr val="black"/>
+                          </a:solidFill>
+                          <a:effectLst/>
+                          <a:uLnTx/>
+                          <a:uFillTx/>
+                          <a:latin typeface="Noto Serif" panose="02020600060500020200" pitchFamily="18" charset="0"/>
+                          <a:ea typeface="Noto Serif" panose="02020600060500020200" pitchFamily="18" charset="0"/>
+                          <a:cs typeface="Noto Serif" panose="02020600060500020200" pitchFamily="18" charset="0"/>
+                        </a:rPr>
+                        <a:t>.</a:t>
+                      </a:r>
+                    </a:p>
+                    <a:p>
+                      <a:pPr marL="0" marR="0" lvl="0" indent="0" algn="l" defTabSz="914400" rtl="0" eaLnBrk="1" fontAlgn="auto" latinLnBrk="0" hangingPunct="1">
+                        <a:lnSpc>
+                          <a:spcPct val="100000"/>
+                        </a:lnSpc>
+                        <a:spcBef>
+                          <a:spcPts val="0"/>
+                        </a:spcBef>
+                        <a:spcAft>
+                          <a:spcPts val="0"/>
+                        </a:spcAft>
+                        <a:buClrTx/>
+                        <a:buSzTx/>
+                        <a:buFontTx/>
+                        <a:buNone/>
+                        <a:tabLst/>
+                        <a:defRPr/>
+                      </a:pPr>
+                      <a:r>
+                        <a:rPr kumimoji="0" lang="en-US" sz="3200" b="0" i="0" u="none" strike="noStrike" kern="1200" cap="none" spc="0" normalizeH="0" baseline="0" noProof="0" dirty="0" err="1">
+                          <a:ln>
+                            <a:noFill/>
+                          </a:ln>
+                          <a:solidFill>
+                            <a:prstClr val="black"/>
+                          </a:solidFill>
+                          <a:effectLst/>
+                          <a:uLnTx/>
+                          <a:uFillTx/>
+                          <a:latin typeface="Noto Serif" panose="02020600060500020200" pitchFamily="18" charset="0"/>
+                          <a:ea typeface="Noto Serif" panose="02020600060500020200" pitchFamily="18" charset="0"/>
+                          <a:cs typeface="Noto Serif" panose="02020600060500020200" pitchFamily="18" charset="0"/>
+                        </a:rPr>
+                        <a:t>Kết</a:t>
+                      </a:r>
+                      <a:r>
+                        <a:rPr kumimoji="0" lang="en-US" sz="3200" b="0" i="0" u="none" strike="noStrike" kern="1200" cap="none" spc="0" normalizeH="0" baseline="0" noProof="0" dirty="0">
+                          <a:ln>
+                            <a:noFill/>
+                          </a:ln>
+                          <a:solidFill>
+                            <a:prstClr val="black"/>
+                          </a:solidFill>
+                          <a:effectLst/>
+                          <a:uLnTx/>
+                          <a:uFillTx/>
+                          <a:latin typeface="Noto Serif" panose="02020600060500020200" pitchFamily="18" charset="0"/>
+                          <a:ea typeface="Noto Serif" panose="02020600060500020200" pitchFamily="18" charset="0"/>
+                          <a:cs typeface="Noto Serif" panose="02020600060500020200" pitchFamily="18" charset="0"/>
+                        </a:rPr>
+                        <a:t> </a:t>
+                      </a:r>
+                      <a:r>
+                        <a:rPr kumimoji="0" lang="en-US" sz="3200" b="0" i="0" u="none" strike="noStrike" kern="1200" cap="none" spc="0" normalizeH="0" baseline="0" noProof="0" dirty="0" err="1">
+                          <a:ln>
+                            <a:noFill/>
+                          </a:ln>
+                          <a:solidFill>
+                            <a:prstClr val="black"/>
+                          </a:solidFill>
+                          <a:effectLst/>
+                          <a:uLnTx/>
+                          <a:uFillTx/>
+                          <a:latin typeface="Noto Serif" panose="02020600060500020200" pitchFamily="18" charset="0"/>
+                          <a:ea typeface="Noto Serif" panose="02020600060500020200" pitchFamily="18" charset="0"/>
+                          <a:cs typeface="Noto Serif" panose="02020600060500020200" pitchFamily="18" charset="0"/>
+                        </a:rPr>
+                        <a:t>luận</a:t>
+                      </a:r>
+                      <a:r>
+                        <a:rPr kumimoji="0" lang="en-US" sz="3200" b="0" i="0" u="none" strike="noStrike" kern="1200" cap="none" spc="0" normalizeH="0" baseline="0" noProof="0" dirty="0">
+                          <a:ln>
+                            <a:noFill/>
+                          </a:ln>
+                          <a:solidFill>
+                            <a:prstClr val="black"/>
+                          </a:solidFill>
+                          <a:effectLst/>
+                          <a:uLnTx/>
+                          <a:uFillTx/>
+                          <a:latin typeface="Noto Serif" panose="02020600060500020200" pitchFamily="18" charset="0"/>
+                          <a:ea typeface="Noto Serif" panose="02020600060500020200" pitchFamily="18" charset="0"/>
+                          <a:cs typeface="Noto Serif" panose="02020600060500020200" pitchFamily="18" charset="0"/>
+                        </a:rPr>
+                        <a:t> </a:t>
+                      </a:r>
+                      <a:r>
+                        <a:rPr kumimoji="0" lang="en-US" sz="3200" b="0" i="0" u="none" strike="noStrike" kern="1200" cap="none" spc="0" normalizeH="0" baseline="0" noProof="0" dirty="0" err="1">
+                          <a:ln>
+                            <a:noFill/>
+                          </a:ln>
+                          <a:solidFill>
+                            <a:prstClr val="black"/>
+                          </a:solidFill>
+                          <a:effectLst/>
+                          <a:uLnTx/>
+                          <a:uFillTx/>
+                          <a:latin typeface="Noto Serif" panose="02020600060500020200" pitchFamily="18" charset="0"/>
+                          <a:ea typeface="Noto Serif" panose="02020600060500020200" pitchFamily="18" charset="0"/>
+                          <a:cs typeface="Noto Serif" panose="02020600060500020200" pitchFamily="18" charset="0"/>
+                        </a:rPr>
+                        <a:t>và</a:t>
+                      </a:r>
+                      <a:r>
+                        <a:rPr kumimoji="0" lang="en-US" sz="3200" b="0" i="0" u="none" strike="noStrike" kern="1200" cap="none" spc="0" normalizeH="0" baseline="0" noProof="0" dirty="0">
+                          <a:ln>
+                            <a:noFill/>
+                          </a:ln>
+                          <a:solidFill>
+                            <a:prstClr val="black"/>
+                          </a:solidFill>
+                          <a:effectLst/>
+                          <a:uLnTx/>
+                          <a:uFillTx/>
+                          <a:latin typeface="Noto Serif" panose="02020600060500020200" pitchFamily="18" charset="0"/>
+                          <a:ea typeface="Noto Serif" panose="02020600060500020200" pitchFamily="18" charset="0"/>
+                          <a:cs typeface="Noto Serif" panose="02020600060500020200" pitchFamily="18" charset="0"/>
+                        </a:rPr>
+                        <a:t> </a:t>
+                      </a:r>
+                      <a:r>
+                        <a:rPr kumimoji="0" lang="en-US" sz="3200" b="0" i="0" u="none" strike="noStrike" kern="1200" cap="none" spc="0" normalizeH="0" baseline="0" noProof="0" dirty="0" err="1">
+                          <a:ln>
+                            <a:noFill/>
+                          </a:ln>
+                          <a:solidFill>
+                            <a:prstClr val="black"/>
+                          </a:solidFill>
+                          <a:effectLst/>
+                          <a:uLnTx/>
+                          <a:uFillTx/>
+                          <a:latin typeface="Noto Serif" panose="02020600060500020200" pitchFamily="18" charset="0"/>
+                          <a:ea typeface="Noto Serif" panose="02020600060500020200" pitchFamily="18" charset="0"/>
+                          <a:cs typeface="Noto Serif" panose="02020600060500020200" pitchFamily="18" charset="0"/>
+                        </a:rPr>
+                        <a:t>hướng</a:t>
+                      </a:r>
+                      <a:r>
+                        <a:rPr kumimoji="0" lang="en-US" sz="3200" b="0" i="0" u="none" strike="noStrike" kern="1200" cap="none" spc="0" normalizeH="0" baseline="0" noProof="0" dirty="0">
+                          <a:ln>
+                            <a:noFill/>
+                          </a:ln>
+                          <a:solidFill>
+                            <a:prstClr val="black"/>
+                          </a:solidFill>
+                          <a:effectLst/>
+                          <a:uLnTx/>
+                          <a:uFillTx/>
+                          <a:latin typeface="Noto Serif" panose="02020600060500020200" pitchFamily="18" charset="0"/>
+                          <a:ea typeface="Noto Serif" panose="02020600060500020200" pitchFamily="18" charset="0"/>
+                          <a:cs typeface="Noto Serif" panose="02020600060500020200" pitchFamily="18" charset="0"/>
+                        </a:rPr>
+                        <a:t> </a:t>
+                      </a:r>
+                      <a:r>
+                        <a:rPr kumimoji="0" lang="en-US" sz="3200" b="0" i="0" u="none" strike="noStrike" kern="1200" cap="none" spc="0" normalizeH="0" baseline="0" noProof="0" dirty="0" err="1">
+                          <a:ln>
+                            <a:noFill/>
+                          </a:ln>
+                          <a:solidFill>
+                            <a:prstClr val="black"/>
+                          </a:solidFill>
+                          <a:effectLst/>
+                          <a:uLnTx/>
+                          <a:uFillTx/>
+                          <a:latin typeface="Noto Serif" panose="02020600060500020200" pitchFamily="18" charset="0"/>
+                          <a:ea typeface="Noto Serif" panose="02020600060500020200" pitchFamily="18" charset="0"/>
+                          <a:cs typeface="Noto Serif" panose="02020600060500020200" pitchFamily="18" charset="0"/>
+                        </a:rPr>
+                        <a:t>phát</a:t>
+                      </a:r>
+                      <a:r>
+                        <a:rPr kumimoji="0" lang="en-US" sz="3200" b="0" i="0" u="none" strike="noStrike" kern="1200" cap="none" spc="0" normalizeH="0" baseline="0" noProof="0" dirty="0">
+                          <a:ln>
+                            <a:noFill/>
+                          </a:ln>
+                          <a:solidFill>
+                            <a:prstClr val="black"/>
+                          </a:solidFill>
+                          <a:effectLst/>
+                          <a:uLnTx/>
+                          <a:uFillTx/>
+                          <a:latin typeface="Noto Serif" panose="02020600060500020200" pitchFamily="18" charset="0"/>
+                          <a:ea typeface="Noto Serif" panose="02020600060500020200" pitchFamily="18" charset="0"/>
+                          <a:cs typeface="Noto Serif" panose="02020600060500020200" pitchFamily="18" charset="0"/>
+                        </a:rPr>
+                        <a:t> </a:t>
+                      </a:r>
+                      <a:r>
+                        <a:rPr kumimoji="0" lang="en-US" sz="3200" b="0" i="0" u="none" strike="noStrike" kern="1200" cap="none" spc="0" normalizeH="0" baseline="0" noProof="0" dirty="0" err="1">
+                          <a:ln>
+                            <a:noFill/>
+                          </a:ln>
+                          <a:solidFill>
+                            <a:prstClr val="black"/>
+                          </a:solidFill>
+                          <a:effectLst/>
+                          <a:uLnTx/>
+                          <a:uFillTx/>
+                          <a:latin typeface="Noto Serif" panose="02020600060500020200" pitchFamily="18" charset="0"/>
+                          <a:ea typeface="Noto Serif" panose="02020600060500020200" pitchFamily="18" charset="0"/>
+                          <a:cs typeface="Noto Serif" panose="02020600060500020200" pitchFamily="18" charset="0"/>
+                        </a:rPr>
+                        <a:t>triển</a:t>
+                      </a:r>
+                      <a:r>
+                        <a:rPr kumimoji="0" lang="en-US" sz="3200" b="0" i="0" u="none" strike="noStrike" kern="1200" cap="none" spc="0" normalizeH="0" baseline="0" noProof="0" dirty="0">
+                          <a:ln>
+                            <a:noFill/>
+                          </a:ln>
+                          <a:solidFill>
+                            <a:prstClr val="black"/>
+                          </a:solidFill>
+                          <a:effectLst/>
+                          <a:uLnTx/>
+                          <a:uFillTx/>
+                          <a:latin typeface="Noto Serif" panose="02020600060500020200" pitchFamily="18" charset="0"/>
+                          <a:ea typeface="Noto Serif" panose="02020600060500020200" pitchFamily="18" charset="0"/>
+                          <a:cs typeface="Noto Serif" panose="02020600060500020200" pitchFamily="18" charset="0"/>
+                        </a:rPr>
+                        <a:t>.</a:t>
+                      </a:r>
+                    </a:p>
+                    <a:p>
+                      <a:pPr marL="0" marR="0" lvl="0" indent="0" algn="l" defTabSz="914400" rtl="0" eaLnBrk="1" fontAlgn="auto" latinLnBrk="0" hangingPunct="1">
+                        <a:lnSpc>
+                          <a:spcPct val="100000"/>
+                        </a:lnSpc>
+                        <a:spcBef>
+                          <a:spcPts val="0"/>
+                        </a:spcBef>
+                        <a:spcAft>
+                          <a:spcPts val="0"/>
+                        </a:spcAft>
+                        <a:buClrTx/>
+                        <a:buSzTx/>
+                        <a:buFontTx/>
+                        <a:buNone/>
+                        <a:tabLst/>
+                        <a:defRPr/>
+                      </a:pPr>
+                      <a:endParaRPr kumimoji="0" lang="en-US" sz="3200" b="0" i="0" u="none" strike="noStrike" kern="1200" cap="none" spc="0" normalizeH="0" baseline="0" noProof="0" dirty="0">
+                        <a:ln>
+                          <a:noFill/>
+                        </a:ln>
+                        <a:solidFill>
+                          <a:prstClr val="black"/>
+                        </a:solidFill>
+                        <a:effectLst/>
+                        <a:uLnTx/>
+                        <a:uFillTx/>
+                        <a:latin typeface="Noto Serif" panose="02020600060500020200" pitchFamily="18" charset="0"/>
+                        <a:ea typeface="Noto Serif" panose="02020600060500020200" pitchFamily="18" charset="0"/>
+                        <a:cs typeface="Noto Serif" panose="02020600060500020200" pitchFamily="18" charset="0"/>
+                      </a:endParaRPr>
+                    </a:p>
+                    <a:p>
+                      <a:pPr marL="0" marR="0" lvl="0" indent="0" algn="l" defTabSz="914400" rtl="0" eaLnBrk="1" fontAlgn="auto" latinLnBrk="0" hangingPunct="1">
+                        <a:lnSpc>
+                          <a:spcPct val="100000"/>
+                        </a:lnSpc>
+                        <a:spcBef>
+                          <a:spcPts val="0"/>
+                        </a:spcBef>
+                        <a:spcAft>
+                          <a:spcPts val="0"/>
+                        </a:spcAft>
+                        <a:buClrTx/>
+                        <a:buSzTx/>
+                        <a:buFontTx/>
+                        <a:buNone/>
+                        <a:tabLst/>
+                        <a:defRPr/>
+                      </a:pPr>
+                      <a:endParaRPr kumimoji="0" lang="en-US" sz="3200" b="0" i="0" u="none" strike="noStrike" kern="1200" cap="none" spc="0" normalizeH="0" baseline="0" noProof="0" dirty="0">
+                        <a:ln>
+                          <a:noFill/>
+                        </a:ln>
+                        <a:solidFill>
+                          <a:prstClr val="black"/>
+                        </a:solidFill>
+                        <a:effectLst/>
+                        <a:uLnTx/>
+                        <a:uFillTx/>
+                        <a:latin typeface="Noto Serif" panose="02020600060500020200" pitchFamily="18" charset="0"/>
+                        <a:ea typeface="Noto Serif" panose="02020600060500020200" pitchFamily="18" charset="0"/>
+                        <a:cs typeface="Noto Serif" panose="02020600060500020200" pitchFamily="18" charset="0"/>
+                      </a:endParaRPr>
+                    </a:p>
+                    <a:p>
+                      <a:endParaRPr lang="en-US" dirty="0"/>
                     </a:p>
                   </a:txBody>
                   <a:tcPr/>
@@ -4207,25 +4872,587 @@
                         <a:defRPr/>
                       </a:pPr>
                       <a:r>
-                        <a:rPr kumimoji="0" lang="en-US" sz="3200" b="0" i="0" u="none" strike="noStrike" kern="1200" cap="none" spc="0" normalizeH="0" baseline="0" noProof="0">
-                          <a:ln>
-                            <a:noFill/>
-                          </a:ln>
-                          <a:solidFill>
-                            <a:prstClr val="black"/>
-                          </a:solidFill>
-                          <a:effectLst/>
-                          <a:uLnTx/>
-                          <a:uFillTx/>
-                          <a:latin typeface="Noto Serif" panose="02020600060500020200" pitchFamily="18" charset="0"/>
-                          <a:ea typeface="Noto Serif" panose="02020600060500020200" pitchFamily="18" charset="0"/>
-                          <a:cs typeface="Noto Serif" panose="02020600060500020200" pitchFamily="18" charset="0"/>
-                        </a:rPr>
-                        <a:t>Đánh trọng số</a:t>
+                        <a:rPr kumimoji="0" lang="en-US" sz="3200" b="0" i="0" u="none" strike="noStrike" kern="1200" cap="none" spc="0" normalizeH="0" baseline="0" noProof="0" dirty="0" err="1">
+                          <a:ln>
+                            <a:noFill/>
+                          </a:ln>
+                          <a:solidFill>
+                            <a:prstClr val="black"/>
+                          </a:solidFill>
+                          <a:effectLst/>
+                          <a:uLnTx/>
+                          <a:uFillTx/>
+                          <a:latin typeface="Noto Serif" panose="02020600060500020200" pitchFamily="18" charset="0"/>
+                          <a:ea typeface="Noto Serif" panose="02020600060500020200" pitchFamily="18" charset="0"/>
+                          <a:cs typeface="Noto Serif" panose="02020600060500020200" pitchFamily="18" charset="0"/>
+                        </a:rPr>
+                        <a:t>Tìm</a:t>
+                      </a:r>
+                      <a:r>
+                        <a:rPr kumimoji="0" lang="en-US" sz="3200" b="0" i="0" u="none" strike="noStrike" kern="1200" cap="none" spc="0" normalizeH="0" baseline="0" noProof="0" dirty="0">
+                          <a:ln>
+                            <a:noFill/>
+                          </a:ln>
+                          <a:solidFill>
+                            <a:prstClr val="black"/>
+                          </a:solidFill>
+                          <a:effectLst/>
+                          <a:uLnTx/>
+                          <a:uFillTx/>
+                          <a:latin typeface="Noto Serif" panose="02020600060500020200" pitchFamily="18" charset="0"/>
+                          <a:ea typeface="Noto Serif" panose="02020600060500020200" pitchFamily="18" charset="0"/>
+                          <a:cs typeface="Noto Serif" panose="02020600060500020200" pitchFamily="18" charset="0"/>
+                        </a:rPr>
+                        <a:t> </a:t>
+                      </a:r>
+                      <a:r>
+                        <a:rPr kumimoji="0" lang="en-US" sz="3200" b="0" i="0" u="none" strike="noStrike" kern="1200" cap="none" spc="0" normalizeH="0" baseline="0" noProof="0" dirty="0" err="1">
+                          <a:ln>
+                            <a:noFill/>
+                          </a:ln>
+                          <a:solidFill>
+                            <a:prstClr val="black"/>
+                          </a:solidFill>
+                          <a:effectLst/>
+                          <a:uLnTx/>
+                          <a:uFillTx/>
+                          <a:latin typeface="Noto Serif" panose="02020600060500020200" pitchFamily="18" charset="0"/>
+                          <a:ea typeface="Noto Serif" panose="02020600060500020200" pitchFamily="18" charset="0"/>
+                          <a:cs typeface="Noto Serif" panose="02020600060500020200" pitchFamily="18" charset="0"/>
+                        </a:rPr>
+                        <a:t>hiểu</a:t>
+                      </a:r>
+                      <a:r>
+                        <a:rPr kumimoji="0" lang="en-US" sz="3200" b="0" i="0" u="none" strike="noStrike" kern="1200" cap="none" spc="0" normalizeH="0" baseline="0" noProof="0" dirty="0">
+                          <a:ln>
+                            <a:noFill/>
+                          </a:ln>
+                          <a:solidFill>
+                            <a:prstClr val="black"/>
+                          </a:solidFill>
+                          <a:effectLst/>
+                          <a:uLnTx/>
+                          <a:uFillTx/>
+                          <a:latin typeface="Noto Serif" panose="02020600060500020200" pitchFamily="18" charset="0"/>
+                          <a:ea typeface="Noto Serif" panose="02020600060500020200" pitchFamily="18" charset="0"/>
+                          <a:cs typeface="Noto Serif" panose="02020600060500020200" pitchFamily="18" charset="0"/>
+                        </a:rPr>
+                        <a:t> </a:t>
+                      </a:r>
+                      <a:r>
+                        <a:rPr kumimoji="0" lang="en-US" sz="3200" b="0" i="0" u="none" strike="noStrike" kern="1200" cap="none" spc="0" normalizeH="0" baseline="0" noProof="0" dirty="0" err="1">
+                          <a:ln>
+                            <a:noFill/>
+                          </a:ln>
+                          <a:solidFill>
+                            <a:prstClr val="black"/>
+                          </a:solidFill>
+                          <a:effectLst/>
+                          <a:uLnTx/>
+                          <a:uFillTx/>
+                          <a:latin typeface="Noto Serif" panose="02020600060500020200" pitchFamily="18" charset="0"/>
+                          <a:ea typeface="Noto Serif" panose="02020600060500020200" pitchFamily="18" charset="0"/>
+                          <a:cs typeface="Noto Serif" panose="02020600060500020200" pitchFamily="18" charset="0"/>
+                        </a:rPr>
+                        <a:t>lý</a:t>
+                      </a:r>
+                      <a:r>
+                        <a:rPr kumimoji="0" lang="en-US" sz="3200" b="0" i="0" u="none" strike="noStrike" kern="1200" cap="none" spc="0" normalizeH="0" baseline="0" noProof="0" dirty="0">
+                          <a:ln>
+                            <a:noFill/>
+                          </a:ln>
+                          <a:solidFill>
+                            <a:prstClr val="black"/>
+                          </a:solidFill>
+                          <a:effectLst/>
+                          <a:uLnTx/>
+                          <a:uFillTx/>
+                          <a:latin typeface="Noto Serif" panose="02020600060500020200" pitchFamily="18" charset="0"/>
+                          <a:ea typeface="Noto Serif" panose="02020600060500020200" pitchFamily="18" charset="0"/>
+                          <a:cs typeface="Noto Serif" panose="02020600060500020200" pitchFamily="18" charset="0"/>
+                        </a:rPr>
+                        <a:t> </a:t>
+                      </a:r>
+                      <a:r>
+                        <a:rPr kumimoji="0" lang="en-US" sz="3200" b="0" i="0" u="none" strike="noStrike" kern="1200" cap="none" spc="0" normalizeH="0" baseline="0" noProof="0" dirty="0" err="1">
+                          <a:ln>
+                            <a:noFill/>
+                          </a:ln>
+                          <a:solidFill>
+                            <a:prstClr val="black"/>
+                          </a:solidFill>
+                          <a:effectLst/>
+                          <a:uLnTx/>
+                          <a:uFillTx/>
+                          <a:latin typeface="Noto Serif" panose="02020600060500020200" pitchFamily="18" charset="0"/>
+                          <a:ea typeface="Noto Serif" panose="02020600060500020200" pitchFamily="18" charset="0"/>
+                          <a:cs typeface="Noto Serif" panose="02020600060500020200" pitchFamily="18" charset="0"/>
+                        </a:rPr>
+                        <a:t>thuyết</a:t>
+                      </a:r>
+                      <a:r>
+                        <a:rPr kumimoji="0" lang="en-US" sz="3200" b="0" i="0" u="none" strike="noStrike" kern="1200" cap="none" spc="0" normalizeH="0" baseline="0" noProof="0" dirty="0">
+                          <a:ln>
+                            <a:noFill/>
+                          </a:ln>
+                          <a:solidFill>
+                            <a:prstClr val="black"/>
+                          </a:solidFill>
+                          <a:effectLst/>
+                          <a:uLnTx/>
+                          <a:uFillTx/>
+                          <a:latin typeface="Noto Serif" panose="02020600060500020200" pitchFamily="18" charset="0"/>
+                          <a:ea typeface="Noto Serif" panose="02020600060500020200" pitchFamily="18" charset="0"/>
+                          <a:cs typeface="Noto Serif" panose="02020600060500020200" pitchFamily="18" charset="0"/>
+                        </a:rPr>
+                        <a:t> </a:t>
+                      </a:r>
+                      <a:r>
+                        <a:rPr kumimoji="0" lang="en-US" sz="3200" b="0" i="0" u="none" strike="noStrike" kern="1200" cap="none" spc="0" normalizeH="0" baseline="0" noProof="0" dirty="0" err="1">
+                          <a:ln>
+                            <a:noFill/>
+                          </a:ln>
+                          <a:solidFill>
+                            <a:prstClr val="black"/>
+                          </a:solidFill>
+                          <a:effectLst/>
+                          <a:uLnTx/>
+                          <a:uFillTx/>
+                          <a:latin typeface="Noto Serif" panose="02020600060500020200" pitchFamily="18" charset="0"/>
+                          <a:ea typeface="Noto Serif" panose="02020600060500020200" pitchFamily="18" charset="0"/>
+                          <a:cs typeface="Noto Serif" panose="02020600060500020200" pitchFamily="18" charset="0"/>
+                        </a:rPr>
+                        <a:t>về</a:t>
+                      </a:r>
+                      <a:r>
+                        <a:rPr kumimoji="0" lang="en-US" sz="3200" b="0" i="0" u="none" strike="noStrike" kern="1200" cap="none" spc="0" normalizeH="0" baseline="0" noProof="0" dirty="0">
+                          <a:ln>
+                            <a:noFill/>
+                          </a:ln>
+                          <a:solidFill>
+                            <a:prstClr val="black"/>
+                          </a:solidFill>
+                          <a:effectLst/>
+                          <a:uLnTx/>
+                          <a:uFillTx/>
+                          <a:latin typeface="Noto Serif" panose="02020600060500020200" pitchFamily="18" charset="0"/>
+                          <a:ea typeface="Noto Serif" panose="02020600060500020200" pitchFamily="18" charset="0"/>
+                          <a:cs typeface="Noto Serif" panose="02020600060500020200" pitchFamily="18" charset="0"/>
+                        </a:rPr>
+                        <a:t> </a:t>
+                      </a:r>
+                      <a:r>
+                        <a:rPr kumimoji="0" lang="en-US" sz="3200" b="0" i="0" u="none" strike="noStrike" kern="1200" cap="none" spc="0" normalizeH="0" baseline="0" noProof="0" dirty="0" err="1">
+                          <a:ln>
+                            <a:noFill/>
+                          </a:ln>
+                          <a:solidFill>
+                            <a:prstClr val="black"/>
+                          </a:solidFill>
+                          <a:effectLst/>
+                          <a:uLnTx/>
+                          <a:uFillTx/>
+                          <a:latin typeface="Noto Serif" panose="02020600060500020200" pitchFamily="18" charset="0"/>
+                          <a:ea typeface="Noto Serif" panose="02020600060500020200" pitchFamily="18" charset="0"/>
+                          <a:cs typeface="Noto Serif" panose="02020600060500020200" pitchFamily="18" charset="0"/>
+                        </a:rPr>
+                        <a:t>phần</a:t>
+                      </a:r>
+                      <a:r>
+                        <a:rPr kumimoji="0" lang="en-US" sz="3200" b="0" i="0" u="none" strike="noStrike" kern="1200" cap="none" spc="0" normalizeH="0" baseline="0" noProof="0" dirty="0">
+                          <a:ln>
+                            <a:noFill/>
+                          </a:ln>
+                          <a:solidFill>
+                            <a:prstClr val="black"/>
+                          </a:solidFill>
+                          <a:effectLst/>
+                          <a:uLnTx/>
+                          <a:uFillTx/>
+                          <a:latin typeface="Noto Serif" panose="02020600060500020200" pitchFamily="18" charset="0"/>
+                          <a:ea typeface="Noto Serif" panose="02020600060500020200" pitchFamily="18" charset="0"/>
+                          <a:cs typeface="Noto Serif" panose="02020600060500020200" pitchFamily="18" charset="0"/>
+                        </a:rPr>
+                        <a:t> </a:t>
+                      </a:r>
+                      <a:r>
+                        <a:rPr kumimoji="0" lang="en-US" sz="3200" b="0" i="0" u="none" strike="noStrike" kern="1200" cap="none" spc="0" normalizeH="0" baseline="0" noProof="0" dirty="0" err="1">
+                          <a:ln>
+                            <a:noFill/>
+                          </a:ln>
+                          <a:solidFill>
+                            <a:prstClr val="black"/>
+                          </a:solidFill>
+                          <a:effectLst/>
+                          <a:uLnTx/>
+                          <a:uFillTx/>
+                          <a:latin typeface="Noto Serif" panose="02020600060500020200" pitchFamily="18" charset="0"/>
+                          <a:ea typeface="Noto Serif" panose="02020600060500020200" pitchFamily="18" charset="0"/>
+                          <a:cs typeface="Noto Serif" panose="02020600060500020200" pitchFamily="18" charset="0"/>
+                        </a:rPr>
+                        <a:t>đánh</a:t>
+                      </a:r>
+                      <a:r>
+                        <a:rPr kumimoji="0" lang="en-US" sz="3200" b="0" i="0" u="none" strike="noStrike" kern="1200" cap="none" spc="0" normalizeH="0" baseline="0" noProof="0" dirty="0">
+                          <a:ln>
+                            <a:noFill/>
+                          </a:ln>
+                          <a:solidFill>
+                            <a:prstClr val="black"/>
+                          </a:solidFill>
+                          <a:effectLst/>
+                          <a:uLnTx/>
+                          <a:uFillTx/>
+                          <a:latin typeface="Noto Serif" panose="02020600060500020200" pitchFamily="18" charset="0"/>
+                          <a:ea typeface="Noto Serif" panose="02020600060500020200" pitchFamily="18" charset="0"/>
+                          <a:cs typeface="Noto Serif" panose="02020600060500020200" pitchFamily="18" charset="0"/>
+                        </a:rPr>
+                        <a:t> </a:t>
+                      </a:r>
+                      <a:r>
+                        <a:rPr kumimoji="0" lang="en-US" sz="3200" b="0" i="0" u="none" strike="noStrike" kern="1200" cap="none" spc="0" normalizeH="0" baseline="0" noProof="0" dirty="0" err="1">
+                          <a:ln>
+                            <a:noFill/>
+                          </a:ln>
+                          <a:solidFill>
+                            <a:prstClr val="black"/>
+                          </a:solidFill>
+                          <a:effectLst/>
+                          <a:uLnTx/>
+                          <a:uFillTx/>
+                          <a:latin typeface="Noto Serif" panose="02020600060500020200" pitchFamily="18" charset="0"/>
+                          <a:ea typeface="Noto Serif" panose="02020600060500020200" pitchFamily="18" charset="0"/>
+                          <a:cs typeface="Noto Serif" panose="02020600060500020200" pitchFamily="18" charset="0"/>
+                        </a:rPr>
+                        <a:t>giá</a:t>
+                      </a:r>
+                      <a:r>
+                        <a:rPr kumimoji="0" lang="en-US" sz="3200" b="0" i="0" u="none" strike="noStrike" kern="1200" cap="none" spc="0" normalizeH="0" baseline="0" noProof="0" dirty="0">
+                          <a:ln>
+                            <a:noFill/>
+                          </a:ln>
+                          <a:solidFill>
+                            <a:prstClr val="black"/>
+                          </a:solidFill>
+                          <a:effectLst/>
+                          <a:uLnTx/>
+                          <a:uFillTx/>
+                          <a:latin typeface="Noto Serif" panose="02020600060500020200" pitchFamily="18" charset="0"/>
+                          <a:ea typeface="Noto Serif" panose="02020600060500020200" pitchFamily="18" charset="0"/>
+                          <a:cs typeface="Noto Serif" panose="02020600060500020200" pitchFamily="18" charset="0"/>
+                        </a:rPr>
+                        <a:t> </a:t>
+                      </a:r>
+                      <a:r>
+                        <a:rPr kumimoji="0" lang="en-US" sz="3200" b="0" i="0" u="none" strike="noStrike" kern="1200" cap="none" spc="0" normalizeH="0" baseline="0" noProof="0" dirty="0" err="1">
+                          <a:ln>
+                            <a:noFill/>
+                          </a:ln>
+                          <a:solidFill>
+                            <a:prstClr val="black"/>
+                          </a:solidFill>
+                          <a:effectLst/>
+                          <a:uLnTx/>
+                          <a:uFillTx/>
+                          <a:latin typeface="Noto Serif" panose="02020600060500020200" pitchFamily="18" charset="0"/>
+                          <a:ea typeface="Noto Serif" panose="02020600060500020200" pitchFamily="18" charset="0"/>
+                          <a:cs typeface="Noto Serif" panose="02020600060500020200" pitchFamily="18" charset="0"/>
+                        </a:rPr>
+                        <a:t>mô</a:t>
+                      </a:r>
+                      <a:r>
+                        <a:rPr kumimoji="0" lang="en-US" sz="3200" b="0" i="0" u="none" strike="noStrike" kern="1200" cap="none" spc="0" normalizeH="0" baseline="0" noProof="0" dirty="0">
+                          <a:ln>
+                            <a:noFill/>
+                          </a:ln>
+                          <a:solidFill>
+                            <a:prstClr val="black"/>
+                          </a:solidFill>
+                          <a:effectLst/>
+                          <a:uLnTx/>
+                          <a:uFillTx/>
+                          <a:latin typeface="Noto Serif" panose="02020600060500020200" pitchFamily="18" charset="0"/>
+                          <a:ea typeface="Noto Serif" panose="02020600060500020200" pitchFamily="18" charset="0"/>
+                          <a:cs typeface="Noto Serif" panose="02020600060500020200" pitchFamily="18" charset="0"/>
+                        </a:rPr>
+                        <a:t> </a:t>
+                      </a:r>
+                      <a:r>
+                        <a:rPr kumimoji="0" lang="en-US" sz="3200" b="0" i="0" u="none" strike="noStrike" kern="1200" cap="none" spc="0" normalizeH="0" baseline="0" noProof="0" dirty="0" err="1">
+                          <a:ln>
+                            <a:noFill/>
+                          </a:ln>
+                          <a:solidFill>
+                            <a:prstClr val="black"/>
+                          </a:solidFill>
+                          <a:effectLst/>
+                          <a:uLnTx/>
+                          <a:uFillTx/>
+                          <a:latin typeface="Noto Serif" panose="02020600060500020200" pitchFamily="18" charset="0"/>
+                          <a:ea typeface="Noto Serif" panose="02020600060500020200" pitchFamily="18" charset="0"/>
+                          <a:cs typeface="Noto Serif" panose="02020600060500020200" pitchFamily="18" charset="0"/>
+                        </a:rPr>
+                        <a:t>hình</a:t>
+                      </a:r>
+                      <a:r>
+                        <a:rPr kumimoji="0" lang="en-US" sz="3200" b="0" i="0" u="none" strike="noStrike" kern="1200" cap="none" spc="0" normalizeH="0" baseline="0" noProof="0" dirty="0">
+                          <a:ln>
+                            <a:noFill/>
+                          </a:ln>
+                          <a:solidFill>
+                            <a:prstClr val="black"/>
+                          </a:solidFill>
+                          <a:effectLst/>
+                          <a:uLnTx/>
+                          <a:uFillTx/>
+                          <a:latin typeface="Noto Serif" panose="02020600060500020200" pitchFamily="18" charset="0"/>
+                          <a:ea typeface="Noto Serif" panose="02020600060500020200" pitchFamily="18" charset="0"/>
+                          <a:cs typeface="Noto Serif" panose="02020600060500020200" pitchFamily="18" charset="0"/>
+                        </a:rPr>
+                        <a:t>.</a:t>
                       </a:r>
                     </a:p>
                     <a:p>
-                      <a:endParaRPr lang="en-US"/>
+                      <a:pPr marL="0" marR="0" lvl="0" indent="0" algn="l" defTabSz="914400" rtl="0" eaLnBrk="1" fontAlgn="auto" latinLnBrk="0" hangingPunct="1">
+                        <a:lnSpc>
+                          <a:spcPct val="100000"/>
+                        </a:lnSpc>
+                        <a:spcBef>
+                          <a:spcPts val="0"/>
+                        </a:spcBef>
+                        <a:spcAft>
+                          <a:spcPts val="0"/>
+                        </a:spcAft>
+                        <a:buClrTx/>
+                        <a:buSzTx/>
+                        <a:buFontTx/>
+                        <a:buNone/>
+                        <a:tabLst/>
+                        <a:defRPr/>
+                      </a:pPr>
+                      <a:r>
+                        <a:rPr kumimoji="0" lang="en-US" sz="3200" b="0" i="0" u="none" strike="noStrike" kern="1200" cap="none" spc="0" normalizeH="0" baseline="0" noProof="0" dirty="0">
+                          <a:ln>
+                            <a:noFill/>
+                          </a:ln>
+                          <a:solidFill>
+                            <a:prstClr val="black"/>
+                          </a:solidFill>
+                          <a:effectLst/>
+                          <a:uLnTx/>
+                          <a:uFillTx/>
+                          <a:latin typeface="Noto Serif" panose="02020600060500020200" pitchFamily="18" charset="0"/>
+                          <a:ea typeface="Noto Serif" panose="02020600060500020200" pitchFamily="18" charset="0"/>
+                          <a:cs typeface="Noto Serif" panose="02020600060500020200" pitchFamily="18" charset="0"/>
+                        </a:rPr>
+                        <a:t>EDA: </a:t>
+                      </a:r>
+                      <a:r>
+                        <a:rPr kumimoji="0" lang="en-US" sz="3200" b="0" i="0" u="none" strike="noStrike" kern="1200" cap="none" spc="0" normalizeH="0" baseline="0" noProof="0" dirty="0" err="1">
+                          <a:ln>
+                            <a:noFill/>
+                          </a:ln>
+                          <a:solidFill>
+                            <a:prstClr val="black"/>
+                          </a:solidFill>
+                          <a:effectLst/>
+                          <a:uLnTx/>
+                          <a:uFillTx/>
+                          <a:latin typeface="Noto Serif" panose="02020600060500020200" pitchFamily="18" charset="0"/>
+                          <a:ea typeface="Noto Serif" panose="02020600060500020200" pitchFamily="18" charset="0"/>
+                          <a:cs typeface="Noto Serif" panose="02020600060500020200" pitchFamily="18" charset="0"/>
+                        </a:rPr>
+                        <a:t>Trực</a:t>
+                      </a:r>
+                      <a:r>
+                        <a:rPr kumimoji="0" lang="en-US" sz="3200" b="0" i="0" u="none" strike="noStrike" kern="1200" cap="none" spc="0" normalizeH="0" baseline="0" noProof="0" dirty="0">
+                          <a:ln>
+                            <a:noFill/>
+                          </a:ln>
+                          <a:solidFill>
+                            <a:prstClr val="black"/>
+                          </a:solidFill>
+                          <a:effectLst/>
+                          <a:uLnTx/>
+                          <a:uFillTx/>
+                          <a:latin typeface="Noto Serif" panose="02020600060500020200" pitchFamily="18" charset="0"/>
+                          <a:ea typeface="Noto Serif" panose="02020600060500020200" pitchFamily="18" charset="0"/>
+                          <a:cs typeface="Noto Serif" panose="02020600060500020200" pitchFamily="18" charset="0"/>
+                        </a:rPr>
+                        <a:t> </a:t>
+                      </a:r>
+                      <a:r>
+                        <a:rPr kumimoji="0" lang="en-US" sz="3200" b="0" i="0" u="none" strike="noStrike" kern="1200" cap="none" spc="0" normalizeH="0" baseline="0" noProof="0" dirty="0" err="1">
+                          <a:ln>
+                            <a:noFill/>
+                          </a:ln>
+                          <a:solidFill>
+                            <a:prstClr val="black"/>
+                          </a:solidFill>
+                          <a:effectLst/>
+                          <a:uLnTx/>
+                          <a:uFillTx/>
+                          <a:latin typeface="Noto Serif" panose="02020600060500020200" pitchFamily="18" charset="0"/>
+                          <a:ea typeface="Noto Serif" panose="02020600060500020200" pitchFamily="18" charset="0"/>
+                          <a:cs typeface="Noto Serif" panose="02020600060500020200" pitchFamily="18" charset="0"/>
+                        </a:rPr>
+                        <a:t>quan</a:t>
+                      </a:r>
+                      <a:r>
+                        <a:rPr kumimoji="0" lang="en-US" sz="3200" b="0" i="0" u="none" strike="noStrike" kern="1200" cap="none" spc="0" normalizeH="0" baseline="0" noProof="0" dirty="0">
+                          <a:ln>
+                            <a:noFill/>
+                          </a:ln>
+                          <a:solidFill>
+                            <a:prstClr val="black"/>
+                          </a:solidFill>
+                          <a:effectLst/>
+                          <a:uLnTx/>
+                          <a:uFillTx/>
+                          <a:latin typeface="Noto Serif" panose="02020600060500020200" pitchFamily="18" charset="0"/>
+                          <a:ea typeface="Noto Serif" panose="02020600060500020200" pitchFamily="18" charset="0"/>
+                          <a:cs typeface="Noto Serif" panose="02020600060500020200" pitchFamily="18" charset="0"/>
+                        </a:rPr>
+                        <a:t> </a:t>
+                      </a:r>
+                      <a:r>
+                        <a:rPr kumimoji="0" lang="en-US" sz="3200" b="0" i="0" u="none" strike="noStrike" kern="1200" cap="none" spc="0" normalizeH="0" baseline="0" noProof="0" dirty="0" err="1">
+                          <a:ln>
+                            <a:noFill/>
+                          </a:ln>
+                          <a:solidFill>
+                            <a:prstClr val="black"/>
+                          </a:solidFill>
+                          <a:effectLst/>
+                          <a:uLnTx/>
+                          <a:uFillTx/>
+                          <a:latin typeface="Noto Serif" panose="02020600060500020200" pitchFamily="18" charset="0"/>
+                          <a:ea typeface="Noto Serif" panose="02020600060500020200" pitchFamily="18" charset="0"/>
+                          <a:cs typeface="Noto Serif" panose="02020600060500020200" pitchFamily="18" charset="0"/>
+                        </a:rPr>
+                        <a:t>hoá</a:t>
+                      </a:r>
+                      <a:r>
+                        <a:rPr kumimoji="0" lang="en-US" sz="3200" b="0" i="0" u="none" strike="noStrike" kern="1200" cap="none" spc="0" normalizeH="0" baseline="0" noProof="0" dirty="0">
+                          <a:ln>
+                            <a:noFill/>
+                          </a:ln>
+                          <a:solidFill>
+                            <a:prstClr val="black"/>
+                          </a:solidFill>
+                          <a:effectLst/>
+                          <a:uLnTx/>
+                          <a:uFillTx/>
+                          <a:latin typeface="Noto Serif" panose="02020600060500020200" pitchFamily="18" charset="0"/>
+                          <a:ea typeface="Noto Serif" panose="02020600060500020200" pitchFamily="18" charset="0"/>
+                          <a:cs typeface="Noto Serif" panose="02020600060500020200" pitchFamily="18" charset="0"/>
+                        </a:rPr>
+                        <a:t> </a:t>
+                      </a:r>
+                      <a:r>
+                        <a:rPr kumimoji="0" lang="en-US" sz="3200" b="0" i="0" u="none" strike="noStrike" kern="1200" cap="none" spc="0" normalizeH="0" baseline="0" noProof="0" dirty="0" err="1">
+                          <a:ln>
+                            <a:noFill/>
+                          </a:ln>
+                          <a:solidFill>
+                            <a:prstClr val="black"/>
+                          </a:solidFill>
+                          <a:effectLst/>
+                          <a:uLnTx/>
+                          <a:uFillTx/>
+                          <a:latin typeface="Noto Serif" panose="02020600060500020200" pitchFamily="18" charset="0"/>
+                          <a:ea typeface="Noto Serif" panose="02020600060500020200" pitchFamily="18" charset="0"/>
+                          <a:cs typeface="Noto Serif" panose="02020600060500020200" pitchFamily="18" charset="0"/>
+                        </a:rPr>
+                        <a:t>dữ</a:t>
+                      </a:r>
+                      <a:r>
+                        <a:rPr kumimoji="0" lang="en-US" sz="3200" b="0" i="0" u="none" strike="noStrike" kern="1200" cap="none" spc="0" normalizeH="0" baseline="0" noProof="0" dirty="0">
+                          <a:ln>
+                            <a:noFill/>
+                          </a:ln>
+                          <a:solidFill>
+                            <a:prstClr val="black"/>
+                          </a:solidFill>
+                          <a:effectLst/>
+                          <a:uLnTx/>
+                          <a:uFillTx/>
+                          <a:latin typeface="Noto Serif" panose="02020600060500020200" pitchFamily="18" charset="0"/>
+                          <a:ea typeface="Noto Serif" panose="02020600060500020200" pitchFamily="18" charset="0"/>
+                          <a:cs typeface="Noto Serif" panose="02020600060500020200" pitchFamily="18" charset="0"/>
+                        </a:rPr>
+                        <a:t> </a:t>
+                      </a:r>
+                      <a:r>
+                        <a:rPr kumimoji="0" lang="en-US" sz="3200" b="0" i="0" u="none" strike="noStrike" kern="1200" cap="none" spc="0" normalizeH="0" baseline="0" noProof="0" dirty="0" err="1">
+                          <a:ln>
+                            <a:noFill/>
+                          </a:ln>
+                          <a:solidFill>
+                            <a:prstClr val="black"/>
+                          </a:solidFill>
+                          <a:effectLst/>
+                          <a:uLnTx/>
+                          <a:uFillTx/>
+                          <a:latin typeface="Noto Serif" panose="02020600060500020200" pitchFamily="18" charset="0"/>
+                          <a:ea typeface="Noto Serif" panose="02020600060500020200" pitchFamily="18" charset="0"/>
+                          <a:cs typeface="Noto Serif" panose="02020600060500020200" pitchFamily="18" charset="0"/>
+                        </a:rPr>
+                        <a:t>liệu</a:t>
+                      </a:r>
+                      <a:r>
+                        <a:rPr kumimoji="0" lang="en-US" sz="3200" b="0" i="0" u="none" strike="noStrike" kern="1200" cap="none" spc="0" normalizeH="0" baseline="0" noProof="0" dirty="0">
+                          <a:ln>
+                            <a:noFill/>
+                          </a:ln>
+                          <a:solidFill>
+                            <a:prstClr val="black"/>
+                          </a:solidFill>
+                          <a:effectLst/>
+                          <a:uLnTx/>
+                          <a:uFillTx/>
+                          <a:latin typeface="Noto Serif" panose="02020600060500020200" pitchFamily="18" charset="0"/>
+                          <a:ea typeface="Noto Serif" panose="02020600060500020200" pitchFamily="18" charset="0"/>
+                          <a:cs typeface="Noto Serif" panose="02020600060500020200" pitchFamily="18" charset="0"/>
+                        </a:rPr>
+                        <a:t>.</a:t>
+                      </a:r>
+                    </a:p>
+                    <a:p>
+                      <a:pPr marL="0" marR="0" lvl="0" indent="0" algn="l" defTabSz="914400" rtl="0" eaLnBrk="1" fontAlgn="auto" latinLnBrk="0" hangingPunct="1">
+                        <a:lnSpc>
+                          <a:spcPct val="100000"/>
+                        </a:lnSpc>
+                        <a:spcBef>
+                          <a:spcPts val="0"/>
+                        </a:spcBef>
+                        <a:spcAft>
+                          <a:spcPts val="0"/>
+                        </a:spcAft>
+                        <a:buClrTx/>
+                        <a:buSzTx/>
+                        <a:buFontTx/>
+                        <a:buNone/>
+                        <a:tabLst/>
+                        <a:defRPr/>
+                      </a:pPr>
+                      <a:endParaRPr kumimoji="0" lang="en-US" sz="3200" b="0" i="0" u="none" strike="noStrike" kern="1200" cap="none" spc="0" normalizeH="0" baseline="0" noProof="0" dirty="0">
+                        <a:ln>
+                          <a:noFill/>
+                        </a:ln>
+                        <a:solidFill>
+                          <a:prstClr val="black"/>
+                        </a:solidFill>
+                        <a:effectLst/>
+                        <a:uLnTx/>
+                        <a:uFillTx/>
+                        <a:latin typeface="Noto Serif" panose="02020600060500020200" pitchFamily="18" charset="0"/>
+                        <a:ea typeface="Noto Serif" panose="02020600060500020200" pitchFamily="18" charset="0"/>
+                        <a:cs typeface="Noto Serif" panose="02020600060500020200" pitchFamily="18" charset="0"/>
+                      </a:endParaRPr>
+                    </a:p>
+                    <a:p>
+                      <a:endParaRPr lang="en-US" dirty="0"/>
                     </a:p>
                   </a:txBody>
                   <a:tcPr/>
@@ -4306,25 +5533,931 @@
                         <a:defRPr/>
                       </a:pPr>
                       <a:r>
-                        <a:rPr kumimoji="0" lang="en-US" sz="3200" b="0" i="0" u="none" strike="noStrike" kern="1200" cap="none" spc="0" normalizeH="0" baseline="0" noProof="0">
-                          <a:ln>
-                            <a:noFill/>
-                          </a:ln>
-                          <a:solidFill>
-                            <a:prstClr val="black"/>
-                          </a:solidFill>
-                          <a:effectLst/>
-                          <a:uLnTx/>
-                          <a:uFillTx/>
-                          <a:latin typeface="Noto Serif" panose="02020600060500020200" pitchFamily="18" charset="0"/>
-                          <a:ea typeface="Noto Serif" panose="02020600060500020200" pitchFamily="18" charset="0"/>
-                          <a:cs typeface="Noto Serif" panose="02020600060500020200" pitchFamily="18" charset="0"/>
-                        </a:rPr>
-                        <a:t>Tìm thuật toán tối ưu</a:t>
+                        <a:rPr kumimoji="0" lang="en-US" sz="3200" b="0" i="0" u="none" strike="noStrike" kern="1200" cap="none" spc="0" normalizeH="0" baseline="0" noProof="0" dirty="0" err="1">
+                          <a:ln>
+                            <a:noFill/>
+                          </a:ln>
+                          <a:solidFill>
+                            <a:prstClr val="black"/>
+                          </a:solidFill>
+                          <a:effectLst/>
+                          <a:uLnTx/>
+                          <a:uFillTx/>
+                          <a:latin typeface="Noto Serif" panose="02020600060500020200" pitchFamily="18" charset="0"/>
+                          <a:ea typeface="Noto Serif" panose="02020600060500020200" pitchFamily="18" charset="0"/>
+                          <a:cs typeface="Noto Serif" panose="02020600060500020200" pitchFamily="18" charset="0"/>
+                        </a:rPr>
+                        <a:t>Tìm</a:t>
+                      </a:r>
+                      <a:r>
+                        <a:rPr kumimoji="0" lang="en-US" sz="3200" b="0" i="0" u="none" strike="noStrike" kern="1200" cap="none" spc="0" normalizeH="0" baseline="0" noProof="0" dirty="0">
+                          <a:ln>
+                            <a:noFill/>
+                          </a:ln>
+                          <a:solidFill>
+                            <a:prstClr val="black"/>
+                          </a:solidFill>
+                          <a:effectLst/>
+                          <a:uLnTx/>
+                          <a:uFillTx/>
+                          <a:latin typeface="Noto Serif" panose="02020600060500020200" pitchFamily="18" charset="0"/>
+                          <a:ea typeface="Noto Serif" panose="02020600060500020200" pitchFamily="18" charset="0"/>
+                          <a:cs typeface="Noto Serif" panose="02020600060500020200" pitchFamily="18" charset="0"/>
+                        </a:rPr>
+                        <a:t> </a:t>
+                      </a:r>
+                      <a:r>
+                        <a:rPr kumimoji="0" lang="en-US" sz="3200" b="0" i="0" u="none" strike="noStrike" kern="1200" cap="none" spc="0" normalizeH="0" baseline="0" noProof="0" dirty="0" err="1">
+                          <a:ln>
+                            <a:noFill/>
+                          </a:ln>
+                          <a:solidFill>
+                            <a:prstClr val="black"/>
+                          </a:solidFill>
+                          <a:effectLst/>
+                          <a:uLnTx/>
+                          <a:uFillTx/>
+                          <a:latin typeface="Noto Serif" panose="02020600060500020200" pitchFamily="18" charset="0"/>
+                          <a:ea typeface="Noto Serif" panose="02020600060500020200" pitchFamily="18" charset="0"/>
+                          <a:cs typeface="Noto Serif" panose="02020600060500020200" pitchFamily="18" charset="0"/>
+                        </a:rPr>
+                        <a:t>thuật</a:t>
+                      </a:r>
+                      <a:r>
+                        <a:rPr kumimoji="0" lang="en-US" sz="3200" b="0" i="0" u="none" strike="noStrike" kern="1200" cap="none" spc="0" normalizeH="0" baseline="0" noProof="0" dirty="0">
+                          <a:ln>
+                            <a:noFill/>
+                          </a:ln>
+                          <a:solidFill>
+                            <a:prstClr val="black"/>
+                          </a:solidFill>
+                          <a:effectLst/>
+                          <a:uLnTx/>
+                          <a:uFillTx/>
+                          <a:latin typeface="Noto Serif" panose="02020600060500020200" pitchFamily="18" charset="0"/>
+                          <a:ea typeface="Noto Serif" panose="02020600060500020200" pitchFamily="18" charset="0"/>
+                          <a:cs typeface="Noto Serif" panose="02020600060500020200" pitchFamily="18" charset="0"/>
+                        </a:rPr>
+                        <a:t> </a:t>
+                      </a:r>
+                      <a:r>
+                        <a:rPr kumimoji="0" lang="en-US" sz="3200" b="0" i="0" u="none" strike="noStrike" kern="1200" cap="none" spc="0" normalizeH="0" baseline="0" noProof="0" dirty="0" err="1">
+                          <a:ln>
+                            <a:noFill/>
+                          </a:ln>
+                          <a:solidFill>
+                            <a:prstClr val="black"/>
+                          </a:solidFill>
+                          <a:effectLst/>
+                          <a:uLnTx/>
+                          <a:uFillTx/>
+                          <a:latin typeface="Noto Serif" panose="02020600060500020200" pitchFamily="18" charset="0"/>
+                          <a:ea typeface="Noto Serif" panose="02020600060500020200" pitchFamily="18" charset="0"/>
+                          <a:cs typeface="Noto Serif" panose="02020600060500020200" pitchFamily="18" charset="0"/>
+                        </a:rPr>
+                        <a:t>toán</a:t>
+                      </a:r>
+                      <a:r>
+                        <a:rPr kumimoji="0" lang="en-US" sz="3200" b="0" i="0" u="none" strike="noStrike" kern="1200" cap="none" spc="0" normalizeH="0" baseline="0" noProof="0" dirty="0">
+                          <a:ln>
+                            <a:noFill/>
+                          </a:ln>
+                          <a:solidFill>
+                            <a:prstClr val="black"/>
+                          </a:solidFill>
+                          <a:effectLst/>
+                          <a:uLnTx/>
+                          <a:uFillTx/>
+                          <a:latin typeface="Noto Serif" panose="02020600060500020200" pitchFamily="18" charset="0"/>
+                          <a:ea typeface="Noto Serif" panose="02020600060500020200" pitchFamily="18" charset="0"/>
+                          <a:cs typeface="Noto Serif" panose="02020600060500020200" pitchFamily="18" charset="0"/>
+                        </a:rPr>
+                        <a:t> </a:t>
+                      </a:r>
+                      <a:r>
+                        <a:rPr kumimoji="0" lang="en-US" sz="3200" b="0" i="0" u="none" strike="noStrike" kern="1200" cap="none" spc="0" normalizeH="0" baseline="0" noProof="0" dirty="0" err="1">
+                          <a:ln>
+                            <a:noFill/>
+                          </a:ln>
+                          <a:solidFill>
+                            <a:prstClr val="black"/>
+                          </a:solidFill>
+                          <a:effectLst/>
+                          <a:uLnTx/>
+                          <a:uFillTx/>
+                          <a:latin typeface="Noto Serif" panose="02020600060500020200" pitchFamily="18" charset="0"/>
+                          <a:ea typeface="Noto Serif" panose="02020600060500020200" pitchFamily="18" charset="0"/>
+                          <a:cs typeface="Noto Serif" panose="02020600060500020200" pitchFamily="18" charset="0"/>
+                        </a:rPr>
+                        <a:t>tối</a:t>
+                      </a:r>
+                      <a:r>
+                        <a:rPr kumimoji="0" lang="en-US" sz="3200" b="0" i="0" u="none" strike="noStrike" kern="1200" cap="none" spc="0" normalizeH="0" baseline="0" noProof="0" dirty="0">
+                          <a:ln>
+                            <a:noFill/>
+                          </a:ln>
+                          <a:solidFill>
+                            <a:prstClr val="black"/>
+                          </a:solidFill>
+                          <a:effectLst/>
+                          <a:uLnTx/>
+                          <a:uFillTx/>
+                          <a:latin typeface="Noto Serif" panose="02020600060500020200" pitchFamily="18" charset="0"/>
+                          <a:ea typeface="Noto Serif" panose="02020600060500020200" pitchFamily="18" charset="0"/>
+                          <a:cs typeface="Noto Serif" panose="02020600060500020200" pitchFamily="18" charset="0"/>
+                        </a:rPr>
+                        <a:t> </a:t>
+                      </a:r>
+                      <a:r>
+                        <a:rPr kumimoji="0" lang="en-US" sz="3200" b="0" i="0" u="none" strike="noStrike" kern="1200" cap="none" spc="0" normalizeH="0" baseline="0" noProof="0" dirty="0" err="1">
+                          <a:ln>
+                            <a:noFill/>
+                          </a:ln>
+                          <a:solidFill>
+                            <a:prstClr val="black"/>
+                          </a:solidFill>
+                          <a:effectLst/>
+                          <a:uLnTx/>
+                          <a:uFillTx/>
+                          <a:latin typeface="Noto Serif" panose="02020600060500020200" pitchFamily="18" charset="0"/>
+                          <a:ea typeface="Noto Serif" panose="02020600060500020200" pitchFamily="18" charset="0"/>
+                          <a:cs typeface="Noto Serif" panose="02020600060500020200" pitchFamily="18" charset="0"/>
+                        </a:rPr>
+                        <a:t>ưu</a:t>
+                      </a:r>
+                      <a:r>
+                        <a:rPr kumimoji="0" lang="en-US" sz="3200" b="0" i="0" u="none" strike="noStrike" kern="1200" cap="none" spc="0" normalizeH="0" baseline="0" noProof="0" dirty="0">
+                          <a:ln>
+                            <a:noFill/>
+                          </a:ln>
+                          <a:solidFill>
+                            <a:prstClr val="black"/>
+                          </a:solidFill>
+                          <a:effectLst/>
+                          <a:uLnTx/>
+                          <a:uFillTx/>
+                          <a:latin typeface="Noto Serif" panose="02020600060500020200" pitchFamily="18" charset="0"/>
+                          <a:ea typeface="Noto Serif" panose="02020600060500020200" pitchFamily="18" charset="0"/>
+                          <a:cs typeface="Noto Serif" panose="02020600060500020200" pitchFamily="18" charset="0"/>
+                        </a:rPr>
+                        <a:t>.</a:t>
                       </a:r>
                     </a:p>
                     <a:p>
-                      <a:endParaRPr lang="en-US"/>
+                      <a:pPr marL="0" marR="0" lvl="0" indent="0" algn="l" defTabSz="914400" rtl="0" eaLnBrk="1" fontAlgn="auto" latinLnBrk="0" hangingPunct="1">
+                        <a:lnSpc>
+                          <a:spcPct val="100000"/>
+                        </a:lnSpc>
+                        <a:spcBef>
+                          <a:spcPts val="0"/>
+                        </a:spcBef>
+                        <a:spcAft>
+                          <a:spcPts val="0"/>
+                        </a:spcAft>
+                        <a:buClrTx/>
+                        <a:buSzTx/>
+                        <a:buFontTx/>
+                        <a:buNone/>
+                        <a:tabLst/>
+                        <a:defRPr/>
+                      </a:pPr>
+                      <a:r>
+                        <a:rPr kumimoji="0" lang="en-US" sz="3200" b="0" i="0" u="none" strike="noStrike" kern="1200" cap="none" spc="0" normalizeH="0" baseline="0" noProof="0" dirty="0" err="1">
+                          <a:ln>
+                            <a:noFill/>
+                          </a:ln>
+                          <a:solidFill>
+                            <a:prstClr val="black"/>
+                          </a:solidFill>
+                          <a:effectLst/>
+                          <a:uLnTx/>
+                          <a:uFillTx/>
+                          <a:latin typeface="Noto Serif" panose="02020600060500020200" pitchFamily="18" charset="0"/>
+                          <a:ea typeface="Noto Serif" panose="02020600060500020200" pitchFamily="18" charset="0"/>
+                          <a:cs typeface="Noto Serif" panose="02020600060500020200" pitchFamily="18" charset="0"/>
+                        </a:rPr>
+                        <a:t>Tìm</a:t>
+                      </a:r>
+                      <a:r>
+                        <a:rPr kumimoji="0" lang="en-US" sz="3200" b="0" i="0" u="none" strike="noStrike" kern="1200" cap="none" spc="0" normalizeH="0" baseline="0" noProof="0" dirty="0">
+                          <a:ln>
+                            <a:noFill/>
+                          </a:ln>
+                          <a:solidFill>
+                            <a:prstClr val="black"/>
+                          </a:solidFill>
+                          <a:effectLst/>
+                          <a:uLnTx/>
+                          <a:uFillTx/>
+                          <a:latin typeface="Noto Serif" panose="02020600060500020200" pitchFamily="18" charset="0"/>
+                          <a:ea typeface="Noto Serif" panose="02020600060500020200" pitchFamily="18" charset="0"/>
+                          <a:cs typeface="Noto Serif" panose="02020600060500020200" pitchFamily="18" charset="0"/>
+                        </a:rPr>
+                        <a:t> </a:t>
+                      </a:r>
+                      <a:r>
+                        <a:rPr kumimoji="0" lang="en-US" sz="3200" b="0" i="0" u="none" strike="noStrike" kern="1200" cap="none" spc="0" normalizeH="0" baseline="0" noProof="0" dirty="0" err="1">
+                          <a:ln>
+                            <a:noFill/>
+                          </a:ln>
+                          <a:solidFill>
+                            <a:prstClr val="black"/>
+                          </a:solidFill>
+                          <a:effectLst/>
+                          <a:uLnTx/>
+                          <a:uFillTx/>
+                          <a:latin typeface="Noto Serif" panose="02020600060500020200" pitchFamily="18" charset="0"/>
+                          <a:ea typeface="Noto Serif" panose="02020600060500020200" pitchFamily="18" charset="0"/>
+                          <a:cs typeface="Noto Serif" panose="02020600060500020200" pitchFamily="18" charset="0"/>
+                        </a:rPr>
+                        <a:t>hiểu</a:t>
+                      </a:r>
+                      <a:r>
+                        <a:rPr kumimoji="0" lang="en-US" sz="3200" b="0" i="0" u="none" strike="noStrike" kern="1200" cap="none" spc="0" normalizeH="0" baseline="0" noProof="0" dirty="0">
+                          <a:ln>
+                            <a:noFill/>
+                          </a:ln>
+                          <a:solidFill>
+                            <a:prstClr val="black"/>
+                          </a:solidFill>
+                          <a:effectLst/>
+                          <a:uLnTx/>
+                          <a:uFillTx/>
+                          <a:latin typeface="Noto Serif" panose="02020600060500020200" pitchFamily="18" charset="0"/>
+                          <a:ea typeface="Noto Serif" panose="02020600060500020200" pitchFamily="18" charset="0"/>
+                          <a:cs typeface="Noto Serif" panose="02020600060500020200" pitchFamily="18" charset="0"/>
+                        </a:rPr>
+                        <a:t> </a:t>
+                      </a:r>
+                      <a:r>
+                        <a:rPr kumimoji="0" lang="en-US" sz="3200" b="0" i="0" u="none" strike="noStrike" kern="1200" cap="none" spc="0" normalizeH="0" baseline="0" noProof="0" dirty="0" err="1">
+                          <a:ln>
+                            <a:noFill/>
+                          </a:ln>
+                          <a:solidFill>
+                            <a:prstClr val="black"/>
+                          </a:solidFill>
+                          <a:effectLst/>
+                          <a:uLnTx/>
+                          <a:uFillTx/>
+                          <a:latin typeface="Noto Serif" panose="02020600060500020200" pitchFamily="18" charset="0"/>
+                          <a:ea typeface="Noto Serif" panose="02020600060500020200" pitchFamily="18" charset="0"/>
+                          <a:cs typeface="Noto Serif" panose="02020600060500020200" pitchFamily="18" charset="0"/>
+                        </a:rPr>
+                        <a:t>lý</a:t>
+                      </a:r>
+                      <a:r>
+                        <a:rPr kumimoji="0" lang="en-US" sz="3200" b="0" i="0" u="none" strike="noStrike" kern="1200" cap="none" spc="0" normalizeH="0" baseline="0" noProof="0" dirty="0">
+                          <a:ln>
+                            <a:noFill/>
+                          </a:ln>
+                          <a:solidFill>
+                            <a:prstClr val="black"/>
+                          </a:solidFill>
+                          <a:effectLst/>
+                          <a:uLnTx/>
+                          <a:uFillTx/>
+                          <a:latin typeface="Noto Serif" panose="02020600060500020200" pitchFamily="18" charset="0"/>
+                          <a:ea typeface="Noto Serif" panose="02020600060500020200" pitchFamily="18" charset="0"/>
+                          <a:cs typeface="Noto Serif" panose="02020600060500020200" pitchFamily="18" charset="0"/>
+                        </a:rPr>
+                        <a:t> </a:t>
+                      </a:r>
+                      <a:r>
+                        <a:rPr kumimoji="0" lang="en-US" sz="3200" b="0" i="0" u="none" strike="noStrike" kern="1200" cap="none" spc="0" normalizeH="0" baseline="0" noProof="0" dirty="0" err="1">
+                          <a:ln>
+                            <a:noFill/>
+                          </a:ln>
+                          <a:solidFill>
+                            <a:prstClr val="black"/>
+                          </a:solidFill>
+                          <a:effectLst/>
+                          <a:uLnTx/>
+                          <a:uFillTx/>
+                          <a:latin typeface="Noto Serif" panose="02020600060500020200" pitchFamily="18" charset="0"/>
+                          <a:ea typeface="Noto Serif" panose="02020600060500020200" pitchFamily="18" charset="0"/>
+                          <a:cs typeface="Noto Serif" panose="02020600060500020200" pitchFamily="18" charset="0"/>
+                        </a:rPr>
+                        <a:t>thuyết</a:t>
+                      </a:r>
+                      <a:r>
+                        <a:rPr kumimoji="0" lang="en-US" sz="3200" b="0" i="0" u="none" strike="noStrike" kern="1200" cap="none" spc="0" normalizeH="0" baseline="0" noProof="0" dirty="0">
+                          <a:ln>
+                            <a:noFill/>
+                          </a:ln>
+                          <a:solidFill>
+                            <a:prstClr val="black"/>
+                          </a:solidFill>
+                          <a:effectLst/>
+                          <a:uLnTx/>
+                          <a:uFillTx/>
+                          <a:latin typeface="Noto Serif" panose="02020600060500020200" pitchFamily="18" charset="0"/>
+                          <a:ea typeface="Noto Serif" panose="02020600060500020200" pitchFamily="18" charset="0"/>
+                          <a:cs typeface="Noto Serif" panose="02020600060500020200" pitchFamily="18" charset="0"/>
+                        </a:rPr>
+                        <a:t> </a:t>
+                      </a:r>
+                      <a:r>
+                        <a:rPr kumimoji="0" lang="en-US" sz="3200" b="0" i="0" u="none" strike="noStrike" kern="1200" cap="none" spc="0" normalizeH="0" baseline="0" noProof="0" dirty="0" err="1">
+                          <a:ln>
+                            <a:noFill/>
+                          </a:ln>
+                          <a:solidFill>
+                            <a:prstClr val="black"/>
+                          </a:solidFill>
+                          <a:effectLst/>
+                          <a:uLnTx/>
+                          <a:uFillTx/>
+                          <a:latin typeface="Noto Serif" panose="02020600060500020200" pitchFamily="18" charset="0"/>
+                          <a:ea typeface="Noto Serif" panose="02020600060500020200" pitchFamily="18" charset="0"/>
+                          <a:cs typeface="Noto Serif" panose="02020600060500020200" pitchFamily="18" charset="0"/>
+                        </a:rPr>
+                        <a:t>về</a:t>
+                      </a:r>
+                      <a:r>
+                        <a:rPr kumimoji="0" lang="en-US" sz="3200" b="0" i="0" u="none" strike="noStrike" kern="1200" cap="none" spc="0" normalizeH="0" baseline="0" noProof="0" dirty="0">
+                          <a:ln>
+                            <a:noFill/>
+                          </a:ln>
+                          <a:solidFill>
+                            <a:prstClr val="black"/>
+                          </a:solidFill>
+                          <a:effectLst/>
+                          <a:uLnTx/>
+                          <a:uFillTx/>
+                          <a:latin typeface="Noto Serif" panose="02020600060500020200" pitchFamily="18" charset="0"/>
+                          <a:ea typeface="Noto Serif" panose="02020600060500020200" pitchFamily="18" charset="0"/>
+                          <a:cs typeface="Noto Serif" panose="02020600060500020200" pitchFamily="18" charset="0"/>
+                        </a:rPr>
+                        <a:t> </a:t>
+                      </a:r>
+                      <a:r>
+                        <a:rPr kumimoji="0" lang="en-US" sz="3200" b="0" i="0" u="none" strike="noStrike" kern="1200" cap="none" spc="0" normalizeH="0" baseline="0" noProof="0" dirty="0" err="1">
+                          <a:ln>
+                            <a:noFill/>
+                          </a:ln>
+                          <a:solidFill>
+                            <a:prstClr val="black"/>
+                          </a:solidFill>
+                          <a:effectLst/>
+                          <a:uLnTx/>
+                          <a:uFillTx/>
+                          <a:latin typeface="Noto Serif" panose="02020600060500020200" pitchFamily="18" charset="0"/>
+                          <a:ea typeface="Noto Serif" panose="02020600060500020200" pitchFamily="18" charset="0"/>
+                          <a:cs typeface="Noto Serif" panose="02020600060500020200" pitchFamily="18" charset="0"/>
+                        </a:rPr>
+                        <a:t>phần</a:t>
+                      </a:r>
+                      <a:r>
+                        <a:rPr kumimoji="0" lang="en-US" sz="3200" b="0" i="0" u="none" strike="noStrike" kern="1200" cap="none" spc="0" normalizeH="0" baseline="0" noProof="0" dirty="0">
+                          <a:ln>
+                            <a:noFill/>
+                          </a:ln>
+                          <a:solidFill>
+                            <a:prstClr val="black"/>
+                          </a:solidFill>
+                          <a:effectLst/>
+                          <a:uLnTx/>
+                          <a:uFillTx/>
+                          <a:latin typeface="Noto Serif" panose="02020600060500020200" pitchFamily="18" charset="0"/>
+                          <a:ea typeface="Noto Serif" panose="02020600060500020200" pitchFamily="18" charset="0"/>
+                          <a:cs typeface="Noto Serif" panose="02020600060500020200" pitchFamily="18" charset="0"/>
+                        </a:rPr>
+                        <a:t> </a:t>
+                      </a:r>
+                      <a:r>
+                        <a:rPr kumimoji="0" lang="en-US" sz="3200" b="0" i="0" u="none" strike="noStrike" kern="1200" cap="none" spc="0" normalizeH="0" baseline="0" noProof="0" dirty="0" err="1">
+                          <a:ln>
+                            <a:noFill/>
+                          </a:ln>
+                          <a:solidFill>
+                            <a:prstClr val="black"/>
+                          </a:solidFill>
+                          <a:effectLst/>
+                          <a:uLnTx/>
+                          <a:uFillTx/>
+                          <a:latin typeface="Noto Serif" panose="02020600060500020200" pitchFamily="18" charset="0"/>
+                          <a:ea typeface="Noto Serif" panose="02020600060500020200" pitchFamily="18" charset="0"/>
+                          <a:cs typeface="Noto Serif" panose="02020600060500020200" pitchFamily="18" charset="0"/>
+                        </a:rPr>
+                        <a:t>học</a:t>
+                      </a:r>
+                      <a:r>
+                        <a:rPr kumimoji="0" lang="en-US" sz="3200" b="0" i="0" u="none" strike="noStrike" kern="1200" cap="none" spc="0" normalizeH="0" baseline="0" noProof="0" dirty="0">
+                          <a:ln>
+                            <a:noFill/>
+                          </a:ln>
+                          <a:solidFill>
+                            <a:prstClr val="black"/>
+                          </a:solidFill>
+                          <a:effectLst/>
+                          <a:uLnTx/>
+                          <a:uFillTx/>
+                          <a:latin typeface="Noto Serif" panose="02020600060500020200" pitchFamily="18" charset="0"/>
+                          <a:ea typeface="Noto Serif" panose="02020600060500020200" pitchFamily="18" charset="0"/>
+                          <a:cs typeface="Noto Serif" panose="02020600060500020200" pitchFamily="18" charset="0"/>
+                        </a:rPr>
+                        <a:t> </a:t>
+                      </a:r>
+                      <a:r>
+                        <a:rPr kumimoji="0" lang="en-US" sz="3200" b="0" i="0" u="none" strike="noStrike" kern="1200" cap="none" spc="0" normalizeH="0" baseline="0" noProof="0" dirty="0" err="1">
+                          <a:ln>
+                            <a:noFill/>
+                          </a:ln>
+                          <a:solidFill>
+                            <a:prstClr val="black"/>
+                          </a:solidFill>
+                          <a:effectLst/>
+                          <a:uLnTx/>
+                          <a:uFillTx/>
+                          <a:latin typeface="Noto Serif" panose="02020600060500020200" pitchFamily="18" charset="0"/>
+                          <a:ea typeface="Noto Serif" panose="02020600060500020200" pitchFamily="18" charset="0"/>
+                          <a:cs typeface="Noto Serif" panose="02020600060500020200" pitchFamily="18" charset="0"/>
+                        </a:rPr>
+                        <a:t>máy</a:t>
+                      </a:r>
+                      <a:r>
+                        <a:rPr kumimoji="0" lang="en-US" sz="3200" b="0" i="0" u="none" strike="noStrike" kern="1200" cap="none" spc="0" normalizeH="0" baseline="0" noProof="0" dirty="0">
+                          <a:ln>
+                            <a:noFill/>
+                          </a:ln>
+                          <a:solidFill>
+                            <a:prstClr val="black"/>
+                          </a:solidFill>
+                          <a:effectLst/>
+                          <a:uLnTx/>
+                          <a:uFillTx/>
+                          <a:latin typeface="Noto Serif" panose="02020600060500020200" pitchFamily="18" charset="0"/>
+                          <a:ea typeface="Noto Serif" panose="02020600060500020200" pitchFamily="18" charset="0"/>
+                          <a:cs typeface="Noto Serif" panose="02020600060500020200" pitchFamily="18" charset="0"/>
+                        </a:rPr>
+                        <a:t>.</a:t>
+                      </a:r>
+                    </a:p>
+                    <a:p>
+                      <a:pPr marL="0" marR="0" lvl="0" indent="0" algn="l" defTabSz="914400" rtl="0" eaLnBrk="1" fontAlgn="auto" latinLnBrk="0" hangingPunct="1">
+                        <a:lnSpc>
+                          <a:spcPct val="100000"/>
+                        </a:lnSpc>
+                        <a:spcBef>
+                          <a:spcPts val="0"/>
+                        </a:spcBef>
+                        <a:spcAft>
+                          <a:spcPts val="0"/>
+                        </a:spcAft>
+                        <a:buClrTx/>
+                        <a:buSzTx/>
+                        <a:buFontTx/>
+                        <a:buNone/>
+                        <a:tabLst/>
+                        <a:defRPr/>
+                      </a:pPr>
+                      <a:r>
+                        <a:rPr kumimoji="0" lang="en-US" sz="3200" b="0" i="0" u="none" strike="noStrike" kern="1200" cap="none" spc="0" normalizeH="0" baseline="0" noProof="0" dirty="0" err="1">
+                          <a:ln>
+                            <a:noFill/>
+                          </a:ln>
+                          <a:solidFill>
+                            <a:prstClr val="black"/>
+                          </a:solidFill>
+                          <a:effectLst/>
+                          <a:uLnTx/>
+                          <a:uFillTx/>
+                          <a:latin typeface="Noto Serif" panose="02020600060500020200" pitchFamily="18" charset="0"/>
+                          <a:ea typeface="Noto Serif" panose="02020600060500020200" pitchFamily="18" charset="0"/>
+                          <a:cs typeface="Noto Serif" panose="02020600060500020200" pitchFamily="18" charset="0"/>
+                        </a:rPr>
+                        <a:t>Tìm</a:t>
+                      </a:r>
+                      <a:r>
+                        <a:rPr kumimoji="0" lang="en-US" sz="3200" b="0" i="0" u="none" strike="noStrike" kern="1200" cap="none" spc="0" normalizeH="0" baseline="0" noProof="0" dirty="0">
+                          <a:ln>
+                            <a:noFill/>
+                          </a:ln>
+                          <a:solidFill>
+                            <a:prstClr val="black"/>
+                          </a:solidFill>
+                          <a:effectLst/>
+                          <a:uLnTx/>
+                          <a:uFillTx/>
+                          <a:latin typeface="Noto Serif" panose="02020600060500020200" pitchFamily="18" charset="0"/>
+                          <a:ea typeface="Noto Serif" panose="02020600060500020200" pitchFamily="18" charset="0"/>
+                          <a:cs typeface="Noto Serif" panose="02020600060500020200" pitchFamily="18" charset="0"/>
+                        </a:rPr>
+                        <a:t> </a:t>
+                      </a:r>
+                      <a:r>
+                        <a:rPr kumimoji="0" lang="en-US" sz="3200" b="0" i="0" u="none" strike="noStrike" kern="1200" cap="none" spc="0" normalizeH="0" baseline="0" noProof="0" dirty="0" err="1">
+                          <a:ln>
+                            <a:noFill/>
+                          </a:ln>
+                          <a:solidFill>
+                            <a:prstClr val="black"/>
+                          </a:solidFill>
+                          <a:effectLst/>
+                          <a:uLnTx/>
+                          <a:uFillTx/>
+                          <a:latin typeface="Noto Serif" panose="02020600060500020200" pitchFamily="18" charset="0"/>
+                          <a:ea typeface="Noto Serif" panose="02020600060500020200" pitchFamily="18" charset="0"/>
+                          <a:cs typeface="Noto Serif" panose="02020600060500020200" pitchFamily="18" charset="0"/>
+                        </a:rPr>
+                        <a:t>hiểu</a:t>
+                      </a:r>
+                      <a:r>
+                        <a:rPr kumimoji="0" lang="en-US" sz="3200" b="0" i="0" u="none" strike="noStrike" kern="1200" cap="none" spc="0" normalizeH="0" baseline="0" noProof="0" dirty="0">
+                          <a:ln>
+                            <a:noFill/>
+                          </a:ln>
+                          <a:solidFill>
+                            <a:prstClr val="black"/>
+                          </a:solidFill>
+                          <a:effectLst/>
+                          <a:uLnTx/>
+                          <a:uFillTx/>
+                          <a:latin typeface="Noto Serif" panose="02020600060500020200" pitchFamily="18" charset="0"/>
+                          <a:ea typeface="Noto Serif" panose="02020600060500020200" pitchFamily="18" charset="0"/>
+                          <a:cs typeface="Noto Serif" panose="02020600060500020200" pitchFamily="18" charset="0"/>
+                        </a:rPr>
+                        <a:t> </a:t>
+                      </a:r>
+                      <a:r>
+                        <a:rPr kumimoji="0" lang="en-US" sz="3200" b="0" i="0" u="none" strike="noStrike" kern="1200" cap="none" spc="0" normalizeH="0" baseline="0" noProof="0" dirty="0" err="1">
+                          <a:ln>
+                            <a:noFill/>
+                          </a:ln>
+                          <a:solidFill>
+                            <a:prstClr val="black"/>
+                          </a:solidFill>
+                          <a:effectLst/>
+                          <a:uLnTx/>
+                          <a:uFillTx/>
+                          <a:latin typeface="Noto Serif" panose="02020600060500020200" pitchFamily="18" charset="0"/>
+                          <a:ea typeface="Noto Serif" panose="02020600060500020200" pitchFamily="18" charset="0"/>
+                          <a:cs typeface="Noto Serif" panose="02020600060500020200" pitchFamily="18" charset="0"/>
+                        </a:rPr>
+                        <a:t>nguồn</a:t>
+                      </a:r>
+                      <a:r>
+                        <a:rPr kumimoji="0" lang="en-US" sz="3200" b="0" i="0" u="none" strike="noStrike" kern="1200" cap="none" spc="0" normalizeH="0" baseline="0" noProof="0" dirty="0">
+                          <a:ln>
+                            <a:noFill/>
+                          </a:ln>
+                          <a:solidFill>
+                            <a:prstClr val="black"/>
+                          </a:solidFill>
+                          <a:effectLst/>
+                          <a:uLnTx/>
+                          <a:uFillTx/>
+                          <a:latin typeface="Noto Serif" panose="02020600060500020200" pitchFamily="18" charset="0"/>
+                          <a:ea typeface="Noto Serif" panose="02020600060500020200" pitchFamily="18" charset="0"/>
+                          <a:cs typeface="Noto Serif" panose="02020600060500020200" pitchFamily="18" charset="0"/>
+                        </a:rPr>
+                        <a:t> </a:t>
+                      </a:r>
+                      <a:r>
+                        <a:rPr kumimoji="0" lang="en-US" sz="3200" b="0" i="0" u="none" strike="noStrike" kern="1200" cap="none" spc="0" normalizeH="0" baseline="0" noProof="0" dirty="0" err="1">
+                          <a:ln>
+                            <a:noFill/>
+                          </a:ln>
+                          <a:solidFill>
+                            <a:prstClr val="black"/>
+                          </a:solidFill>
+                          <a:effectLst/>
+                          <a:uLnTx/>
+                          <a:uFillTx/>
+                          <a:latin typeface="Noto Serif" panose="02020600060500020200" pitchFamily="18" charset="0"/>
+                          <a:ea typeface="Noto Serif" panose="02020600060500020200" pitchFamily="18" charset="0"/>
+                          <a:cs typeface="Noto Serif" panose="02020600060500020200" pitchFamily="18" charset="0"/>
+                        </a:rPr>
+                        <a:t>gốc</a:t>
+                      </a:r>
+                      <a:r>
+                        <a:rPr kumimoji="0" lang="en-US" sz="3200" b="0" i="0" u="none" strike="noStrike" kern="1200" cap="none" spc="0" normalizeH="0" baseline="0" noProof="0" dirty="0">
+                          <a:ln>
+                            <a:noFill/>
+                          </a:ln>
+                          <a:solidFill>
+                            <a:prstClr val="black"/>
+                          </a:solidFill>
+                          <a:effectLst/>
+                          <a:uLnTx/>
+                          <a:uFillTx/>
+                          <a:latin typeface="Noto Serif" panose="02020600060500020200" pitchFamily="18" charset="0"/>
+                          <a:ea typeface="Noto Serif" panose="02020600060500020200" pitchFamily="18" charset="0"/>
+                          <a:cs typeface="Noto Serif" panose="02020600060500020200" pitchFamily="18" charset="0"/>
+                        </a:rPr>
+                        <a:t> </a:t>
+                      </a:r>
+                      <a:r>
+                        <a:rPr kumimoji="0" lang="en-US" sz="3200" b="0" i="0" u="none" strike="noStrike" kern="1200" cap="none" spc="0" normalizeH="0" baseline="0" noProof="0" dirty="0" err="1">
+                          <a:ln>
+                            <a:noFill/>
+                          </a:ln>
+                          <a:solidFill>
+                            <a:prstClr val="black"/>
+                          </a:solidFill>
+                          <a:effectLst/>
+                          <a:uLnTx/>
+                          <a:uFillTx/>
+                          <a:latin typeface="Noto Serif" panose="02020600060500020200" pitchFamily="18" charset="0"/>
+                          <a:ea typeface="Noto Serif" panose="02020600060500020200" pitchFamily="18" charset="0"/>
+                          <a:cs typeface="Noto Serif" panose="02020600060500020200" pitchFamily="18" charset="0"/>
+                        </a:rPr>
+                        <a:t>tập</a:t>
+                      </a:r>
+                      <a:r>
+                        <a:rPr kumimoji="0" lang="en-US" sz="3200" b="0" i="0" u="none" strike="noStrike" kern="1200" cap="none" spc="0" normalizeH="0" baseline="0" noProof="0" dirty="0">
+                          <a:ln>
+                            <a:noFill/>
+                          </a:ln>
+                          <a:solidFill>
+                            <a:prstClr val="black"/>
+                          </a:solidFill>
+                          <a:effectLst/>
+                          <a:uLnTx/>
+                          <a:uFillTx/>
+                          <a:latin typeface="Noto Serif" panose="02020600060500020200" pitchFamily="18" charset="0"/>
+                          <a:ea typeface="Noto Serif" panose="02020600060500020200" pitchFamily="18" charset="0"/>
+                          <a:cs typeface="Noto Serif" panose="02020600060500020200" pitchFamily="18" charset="0"/>
+                        </a:rPr>
+                        <a:t> </a:t>
+                      </a:r>
+                      <a:r>
+                        <a:rPr kumimoji="0" lang="en-US" sz="3200" b="0" i="0" u="none" strike="noStrike" kern="1200" cap="none" spc="0" normalizeH="0" baseline="0" noProof="0" dirty="0" err="1">
+                          <a:ln>
+                            <a:noFill/>
+                          </a:ln>
+                          <a:solidFill>
+                            <a:prstClr val="black"/>
+                          </a:solidFill>
+                          <a:effectLst/>
+                          <a:uLnTx/>
+                          <a:uFillTx/>
+                          <a:latin typeface="Noto Serif" panose="02020600060500020200" pitchFamily="18" charset="0"/>
+                          <a:ea typeface="Noto Serif" panose="02020600060500020200" pitchFamily="18" charset="0"/>
+                          <a:cs typeface="Noto Serif" panose="02020600060500020200" pitchFamily="18" charset="0"/>
+                        </a:rPr>
+                        <a:t>dữ</a:t>
+                      </a:r>
+                      <a:r>
+                        <a:rPr kumimoji="0" lang="en-US" sz="3200" b="0" i="0" u="none" strike="noStrike" kern="1200" cap="none" spc="0" normalizeH="0" baseline="0" noProof="0" dirty="0">
+                          <a:ln>
+                            <a:noFill/>
+                          </a:ln>
+                          <a:solidFill>
+                            <a:prstClr val="black"/>
+                          </a:solidFill>
+                          <a:effectLst/>
+                          <a:uLnTx/>
+                          <a:uFillTx/>
+                          <a:latin typeface="Noto Serif" panose="02020600060500020200" pitchFamily="18" charset="0"/>
+                          <a:ea typeface="Noto Serif" panose="02020600060500020200" pitchFamily="18" charset="0"/>
+                          <a:cs typeface="Noto Serif" panose="02020600060500020200" pitchFamily="18" charset="0"/>
+                        </a:rPr>
+                        <a:t> </a:t>
+                      </a:r>
+                      <a:r>
+                        <a:rPr kumimoji="0" lang="en-US" sz="3200" b="0" i="0" u="none" strike="noStrike" kern="1200" cap="none" spc="0" normalizeH="0" baseline="0" noProof="0" dirty="0" err="1">
+                          <a:ln>
+                            <a:noFill/>
+                          </a:ln>
+                          <a:solidFill>
+                            <a:prstClr val="black"/>
+                          </a:solidFill>
+                          <a:effectLst/>
+                          <a:uLnTx/>
+                          <a:uFillTx/>
+                          <a:latin typeface="Noto Serif" panose="02020600060500020200" pitchFamily="18" charset="0"/>
+                          <a:ea typeface="Noto Serif" panose="02020600060500020200" pitchFamily="18" charset="0"/>
+                          <a:cs typeface="Noto Serif" panose="02020600060500020200" pitchFamily="18" charset="0"/>
+                        </a:rPr>
+                        <a:t>liệu</a:t>
+                      </a:r>
+                      <a:r>
+                        <a:rPr kumimoji="0" lang="en-US" sz="3200" b="0" i="0" u="none" strike="noStrike" kern="1200" cap="none" spc="0" normalizeH="0" baseline="0" noProof="0" dirty="0">
+                          <a:ln>
+                            <a:noFill/>
+                          </a:ln>
+                          <a:solidFill>
+                            <a:prstClr val="black"/>
+                          </a:solidFill>
+                          <a:effectLst/>
+                          <a:uLnTx/>
+                          <a:uFillTx/>
+                          <a:latin typeface="Noto Serif" panose="02020600060500020200" pitchFamily="18" charset="0"/>
+                          <a:ea typeface="Noto Serif" panose="02020600060500020200" pitchFamily="18" charset="0"/>
+                          <a:cs typeface="Noto Serif" panose="02020600060500020200" pitchFamily="18" charset="0"/>
+                        </a:rPr>
+                        <a:t>.</a:t>
+                      </a:r>
+                    </a:p>
+                    <a:p>
+                      <a:pPr marL="0" marR="0" lvl="0" indent="0" algn="l" defTabSz="914400" rtl="0" eaLnBrk="1" fontAlgn="auto" latinLnBrk="0" hangingPunct="1">
+                        <a:lnSpc>
+                          <a:spcPct val="100000"/>
+                        </a:lnSpc>
+                        <a:spcBef>
+                          <a:spcPts val="0"/>
+                        </a:spcBef>
+                        <a:spcAft>
+                          <a:spcPts val="0"/>
+                        </a:spcAft>
+                        <a:buClrTx/>
+                        <a:buSzTx/>
+                        <a:buFontTx/>
+                        <a:buNone/>
+                        <a:tabLst/>
+                        <a:defRPr/>
+                      </a:pPr>
+                      <a:endParaRPr kumimoji="0" lang="en-US" sz="3200" b="0" i="0" u="none" strike="noStrike" kern="1200" cap="none" spc="0" normalizeH="0" baseline="0" noProof="0" dirty="0">
+                        <a:ln>
+                          <a:noFill/>
+                        </a:ln>
+                        <a:solidFill>
+                          <a:prstClr val="black"/>
+                        </a:solidFill>
+                        <a:effectLst/>
+                        <a:uLnTx/>
+                        <a:uFillTx/>
+                        <a:latin typeface="Noto Serif" panose="02020600060500020200" pitchFamily="18" charset="0"/>
+                        <a:ea typeface="Noto Serif" panose="02020600060500020200" pitchFamily="18" charset="0"/>
+                        <a:cs typeface="Noto Serif" panose="02020600060500020200" pitchFamily="18" charset="0"/>
+                      </a:endParaRPr>
+                    </a:p>
+                    <a:p>
+                      <a:pPr marL="0" marR="0" lvl="0" indent="0" algn="l" defTabSz="914400" rtl="0" eaLnBrk="1" fontAlgn="auto" latinLnBrk="0" hangingPunct="1">
+                        <a:lnSpc>
+                          <a:spcPct val="100000"/>
+                        </a:lnSpc>
+                        <a:spcBef>
+                          <a:spcPts val="0"/>
+                        </a:spcBef>
+                        <a:spcAft>
+                          <a:spcPts val="0"/>
+                        </a:spcAft>
+                        <a:buClrTx/>
+                        <a:buSzTx/>
+                        <a:buFontTx/>
+                        <a:buNone/>
+                        <a:tabLst/>
+                        <a:defRPr/>
+                      </a:pPr>
+                      <a:r>
+                        <a:rPr kumimoji="0" lang="en-US" sz="3200" b="0" i="0" u="none" strike="noStrike" kern="1200" cap="none" spc="0" normalizeH="0" baseline="0" noProof="0" dirty="0">
+                          <a:ln>
+                            <a:noFill/>
+                          </a:ln>
+                          <a:solidFill>
+                            <a:prstClr val="black"/>
+                          </a:solidFill>
+                          <a:effectLst/>
+                          <a:uLnTx/>
+                          <a:uFillTx/>
+                          <a:latin typeface="Noto Serif" panose="02020600060500020200" pitchFamily="18" charset="0"/>
+                          <a:ea typeface="Noto Serif" panose="02020600060500020200" pitchFamily="18" charset="0"/>
+                          <a:cs typeface="Noto Serif" panose="02020600060500020200" pitchFamily="18" charset="0"/>
+                        </a:rPr>
+                        <a:t>EDA: </a:t>
+                      </a:r>
+                      <a:r>
+                        <a:rPr kumimoji="0" lang="en-US" sz="3200" b="0" i="0" u="none" strike="noStrike" kern="1200" cap="none" spc="0" normalizeH="0" baseline="0" noProof="0" dirty="0" err="1">
+                          <a:ln>
+                            <a:noFill/>
+                          </a:ln>
+                          <a:solidFill>
+                            <a:prstClr val="black"/>
+                          </a:solidFill>
+                          <a:effectLst/>
+                          <a:uLnTx/>
+                          <a:uFillTx/>
+                          <a:latin typeface="Noto Serif" panose="02020600060500020200" pitchFamily="18" charset="0"/>
+                          <a:ea typeface="Noto Serif" panose="02020600060500020200" pitchFamily="18" charset="0"/>
+                          <a:cs typeface="Noto Serif" panose="02020600060500020200" pitchFamily="18" charset="0"/>
+                        </a:rPr>
+                        <a:t>Nhận</a:t>
+                      </a:r>
+                      <a:r>
+                        <a:rPr kumimoji="0" lang="en-US" sz="3200" b="0" i="0" u="none" strike="noStrike" kern="1200" cap="none" spc="0" normalizeH="0" baseline="0" noProof="0" dirty="0">
+                          <a:ln>
+                            <a:noFill/>
+                          </a:ln>
+                          <a:solidFill>
+                            <a:prstClr val="black"/>
+                          </a:solidFill>
+                          <a:effectLst/>
+                          <a:uLnTx/>
+                          <a:uFillTx/>
+                          <a:latin typeface="Noto Serif" panose="02020600060500020200" pitchFamily="18" charset="0"/>
+                          <a:ea typeface="Noto Serif" panose="02020600060500020200" pitchFamily="18" charset="0"/>
+                          <a:cs typeface="Noto Serif" panose="02020600060500020200" pitchFamily="18" charset="0"/>
+                        </a:rPr>
+                        <a:t> </a:t>
+                      </a:r>
+                      <a:r>
+                        <a:rPr kumimoji="0" lang="en-US" sz="3200" b="0" i="0" u="none" strike="noStrike" kern="1200" cap="none" spc="0" normalizeH="0" baseline="0" noProof="0" dirty="0" err="1">
+                          <a:ln>
+                            <a:noFill/>
+                          </a:ln>
+                          <a:solidFill>
+                            <a:prstClr val="black"/>
+                          </a:solidFill>
+                          <a:effectLst/>
+                          <a:uLnTx/>
+                          <a:uFillTx/>
+                          <a:latin typeface="Noto Serif" panose="02020600060500020200" pitchFamily="18" charset="0"/>
+                          <a:ea typeface="Noto Serif" panose="02020600060500020200" pitchFamily="18" charset="0"/>
+                          <a:cs typeface="Noto Serif" panose="02020600060500020200" pitchFamily="18" charset="0"/>
+                        </a:rPr>
+                        <a:t>xét</a:t>
+                      </a:r>
+                      <a:r>
+                        <a:rPr kumimoji="0" lang="en-US" sz="3200" b="0" i="0" u="none" strike="noStrike" kern="1200" cap="none" spc="0" normalizeH="0" baseline="0" noProof="0" dirty="0">
+                          <a:ln>
+                            <a:noFill/>
+                          </a:ln>
+                          <a:solidFill>
+                            <a:prstClr val="black"/>
+                          </a:solidFill>
+                          <a:effectLst/>
+                          <a:uLnTx/>
+                          <a:uFillTx/>
+                          <a:latin typeface="Noto Serif" panose="02020600060500020200" pitchFamily="18" charset="0"/>
+                          <a:ea typeface="Noto Serif" panose="02020600060500020200" pitchFamily="18" charset="0"/>
+                          <a:cs typeface="Noto Serif" panose="02020600060500020200" pitchFamily="18" charset="0"/>
+                        </a:rPr>
+                        <a:t> </a:t>
+                      </a:r>
+                      <a:r>
+                        <a:rPr kumimoji="0" lang="en-US" sz="3200" b="0" i="0" u="none" strike="noStrike" kern="1200" cap="none" spc="0" normalizeH="0" baseline="0" noProof="0" dirty="0" err="1">
+                          <a:ln>
+                            <a:noFill/>
+                          </a:ln>
+                          <a:solidFill>
+                            <a:prstClr val="black"/>
+                          </a:solidFill>
+                          <a:effectLst/>
+                          <a:uLnTx/>
+                          <a:uFillTx/>
+                          <a:latin typeface="Noto Serif" panose="02020600060500020200" pitchFamily="18" charset="0"/>
+                          <a:ea typeface="Noto Serif" panose="02020600060500020200" pitchFamily="18" charset="0"/>
+                          <a:cs typeface="Noto Serif" panose="02020600060500020200" pitchFamily="18" charset="0"/>
+                        </a:rPr>
+                        <a:t>biểu</a:t>
+                      </a:r>
+                      <a:r>
+                        <a:rPr kumimoji="0" lang="en-US" sz="3200" b="0" i="0" u="none" strike="noStrike" kern="1200" cap="none" spc="0" normalizeH="0" baseline="0" noProof="0" dirty="0">
+                          <a:ln>
+                            <a:noFill/>
+                          </a:ln>
+                          <a:solidFill>
+                            <a:prstClr val="black"/>
+                          </a:solidFill>
+                          <a:effectLst/>
+                          <a:uLnTx/>
+                          <a:uFillTx/>
+                          <a:latin typeface="Noto Serif" panose="02020600060500020200" pitchFamily="18" charset="0"/>
+                          <a:ea typeface="Noto Serif" panose="02020600060500020200" pitchFamily="18" charset="0"/>
+                          <a:cs typeface="Noto Serif" panose="02020600060500020200" pitchFamily="18" charset="0"/>
+                        </a:rPr>
+                        <a:t> </a:t>
+                      </a:r>
+                      <a:r>
+                        <a:rPr kumimoji="0" lang="en-US" sz="3200" b="0" i="0" u="none" strike="noStrike" kern="1200" cap="none" spc="0" normalizeH="0" baseline="0" noProof="0" dirty="0" err="1">
+                          <a:ln>
+                            <a:noFill/>
+                          </a:ln>
+                          <a:solidFill>
+                            <a:prstClr val="black"/>
+                          </a:solidFill>
+                          <a:effectLst/>
+                          <a:uLnTx/>
+                          <a:uFillTx/>
+                          <a:latin typeface="Noto Serif" panose="02020600060500020200" pitchFamily="18" charset="0"/>
+                          <a:ea typeface="Noto Serif" panose="02020600060500020200" pitchFamily="18" charset="0"/>
+                          <a:cs typeface="Noto Serif" panose="02020600060500020200" pitchFamily="18" charset="0"/>
+                        </a:rPr>
+                        <a:t>đồ</a:t>
+                      </a:r>
+                      <a:r>
+                        <a:rPr kumimoji="0" lang="en-US" sz="3200" b="0" i="0" u="none" strike="noStrike" kern="1200" cap="none" spc="0" normalizeH="0" baseline="0" noProof="0" dirty="0">
+                          <a:ln>
+                            <a:noFill/>
+                          </a:ln>
+                          <a:solidFill>
+                            <a:prstClr val="black"/>
+                          </a:solidFill>
+                          <a:effectLst/>
+                          <a:uLnTx/>
+                          <a:uFillTx/>
+                          <a:latin typeface="Noto Serif" panose="02020600060500020200" pitchFamily="18" charset="0"/>
+                          <a:ea typeface="Noto Serif" panose="02020600060500020200" pitchFamily="18" charset="0"/>
+                          <a:cs typeface="Noto Serif" panose="02020600060500020200" pitchFamily="18" charset="0"/>
+                        </a:rPr>
+                        <a:t>.</a:t>
+                      </a:r>
+                    </a:p>
+                    <a:p>
+                      <a:endParaRPr lang="en-US" dirty="0"/>
                     </a:p>
                   </a:txBody>
                   <a:tcPr/>
@@ -4405,25 +6538,1108 @@
                         <a:defRPr/>
                       </a:pPr>
                       <a:r>
-                        <a:rPr kumimoji="0" lang="en-US" sz="3200" b="0" i="0" u="none" strike="noStrike" kern="1200" cap="none" spc="0" normalizeH="0" baseline="0" noProof="0">
-                          <a:ln>
-                            <a:noFill/>
-                          </a:ln>
-                          <a:solidFill>
-                            <a:prstClr val="black"/>
-                          </a:solidFill>
-                          <a:effectLst/>
-                          <a:uLnTx/>
-                          <a:uFillTx/>
-                          <a:latin typeface="Noto Serif" panose="02020600060500020200" pitchFamily="18" charset="0"/>
-                          <a:ea typeface="Noto Serif" panose="02020600060500020200" pitchFamily="18" charset="0"/>
-                          <a:cs typeface="Noto Serif" panose="02020600060500020200" pitchFamily="18" charset="0"/>
-                        </a:rPr>
-                        <a:t>Kiểm thử, đánh giá</a:t>
+                        <a:rPr kumimoji="0" lang="en-US" sz="3200" b="0" i="0" u="none" strike="noStrike" kern="1200" cap="none" spc="0" normalizeH="0" baseline="0" noProof="0" dirty="0" err="1">
+                          <a:ln>
+                            <a:noFill/>
+                          </a:ln>
+                          <a:solidFill>
+                            <a:prstClr val="black"/>
+                          </a:solidFill>
+                          <a:effectLst/>
+                          <a:uLnTx/>
+                          <a:uFillTx/>
+                          <a:latin typeface="Noto Serif" panose="02020600060500020200" pitchFamily="18" charset="0"/>
+                          <a:ea typeface="Noto Serif" panose="02020600060500020200" pitchFamily="18" charset="0"/>
+                          <a:cs typeface="Noto Serif" panose="02020600060500020200" pitchFamily="18" charset="0"/>
+                        </a:rPr>
+                        <a:t>Tìm</a:t>
+                      </a:r>
+                      <a:r>
+                        <a:rPr kumimoji="0" lang="en-US" sz="3200" b="0" i="0" u="none" strike="noStrike" kern="1200" cap="none" spc="0" normalizeH="0" baseline="0" noProof="0" dirty="0">
+                          <a:ln>
+                            <a:noFill/>
+                          </a:ln>
+                          <a:solidFill>
+                            <a:prstClr val="black"/>
+                          </a:solidFill>
+                          <a:effectLst/>
+                          <a:uLnTx/>
+                          <a:uFillTx/>
+                          <a:latin typeface="Noto Serif" panose="02020600060500020200" pitchFamily="18" charset="0"/>
+                          <a:ea typeface="Noto Serif" panose="02020600060500020200" pitchFamily="18" charset="0"/>
+                          <a:cs typeface="Noto Serif" panose="02020600060500020200" pitchFamily="18" charset="0"/>
+                        </a:rPr>
+                        <a:t> </a:t>
+                      </a:r>
+                      <a:r>
+                        <a:rPr kumimoji="0" lang="en-US" sz="3200" b="0" i="0" u="none" strike="noStrike" kern="1200" cap="none" spc="0" normalizeH="0" baseline="0" noProof="0" dirty="0" err="1">
+                          <a:ln>
+                            <a:noFill/>
+                          </a:ln>
+                          <a:solidFill>
+                            <a:prstClr val="black"/>
+                          </a:solidFill>
+                          <a:effectLst/>
+                          <a:uLnTx/>
+                          <a:uFillTx/>
+                          <a:latin typeface="Noto Serif" panose="02020600060500020200" pitchFamily="18" charset="0"/>
+                          <a:ea typeface="Noto Serif" panose="02020600060500020200" pitchFamily="18" charset="0"/>
+                          <a:cs typeface="Noto Serif" panose="02020600060500020200" pitchFamily="18" charset="0"/>
+                        </a:rPr>
+                        <a:t>và</a:t>
+                      </a:r>
+                      <a:r>
+                        <a:rPr kumimoji="0" lang="en-US" sz="3200" b="0" i="0" u="none" strike="noStrike" kern="1200" cap="none" spc="0" normalizeH="0" baseline="0" noProof="0" dirty="0">
+                          <a:ln>
+                            <a:noFill/>
+                          </a:ln>
+                          <a:solidFill>
+                            <a:prstClr val="black"/>
+                          </a:solidFill>
+                          <a:effectLst/>
+                          <a:uLnTx/>
+                          <a:uFillTx/>
+                          <a:latin typeface="Noto Serif" panose="02020600060500020200" pitchFamily="18" charset="0"/>
+                          <a:ea typeface="Noto Serif" panose="02020600060500020200" pitchFamily="18" charset="0"/>
+                          <a:cs typeface="Noto Serif" panose="02020600060500020200" pitchFamily="18" charset="0"/>
+                        </a:rPr>
+                        <a:t> </a:t>
+                      </a:r>
+                      <a:r>
+                        <a:rPr kumimoji="0" lang="en-US" sz="3200" b="0" i="0" u="none" strike="noStrike" kern="1200" cap="none" spc="0" normalizeH="0" baseline="0" noProof="0" dirty="0" err="1">
+                          <a:ln>
+                            <a:noFill/>
+                          </a:ln>
+                          <a:solidFill>
+                            <a:prstClr val="black"/>
+                          </a:solidFill>
+                          <a:effectLst/>
+                          <a:uLnTx/>
+                          <a:uFillTx/>
+                          <a:latin typeface="Noto Serif" panose="02020600060500020200" pitchFamily="18" charset="0"/>
+                          <a:ea typeface="Noto Serif" panose="02020600060500020200" pitchFamily="18" charset="0"/>
+                          <a:cs typeface="Noto Serif" panose="02020600060500020200" pitchFamily="18" charset="0"/>
+                        </a:rPr>
+                        <a:t>phát</a:t>
+                      </a:r>
+                      <a:r>
+                        <a:rPr kumimoji="0" lang="en-US" sz="3200" b="0" i="0" u="none" strike="noStrike" kern="1200" cap="none" spc="0" normalizeH="0" baseline="0" noProof="0" dirty="0">
+                          <a:ln>
+                            <a:noFill/>
+                          </a:ln>
+                          <a:solidFill>
+                            <a:prstClr val="black"/>
+                          </a:solidFill>
+                          <a:effectLst/>
+                          <a:uLnTx/>
+                          <a:uFillTx/>
+                          <a:latin typeface="Noto Serif" panose="02020600060500020200" pitchFamily="18" charset="0"/>
+                          <a:ea typeface="Noto Serif" panose="02020600060500020200" pitchFamily="18" charset="0"/>
+                          <a:cs typeface="Noto Serif" panose="02020600060500020200" pitchFamily="18" charset="0"/>
+                        </a:rPr>
+                        <a:t> </a:t>
+                      </a:r>
+                      <a:r>
+                        <a:rPr kumimoji="0" lang="en-US" sz="3200" b="0" i="0" u="none" strike="noStrike" kern="1200" cap="none" spc="0" normalizeH="0" baseline="0" noProof="0" dirty="0" err="1">
+                          <a:ln>
+                            <a:noFill/>
+                          </a:ln>
+                          <a:solidFill>
+                            <a:prstClr val="black"/>
+                          </a:solidFill>
+                          <a:effectLst/>
+                          <a:uLnTx/>
+                          <a:uFillTx/>
+                          <a:latin typeface="Noto Serif" panose="02020600060500020200" pitchFamily="18" charset="0"/>
+                          <a:ea typeface="Noto Serif" panose="02020600060500020200" pitchFamily="18" charset="0"/>
+                          <a:cs typeface="Noto Serif" panose="02020600060500020200" pitchFamily="18" charset="0"/>
+                        </a:rPr>
+                        <a:t>ra</a:t>
+                      </a:r>
+                      <a:r>
+                        <a:rPr kumimoji="0" lang="en-US" sz="3200" b="0" i="0" u="none" strike="noStrike" kern="1200" cap="none" spc="0" normalizeH="0" baseline="0" noProof="0" dirty="0">
+                          <a:ln>
+                            <a:noFill/>
+                          </a:ln>
+                          <a:solidFill>
+                            <a:prstClr val="black"/>
+                          </a:solidFill>
+                          <a:effectLst/>
+                          <a:uLnTx/>
+                          <a:uFillTx/>
+                          <a:latin typeface="Noto Serif" panose="02020600060500020200" pitchFamily="18" charset="0"/>
+                          <a:ea typeface="Noto Serif" panose="02020600060500020200" pitchFamily="18" charset="0"/>
+                          <a:cs typeface="Noto Serif" panose="02020600060500020200" pitchFamily="18" charset="0"/>
+                        </a:rPr>
+                        <a:t> </a:t>
+                      </a:r>
+                      <a:r>
+                        <a:rPr kumimoji="0" lang="en-US" sz="3200" b="0" i="0" u="none" strike="noStrike" kern="1200" cap="none" spc="0" normalizeH="0" baseline="0" noProof="0" dirty="0" err="1">
+                          <a:ln>
+                            <a:noFill/>
+                          </a:ln>
+                          <a:solidFill>
+                            <a:prstClr val="black"/>
+                          </a:solidFill>
+                          <a:effectLst/>
+                          <a:uLnTx/>
+                          <a:uFillTx/>
+                          <a:latin typeface="Noto Serif" panose="02020600060500020200" pitchFamily="18" charset="0"/>
+                          <a:ea typeface="Noto Serif" panose="02020600060500020200" pitchFamily="18" charset="0"/>
+                          <a:cs typeface="Noto Serif" panose="02020600060500020200" pitchFamily="18" charset="0"/>
+                        </a:rPr>
+                        <a:t>nguồn</a:t>
+                      </a:r>
+                      <a:r>
+                        <a:rPr kumimoji="0" lang="en-US" sz="3200" b="0" i="0" u="none" strike="noStrike" kern="1200" cap="none" spc="0" normalizeH="0" baseline="0" noProof="0" dirty="0">
+                          <a:ln>
+                            <a:noFill/>
+                          </a:ln>
+                          <a:solidFill>
+                            <a:prstClr val="black"/>
+                          </a:solidFill>
+                          <a:effectLst/>
+                          <a:uLnTx/>
+                          <a:uFillTx/>
+                          <a:latin typeface="Noto Serif" panose="02020600060500020200" pitchFamily="18" charset="0"/>
+                          <a:ea typeface="Noto Serif" panose="02020600060500020200" pitchFamily="18" charset="0"/>
+                          <a:cs typeface="Noto Serif" panose="02020600060500020200" pitchFamily="18" charset="0"/>
+                        </a:rPr>
+                        <a:t> </a:t>
+                      </a:r>
+                      <a:r>
+                        <a:rPr kumimoji="0" lang="en-US" sz="3200" b="0" i="0" u="none" strike="noStrike" kern="1200" cap="none" spc="0" normalizeH="0" baseline="0" noProof="0" dirty="0" err="1">
+                          <a:ln>
+                            <a:noFill/>
+                          </a:ln>
+                          <a:solidFill>
+                            <a:prstClr val="black"/>
+                          </a:solidFill>
+                          <a:effectLst/>
+                          <a:uLnTx/>
+                          <a:uFillTx/>
+                          <a:latin typeface="Noto Serif" panose="02020600060500020200" pitchFamily="18" charset="0"/>
+                          <a:ea typeface="Noto Serif" panose="02020600060500020200" pitchFamily="18" charset="0"/>
+                          <a:cs typeface="Noto Serif" panose="02020600060500020200" pitchFamily="18" charset="0"/>
+                        </a:rPr>
+                        <a:t>dữ</a:t>
+                      </a:r>
+                      <a:r>
+                        <a:rPr kumimoji="0" lang="en-US" sz="3200" b="0" i="0" u="none" strike="noStrike" kern="1200" cap="none" spc="0" normalizeH="0" baseline="0" noProof="0" dirty="0">
+                          <a:ln>
+                            <a:noFill/>
+                          </a:ln>
+                          <a:solidFill>
+                            <a:prstClr val="black"/>
+                          </a:solidFill>
+                          <a:effectLst/>
+                          <a:uLnTx/>
+                          <a:uFillTx/>
+                          <a:latin typeface="Noto Serif" panose="02020600060500020200" pitchFamily="18" charset="0"/>
+                          <a:ea typeface="Noto Serif" panose="02020600060500020200" pitchFamily="18" charset="0"/>
+                          <a:cs typeface="Noto Serif" panose="02020600060500020200" pitchFamily="18" charset="0"/>
+                        </a:rPr>
+                        <a:t> </a:t>
+                      </a:r>
+                      <a:r>
+                        <a:rPr kumimoji="0" lang="en-US" sz="3200" b="0" i="0" u="none" strike="noStrike" kern="1200" cap="none" spc="0" normalizeH="0" baseline="0" noProof="0" dirty="0" err="1">
+                          <a:ln>
+                            <a:noFill/>
+                          </a:ln>
+                          <a:solidFill>
+                            <a:prstClr val="black"/>
+                          </a:solidFill>
+                          <a:effectLst/>
+                          <a:uLnTx/>
+                          <a:uFillTx/>
+                          <a:latin typeface="Noto Serif" panose="02020600060500020200" pitchFamily="18" charset="0"/>
+                          <a:ea typeface="Noto Serif" panose="02020600060500020200" pitchFamily="18" charset="0"/>
+                          <a:cs typeface="Noto Serif" panose="02020600060500020200" pitchFamily="18" charset="0"/>
+                        </a:rPr>
+                        <a:t>liệu</a:t>
+                      </a:r>
+                      <a:r>
+                        <a:rPr kumimoji="0" lang="en-US" sz="3200" b="0" i="0" u="none" strike="noStrike" kern="1200" cap="none" spc="0" normalizeH="0" baseline="0" noProof="0" dirty="0">
+                          <a:ln>
+                            <a:noFill/>
+                          </a:ln>
+                          <a:solidFill>
+                            <a:prstClr val="black"/>
+                          </a:solidFill>
+                          <a:effectLst/>
+                          <a:uLnTx/>
+                          <a:uFillTx/>
+                          <a:latin typeface="Noto Serif" panose="02020600060500020200" pitchFamily="18" charset="0"/>
+                          <a:ea typeface="Noto Serif" panose="02020600060500020200" pitchFamily="18" charset="0"/>
+                          <a:cs typeface="Noto Serif" panose="02020600060500020200" pitchFamily="18" charset="0"/>
+                        </a:rPr>
+                        <a:t> </a:t>
+                      </a:r>
+                      <a:r>
+                        <a:rPr kumimoji="0" lang="en-US" sz="3200" b="0" i="0" u="none" strike="noStrike" kern="1200" cap="none" spc="0" normalizeH="0" baseline="0" noProof="0" dirty="0" err="1">
+                          <a:ln>
+                            <a:noFill/>
+                          </a:ln>
+                          <a:solidFill>
+                            <a:prstClr val="black"/>
+                          </a:solidFill>
+                          <a:effectLst/>
+                          <a:uLnTx/>
+                          <a:uFillTx/>
+                          <a:latin typeface="Noto Serif" panose="02020600060500020200" pitchFamily="18" charset="0"/>
+                          <a:ea typeface="Noto Serif" panose="02020600060500020200" pitchFamily="18" charset="0"/>
+                          <a:cs typeface="Noto Serif" panose="02020600060500020200" pitchFamily="18" charset="0"/>
+                        </a:rPr>
+                        <a:t>cho</a:t>
+                      </a:r>
+                      <a:r>
+                        <a:rPr kumimoji="0" lang="en-US" sz="3200" b="0" i="0" u="none" strike="noStrike" kern="1200" cap="none" spc="0" normalizeH="0" baseline="0" noProof="0" dirty="0">
+                          <a:ln>
+                            <a:noFill/>
+                          </a:ln>
+                          <a:solidFill>
+                            <a:prstClr val="black"/>
+                          </a:solidFill>
+                          <a:effectLst/>
+                          <a:uLnTx/>
+                          <a:uFillTx/>
+                          <a:latin typeface="Noto Serif" panose="02020600060500020200" pitchFamily="18" charset="0"/>
+                          <a:ea typeface="Noto Serif" panose="02020600060500020200" pitchFamily="18" charset="0"/>
+                          <a:cs typeface="Noto Serif" panose="02020600060500020200" pitchFamily="18" charset="0"/>
+                        </a:rPr>
+                        <a:t> </a:t>
+                      </a:r>
+                      <a:r>
+                        <a:rPr kumimoji="0" lang="en-US" sz="3200" b="0" i="0" u="none" strike="noStrike" kern="1200" cap="none" spc="0" normalizeH="0" baseline="0" noProof="0" dirty="0" err="1">
+                          <a:ln>
+                            <a:noFill/>
+                          </a:ln>
+                          <a:solidFill>
+                            <a:prstClr val="black"/>
+                          </a:solidFill>
+                          <a:effectLst/>
+                          <a:uLnTx/>
+                          <a:uFillTx/>
+                          <a:latin typeface="Noto Serif" panose="02020600060500020200" pitchFamily="18" charset="0"/>
+                          <a:ea typeface="Noto Serif" panose="02020600060500020200" pitchFamily="18" charset="0"/>
+                          <a:cs typeface="Noto Serif" panose="02020600060500020200" pitchFamily="18" charset="0"/>
+                        </a:rPr>
+                        <a:t>đề</a:t>
+                      </a:r>
+                      <a:r>
+                        <a:rPr kumimoji="0" lang="en-US" sz="3200" b="0" i="0" u="none" strike="noStrike" kern="1200" cap="none" spc="0" normalizeH="0" baseline="0" noProof="0" dirty="0">
+                          <a:ln>
+                            <a:noFill/>
+                          </a:ln>
+                          <a:solidFill>
+                            <a:prstClr val="black"/>
+                          </a:solidFill>
+                          <a:effectLst/>
+                          <a:uLnTx/>
+                          <a:uFillTx/>
+                          <a:latin typeface="Noto Serif" panose="02020600060500020200" pitchFamily="18" charset="0"/>
+                          <a:ea typeface="Noto Serif" panose="02020600060500020200" pitchFamily="18" charset="0"/>
+                          <a:cs typeface="Noto Serif" panose="02020600060500020200" pitchFamily="18" charset="0"/>
+                        </a:rPr>
+                        <a:t> </a:t>
+                      </a:r>
+                      <a:r>
+                        <a:rPr kumimoji="0" lang="en-US" sz="3200" b="0" i="0" u="none" strike="noStrike" kern="1200" cap="none" spc="0" normalizeH="0" baseline="0" noProof="0" dirty="0" err="1">
+                          <a:ln>
+                            <a:noFill/>
+                          </a:ln>
+                          <a:solidFill>
+                            <a:prstClr val="black"/>
+                          </a:solidFill>
+                          <a:effectLst/>
+                          <a:uLnTx/>
+                          <a:uFillTx/>
+                          <a:latin typeface="Noto Serif" panose="02020600060500020200" pitchFamily="18" charset="0"/>
+                          <a:ea typeface="Noto Serif" panose="02020600060500020200" pitchFamily="18" charset="0"/>
+                          <a:cs typeface="Noto Serif" panose="02020600060500020200" pitchFamily="18" charset="0"/>
+                        </a:rPr>
+                        <a:t>tài</a:t>
+                      </a:r>
+                      <a:r>
+                        <a:rPr kumimoji="0" lang="en-US" sz="3200" b="0" i="0" u="none" strike="noStrike" kern="1200" cap="none" spc="0" normalizeH="0" baseline="0" noProof="0" dirty="0">
+                          <a:ln>
+                            <a:noFill/>
+                          </a:ln>
+                          <a:solidFill>
+                            <a:prstClr val="black"/>
+                          </a:solidFill>
+                          <a:effectLst/>
+                          <a:uLnTx/>
+                          <a:uFillTx/>
+                          <a:latin typeface="Noto Serif" panose="02020600060500020200" pitchFamily="18" charset="0"/>
+                          <a:ea typeface="Noto Serif" panose="02020600060500020200" pitchFamily="18" charset="0"/>
+                          <a:cs typeface="Noto Serif" panose="02020600060500020200" pitchFamily="18" charset="0"/>
+                        </a:rPr>
+                        <a:t>.</a:t>
                       </a:r>
                     </a:p>
                     <a:p>
-                      <a:endParaRPr lang="en-US"/>
+                      <a:pPr marL="0" marR="0" lvl="0" indent="0" algn="l" defTabSz="914400" rtl="0" eaLnBrk="1" fontAlgn="auto" latinLnBrk="0" hangingPunct="1">
+                        <a:lnSpc>
+                          <a:spcPct val="100000"/>
+                        </a:lnSpc>
+                        <a:spcBef>
+                          <a:spcPts val="0"/>
+                        </a:spcBef>
+                        <a:spcAft>
+                          <a:spcPts val="0"/>
+                        </a:spcAft>
+                        <a:buClrTx/>
+                        <a:buSzTx/>
+                        <a:buFontTx/>
+                        <a:buNone/>
+                        <a:tabLst/>
+                        <a:defRPr/>
+                      </a:pPr>
+                      <a:endParaRPr kumimoji="0" lang="en-US" sz="3200" b="0" i="0" u="none" strike="noStrike" kern="1200" cap="none" spc="0" normalizeH="0" baseline="0" noProof="0" dirty="0">
+                        <a:ln>
+                          <a:noFill/>
+                        </a:ln>
+                        <a:solidFill>
+                          <a:prstClr val="black"/>
+                        </a:solidFill>
+                        <a:effectLst/>
+                        <a:uLnTx/>
+                        <a:uFillTx/>
+                        <a:latin typeface="Noto Serif" panose="02020600060500020200" pitchFamily="18" charset="0"/>
+                        <a:ea typeface="Noto Serif" panose="02020600060500020200" pitchFamily="18" charset="0"/>
+                        <a:cs typeface="Noto Serif" panose="02020600060500020200" pitchFamily="18" charset="0"/>
+                      </a:endParaRPr>
+                    </a:p>
+                    <a:p>
+                      <a:pPr marL="0" marR="0" lvl="0" indent="0" algn="l" defTabSz="914400" rtl="0" eaLnBrk="1" fontAlgn="auto" latinLnBrk="0" hangingPunct="1">
+                        <a:lnSpc>
+                          <a:spcPct val="100000"/>
+                        </a:lnSpc>
+                        <a:spcBef>
+                          <a:spcPts val="0"/>
+                        </a:spcBef>
+                        <a:spcAft>
+                          <a:spcPts val="0"/>
+                        </a:spcAft>
+                        <a:buClrTx/>
+                        <a:buSzTx/>
+                        <a:buFontTx/>
+                        <a:buNone/>
+                        <a:tabLst/>
+                        <a:defRPr/>
+                      </a:pPr>
+                      <a:r>
+                        <a:rPr kumimoji="0" lang="en-US" sz="3200" b="0" i="0" u="none" strike="noStrike" kern="1200" cap="none" spc="0" normalizeH="0" baseline="0" noProof="0" dirty="0" err="1">
+                          <a:ln>
+                            <a:noFill/>
+                          </a:ln>
+                          <a:solidFill>
+                            <a:prstClr val="black"/>
+                          </a:solidFill>
+                          <a:effectLst/>
+                          <a:uLnTx/>
+                          <a:uFillTx/>
+                          <a:latin typeface="Noto Serif" panose="02020600060500020200" pitchFamily="18" charset="0"/>
+                          <a:ea typeface="Noto Serif" panose="02020600060500020200" pitchFamily="18" charset="0"/>
+                          <a:cs typeface="Noto Serif" panose="02020600060500020200" pitchFamily="18" charset="0"/>
+                        </a:rPr>
+                        <a:t>Kiểm</a:t>
+                      </a:r>
+                      <a:r>
+                        <a:rPr kumimoji="0" lang="en-US" sz="3200" b="0" i="0" u="none" strike="noStrike" kern="1200" cap="none" spc="0" normalizeH="0" baseline="0" noProof="0" dirty="0">
+                          <a:ln>
+                            <a:noFill/>
+                          </a:ln>
+                          <a:solidFill>
+                            <a:prstClr val="black"/>
+                          </a:solidFill>
+                          <a:effectLst/>
+                          <a:uLnTx/>
+                          <a:uFillTx/>
+                          <a:latin typeface="Noto Serif" panose="02020600060500020200" pitchFamily="18" charset="0"/>
+                          <a:ea typeface="Noto Serif" panose="02020600060500020200" pitchFamily="18" charset="0"/>
+                          <a:cs typeface="Noto Serif" panose="02020600060500020200" pitchFamily="18" charset="0"/>
+                        </a:rPr>
+                        <a:t> </a:t>
+                      </a:r>
+                      <a:r>
+                        <a:rPr kumimoji="0" lang="en-US" sz="3200" b="0" i="0" u="none" strike="noStrike" kern="1200" cap="none" spc="0" normalizeH="0" baseline="0" noProof="0" dirty="0" err="1">
+                          <a:ln>
+                            <a:noFill/>
+                          </a:ln>
+                          <a:solidFill>
+                            <a:prstClr val="black"/>
+                          </a:solidFill>
+                          <a:effectLst/>
+                          <a:uLnTx/>
+                          <a:uFillTx/>
+                          <a:latin typeface="Noto Serif" panose="02020600060500020200" pitchFamily="18" charset="0"/>
+                          <a:ea typeface="Noto Serif" panose="02020600060500020200" pitchFamily="18" charset="0"/>
+                          <a:cs typeface="Noto Serif" panose="02020600060500020200" pitchFamily="18" charset="0"/>
+                        </a:rPr>
+                        <a:t>thử</a:t>
+                      </a:r>
+                      <a:r>
+                        <a:rPr kumimoji="0" lang="en-US" sz="3200" b="0" i="0" u="none" strike="noStrike" kern="1200" cap="none" spc="0" normalizeH="0" baseline="0" noProof="0" dirty="0">
+                          <a:ln>
+                            <a:noFill/>
+                          </a:ln>
+                          <a:solidFill>
+                            <a:prstClr val="black"/>
+                          </a:solidFill>
+                          <a:effectLst/>
+                          <a:uLnTx/>
+                          <a:uFillTx/>
+                          <a:latin typeface="Noto Serif" panose="02020600060500020200" pitchFamily="18" charset="0"/>
+                          <a:ea typeface="Noto Serif" panose="02020600060500020200" pitchFamily="18" charset="0"/>
+                          <a:cs typeface="Noto Serif" panose="02020600060500020200" pitchFamily="18" charset="0"/>
+                        </a:rPr>
+                        <a:t> </a:t>
+                      </a:r>
+                      <a:r>
+                        <a:rPr kumimoji="0" lang="en-US" sz="3200" b="0" i="0" u="none" strike="noStrike" kern="1200" cap="none" spc="0" normalizeH="0" baseline="0" noProof="0" dirty="0" err="1">
+                          <a:ln>
+                            <a:noFill/>
+                          </a:ln>
+                          <a:solidFill>
+                            <a:prstClr val="black"/>
+                          </a:solidFill>
+                          <a:effectLst/>
+                          <a:uLnTx/>
+                          <a:uFillTx/>
+                          <a:latin typeface="Noto Serif" panose="02020600060500020200" pitchFamily="18" charset="0"/>
+                          <a:ea typeface="Noto Serif" panose="02020600060500020200" pitchFamily="18" charset="0"/>
+                          <a:cs typeface="Noto Serif" panose="02020600060500020200" pitchFamily="18" charset="0"/>
+                        </a:rPr>
+                        <a:t>và</a:t>
+                      </a:r>
+                      <a:r>
+                        <a:rPr kumimoji="0" lang="en-US" sz="3200" b="0" i="0" u="none" strike="noStrike" kern="1200" cap="none" spc="0" normalizeH="0" baseline="0" noProof="0" dirty="0">
+                          <a:ln>
+                            <a:noFill/>
+                          </a:ln>
+                          <a:solidFill>
+                            <a:prstClr val="black"/>
+                          </a:solidFill>
+                          <a:effectLst/>
+                          <a:uLnTx/>
+                          <a:uFillTx/>
+                          <a:latin typeface="Noto Serif" panose="02020600060500020200" pitchFamily="18" charset="0"/>
+                          <a:ea typeface="Noto Serif" panose="02020600060500020200" pitchFamily="18" charset="0"/>
+                          <a:cs typeface="Noto Serif" panose="02020600060500020200" pitchFamily="18" charset="0"/>
+                        </a:rPr>
+                        <a:t> </a:t>
+                      </a:r>
+                      <a:r>
+                        <a:rPr kumimoji="0" lang="en-US" sz="3200" b="0" i="0" u="none" strike="noStrike" kern="1200" cap="none" spc="0" normalizeH="0" baseline="0" noProof="0" dirty="0" err="1">
+                          <a:ln>
+                            <a:noFill/>
+                          </a:ln>
+                          <a:solidFill>
+                            <a:prstClr val="black"/>
+                          </a:solidFill>
+                          <a:effectLst/>
+                          <a:uLnTx/>
+                          <a:uFillTx/>
+                          <a:latin typeface="Noto Serif" panose="02020600060500020200" pitchFamily="18" charset="0"/>
+                          <a:ea typeface="Noto Serif" panose="02020600060500020200" pitchFamily="18" charset="0"/>
+                          <a:cs typeface="Noto Serif" panose="02020600060500020200" pitchFamily="18" charset="0"/>
+                        </a:rPr>
+                        <a:t>đánh</a:t>
+                      </a:r>
+                      <a:r>
+                        <a:rPr kumimoji="0" lang="en-US" sz="3200" b="0" i="0" u="none" strike="noStrike" kern="1200" cap="none" spc="0" normalizeH="0" baseline="0" noProof="0" dirty="0">
+                          <a:ln>
+                            <a:noFill/>
+                          </a:ln>
+                          <a:solidFill>
+                            <a:prstClr val="black"/>
+                          </a:solidFill>
+                          <a:effectLst/>
+                          <a:uLnTx/>
+                          <a:uFillTx/>
+                          <a:latin typeface="Noto Serif" panose="02020600060500020200" pitchFamily="18" charset="0"/>
+                          <a:ea typeface="Noto Serif" panose="02020600060500020200" pitchFamily="18" charset="0"/>
+                          <a:cs typeface="Noto Serif" panose="02020600060500020200" pitchFamily="18" charset="0"/>
+                        </a:rPr>
+                        <a:t> </a:t>
+                      </a:r>
+                      <a:r>
+                        <a:rPr kumimoji="0" lang="en-US" sz="3200" b="0" i="0" u="none" strike="noStrike" kern="1200" cap="none" spc="0" normalizeH="0" baseline="0" noProof="0" dirty="0" err="1">
+                          <a:ln>
+                            <a:noFill/>
+                          </a:ln>
+                          <a:solidFill>
+                            <a:prstClr val="black"/>
+                          </a:solidFill>
+                          <a:effectLst/>
+                          <a:uLnTx/>
+                          <a:uFillTx/>
+                          <a:latin typeface="Noto Serif" panose="02020600060500020200" pitchFamily="18" charset="0"/>
+                          <a:ea typeface="Noto Serif" panose="02020600060500020200" pitchFamily="18" charset="0"/>
+                          <a:cs typeface="Noto Serif" panose="02020600060500020200" pitchFamily="18" charset="0"/>
+                        </a:rPr>
+                        <a:t>giá</a:t>
+                      </a:r>
+                      <a:r>
+                        <a:rPr kumimoji="0" lang="en-US" sz="3200" b="0" i="0" u="none" strike="noStrike" kern="1200" cap="none" spc="0" normalizeH="0" baseline="0" noProof="0" dirty="0">
+                          <a:ln>
+                            <a:noFill/>
+                          </a:ln>
+                          <a:solidFill>
+                            <a:prstClr val="black"/>
+                          </a:solidFill>
+                          <a:effectLst/>
+                          <a:uLnTx/>
+                          <a:uFillTx/>
+                          <a:latin typeface="Noto Serif" panose="02020600060500020200" pitchFamily="18" charset="0"/>
+                          <a:ea typeface="Noto Serif" panose="02020600060500020200" pitchFamily="18" charset="0"/>
+                          <a:cs typeface="Noto Serif" panose="02020600060500020200" pitchFamily="18" charset="0"/>
+                        </a:rPr>
+                        <a:t> </a:t>
+                      </a:r>
+                      <a:r>
+                        <a:rPr kumimoji="0" lang="en-US" sz="3200" b="0" i="0" u="none" strike="noStrike" kern="1200" cap="none" spc="0" normalizeH="0" baseline="0" noProof="0" dirty="0" err="1">
+                          <a:ln>
+                            <a:noFill/>
+                          </a:ln>
+                          <a:solidFill>
+                            <a:prstClr val="black"/>
+                          </a:solidFill>
+                          <a:effectLst/>
+                          <a:uLnTx/>
+                          <a:uFillTx/>
+                          <a:latin typeface="Noto Serif" panose="02020600060500020200" pitchFamily="18" charset="0"/>
+                          <a:ea typeface="Noto Serif" panose="02020600060500020200" pitchFamily="18" charset="0"/>
+                          <a:cs typeface="Noto Serif" panose="02020600060500020200" pitchFamily="18" charset="0"/>
+                        </a:rPr>
+                        <a:t>mô</a:t>
+                      </a:r>
+                      <a:r>
+                        <a:rPr kumimoji="0" lang="en-US" sz="3200" b="0" i="0" u="none" strike="noStrike" kern="1200" cap="none" spc="0" normalizeH="0" baseline="0" noProof="0" dirty="0">
+                          <a:ln>
+                            <a:noFill/>
+                          </a:ln>
+                          <a:solidFill>
+                            <a:prstClr val="black"/>
+                          </a:solidFill>
+                          <a:effectLst/>
+                          <a:uLnTx/>
+                          <a:uFillTx/>
+                          <a:latin typeface="Noto Serif" panose="02020600060500020200" pitchFamily="18" charset="0"/>
+                          <a:ea typeface="Noto Serif" panose="02020600060500020200" pitchFamily="18" charset="0"/>
+                          <a:cs typeface="Noto Serif" panose="02020600060500020200" pitchFamily="18" charset="0"/>
+                        </a:rPr>
+                        <a:t> </a:t>
+                      </a:r>
+                      <a:r>
+                        <a:rPr kumimoji="0" lang="en-US" sz="3200" b="0" i="0" u="none" strike="noStrike" kern="1200" cap="none" spc="0" normalizeH="0" baseline="0" noProof="0" dirty="0" err="1">
+                          <a:ln>
+                            <a:noFill/>
+                          </a:ln>
+                          <a:solidFill>
+                            <a:prstClr val="black"/>
+                          </a:solidFill>
+                          <a:effectLst/>
+                          <a:uLnTx/>
+                          <a:uFillTx/>
+                          <a:latin typeface="Noto Serif" panose="02020600060500020200" pitchFamily="18" charset="0"/>
+                          <a:ea typeface="Noto Serif" panose="02020600060500020200" pitchFamily="18" charset="0"/>
+                          <a:cs typeface="Noto Serif" panose="02020600060500020200" pitchFamily="18" charset="0"/>
+                        </a:rPr>
+                        <a:t>hình</a:t>
+                      </a:r>
+                      <a:r>
+                        <a:rPr kumimoji="0" lang="en-US" sz="3200" b="0" i="0" u="none" strike="noStrike" kern="1200" cap="none" spc="0" normalizeH="0" baseline="0" noProof="0" dirty="0">
+                          <a:ln>
+                            <a:noFill/>
+                          </a:ln>
+                          <a:solidFill>
+                            <a:prstClr val="black"/>
+                          </a:solidFill>
+                          <a:effectLst/>
+                          <a:uLnTx/>
+                          <a:uFillTx/>
+                          <a:latin typeface="Noto Serif" panose="02020600060500020200" pitchFamily="18" charset="0"/>
+                          <a:ea typeface="Noto Serif" panose="02020600060500020200" pitchFamily="18" charset="0"/>
+                          <a:cs typeface="Noto Serif" panose="02020600060500020200" pitchFamily="18" charset="0"/>
+                        </a:rPr>
+                        <a:t>, </a:t>
+                      </a:r>
+                      <a:r>
+                        <a:rPr kumimoji="0" lang="en-US" sz="3200" b="0" i="0" u="none" strike="noStrike" kern="1200" cap="none" spc="0" normalizeH="0" baseline="0" noProof="0" dirty="0" err="1">
+                          <a:ln>
+                            <a:noFill/>
+                          </a:ln>
+                          <a:solidFill>
+                            <a:prstClr val="black"/>
+                          </a:solidFill>
+                          <a:effectLst/>
+                          <a:uLnTx/>
+                          <a:uFillTx/>
+                          <a:latin typeface="Noto Serif" panose="02020600060500020200" pitchFamily="18" charset="0"/>
+                          <a:ea typeface="Noto Serif" panose="02020600060500020200" pitchFamily="18" charset="0"/>
+                          <a:cs typeface="Noto Serif" panose="02020600060500020200" pitchFamily="18" charset="0"/>
+                        </a:rPr>
+                        <a:t>tập</a:t>
+                      </a:r>
+                      <a:r>
+                        <a:rPr kumimoji="0" lang="en-US" sz="3200" b="0" i="0" u="none" strike="noStrike" kern="1200" cap="none" spc="0" normalizeH="0" baseline="0" noProof="0" dirty="0">
+                          <a:ln>
+                            <a:noFill/>
+                          </a:ln>
+                          <a:solidFill>
+                            <a:prstClr val="black"/>
+                          </a:solidFill>
+                          <a:effectLst/>
+                          <a:uLnTx/>
+                          <a:uFillTx/>
+                          <a:latin typeface="Noto Serif" panose="02020600060500020200" pitchFamily="18" charset="0"/>
+                          <a:ea typeface="Noto Serif" panose="02020600060500020200" pitchFamily="18" charset="0"/>
+                          <a:cs typeface="Noto Serif" panose="02020600060500020200" pitchFamily="18" charset="0"/>
+                        </a:rPr>
+                        <a:t> </a:t>
+                      </a:r>
+                      <a:r>
+                        <a:rPr kumimoji="0" lang="en-US" sz="3200" b="0" i="0" u="none" strike="noStrike" kern="1200" cap="none" spc="0" normalizeH="0" baseline="0" noProof="0" dirty="0" err="1">
+                          <a:ln>
+                            <a:noFill/>
+                          </a:ln>
+                          <a:solidFill>
+                            <a:prstClr val="black"/>
+                          </a:solidFill>
+                          <a:effectLst/>
+                          <a:uLnTx/>
+                          <a:uFillTx/>
+                          <a:latin typeface="Noto Serif" panose="02020600060500020200" pitchFamily="18" charset="0"/>
+                          <a:ea typeface="Noto Serif" panose="02020600060500020200" pitchFamily="18" charset="0"/>
+                          <a:cs typeface="Noto Serif" panose="02020600060500020200" pitchFamily="18" charset="0"/>
+                        </a:rPr>
+                        <a:t>hợp</a:t>
+                      </a:r>
+                      <a:r>
+                        <a:rPr kumimoji="0" lang="en-US" sz="3200" b="0" i="0" u="none" strike="noStrike" kern="1200" cap="none" spc="0" normalizeH="0" baseline="0" noProof="0" dirty="0">
+                          <a:ln>
+                            <a:noFill/>
+                          </a:ln>
+                          <a:solidFill>
+                            <a:prstClr val="black"/>
+                          </a:solidFill>
+                          <a:effectLst/>
+                          <a:uLnTx/>
+                          <a:uFillTx/>
+                          <a:latin typeface="Noto Serif" panose="02020600060500020200" pitchFamily="18" charset="0"/>
+                          <a:ea typeface="Noto Serif" panose="02020600060500020200" pitchFamily="18" charset="0"/>
+                          <a:cs typeface="Noto Serif" panose="02020600060500020200" pitchFamily="18" charset="0"/>
+                        </a:rPr>
+                        <a:t> </a:t>
+                      </a:r>
+                      <a:r>
+                        <a:rPr kumimoji="0" lang="en-US" sz="3200" b="0" i="0" u="none" strike="noStrike" kern="1200" cap="none" spc="0" normalizeH="0" baseline="0" noProof="0" dirty="0" err="1">
+                          <a:ln>
+                            <a:noFill/>
+                          </a:ln>
+                          <a:solidFill>
+                            <a:prstClr val="black"/>
+                          </a:solidFill>
+                          <a:effectLst/>
+                          <a:uLnTx/>
+                          <a:uFillTx/>
+                          <a:latin typeface="Noto Serif" panose="02020600060500020200" pitchFamily="18" charset="0"/>
+                          <a:ea typeface="Noto Serif" panose="02020600060500020200" pitchFamily="18" charset="0"/>
+                          <a:cs typeface="Noto Serif" panose="02020600060500020200" pitchFamily="18" charset="0"/>
+                        </a:rPr>
+                        <a:t>kết</a:t>
+                      </a:r>
+                      <a:r>
+                        <a:rPr kumimoji="0" lang="en-US" sz="3200" b="0" i="0" u="none" strike="noStrike" kern="1200" cap="none" spc="0" normalizeH="0" baseline="0" noProof="0" dirty="0">
+                          <a:ln>
+                            <a:noFill/>
+                          </a:ln>
+                          <a:solidFill>
+                            <a:prstClr val="black"/>
+                          </a:solidFill>
+                          <a:effectLst/>
+                          <a:uLnTx/>
+                          <a:uFillTx/>
+                          <a:latin typeface="Noto Serif" panose="02020600060500020200" pitchFamily="18" charset="0"/>
+                          <a:ea typeface="Noto Serif" panose="02020600060500020200" pitchFamily="18" charset="0"/>
+                          <a:cs typeface="Noto Serif" panose="02020600060500020200" pitchFamily="18" charset="0"/>
+                        </a:rPr>
+                        <a:t> </a:t>
+                      </a:r>
+                      <a:r>
+                        <a:rPr kumimoji="0" lang="en-US" sz="3200" b="0" i="0" u="none" strike="noStrike" kern="1200" cap="none" spc="0" normalizeH="0" baseline="0" noProof="0" dirty="0" err="1">
+                          <a:ln>
+                            <a:noFill/>
+                          </a:ln>
+                          <a:solidFill>
+                            <a:prstClr val="black"/>
+                          </a:solidFill>
+                          <a:effectLst/>
+                          <a:uLnTx/>
+                          <a:uFillTx/>
+                          <a:latin typeface="Noto Serif" panose="02020600060500020200" pitchFamily="18" charset="0"/>
+                          <a:ea typeface="Noto Serif" panose="02020600060500020200" pitchFamily="18" charset="0"/>
+                          <a:cs typeface="Noto Serif" panose="02020600060500020200" pitchFamily="18" charset="0"/>
+                        </a:rPr>
+                        <a:t>quả</a:t>
+                      </a:r>
+                      <a:r>
+                        <a:rPr kumimoji="0" lang="en-US" sz="3200" b="0" i="0" u="none" strike="noStrike" kern="1200" cap="none" spc="0" normalizeH="0" baseline="0" noProof="0" dirty="0">
+                          <a:ln>
+                            <a:noFill/>
+                          </a:ln>
+                          <a:solidFill>
+                            <a:prstClr val="black"/>
+                          </a:solidFill>
+                          <a:effectLst/>
+                          <a:uLnTx/>
+                          <a:uFillTx/>
+                          <a:latin typeface="Noto Serif" panose="02020600060500020200" pitchFamily="18" charset="0"/>
+                          <a:ea typeface="Noto Serif" panose="02020600060500020200" pitchFamily="18" charset="0"/>
+                          <a:cs typeface="Noto Serif" panose="02020600060500020200" pitchFamily="18" charset="0"/>
+                        </a:rPr>
+                        <a:t> </a:t>
+                      </a:r>
+                      <a:r>
+                        <a:rPr kumimoji="0" lang="en-US" sz="3200" b="0" i="0" u="none" strike="noStrike" kern="1200" cap="none" spc="0" normalizeH="0" baseline="0" noProof="0" dirty="0" err="1">
+                          <a:ln>
+                            <a:noFill/>
+                          </a:ln>
+                          <a:solidFill>
+                            <a:prstClr val="black"/>
+                          </a:solidFill>
+                          <a:effectLst/>
+                          <a:uLnTx/>
+                          <a:uFillTx/>
+                          <a:latin typeface="Noto Serif" panose="02020600060500020200" pitchFamily="18" charset="0"/>
+                          <a:ea typeface="Noto Serif" panose="02020600060500020200" pitchFamily="18" charset="0"/>
+                          <a:cs typeface="Noto Serif" panose="02020600060500020200" pitchFamily="18" charset="0"/>
+                        </a:rPr>
+                        <a:t>đánh</a:t>
+                      </a:r>
+                      <a:r>
+                        <a:rPr kumimoji="0" lang="en-US" sz="3200" b="0" i="0" u="none" strike="noStrike" kern="1200" cap="none" spc="0" normalizeH="0" baseline="0" noProof="0" dirty="0">
+                          <a:ln>
+                            <a:noFill/>
+                          </a:ln>
+                          <a:solidFill>
+                            <a:prstClr val="black"/>
+                          </a:solidFill>
+                          <a:effectLst/>
+                          <a:uLnTx/>
+                          <a:uFillTx/>
+                          <a:latin typeface="Noto Serif" panose="02020600060500020200" pitchFamily="18" charset="0"/>
+                          <a:ea typeface="Noto Serif" panose="02020600060500020200" pitchFamily="18" charset="0"/>
+                          <a:cs typeface="Noto Serif" panose="02020600060500020200" pitchFamily="18" charset="0"/>
+                        </a:rPr>
+                        <a:t> </a:t>
+                      </a:r>
+                      <a:r>
+                        <a:rPr kumimoji="0" lang="en-US" sz="3200" b="0" i="0" u="none" strike="noStrike" kern="1200" cap="none" spc="0" normalizeH="0" baseline="0" noProof="0" dirty="0" err="1">
+                          <a:ln>
+                            <a:noFill/>
+                          </a:ln>
+                          <a:solidFill>
+                            <a:prstClr val="black"/>
+                          </a:solidFill>
+                          <a:effectLst/>
+                          <a:uLnTx/>
+                          <a:uFillTx/>
+                          <a:latin typeface="Noto Serif" panose="02020600060500020200" pitchFamily="18" charset="0"/>
+                          <a:ea typeface="Noto Serif" panose="02020600060500020200" pitchFamily="18" charset="0"/>
+                          <a:cs typeface="Noto Serif" panose="02020600060500020200" pitchFamily="18" charset="0"/>
+                        </a:rPr>
+                        <a:t>giá</a:t>
+                      </a:r>
+                      <a:r>
+                        <a:rPr kumimoji="0" lang="en-US" sz="3200" b="0" i="0" u="none" strike="noStrike" kern="1200" cap="none" spc="0" normalizeH="0" baseline="0" noProof="0">
+                          <a:ln>
+                            <a:noFill/>
+                          </a:ln>
+                          <a:solidFill>
+                            <a:prstClr val="black"/>
+                          </a:solidFill>
+                          <a:effectLst/>
+                          <a:uLnTx/>
+                          <a:uFillTx/>
+                          <a:latin typeface="Noto Serif" panose="02020600060500020200" pitchFamily="18" charset="0"/>
+                          <a:ea typeface="Noto Serif" panose="02020600060500020200" pitchFamily="18" charset="0"/>
+                          <a:cs typeface="Noto Serif" panose="02020600060500020200" pitchFamily="18" charset="0"/>
+                        </a:rPr>
+                        <a:t>.</a:t>
+                      </a:r>
+                      <a:endParaRPr kumimoji="0" lang="en-US" sz="3200" b="0" i="0" u="none" strike="noStrike" kern="1200" cap="none" spc="0" normalizeH="0" baseline="0" noProof="0" dirty="0">
+                        <a:ln>
+                          <a:noFill/>
+                        </a:ln>
+                        <a:solidFill>
+                          <a:prstClr val="black"/>
+                        </a:solidFill>
+                        <a:effectLst/>
+                        <a:uLnTx/>
+                        <a:uFillTx/>
+                        <a:latin typeface="Noto Serif" panose="02020600060500020200" pitchFamily="18" charset="0"/>
+                        <a:ea typeface="Noto Serif" panose="02020600060500020200" pitchFamily="18" charset="0"/>
+                        <a:cs typeface="Noto Serif" panose="02020600060500020200" pitchFamily="18" charset="0"/>
+                      </a:endParaRPr>
+                    </a:p>
+                    <a:p>
+                      <a:pPr marL="0" marR="0" lvl="0" indent="0" algn="l" defTabSz="914400" rtl="0" eaLnBrk="1" fontAlgn="auto" latinLnBrk="0" hangingPunct="1">
+                        <a:lnSpc>
+                          <a:spcPct val="100000"/>
+                        </a:lnSpc>
+                        <a:spcBef>
+                          <a:spcPts val="0"/>
+                        </a:spcBef>
+                        <a:spcAft>
+                          <a:spcPts val="0"/>
+                        </a:spcAft>
+                        <a:buClrTx/>
+                        <a:buSzTx/>
+                        <a:buFontTx/>
+                        <a:buNone/>
+                        <a:tabLst/>
+                        <a:defRPr/>
+                      </a:pPr>
+                      <a:endParaRPr kumimoji="0" lang="en-US" sz="3200" b="0" i="0" u="none" strike="noStrike" kern="1200" cap="none" spc="0" normalizeH="0" baseline="0" noProof="0" dirty="0">
+                        <a:ln>
+                          <a:noFill/>
+                        </a:ln>
+                        <a:solidFill>
+                          <a:prstClr val="black"/>
+                        </a:solidFill>
+                        <a:effectLst/>
+                        <a:uLnTx/>
+                        <a:uFillTx/>
+                        <a:latin typeface="Noto Serif" panose="02020600060500020200" pitchFamily="18" charset="0"/>
+                        <a:ea typeface="Noto Serif" panose="02020600060500020200" pitchFamily="18" charset="0"/>
+                        <a:cs typeface="Noto Serif" panose="02020600060500020200" pitchFamily="18" charset="0"/>
+                      </a:endParaRPr>
+                    </a:p>
+                    <a:p>
+                      <a:pPr marL="0" marR="0" lvl="0" indent="0" algn="l" defTabSz="914400" rtl="0" eaLnBrk="1" fontAlgn="auto" latinLnBrk="0" hangingPunct="1">
+                        <a:lnSpc>
+                          <a:spcPct val="100000"/>
+                        </a:lnSpc>
+                        <a:spcBef>
+                          <a:spcPts val="0"/>
+                        </a:spcBef>
+                        <a:spcAft>
+                          <a:spcPts val="0"/>
+                        </a:spcAft>
+                        <a:buClrTx/>
+                        <a:buSzTx/>
+                        <a:buFontTx/>
+                        <a:buNone/>
+                        <a:tabLst/>
+                        <a:defRPr/>
+                      </a:pPr>
+                      <a:r>
+                        <a:rPr kumimoji="0" lang="en-US" sz="3200" b="0" i="0" u="none" strike="noStrike" kern="1200" cap="none" spc="0" normalizeH="0" baseline="0" noProof="0" dirty="0" err="1">
+                          <a:ln>
+                            <a:noFill/>
+                          </a:ln>
+                          <a:solidFill>
+                            <a:prstClr val="black"/>
+                          </a:solidFill>
+                          <a:effectLst/>
+                          <a:uLnTx/>
+                          <a:uFillTx/>
+                          <a:latin typeface="Noto Serif" panose="02020600060500020200" pitchFamily="18" charset="0"/>
+                          <a:ea typeface="Noto Serif" panose="02020600060500020200" pitchFamily="18" charset="0"/>
+                          <a:cs typeface="Noto Serif" panose="02020600060500020200" pitchFamily="18" charset="0"/>
+                        </a:rPr>
+                        <a:t>Làm</a:t>
+                      </a:r>
+                      <a:r>
+                        <a:rPr kumimoji="0" lang="en-US" sz="3200" b="0" i="0" u="none" strike="noStrike" kern="1200" cap="none" spc="0" normalizeH="0" baseline="0" noProof="0" dirty="0">
+                          <a:ln>
+                            <a:noFill/>
+                          </a:ln>
+                          <a:solidFill>
+                            <a:prstClr val="black"/>
+                          </a:solidFill>
+                          <a:effectLst/>
+                          <a:uLnTx/>
+                          <a:uFillTx/>
+                          <a:latin typeface="Noto Serif" panose="02020600060500020200" pitchFamily="18" charset="0"/>
+                          <a:ea typeface="Noto Serif" panose="02020600060500020200" pitchFamily="18" charset="0"/>
+                          <a:cs typeface="Noto Serif" panose="02020600060500020200" pitchFamily="18" charset="0"/>
+                        </a:rPr>
+                        <a:t> </a:t>
+                      </a:r>
+                      <a:r>
+                        <a:rPr kumimoji="0" lang="en-US" sz="3200" b="0" i="0" u="none" strike="noStrike" kern="1200" cap="none" spc="0" normalizeH="0" baseline="0" noProof="0" dirty="0" err="1">
+                          <a:ln>
+                            <a:noFill/>
+                          </a:ln>
+                          <a:solidFill>
+                            <a:prstClr val="black"/>
+                          </a:solidFill>
+                          <a:effectLst/>
+                          <a:uLnTx/>
+                          <a:uFillTx/>
+                          <a:latin typeface="Noto Serif" panose="02020600060500020200" pitchFamily="18" charset="0"/>
+                          <a:ea typeface="Noto Serif" panose="02020600060500020200" pitchFamily="18" charset="0"/>
+                          <a:cs typeface="Noto Serif" panose="02020600060500020200" pitchFamily="18" charset="0"/>
+                        </a:rPr>
+                        <a:t>powerpoint</a:t>
+                      </a:r>
+                      <a:r>
+                        <a:rPr kumimoji="0" lang="en-US" sz="3200" b="0" i="0" u="none" strike="noStrike" kern="1200" cap="none" spc="0" normalizeH="0" baseline="0" noProof="0" dirty="0">
+                          <a:ln>
+                            <a:noFill/>
+                          </a:ln>
+                          <a:solidFill>
+                            <a:prstClr val="black"/>
+                          </a:solidFill>
+                          <a:effectLst/>
+                          <a:uLnTx/>
+                          <a:uFillTx/>
+                          <a:latin typeface="Noto Serif" panose="02020600060500020200" pitchFamily="18" charset="0"/>
+                          <a:ea typeface="Noto Serif" panose="02020600060500020200" pitchFamily="18" charset="0"/>
+                          <a:cs typeface="Noto Serif" panose="02020600060500020200" pitchFamily="18" charset="0"/>
+                        </a:rPr>
+                        <a:t>.</a:t>
+                      </a:r>
+                    </a:p>
+                    <a:p>
+                      <a:pPr marL="0" marR="0" lvl="0" indent="0" algn="l" defTabSz="914400" rtl="0" eaLnBrk="1" fontAlgn="auto" latinLnBrk="0" hangingPunct="1">
+                        <a:lnSpc>
+                          <a:spcPct val="100000"/>
+                        </a:lnSpc>
+                        <a:spcBef>
+                          <a:spcPts val="0"/>
+                        </a:spcBef>
+                        <a:spcAft>
+                          <a:spcPts val="0"/>
+                        </a:spcAft>
+                        <a:buClrTx/>
+                        <a:buSzTx/>
+                        <a:buFontTx/>
+                        <a:buNone/>
+                        <a:tabLst/>
+                        <a:defRPr/>
+                      </a:pPr>
+                      <a:endParaRPr kumimoji="0" lang="en-US" sz="3200" b="0" i="0" u="none" strike="noStrike" kern="1200" cap="none" spc="0" normalizeH="0" baseline="0" noProof="0" dirty="0">
+                        <a:ln>
+                          <a:noFill/>
+                        </a:ln>
+                        <a:solidFill>
+                          <a:prstClr val="black"/>
+                        </a:solidFill>
+                        <a:effectLst/>
+                        <a:uLnTx/>
+                        <a:uFillTx/>
+                        <a:latin typeface="Noto Serif" panose="02020600060500020200" pitchFamily="18" charset="0"/>
+                        <a:ea typeface="Noto Serif" panose="02020600060500020200" pitchFamily="18" charset="0"/>
+                        <a:cs typeface="Noto Serif" panose="02020600060500020200" pitchFamily="18" charset="0"/>
+                      </a:endParaRPr>
+                    </a:p>
+                    <a:p>
+                      <a:pPr marL="0" marR="0" lvl="0" indent="0" algn="l" defTabSz="914400" rtl="0" eaLnBrk="1" fontAlgn="auto" latinLnBrk="0" hangingPunct="1">
+                        <a:lnSpc>
+                          <a:spcPct val="100000"/>
+                        </a:lnSpc>
+                        <a:spcBef>
+                          <a:spcPts val="0"/>
+                        </a:spcBef>
+                        <a:spcAft>
+                          <a:spcPts val="0"/>
+                        </a:spcAft>
+                        <a:buClrTx/>
+                        <a:buSzTx/>
+                        <a:buFontTx/>
+                        <a:buNone/>
+                        <a:tabLst/>
+                        <a:defRPr/>
+                      </a:pPr>
+                      <a:endParaRPr kumimoji="0" lang="en-US" sz="3200" b="0" i="0" u="none" strike="noStrike" kern="1200" cap="none" spc="0" normalizeH="0" baseline="0" noProof="0" dirty="0">
+                        <a:ln>
+                          <a:noFill/>
+                        </a:ln>
+                        <a:solidFill>
+                          <a:prstClr val="black"/>
+                        </a:solidFill>
+                        <a:effectLst/>
+                        <a:uLnTx/>
+                        <a:uFillTx/>
+                        <a:latin typeface="Noto Serif" panose="02020600060500020200" pitchFamily="18" charset="0"/>
+                        <a:ea typeface="Noto Serif" panose="02020600060500020200" pitchFamily="18" charset="0"/>
+                        <a:cs typeface="Noto Serif" panose="02020600060500020200" pitchFamily="18" charset="0"/>
+                      </a:endParaRPr>
+                    </a:p>
+                    <a:p>
+                      <a:pPr marL="0" marR="0" lvl="0" indent="0" algn="l" defTabSz="914400" rtl="0" eaLnBrk="1" fontAlgn="auto" latinLnBrk="0" hangingPunct="1">
+                        <a:lnSpc>
+                          <a:spcPct val="100000"/>
+                        </a:lnSpc>
+                        <a:spcBef>
+                          <a:spcPts val="0"/>
+                        </a:spcBef>
+                        <a:spcAft>
+                          <a:spcPts val="0"/>
+                        </a:spcAft>
+                        <a:buClrTx/>
+                        <a:buSzTx/>
+                        <a:buFontTx/>
+                        <a:buNone/>
+                        <a:tabLst/>
+                        <a:defRPr/>
+                      </a:pPr>
+                      <a:endParaRPr kumimoji="0" lang="en-US" sz="3200" b="0" i="0" u="none" strike="noStrike" kern="1200" cap="none" spc="0" normalizeH="0" baseline="0" noProof="0" dirty="0">
+                        <a:ln>
+                          <a:noFill/>
+                        </a:ln>
+                        <a:solidFill>
+                          <a:prstClr val="black"/>
+                        </a:solidFill>
+                        <a:effectLst/>
+                        <a:uLnTx/>
+                        <a:uFillTx/>
+                        <a:latin typeface="Noto Serif" panose="02020600060500020200" pitchFamily="18" charset="0"/>
+                        <a:ea typeface="Noto Serif" panose="02020600060500020200" pitchFamily="18" charset="0"/>
+                        <a:cs typeface="Noto Serif" panose="02020600060500020200" pitchFamily="18" charset="0"/>
+                      </a:endParaRPr>
+                    </a:p>
+                    <a:p>
+                      <a:pPr marL="0" marR="0" lvl="0" indent="0" algn="l" defTabSz="914400" rtl="0" eaLnBrk="1" fontAlgn="auto" latinLnBrk="0" hangingPunct="1">
+                        <a:lnSpc>
+                          <a:spcPct val="100000"/>
+                        </a:lnSpc>
+                        <a:spcBef>
+                          <a:spcPts val="0"/>
+                        </a:spcBef>
+                        <a:spcAft>
+                          <a:spcPts val="0"/>
+                        </a:spcAft>
+                        <a:buClrTx/>
+                        <a:buSzTx/>
+                        <a:buFontTx/>
+                        <a:buNone/>
+                        <a:tabLst/>
+                        <a:defRPr/>
+                      </a:pPr>
+                      <a:endParaRPr kumimoji="0" lang="en-US" sz="3200" b="0" i="0" u="none" strike="noStrike" kern="1200" cap="none" spc="0" normalizeH="0" baseline="0" noProof="0" dirty="0">
+                        <a:ln>
+                          <a:noFill/>
+                        </a:ln>
+                        <a:solidFill>
+                          <a:prstClr val="black"/>
+                        </a:solidFill>
+                        <a:effectLst/>
+                        <a:uLnTx/>
+                        <a:uFillTx/>
+                        <a:latin typeface="Noto Serif" panose="02020600060500020200" pitchFamily="18" charset="0"/>
+                        <a:ea typeface="Noto Serif" panose="02020600060500020200" pitchFamily="18" charset="0"/>
+                        <a:cs typeface="Noto Serif" panose="02020600060500020200" pitchFamily="18" charset="0"/>
+                      </a:endParaRPr>
+                    </a:p>
+                    <a:p>
+                      <a:endParaRPr lang="en-US" dirty="0"/>
                     </a:p>
                   </a:txBody>
                   <a:tcPr/>

--- a/Final/Nhom01.pptx
+++ b/Final/Nhom01.pptx
@@ -7355,7 +7355,7 @@
                         <a:t>giá</a:t>
                       </a:r>
                       <a:r>
-                        <a:rPr kumimoji="0" lang="en-US" sz="3200" b="0" i="0" u="none" strike="noStrike" kern="1200" cap="none" spc="0" normalizeH="0" baseline="0" noProof="0">
+                        <a:rPr kumimoji="0" lang="en-US" sz="3200" b="0" i="0" u="none" strike="noStrike" kern="1200" cap="none" spc="0" normalizeH="0" baseline="0" noProof="0" dirty="0">
                           <a:ln>
                             <a:noFill/>
                           </a:ln>
@@ -7371,20 +7371,6 @@
                         </a:rPr>
                         <a:t>.</a:t>
                       </a:r>
-                      <a:endParaRPr kumimoji="0" lang="en-US" sz="3200" b="0" i="0" u="none" strike="noStrike" kern="1200" cap="none" spc="0" normalizeH="0" baseline="0" noProof="0" dirty="0">
-                        <a:ln>
-                          <a:noFill/>
-                        </a:ln>
-                        <a:solidFill>
-                          <a:prstClr val="black"/>
-                        </a:solidFill>
-                        <a:effectLst/>
-                        <a:uLnTx/>
-                        <a:uFillTx/>
-                        <a:latin typeface="Noto Serif" panose="02020600060500020200" pitchFamily="18" charset="0"/>
-                        <a:ea typeface="Noto Serif" panose="02020600060500020200" pitchFamily="18" charset="0"/>
-                        <a:cs typeface="Noto Serif" panose="02020600060500020200" pitchFamily="18" charset="0"/>
-                      </a:endParaRPr>
                     </a:p>
                     <a:p>
                       <a:pPr marL="0" marR="0" lvl="0" indent="0" algn="l" defTabSz="914400" rtl="0" eaLnBrk="1" fontAlgn="auto" latinLnBrk="0" hangingPunct="1">
@@ -12808,7 +12794,7 @@
         </p:blipFill>
         <p:spPr>
           <a:xfrm>
-            <a:off x="6541872" y="3114554"/>
+            <a:off x="6593043" y="3147892"/>
             <a:ext cx="4369018" cy="4212716"/>
           </a:xfrm>
           <a:prstGeom prst="rect">
@@ -12838,7 +12824,7 @@
         </p:blipFill>
         <p:spPr>
           <a:xfrm>
-            <a:off x="11582400" y="3128841"/>
+            <a:off x="11725438" y="3106934"/>
             <a:ext cx="5724362" cy="4179378"/>
           </a:xfrm>
           <a:prstGeom prst="rect">
